--- a/评审PPT/SE2019春-G11-总体设计+详细设计/SE2019春-G11-软件总体+详细设计PPT.pptx
+++ b/评审PPT/SE2019春-G11-总体设计+详细设计/SE2019春-G11-软件总体+详细设计PPT.pptx
@@ -5,7 +5,7 @@
     <p:sldMasterId id="2147483648" r:id="rId1"/>
   </p:sldMasterIdLst>
   <p:notesMasterIdLst>
-    <p:notesMasterId r:id="rId41"/>
+    <p:notesMasterId r:id="rId42"/>
   </p:notesMasterIdLst>
   <p:sldIdLst>
     <p:sldId id="256" r:id="rId2"/>
@@ -46,7 +46,8 @@
     <p:sldId id="322" r:id="rId37"/>
     <p:sldId id="321" r:id="rId38"/>
     <p:sldId id="306" r:id="rId39"/>
-    <p:sldId id="285" r:id="rId40"/>
+    <p:sldId id="333" r:id="rId40"/>
+    <p:sldId id="285" r:id="rId41"/>
   </p:sldIdLst>
   <p:sldSz cx="12192000" cy="6858000"/>
   <p:notesSz cx="6858000" cy="9144000"/>
@@ -4258,7 +4259,7 @@
           </a:ln>
           <a:extLst>
             <a:ext uri="{C572A759-6A51-4108-AA02-DFA0A04FC94B}">
-              <ma14:wrappingTextBoxFlag xmlns:ma14="http://schemas.microsoft.com/office/mac/drawingml/2011/main" xmlns="" val="1"/>
+              <ma14:wrappingTextBoxFlag xmlns="" xmlns:ma14="http://schemas.microsoft.com/office/mac/drawingml/2011/main" val="1"/>
             </a:ext>
           </a:extLst>
         </p:spPr>
@@ -4297,7 +4298,7 @@
           </a:ln>
           <a:extLst>
             <a:ext uri="{C572A759-6A51-4108-AA02-DFA0A04FC94B}">
-              <ma14:wrappingTextBoxFlag xmlns:ma14="http://schemas.microsoft.com/office/mac/drawingml/2011/main" xmlns="" val="1"/>
+              <ma14:wrappingTextBoxFlag xmlns="" xmlns:ma14="http://schemas.microsoft.com/office/mac/drawingml/2011/main" val="1"/>
             </a:ext>
           </a:extLst>
         </p:spPr>
@@ -5273,7 +5274,7 @@
           </a:ln>
           <a:extLst>
             <a:ext uri="{C572A759-6A51-4108-AA02-DFA0A04FC94B}">
-              <ma14:wrappingTextBoxFlag xmlns:ma14="http://schemas.microsoft.com/office/mac/drawingml/2011/main" xmlns="" val="1"/>
+              <ma14:wrappingTextBoxFlag xmlns="" xmlns:ma14="http://schemas.microsoft.com/office/mac/drawingml/2011/main" val="1"/>
             </a:ext>
           </a:extLst>
         </p:spPr>
@@ -5441,7 +5442,7 @@
           </a:ln>
           <a:extLst>
             <a:ext uri="{C572A759-6A51-4108-AA02-DFA0A04FC94B}">
-              <ma14:wrappingTextBoxFlag xmlns:ma14="http://schemas.microsoft.com/office/mac/drawingml/2011/main" xmlns="" val="1"/>
+              <ma14:wrappingTextBoxFlag xmlns="" xmlns:ma14="http://schemas.microsoft.com/office/mac/drawingml/2011/main" val="1"/>
             </a:ext>
           </a:extLst>
         </p:spPr>
@@ -5540,7 +5541,7 @@
           </a:ln>
           <a:extLst>
             <a:ext uri="{C572A759-6A51-4108-AA02-DFA0A04FC94B}">
-              <ma14:wrappingTextBoxFlag xmlns:ma14="http://schemas.microsoft.com/office/mac/drawingml/2011/main" xmlns="" val="1"/>
+              <ma14:wrappingTextBoxFlag xmlns="" xmlns:ma14="http://schemas.microsoft.com/office/mac/drawingml/2011/main" val="1"/>
             </a:ext>
           </a:extLst>
         </p:spPr>
@@ -5595,7 +5596,7 @@
           </a:ln>
           <a:extLst>
             <a:ext uri="{C572A759-6A51-4108-AA02-DFA0A04FC94B}">
-              <ma14:wrappingTextBoxFlag xmlns:ma14="http://schemas.microsoft.com/office/mac/drawingml/2011/main" xmlns="" val="1"/>
+              <ma14:wrappingTextBoxFlag xmlns="" xmlns:ma14="http://schemas.microsoft.com/office/mac/drawingml/2011/main" val="1"/>
             </a:ext>
           </a:extLst>
         </p:spPr>
@@ -5649,7 +5650,7 @@
           </a:ln>
           <a:extLst>
             <a:ext uri="{C572A759-6A51-4108-AA02-DFA0A04FC94B}">
-              <ma14:wrappingTextBoxFlag xmlns:ma14="http://schemas.microsoft.com/office/mac/drawingml/2011/main" xmlns="" val="1"/>
+              <ma14:wrappingTextBoxFlag xmlns="" xmlns:ma14="http://schemas.microsoft.com/office/mac/drawingml/2011/main" val="1"/>
             </a:ext>
           </a:extLst>
         </p:spPr>
@@ -6434,7 +6435,7 @@
           </a:ln>
           <a:extLst>
             <a:ext uri="{C572A759-6A51-4108-AA02-DFA0A04FC94B}">
-              <ma14:wrappingTextBoxFlag xmlns:ma14="http://schemas.microsoft.com/office/mac/drawingml/2011/main" xmlns="" val="1"/>
+              <ma14:wrappingTextBoxFlag xmlns="" xmlns:ma14="http://schemas.microsoft.com/office/mac/drawingml/2011/main" val="1"/>
             </a:ext>
           </a:extLst>
         </p:spPr>
@@ -7831,7 +7832,7 @@
           </a:ln>
           <a:extLst>
             <a:ext uri="{C572A759-6A51-4108-AA02-DFA0A04FC94B}">
-              <ma14:wrappingTextBoxFlag xmlns:ma14="http://schemas.microsoft.com/office/mac/drawingml/2011/main" xmlns="" val="1"/>
+              <ma14:wrappingTextBoxFlag xmlns="" xmlns:ma14="http://schemas.microsoft.com/office/mac/drawingml/2011/main" val="1"/>
             </a:ext>
           </a:extLst>
         </p:spPr>
@@ -9279,7 +9280,7 @@
           </a:ln>
           <a:extLst>
             <a:ext uri="{C572A759-6A51-4108-AA02-DFA0A04FC94B}">
-              <ma14:wrappingTextBoxFlag xmlns:ma14="http://schemas.microsoft.com/office/mac/drawingml/2011/main" xmlns="" val="1"/>
+              <ma14:wrappingTextBoxFlag xmlns="" xmlns:ma14="http://schemas.microsoft.com/office/mac/drawingml/2011/main" val="1"/>
             </a:ext>
           </a:extLst>
         </p:spPr>
@@ -10212,7 +10213,7 @@
           </a:ln>
           <a:extLst>
             <a:ext uri="{C572A759-6A51-4108-AA02-DFA0A04FC94B}">
-              <ma14:wrappingTextBoxFlag xmlns:ma14="http://schemas.microsoft.com/office/mac/drawingml/2011/main" xmlns="" val="1"/>
+              <ma14:wrappingTextBoxFlag xmlns="" xmlns:ma14="http://schemas.microsoft.com/office/mac/drawingml/2011/main" val="1"/>
             </a:ext>
           </a:extLst>
         </p:spPr>
@@ -10261,7 +10262,7 @@
           </a:ln>
           <a:extLst>
             <a:ext uri="{C572A759-6A51-4108-AA02-DFA0A04FC94B}">
-              <ma14:wrappingTextBoxFlag xmlns:ma14="http://schemas.microsoft.com/office/mac/drawingml/2011/main" xmlns="" val="1"/>
+              <ma14:wrappingTextBoxFlag xmlns="" xmlns:ma14="http://schemas.microsoft.com/office/mac/drawingml/2011/main" val="1"/>
             </a:ext>
           </a:extLst>
         </p:spPr>
@@ -10791,7 +10792,7 @@
           </a:ln>
           <a:extLst>
             <a:ext uri="{C572A759-6A51-4108-AA02-DFA0A04FC94B}">
-              <ma14:wrappingTextBoxFlag xmlns:ma14="http://schemas.microsoft.com/office/mac/drawingml/2011/main" xmlns="" val="1"/>
+              <ma14:wrappingTextBoxFlag xmlns="" xmlns:ma14="http://schemas.microsoft.com/office/mac/drawingml/2011/main" val="1"/>
             </a:ext>
           </a:extLst>
         </p:spPr>
@@ -10915,7 +10916,7 @@
           <a:graphicData uri="http://schemas.openxmlformats.org/presentationml/2006/ole">
             <mc:AlternateContent xmlns:mc="http://schemas.openxmlformats.org/markup-compatibility/2006">
               <mc:Choice xmlns:v="urn:schemas-microsoft-com:vml" Requires="v">
-                <p:oleObj spid="_x0000_s16407" r:id="rId4" imgW="6648514" imgH="2190886" progId="Visio.Drawing.15">
+                <p:oleObj spid="_x0000_s16411" r:id="rId4" imgW="6648514" imgH="2190886" progId="Visio.Drawing.15">
                   <p:embed/>
                 </p:oleObj>
               </mc:Choice>
@@ -11383,7 +11384,7 @@
           </a:ln>
           <a:extLst>
             <a:ext uri="{C572A759-6A51-4108-AA02-DFA0A04FC94B}">
-              <ma14:wrappingTextBoxFlag xmlns:ma14="http://schemas.microsoft.com/office/mac/drawingml/2011/main" xmlns="" val="1"/>
+              <ma14:wrappingTextBoxFlag xmlns="" xmlns:ma14="http://schemas.microsoft.com/office/mac/drawingml/2011/main" val="1"/>
             </a:ext>
           </a:extLst>
         </p:spPr>
@@ -11858,7 +11859,7 @@
           </a:ln>
           <a:extLst>
             <a:ext uri="{C572A759-6A51-4108-AA02-DFA0A04FC94B}">
-              <ma14:wrappingTextBoxFlag xmlns:ma14="http://schemas.microsoft.com/office/mac/drawingml/2011/main" xmlns="" val="1"/>
+              <ma14:wrappingTextBoxFlag xmlns="" xmlns:ma14="http://schemas.microsoft.com/office/mac/drawingml/2011/main" val="1"/>
             </a:ext>
           </a:extLst>
         </p:spPr>
@@ -11963,7 +11964,7 @@
           <p:nvPr>
             <p:extLst>
               <p:ext uri="{D42A27DB-BD31-4B8C-83A1-F6EECF244321}">
-                <p14:modId xmlns:p14="http://schemas.microsoft.com/office/powerpoint/2010/main" val="347001572"/>
+                <p14:modId xmlns:p14="http://schemas.microsoft.com/office/powerpoint/2010/main" val="268306567"/>
               </p:ext>
             </p:extLst>
           </p:nvPr>
@@ -11976,12 +11977,12 @@
           <a:graphicData uri="http://schemas.openxmlformats.org/presentationml/2006/ole">
             <mc:AlternateContent xmlns:mc="http://schemas.openxmlformats.org/markup-compatibility/2006">
               <mc:Choice xmlns:v="urn:schemas-microsoft-com:vml" Requires="v">
-                <p:oleObj spid="_x0000_s18455" name="Visio" r:id="rId4" imgW="8200853" imgH="3429000" progId="Visio.Drawing.15">
+                <p:oleObj spid="_x0000_s18459" name="Visio" r:id="rId4" imgW="8200892" imgH="3428822" progId="Visio.Drawing.15">
                   <p:link updateAutomatic="1"/>
                 </p:oleObj>
               </mc:Choice>
               <mc:Fallback>
-                <p:oleObj name="Visio" r:id="rId4" imgW="8200853" imgH="3429000" progId="Visio.Drawing.15">
+                <p:oleObj name="Visio" r:id="rId4" imgW="8200892" imgH="3428822" progId="Visio.Drawing.15">
                   <p:link updateAutomatic="1"/>
                   <p:pic>
                     <p:nvPicPr>
@@ -12328,7 +12329,7 @@
           </a:ln>
           <a:extLst>
             <a:ext uri="{C572A759-6A51-4108-AA02-DFA0A04FC94B}">
-              <ma14:wrappingTextBoxFlag xmlns:ma14="http://schemas.microsoft.com/office/mac/drawingml/2011/main" xmlns="" val="1"/>
+              <ma14:wrappingTextBoxFlag xmlns="" xmlns:ma14="http://schemas.microsoft.com/office/mac/drawingml/2011/main" val="1"/>
             </a:ext>
           </a:extLst>
         </p:spPr>
@@ -12919,7 +12920,7 @@
           </a:ln>
           <a:extLst>
             <a:ext uri="{C572A759-6A51-4108-AA02-DFA0A04FC94B}">
-              <ma14:wrappingTextBoxFlag xmlns:ma14="http://schemas.microsoft.com/office/mac/drawingml/2011/main" xmlns="" val="1"/>
+              <ma14:wrappingTextBoxFlag xmlns="" xmlns:ma14="http://schemas.microsoft.com/office/mac/drawingml/2011/main" val="1"/>
             </a:ext>
           </a:extLst>
         </p:spPr>
@@ -13404,7 +13405,7 @@
           </a:ln>
           <a:extLst>
             <a:ext uri="{C572A759-6A51-4108-AA02-DFA0A04FC94B}">
-              <ma14:wrappingTextBoxFlag xmlns:ma14="http://schemas.microsoft.com/office/mac/drawingml/2011/main" xmlns="" val="1"/>
+              <ma14:wrappingTextBoxFlag xmlns="" xmlns:ma14="http://schemas.microsoft.com/office/mac/drawingml/2011/main" val="1"/>
             </a:ext>
           </a:extLst>
         </p:spPr>
@@ -13896,7 +13897,7 @@
           </a:ln>
           <a:extLst>
             <a:ext uri="{C572A759-6A51-4108-AA02-DFA0A04FC94B}">
-              <ma14:wrappingTextBoxFlag xmlns:ma14="http://schemas.microsoft.com/office/mac/drawingml/2011/main" xmlns="" val="1"/>
+              <ma14:wrappingTextBoxFlag xmlns="" xmlns:ma14="http://schemas.microsoft.com/office/mac/drawingml/2011/main" val="1"/>
             </a:ext>
           </a:extLst>
         </p:spPr>
@@ -13945,7 +13946,7 @@
           </a:ln>
           <a:extLst>
             <a:ext uri="{C572A759-6A51-4108-AA02-DFA0A04FC94B}">
-              <ma14:wrappingTextBoxFlag xmlns:ma14="http://schemas.microsoft.com/office/mac/drawingml/2011/main" xmlns="" val="1"/>
+              <ma14:wrappingTextBoxFlag xmlns="" xmlns:ma14="http://schemas.microsoft.com/office/mac/drawingml/2011/main" val="1"/>
             </a:ext>
           </a:extLst>
         </p:spPr>
@@ -14024,7 +14025,7 @@
           </a:ln>
           <a:extLst>
             <a:ext uri="{C572A759-6A51-4108-AA02-DFA0A04FC94B}">
-              <ma14:wrappingTextBoxFlag xmlns:ma14="http://schemas.microsoft.com/office/mac/drawingml/2011/main" xmlns="" val="1"/>
+              <ma14:wrappingTextBoxFlag xmlns="" xmlns:ma14="http://schemas.microsoft.com/office/mac/drawingml/2011/main" val="1"/>
             </a:ext>
           </a:extLst>
         </p:spPr>
@@ -14073,7 +14074,7 @@
           </a:ln>
           <a:extLst>
             <a:ext uri="{C572A759-6A51-4108-AA02-DFA0A04FC94B}">
-              <ma14:wrappingTextBoxFlag xmlns:ma14="http://schemas.microsoft.com/office/mac/drawingml/2011/main" xmlns="" val="1"/>
+              <ma14:wrappingTextBoxFlag xmlns="" xmlns:ma14="http://schemas.microsoft.com/office/mac/drawingml/2011/main" val="1"/>
             </a:ext>
           </a:extLst>
         </p:spPr>
@@ -14121,7 +14122,7 @@
           </a:ln>
           <a:extLst>
             <a:ext uri="{C572A759-6A51-4108-AA02-DFA0A04FC94B}">
-              <ma14:wrappingTextBoxFlag xmlns:ma14="http://schemas.microsoft.com/office/mac/drawingml/2011/main" xmlns="" val="1"/>
+              <ma14:wrappingTextBoxFlag xmlns="" xmlns:ma14="http://schemas.microsoft.com/office/mac/drawingml/2011/main" val="1"/>
             </a:ext>
           </a:extLst>
         </p:spPr>
@@ -14170,7 +14171,7 @@
           </a:ln>
           <a:extLst>
             <a:ext uri="{C572A759-6A51-4108-AA02-DFA0A04FC94B}">
-              <ma14:wrappingTextBoxFlag xmlns:ma14="http://schemas.microsoft.com/office/mac/drawingml/2011/main" xmlns="" val="1"/>
+              <ma14:wrappingTextBoxFlag xmlns="" xmlns:ma14="http://schemas.microsoft.com/office/mac/drawingml/2011/main" val="1"/>
             </a:ext>
           </a:extLst>
         </p:spPr>
@@ -14219,7 +14220,7 @@
           </a:ln>
           <a:extLst>
             <a:ext uri="{C572A759-6A51-4108-AA02-DFA0A04FC94B}">
-              <ma14:wrappingTextBoxFlag xmlns:ma14="http://schemas.microsoft.com/office/mac/drawingml/2011/main" xmlns="" val="1"/>
+              <ma14:wrappingTextBoxFlag xmlns="" xmlns:ma14="http://schemas.microsoft.com/office/mac/drawingml/2011/main" val="1"/>
             </a:ext>
           </a:extLst>
         </p:spPr>
@@ -14311,7 +14312,7 @@
           </a:ln>
           <a:extLst>
             <a:ext uri="{C572A759-6A51-4108-AA02-DFA0A04FC94B}">
-              <ma14:wrappingTextBoxFlag xmlns:ma14="http://schemas.microsoft.com/office/mac/drawingml/2011/main" xmlns="" val="1"/>
+              <ma14:wrappingTextBoxFlag xmlns="" xmlns:ma14="http://schemas.microsoft.com/office/mac/drawingml/2011/main" val="1"/>
             </a:ext>
           </a:extLst>
         </p:spPr>
@@ -14400,7 +14401,7 @@
           </a:ln>
           <a:extLst>
             <a:ext uri="{C572A759-6A51-4108-AA02-DFA0A04FC94B}">
-              <ma14:wrappingTextBoxFlag xmlns:ma14="http://schemas.microsoft.com/office/mac/drawingml/2011/main" xmlns="" val="1"/>
+              <ma14:wrappingTextBoxFlag xmlns="" xmlns:ma14="http://schemas.microsoft.com/office/mac/drawingml/2011/main" val="1"/>
             </a:ext>
           </a:extLst>
         </p:spPr>
@@ -14455,7 +14456,7 @@
           </a:ln>
           <a:extLst>
             <a:ext uri="{C572A759-6A51-4108-AA02-DFA0A04FC94B}">
-              <ma14:wrappingTextBoxFlag xmlns:ma14="http://schemas.microsoft.com/office/mac/drawingml/2011/main" xmlns="" val="1"/>
+              <ma14:wrappingTextBoxFlag xmlns="" xmlns:ma14="http://schemas.microsoft.com/office/mac/drawingml/2011/main" val="1"/>
             </a:ext>
           </a:extLst>
         </p:spPr>
@@ -14509,7 +14510,7 @@
           </a:ln>
           <a:extLst>
             <a:ext uri="{C572A759-6A51-4108-AA02-DFA0A04FC94B}">
-              <ma14:wrappingTextBoxFlag xmlns:ma14="http://schemas.microsoft.com/office/mac/drawingml/2011/main" xmlns="" val="1"/>
+              <ma14:wrappingTextBoxFlag xmlns="" xmlns:ma14="http://schemas.microsoft.com/office/mac/drawingml/2011/main" val="1"/>
             </a:ext>
           </a:extLst>
         </p:spPr>
@@ -14749,7 +14750,7 @@
           </a:ln>
           <a:extLst>
             <a:ext uri="{C572A759-6A51-4108-AA02-DFA0A04FC94B}">
-              <ma14:wrappingTextBoxFlag xmlns:ma14="http://schemas.microsoft.com/office/mac/drawingml/2011/main" xmlns="" val="1"/>
+              <ma14:wrappingTextBoxFlag xmlns="" xmlns:ma14="http://schemas.microsoft.com/office/mac/drawingml/2011/main" val="1"/>
             </a:ext>
           </a:extLst>
         </p:spPr>
@@ -14803,7 +14804,7 @@
           </a:ln>
           <a:extLst>
             <a:ext uri="{C572A759-6A51-4108-AA02-DFA0A04FC94B}">
-              <ma14:wrappingTextBoxFlag xmlns:ma14="http://schemas.microsoft.com/office/mac/drawingml/2011/main" xmlns="" val="1"/>
+              <ma14:wrappingTextBoxFlag xmlns="" xmlns:ma14="http://schemas.microsoft.com/office/mac/drawingml/2011/main" val="1"/>
             </a:ext>
           </a:extLst>
         </p:spPr>
@@ -15820,7 +15821,7 @@
           </a:ln>
           <a:extLst>
             <a:ext uri="{C572A759-6A51-4108-AA02-DFA0A04FC94B}">
-              <ma14:wrappingTextBoxFlag xmlns:ma14="http://schemas.microsoft.com/office/mac/drawingml/2011/main" xmlns="" val="1"/>
+              <ma14:wrappingTextBoxFlag xmlns="" xmlns:ma14="http://schemas.microsoft.com/office/mac/drawingml/2011/main" val="1"/>
             </a:ext>
           </a:extLst>
         </p:spPr>
@@ -16541,7 +16542,7 @@
           </a:ln>
           <a:extLst>
             <a:ext uri="{C572A759-6A51-4108-AA02-DFA0A04FC94B}">
-              <ma14:wrappingTextBoxFlag xmlns:ma14="http://schemas.microsoft.com/office/mac/drawingml/2011/main" xmlns="" val="1"/>
+              <ma14:wrappingTextBoxFlag xmlns="" xmlns:ma14="http://schemas.microsoft.com/office/mac/drawingml/2011/main" val="1"/>
             </a:ext>
           </a:extLst>
         </p:spPr>
@@ -16683,7 +16684,7 @@
           </a:ln>
           <a:extLst>
             <a:ext uri="{C572A759-6A51-4108-AA02-DFA0A04FC94B}">
-              <ma14:wrappingTextBoxFlag xmlns:ma14="http://schemas.microsoft.com/office/mac/drawingml/2011/main" xmlns="" val="1"/>
+              <ma14:wrappingTextBoxFlag xmlns="" xmlns:ma14="http://schemas.microsoft.com/office/mac/drawingml/2011/main" val="1"/>
             </a:ext>
           </a:extLst>
         </p:spPr>
@@ -17019,7 +17020,7 @@
         <p15:prstTrans prst="pageCurlDouble"/>
       </p:transition>
     </mc:Choice>
-    <mc:Choice xmlns:p14="http://schemas.microsoft.com/office/powerpoint/2010/main" xmlns="" Requires="p14">
+    <mc:Choice xmlns="" xmlns:p14="http://schemas.microsoft.com/office/powerpoint/2010/main" Requires="p14">
       <p:transition spd="slow" advClick="0" advTm="9000" p14:dur="1200">
         <p14:prism dir="l"/>
       </p:transition>
@@ -17700,7 +17701,7 @@
           </a:ln>
           <a:extLst>
             <a:ext uri="{C572A759-6A51-4108-AA02-DFA0A04FC94B}">
-              <ma14:wrappingTextBoxFlag xmlns:ma14="http://schemas.microsoft.com/office/mac/drawingml/2011/main" xmlns="" val="1"/>
+              <ma14:wrappingTextBoxFlag xmlns="" xmlns:ma14="http://schemas.microsoft.com/office/mac/drawingml/2011/main" val="1"/>
             </a:ext>
           </a:extLst>
         </p:spPr>
@@ -17753,7 +17754,7 @@
           </a:ln>
           <a:extLst>
             <a:ext uri="{C572A759-6A51-4108-AA02-DFA0A04FC94B}">
-              <ma14:wrappingTextBoxFlag xmlns:ma14="http://schemas.microsoft.com/office/mac/drawingml/2011/main" xmlns="" val="1"/>
+              <ma14:wrappingTextBoxFlag xmlns="" xmlns:ma14="http://schemas.microsoft.com/office/mac/drawingml/2011/main" val="1"/>
             </a:ext>
           </a:extLst>
         </p:spPr>
@@ -18283,7 +18284,7 @@
           </a:ln>
           <a:extLst>
             <a:ext uri="{C572A759-6A51-4108-AA02-DFA0A04FC94B}">
-              <ma14:wrappingTextBoxFlag xmlns:ma14="http://schemas.microsoft.com/office/mac/drawingml/2011/main" xmlns="" val="1"/>
+              <ma14:wrappingTextBoxFlag xmlns="" xmlns:ma14="http://schemas.microsoft.com/office/mac/drawingml/2011/main" val="1"/>
             </a:ext>
           </a:extLst>
         </p:spPr>
@@ -19007,7 +19008,7 @@
           </a:ln>
           <a:extLst>
             <a:ext uri="{C572A759-6A51-4108-AA02-DFA0A04FC94B}">
-              <ma14:wrappingTextBoxFlag xmlns:ma14="http://schemas.microsoft.com/office/mac/drawingml/2011/main" xmlns="" val="1"/>
+              <ma14:wrappingTextBoxFlag xmlns="" xmlns:ma14="http://schemas.microsoft.com/office/mac/drawingml/2011/main" val="1"/>
             </a:ext>
           </a:extLst>
         </p:spPr>
@@ -20075,7 +20076,7 @@
           </a:ln>
           <a:extLst>
             <a:ext uri="{C572A759-6A51-4108-AA02-DFA0A04FC94B}">
-              <ma14:wrappingTextBoxFlag xmlns:ma14="http://schemas.microsoft.com/office/mac/drawingml/2011/main" xmlns="" val="1"/>
+              <ma14:wrappingTextBoxFlag xmlns="" xmlns:ma14="http://schemas.microsoft.com/office/mac/drawingml/2011/main" val="1"/>
             </a:ext>
           </a:extLst>
         </p:spPr>
@@ -20614,7 +20615,7 @@
           </a:ln>
           <a:extLst>
             <a:ext uri="{C572A759-6A51-4108-AA02-DFA0A04FC94B}">
-              <ma14:wrappingTextBoxFlag xmlns:ma14="http://schemas.microsoft.com/office/mac/drawingml/2011/main" xmlns="" val="1"/>
+              <ma14:wrappingTextBoxFlag xmlns="" xmlns:ma14="http://schemas.microsoft.com/office/mac/drawingml/2011/main" val="1"/>
             </a:ext>
           </a:extLst>
         </p:spPr>
@@ -21130,7 +21131,7 @@
           </a:ln>
           <a:extLst>
             <a:ext uri="{C572A759-6A51-4108-AA02-DFA0A04FC94B}">
-              <ma14:wrappingTextBoxFlag xmlns:ma14="http://schemas.microsoft.com/office/mac/drawingml/2011/main" xmlns="" val="1"/>
+              <ma14:wrappingTextBoxFlag xmlns="" xmlns:ma14="http://schemas.microsoft.com/office/mac/drawingml/2011/main" val="1"/>
             </a:ext>
           </a:extLst>
         </p:spPr>
@@ -22047,7 +22048,7 @@
           </a:ln>
           <a:extLst>
             <a:ext uri="{C572A759-6A51-4108-AA02-DFA0A04FC94B}">
-              <ma14:wrappingTextBoxFlag xmlns:ma14="http://schemas.microsoft.com/office/mac/drawingml/2011/main" xmlns="" val="1"/>
+              <ma14:wrappingTextBoxFlag xmlns="" xmlns:ma14="http://schemas.microsoft.com/office/mac/drawingml/2011/main" val="1"/>
             </a:ext>
           </a:extLst>
         </p:spPr>
@@ -22668,7 +22669,7 @@
           </a:ln>
           <a:extLst>
             <a:ext uri="{C572A759-6A51-4108-AA02-DFA0A04FC94B}">
-              <ma14:wrappingTextBoxFlag xmlns:ma14="http://schemas.microsoft.com/office/mac/drawingml/2011/main" xmlns="" val="1"/>
+              <ma14:wrappingTextBoxFlag xmlns="" xmlns:ma14="http://schemas.microsoft.com/office/mac/drawingml/2011/main" val="1"/>
             </a:ext>
           </a:extLst>
         </p:spPr>
@@ -22717,7 +22718,7 @@
           </a:ln>
           <a:extLst>
             <a:ext uri="{C572A759-6A51-4108-AA02-DFA0A04FC94B}">
-              <ma14:wrappingTextBoxFlag xmlns:ma14="http://schemas.microsoft.com/office/mac/drawingml/2011/main" xmlns="" val="1"/>
+              <ma14:wrappingTextBoxFlag xmlns="" xmlns:ma14="http://schemas.microsoft.com/office/mac/drawingml/2011/main" val="1"/>
             </a:ext>
           </a:extLst>
         </p:spPr>
@@ -23307,7 +23308,7 @@
           </a:ln>
           <a:extLst>
             <a:ext uri="{C572A759-6A51-4108-AA02-DFA0A04FC94B}">
-              <ma14:wrappingTextBoxFlag xmlns:ma14="http://schemas.microsoft.com/office/mac/drawingml/2011/main" xmlns="" val="1"/>
+              <ma14:wrappingTextBoxFlag xmlns="" xmlns:ma14="http://schemas.microsoft.com/office/mac/drawingml/2011/main" val="1"/>
             </a:ext>
           </a:extLst>
         </p:spPr>
@@ -23390,7 +23391,7 @@
           </a:ln>
           <a:extLst>
             <a:ext uri="{C572A759-6A51-4108-AA02-DFA0A04FC94B}">
-              <ma14:wrappingTextBoxFlag xmlns:ma14="http://schemas.microsoft.com/office/mac/drawingml/2011/main" xmlns="" val="1"/>
+              <ma14:wrappingTextBoxFlag xmlns="" xmlns:ma14="http://schemas.microsoft.com/office/mac/drawingml/2011/main" val="1"/>
             </a:ext>
           </a:extLst>
         </p:spPr>
@@ -24092,7 +24093,7 @@
           </a:ln>
           <a:extLst>
             <a:ext uri="{C572A759-6A51-4108-AA02-DFA0A04FC94B}">
-              <ma14:wrappingTextBoxFlag xmlns:ma14="http://schemas.microsoft.com/office/mac/drawingml/2011/main" xmlns="" val="1"/>
+              <ma14:wrappingTextBoxFlag xmlns="" xmlns:ma14="http://schemas.microsoft.com/office/mac/drawingml/2011/main" val="1"/>
             </a:ext>
           </a:extLst>
         </p:spPr>
@@ -24957,7 +24958,7 @@
           </a:ln>
           <a:extLst>
             <a:ext uri="{C572A759-6A51-4108-AA02-DFA0A04FC94B}">
-              <ma14:wrappingTextBoxFlag xmlns:ma14="http://schemas.microsoft.com/office/mac/drawingml/2011/main" xmlns="" val="1"/>
+              <ma14:wrappingTextBoxFlag xmlns="" xmlns:ma14="http://schemas.microsoft.com/office/mac/drawingml/2011/main" val="1"/>
             </a:ext>
           </a:extLst>
         </p:spPr>
@@ -25006,7 +25007,7 @@
           </a:ln>
           <a:extLst>
             <a:ext uri="{C572A759-6A51-4108-AA02-DFA0A04FC94B}">
-              <ma14:wrappingTextBoxFlag xmlns:ma14="http://schemas.microsoft.com/office/mac/drawingml/2011/main" xmlns="" val="1"/>
+              <ma14:wrappingTextBoxFlag xmlns="" xmlns:ma14="http://schemas.microsoft.com/office/mac/drawingml/2011/main" val="1"/>
             </a:ext>
           </a:extLst>
         </p:spPr>
@@ -25596,7 +25597,7 @@
           </a:ln>
           <a:extLst>
             <a:ext uri="{C572A759-6A51-4108-AA02-DFA0A04FC94B}">
-              <ma14:wrappingTextBoxFlag xmlns:ma14="http://schemas.microsoft.com/office/mac/drawingml/2011/main" xmlns="" val="1"/>
+              <ma14:wrappingTextBoxFlag xmlns="" xmlns:ma14="http://schemas.microsoft.com/office/mac/drawingml/2011/main" val="1"/>
             </a:ext>
           </a:extLst>
         </p:spPr>
@@ -25647,7 +25648,7 @@
           </a:ln>
           <a:extLst>
             <a:ext uri="{C572A759-6A51-4108-AA02-DFA0A04FC94B}">
-              <ma14:wrappingTextBoxFlag xmlns:ma14="http://schemas.microsoft.com/office/mac/drawingml/2011/main" xmlns="" val="1"/>
+              <ma14:wrappingTextBoxFlag xmlns="" xmlns:ma14="http://schemas.microsoft.com/office/mac/drawingml/2011/main" val="1"/>
             </a:ext>
           </a:extLst>
         </p:spPr>
@@ -26348,7 +26349,7 @@
           </a:ln>
           <a:extLst>
             <a:ext uri="{C572A759-6A51-4108-AA02-DFA0A04FC94B}">
-              <ma14:wrappingTextBoxFlag xmlns:ma14="http://schemas.microsoft.com/office/mac/drawingml/2011/main" xmlns="" val="1"/>
+              <ma14:wrappingTextBoxFlag xmlns="" xmlns:ma14="http://schemas.microsoft.com/office/mac/drawingml/2011/main" val="1"/>
             </a:ext>
           </a:extLst>
         </p:spPr>
@@ -26397,7 +26398,7 @@
           </a:ln>
           <a:extLst>
             <a:ext uri="{C572A759-6A51-4108-AA02-DFA0A04FC94B}">
-              <ma14:wrappingTextBoxFlag xmlns:ma14="http://schemas.microsoft.com/office/mac/drawingml/2011/main" xmlns="" val="1"/>
+              <ma14:wrappingTextBoxFlag xmlns="" xmlns:ma14="http://schemas.microsoft.com/office/mac/drawingml/2011/main" val="1"/>
             </a:ext>
           </a:extLst>
         </p:spPr>
@@ -26860,7 +26861,7 @@
         </p:nvGrpSpPr>
         <p:grpSpPr>
           <a:xfrm>
-            <a:off x="4931018" y="2036475"/>
+            <a:off x="3980042" y="1963323"/>
             <a:ext cx="1914863" cy="2086875"/>
             <a:chOff x="2938584" y="2242373"/>
             <a:chExt cx="2319215" cy="2319215"/>
@@ -26957,8 +26958,8 @@
         </p:nvSpPr>
         <p:spPr>
           <a:xfrm>
-            <a:off x="4818286" y="4372790"/>
-            <a:ext cx="2140326" cy="923330"/>
+            <a:off x="3867310" y="4299638"/>
+            <a:ext cx="2140326" cy="646331"/>
           </a:xfrm>
           <a:prstGeom prst="rect">
             <a:avLst/>
@@ -26980,20 +26981,10 @@
           <a:p>
             <a:pPr algn="ctr"/>
             <a:r>
-              <a:rPr lang="zh-CN" altLang="en-US" dirty="0"/>
+              <a:rPr lang="zh-CN" altLang="en-US" dirty="0" smtClean="0"/>
               <a:t>会议记录</a:t>
             </a:r>
             <a:endParaRPr lang="en-US" altLang="zh-CN" dirty="0"/>
-          </a:p>
-          <a:p>
-            <a:pPr algn="ctr"/>
-            <a:r>
-              <a:rPr lang="zh-CN" altLang="en-US" dirty="0">
-                <a:hlinkClick r:id="rId4" action="ppaction://hlinkfile"/>
-              </a:rPr>
-              <a:t>录音</a:t>
-            </a:r>
-            <a:endParaRPr lang="zh-CN" altLang="en-US" dirty="0"/>
           </a:p>
         </p:txBody>
       </p:sp>
@@ -27012,7 +27003,7 @@
           <p:nvPr/>
         </p:nvPicPr>
         <p:blipFill>
-          <a:blip r:embed="rId5" cstate="print">
+          <a:blip r:embed="rId4" cstate="print">
             <a:extLst>
               <a:ext uri="{28A0092B-C50C-407E-A947-70E740481C1C}">
                 <a14:useLocalDpi xmlns:a14="http://schemas.microsoft.com/office/drawing/2010/main" val="0"/>
@@ -27033,6 +27024,148 @@
           </a:prstGeom>
         </p:spPr>
       </p:pic>
+      <p:grpSp>
+        <p:nvGrpSpPr>
+          <p:cNvPr id="7" name="组 5">
+            <a:extLst>
+              <a:ext uri="{FF2B5EF4-FFF2-40B4-BE49-F238E27FC236}">
+                <a16:creationId xmlns:a16="http://schemas.microsoft.com/office/drawing/2014/main" id="{D6609833-48B4-4D9E-9635-7FD0E19CC485}"/>
+              </a:ext>
+            </a:extLst>
+          </p:cNvPr>
+          <p:cNvGrpSpPr/>
+          <p:nvPr/>
+        </p:nvGrpSpPr>
+        <p:grpSpPr>
+          <a:xfrm>
+            <a:off x="6292954" y="1963322"/>
+            <a:ext cx="1914863" cy="2086875"/>
+            <a:chOff x="2938584" y="2242373"/>
+            <a:chExt cx="2319215" cy="2319215"/>
+          </a:xfrm>
+        </p:grpSpPr>
+        <p:pic>
+          <p:nvPicPr>
+            <p:cNvPr id="9" name="图片 8">
+              <a:hlinkClick r:id="rId5" action="ppaction://hlinkfile"/>
+              <a:extLst>
+                <a:ext uri="{FF2B5EF4-FFF2-40B4-BE49-F238E27FC236}">
+                  <a16:creationId xmlns:a16="http://schemas.microsoft.com/office/drawing/2014/main" id="{CE6F64C1-B56B-4AE5-A428-325E5916206D}"/>
+                </a:ext>
+              </a:extLst>
+            </p:cNvPr>
+            <p:cNvPicPr>
+              <a:picLocks noChangeAspect="1"/>
+            </p:cNvPicPr>
+            <p:nvPr/>
+          </p:nvPicPr>
+          <p:blipFill>
+            <a:blip r:embed="rId3" cstate="print">
+              <a:extLst>
+                <a:ext uri="{28A0092B-C50C-407E-A947-70E740481C1C}">
+                  <a14:useLocalDpi xmlns:a14="http://schemas.microsoft.com/office/drawing/2010/main" val="0"/>
+                </a:ext>
+              </a:extLst>
+            </a:blip>
+            <a:stretch>
+              <a:fillRect/>
+            </a:stretch>
+          </p:blipFill>
+          <p:spPr>
+            <a:xfrm>
+              <a:off x="2938584" y="2242373"/>
+              <a:ext cx="2319215" cy="2319215"/>
+            </a:xfrm>
+            <a:prstGeom prst="rect">
+              <a:avLst/>
+            </a:prstGeom>
+          </p:spPr>
+        </p:pic>
+        <p:sp>
+          <p:nvSpPr>
+            <p:cNvPr id="10" name="文本框 9">
+              <a:extLst>
+                <a:ext uri="{FF2B5EF4-FFF2-40B4-BE49-F238E27FC236}">
+                  <a16:creationId xmlns:a16="http://schemas.microsoft.com/office/drawing/2014/main" id="{63A2100B-7303-4BF8-9C9B-7AA7BE5642CE}"/>
+                </a:ext>
+              </a:extLst>
+            </p:cNvPr>
+            <p:cNvSpPr txBox="1"/>
+            <p:nvPr/>
+          </p:nvSpPr>
+          <p:spPr>
+            <a:xfrm>
+              <a:off x="3420687" y="3032648"/>
+              <a:ext cx="1111203" cy="369332"/>
+            </a:xfrm>
+            <a:prstGeom prst="rect">
+              <a:avLst/>
+            </a:prstGeom>
+            <a:noFill/>
+          </p:spPr>
+          <p:txBody>
+            <a:bodyPr wrap="none" rtlCol="0">
+              <a:spAutoFit/>
+            </a:bodyPr>
+            <a:lstStyle/>
+            <a:p>
+              <a:r>
+                <a:rPr kumimoji="1" lang="zh-CN" altLang="en-US" dirty="0">
+                  <a:latin typeface="Microsoft YaHei Light" charset="-122"/>
+                  <a:ea typeface="Microsoft YaHei Light" charset="-122"/>
+                  <a:cs typeface="Microsoft YaHei Light" charset="-122"/>
+                </a:rPr>
+                <a:t>会议记录</a:t>
+              </a:r>
+            </a:p>
+          </p:txBody>
+        </p:sp>
+      </p:grpSp>
+      <p:sp>
+        <p:nvSpPr>
+          <p:cNvPr id="11" name="文本框 10">
+            <a:extLst>
+              <a:ext uri="{FF2B5EF4-FFF2-40B4-BE49-F238E27FC236}">
+                <a16:creationId xmlns:a16="http://schemas.microsoft.com/office/drawing/2014/main" id="{C1BC540B-86E2-4153-B235-8EC807389912}"/>
+              </a:ext>
+            </a:extLst>
+          </p:cNvPr>
+          <p:cNvSpPr txBox="1"/>
+          <p:nvPr/>
+        </p:nvSpPr>
+        <p:spPr>
+          <a:xfrm>
+            <a:off x="6180222" y="4299637"/>
+            <a:ext cx="2140326" cy="646331"/>
+          </a:xfrm>
+          <a:prstGeom prst="rect">
+            <a:avLst/>
+          </a:prstGeom>
+          <a:noFill/>
+        </p:spPr>
+        <p:txBody>
+          <a:bodyPr wrap="square" rtlCol="0">
+            <a:spAutoFit/>
+          </a:bodyPr>
+          <a:lstStyle/>
+          <a:p>
+            <a:pPr algn="ctr"/>
+            <a:r>
+              <a:rPr lang="en-US" altLang="zh-CN" dirty="0" smtClean="0"/>
+              <a:t>20190427</a:t>
+            </a:r>
+            <a:endParaRPr lang="en-US" altLang="zh-CN" dirty="0"/>
+          </a:p>
+          <a:p>
+            <a:pPr algn="ctr"/>
+            <a:r>
+              <a:rPr lang="zh-CN" altLang="en-US" dirty="0" smtClean="0"/>
+              <a:t>会议记录</a:t>
+            </a:r>
+            <a:endParaRPr lang="en-US" altLang="zh-CN" dirty="0"/>
+          </a:p>
+        </p:txBody>
+      </p:sp>
     </p:spTree>
     <p:extLst>
       <p:ext uri="{BB962C8B-B14F-4D97-AF65-F5344CB8AC3E}">
@@ -27293,7 +27426,7 @@
           </a:ln>
           <a:extLst>
             <a:ext uri="{C572A759-6A51-4108-AA02-DFA0A04FC94B}">
-              <ma14:wrappingTextBoxFlag xmlns:ma14="http://schemas.microsoft.com/office/mac/drawingml/2011/main" xmlns="" val="1"/>
+              <ma14:wrappingTextBoxFlag xmlns="" xmlns:ma14="http://schemas.microsoft.com/office/mac/drawingml/2011/main" val="1"/>
             </a:ext>
           </a:extLst>
         </p:spPr>
@@ -27342,7 +27475,7 @@
           </a:ln>
           <a:extLst>
             <a:ext uri="{C572A759-6A51-4108-AA02-DFA0A04FC94B}">
-              <ma14:wrappingTextBoxFlag xmlns:ma14="http://schemas.microsoft.com/office/mac/drawingml/2011/main" xmlns="" val="1"/>
+              <ma14:wrappingTextBoxFlag xmlns="" xmlns:ma14="http://schemas.microsoft.com/office/mac/drawingml/2011/main" val="1"/>
             </a:ext>
           </a:extLst>
         </p:spPr>
@@ -28117,7 +28250,7 @@
           </a:ln>
           <a:extLst>
             <a:ext uri="{C572A759-6A51-4108-AA02-DFA0A04FC94B}">
-              <ma14:wrappingTextBoxFlag xmlns:ma14="http://schemas.microsoft.com/office/mac/drawingml/2011/main" xmlns="" val="1"/>
+              <ma14:wrappingTextBoxFlag xmlns="" xmlns:ma14="http://schemas.microsoft.com/office/mac/drawingml/2011/main" val="1"/>
             </a:ext>
           </a:extLst>
         </p:spPr>
@@ -28166,7 +28299,7 @@
           </a:ln>
           <a:extLst>
             <a:ext uri="{C572A759-6A51-4108-AA02-DFA0A04FC94B}">
-              <ma14:wrappingTextBoxFlag xmlns:ma14="http://schemas.microsoft.com/office/mac/drawingml/2011/main" xmlns="" val="1"/>
+              <ma14:wrappingTextBoxFlag xmlns="" xmlns:ma14="http://schemas.microsoft.com/office/mac/drawingml/2011/main" val="1"/>
             </a:ext>
           </a:extLst>
         </p:spPr>
@@ -28660,7 +28793,7 @@
           <p:nvPr>
             <p:extLst>
               <p:ext uri="{D42A27DB-BD31-4B8C-83A1-F6EECF244321}">
-                <p14:modId xmlns:p14="http://schemas.microsoft.com/office/powerpoint/2010/main" val="4060893394"/>
+                <p14:modId xmlns:p14="http://schemas.microsoft.com/office/powerpoint/2010/main" val="1390996551"/>
               </p:ext>
             </p:extLst>
           </p:nvPr>
@@ -28673,12 +28806,12 @@
           <a:graphicData uri="http://schemas.openxmlformats.org/presentationml/2006/ole">
             <mc:AlternateContent xmlns:mc="http://schemas.openxmlformats.org/markup-compatibility/2006">
               <mc:Choice xmlns:v="urn:schemas-microsoft-com:vml" Requires="v">
-                <p:oleObj spid="_x0000_s19469" name="工作表" r:id="rId4" imgW="7286657" imgH="3266939" progId="Excel.Sheet.12">
+                <p:oleObj spid="_x0000_s19473" name="工作表" r:id="rId4" imgW="7286492" imgH="3267322" progId="Excel.Sheet.12">
                   <p:link updateAutomatic="1"/>
                 </p:oleObj>
               </mc:Choice>
               <mc:Fallback>
-                <p:oleObj name="工作表" r:id="rId4" imgW="7286657" imgH="3266939" progId="Excel.Sheet.12">
+                <p:oleObj name="工作表" r:id="rId4" imgW="7286492" imgH="3267322" progId="Excel.Sheet.12">
                   <p:link updateAutomatic="1"/>
                   <p:pic>
                     <p:nvPicPr>
@@ -28825,319 +28958,9 @@
           <a:chExt cx="0" cy="0"/>
         </a:xfrm>
       </p:grpSpPr>
-      <p:sp>
-        <p:nvSpPr>
-          <p:cNvPr id="711" name="PA_矩形 28"/>
-          <p:cNvSpPr/>
-          <p:nvPr/>
-        </p:nvSpPr>
-        <p:spPr>
-          <a:xfrm>
-            <a:off x="0" y="3438045"/>
-            <a:ext cx="12192000" cy="3428999"/>
-          </a:xfrm>
-          <a:prstGeom prst="rect">
-            <a:avLst/>
-          </a:prstGeom>
-          <a:solidFill>
-            <a:srgbClr val="F9B359"/>
-          </a:solidFill>
-          <a:ln w="12700">
-            <a:miter lim="400000"/>
-          </a:ln>
-        </p:spPr>
-        <p:txBody>
-          <a:bodyPr lIns="45719" rIns="45719" anchor="ctr"/>
-          <a:lstStyle/>
-          <a:p>
-            <a:pPr algn="ctr">
-              <a:defRPr>
-                <a:solidFill>
-                  <a:srgbClr val="FFFFFF"/>
-                </a:solidFill>
-              </a:defRPr>
-            </a:pPr>
-            <a:endParaRPr/>
-          </a:p>
-        </p:txBody>
-      </p:sp>
-      <p:sp>
-        <p:nvSpPr>
-          <p:cNvPr id="712" name="PA_文本框 34"/>
-          <p:cNvSpPr txBox="1"/>
-          <p:nvPr/>
-        </p:nvSpPr>
-        <p:spPr>
-          <a:xfrm>
-            <a:off x="2310027" y="-51764"/>
-            <a:ext cx="7571943" cy="3770263"/>
-          </a:xfrm>
-          <a:prstGeom prst="rect">
-            <a:avLst/>
-          </a:prstGeom>
-          <a:ln w="12700">
-            <a:miter lim="400000"/>
-          </a:ln>
-          <a:extLst>
-            <a:ext uri="{C572A759-6A51-4108-AA02-DFA0A04FC94B}">
-              <ma14:wrappingTextBoxFlag xmlns:ma14="http://schemas.microsoft.com/office/mac/drawingml/2011/main" xmlns="" val="1"/>
-            </a:ext>
-          </a:extLst>
-        </p:spPr>
-        <p:txBody>
-          <a:bodyPr wrap="none" lIns="45719" rIns="45719">
-            <a:spAutoFit/>
-          </a:bodyPr>
-          <a:lstStyle>
-            <a:lvl1pPr algn="ctr">
-              <a:defRPr sz="23900">
-                <a:solidFill>
-                  <a:srgbClr val="F9B359">
-                    <a:alpha val="30000"/>
-                  </a:srgbClr>
-                </a:solidFill>
-                <a:latin typeface="微软雅黑"/>
-                <a:ea typeface="微软雅黑"/>
-                <a:cs typeface="微软雅黑"/>
-                <a:sym typeface="微软雅黑"/>
-              </a:defRPr>
-            </a:lvl1pPr>
-          </a:lstStyle>
-          <a:p>
-            <a:r>
-              <a:rPr lang="en-US" dirty="0"/>
-              <a:t>LAZY</a:t>
-            </a:r>
-            <a:endParaRPr dirty="0"/>
-          </a:p>
-        </p:txBody>
-      </p:sp>
-      <p:sp>
-        <p:nvSpPr>
-          <p:cNvPr id="713" name="PA_矩形 32"/>
-          <p:cNvSpPr/>
-          <p:nvPr/>
-        </p:nvSpPr>
-        <p:spPr>
-          <a:xfrm>
-            <a:off x="1329367" y="1354006"/>
-            <a:ext cx="9533264" cy="4149987"/>
-          </a:xfrm>
-          <a:prstGeom prst="rect">
-            <a:avLst/>
-          </a:prstGeom>
-          <a:solidFill>
-            <a:srgbClr val="FCFCFD">
-              <a:alpha val="60000"/>
-            </a:srgbClr>
-          </a:solidFill>
-          <a:ln w="12700">
-            <a:miter lim="400000"/>
-          </a:ln>
-          <a:effectLst>
-            <a:outerShdw blurRad="254000" dist="38100" dir="5400000" rotWithShape="0">
-              <a:srgbClr val="969F98">
-                <a:alpha val="20000"/>
-              </a:srgbClr>
-            </a:outerShdw>
-          </a:effectLst>
-        </p:spPr>
-        <p:txBody>
-          <a:bodyPr lIns="45719" rIns="45719" anchor="ctr"/>
-          <a:lstStyle/>
-          <a:p>
-            <a:pPr algn="ctr">
-              <a:defRPr>
-                <a:solidFill>
-                  <a:srgbClr val="FFFFFF"/>
-                </a:solidFill>
-              </a:defRPr>
-            </a:pPr>
-            <a:endParaRPr/>
-          </a:p>
-        </p:txBody>
-      </p:sp>
-      <p:sp>
-        <p:nvSpPr>
-          <p:cNvPr id="714" name="PA_矩形 27"/>
-          <p:cNvSpPr/>
-          <p:nvPr/>
-        </p:nvSpPr>
-        <p:spPr>
-          <a:xfrm>
-            <a:off x="2351313" y="2153796"/>
-            <a:ext cx="7489375" cy="2280496"/>
-          </a:xfrm>
-          <a:prstGeom prst="rect">
-            <a:avLst/>
-          </a:prstGeom>
-          <a:ln w="25400">
-            <a:solidFill>
-              <a:srgbClr val="3F403E"/>
-            </a:solidFill>
-            <a:miter/>
-          </a:ln>
-        </p:spPr>
-        <p:txBody>
-          <a:bodyPr lIns="45719" rIns="45719" anchor="ctr"/>
-          <a:lstStyle/>
-          <a:p>
-            <a:pPr algn="ctr">
-              <a:defRPr>
-                <a:solidFill>
-                  <a:srgbClr val="FFFFFF"/>
-                </a:solidFill>
-              </a:defRPr>
-            </a:pPr>
-            <a:endParaRPr/>
-          </a:p>
-        </p:txBody>
-      </p:sp>
-      <p:sp>
-        <p:nvSpPr>
-          <p:cNvPr id="715" name="PA_矩形 33"/>
-          <p:cNvSpPr/>
-          <p:nvPr/>
-        </p:nvSpPr>
-        <p:spPr>
-          <a:xfrm flipV="1">
-            <a:off x="5034567" y="4973403"/>
-            <a:ext cx="2067271" cy="189545"/>
-          </a:xfrm>
-          <a:prstGeom prst="rect">
-            <a:avLst/>
-          </a:prstGeom>
-          <a:solidFill>
-            <a:srgbClr val="F9B359"/>
-          </a:solidFill>
-          <a:ln w="12700">
-            <a:miter lim="400000"/>
-          </a:ln>
-        </p:spPr>
-        <p:txBody>
-          <a:bodyPr lIns="45719" rIns="45719" anchor="ctr"/>
-          <a:lstStyle/>
-          <a:p>
-            <a:pPr algn="ctr">
-              <a:defRPr>
-                <a:solidFill>
-                  <a:srgbClr val="FFFFFF"/>
-                </a:solidFill>
-              </a:defRPr>
-            </a:pPr>
-            <a:endParaRPr/>
-          </a:p>
-        </p:txBody>
-      </p:sp>
-      <p:sp>
-        <p:nvSpPr>
-          <p:cNvPr id="716" name="PA_文本框 29"/>
-          <p:cNvSpPr txBox="1"/>
-          <p:nvPr/>
-        </p:nvSpPr>
-        <p:spPr>
-          <a:xfrm>
-            <a:off x="5117686" y="4883509"/>
-            <a:ext cx="1956624" cy="461665"/>
-          </a:xfrm>
-          <a:prstGeom prst="rect">
-            <a:avLst/>
-          </a:prstGeom>
-          <a:ln w="12700">
-            <a:miter lim="400000"/>
-          </a:ln>
-          <a:extLst>
-            <a:ext uri="{C572A759-6A51-4108-AA02-DFA0A04FC94B}">
-              <ma14:wrappingTextBoxFlag xmlns:ma14="http://schemas.microsoft.com/office/mac/drawingml/2011/main" xmlns="" val="1"/>
-            </a:ext>
-          </a:extLst>
-        </p:spPr>
-        <p:txBody>
-          <a:bodyPr wrap="none" lIns="45719" rIns="45719">
-            <a:spAutoFit/>
-          </a:bodyPr>
-          <a:lstStyle/>
-          <a:p>
-            <a:pPr algn="ctr">
-              <a:defRPr>
-                <a:solidFill>
-                  <a:srgbClr val="3F403E"/>
-                </a:solidFill>
-                <a:latin typeface="微软雅黑 Light"/>
-                <a:ea typeface="微软雅黑 Light"/>
-                <a:cs typeface="微软雅黑 Light"/>
-                <a:sym typeface="微软雅黑 Light"/>
-              </a:defRPr>
-            </a:pPr>
-            <a:r>
-              <a:rPr lang="en-US" sz="2400" dirty="0"/>
-              <a:t>SE2019</a:t>
-            </a:r>
-            <a:r>
-              <a:rPr lang="zh-CN" altLang="en-US" sz="2400" dirty="0"/>
-              <a:t>春</a:t>
-            </a:r>
-            <a:r>
-              <a:rPr lang="en-US" altLang="zh-CN" sz="2400" dirty="0"/>
-              <a:t>-G11</a:t>
-            </a:r>
-            <a:endParaRPr sz="2400" dirty="0"/>
-          </a:p>
-        </p:txBody>
-      </p:sp>
-      <p:sp>
-        <p:nvSpPr>
-          <p:cNvPr id="717" name="PA_文本框 20"/>
-          <p:cNvSpPr txBox="1"/>
-          <p:nvPr/>
-        </p:nvSpPr>
-        <p:spPr>
-          <a:xfrm>
-            <a:off x="3571299" y="2509212"/>
-            <a:ext cx="5049401" cy="1551941"/>
-          </a:xfrm>
-          <a:prstGeom prst="rect">
-            <a:avLst/>
-          </a:prstGeom>
-          <a:solidFill>
-            <a:srgbClr val="FCFCFD"/>
-          </a:solidFill>
-          <a:ln w="12700">
-            <a:miter lim="400000"/>
-          </a:ln>
-          <a:extLst>
-            <a:ext uri="{C572A759-6A51-4108-AA02-DFA0A04FC94B}">
-              <ma14:wrappingTextBoxFlag xmlns:ma14="http://schemas.microsoft.com/office/mac/drawingml/2011/main" xmlns="" val="1"/>
-            </a:ext>
-          </a:extLst>
-        </p:spPr>
-        <p:txBody>
-          <a:bodyPr wrap="none" lIns="45719" rIns="45719">
-            <a:spAutoFit/>
-          </a:bodyPr>
-          <a:lstStyle>
-            <a:lvl1pPr algn="ctr">
-              <a:defRPr sz="9600">
-                <a:solidFill>
-                  <a:srgbClr val="F9B359"/>
-                </a:solidFill>
-                <a:latin typeface="微软雅黑"/>
-                <a:ea typeface="微软雅黑"/>
-                <a:cs typeface="微软雅黑"/>
-                <a:sym typeface="微软雅黑"/>
-              </a:defRPr>
-            </a:lvl1pPr>
-          </a:lstStyle>
-          <a:p>
-            <a:r>
-              <a:t>THANKS</a:t>
-            </a:r>
-          </a:p>
-        </p:txBody>
-      </p:sp>
       <p:pic>
         <p:nvPicPr>
-          <p:cNvPr id="9" name="图片 8">
+          <p:cNvPr id="3" name="图片 2">
             <a:extLst>
               <a:ext uri="{FF2B5EF4-FFF2-40B4-BE49-F238E27FC236}">
                 <a16:creationId xmlns:a16="http://schemas.microsoft.com/office/drawing/2014/main" id="{1760666A-8C83-4EF2-B0D7-90C0F4534C1D}"/>
@@ -29150,7 +28973,7 @@
           <p:nvPr/>
         </p:nvPicPr>
         <p:blipFill>
-          <a:blip r:embed="rId2" cstate="print">
+          <a:blip r:embed="rId3" cstate="print">
             <a:extLst>
               <a:ext uri="{28A0092B-C50C-407E-A947-70E740481C1C}">
                 <a14:useLocalDpi xmlns:a14="http://schemas.microsoft.com/office/drawing/2010/main" val="0"/>
@@ -29171,35 +28994,81 @@
           </a:prstGeom>
         </p:spPr>
       </p:pic>
+      <p:graphicFrame>
+        <p:nvGraphicFramePr>
+          <p:cNvPr id="2" name="对象 1"/>
+          <p:cNvGraphicFramePr>
+            <a:graphicFrameLocks noChangeAspect="1"/>
+          </p:cNvGraphicFramePr>
+          <p:nvPr>
+            <p:extLst>
+              <p:ext uri="{D42A27DB-BD31-4B8C-83A1-F6EECF244321}">
+                <p14:modId xmlns:p14="http://schemas.microsoft.com/office/powerpoint/2010/main" val="3815643257"/>
+              </p:ext>
+            </p:extLst>
+          </p:nvPr>
+        </p:nvGraphicFramePr>
+        <p:xfrm>
+          <a:off x="940880" y="1147699"/>
+          <a:ext cx="10057384" cy="4509389"/>
+        </p:xfrm>
+        <a:graphic>
+          <a:graphicData uri="http://schemas.openxmlformats.org/presentationml/2006/ole">
+            <mc:AlternateContent xmlns:mc="http://schemas.openxmlformats.org/markup-compatibility/2006">
+              <mc:Choice xmlns:v="urn:schemas-microsoft-com:vml" Requires="v">
+                <p:oleObj spid="_x0000_s20484" name="工作表" r:id="rId4" imgW="7286492" imgH="3267322" progId="Excel.Sheet.12">
+                  <p:link updateAutomatic="1"/>
+                </p:oleObj>
+              </mc:Choice>
+              <mc:Fallback>
+                <p:oleObj name="工作表" r:id="rId4" imgW="7286492" imgH="3267322" progId="Excel.Sheet.12">
+                  <p:link updateAutomatic="1"/>
+                  <p:pic>
+                    <p:nvPicPr>
+                      <p:cNvPr id="0" name=""/>
+                      <p:cNvPicPr/>
+                      <p:nvPr/>
+                    </p:nvPicPr>
+                    <p:blipFill>
+                      <a:blip r:embed="rId5"/>
+                      <a:stretch>
+                        <a:fillRect/>
+                      </a:stretch>
+                    </p:blipFill>
+                    <p:spPr>
+                      <a:xfrm>
+                        <a:off x="940880" y="1147699"/>
+                        <a:ext cx="10057384" cy="4509389"/>
+                      </a:xfrm>
+                      <a:prstGeom prst="rect">
+                        <a:avLst/>
+                      </a:prstGeom>
+                    </p:spPr>
+                  </p:pic>
+                </p:oleObj>
+              </mc:Fallback>
+            </mc:AlternateContent>
+          </a:graphicData>
+        </a:graphic>
+      </p:graphicFrame>
     </p:spTree>
+    <p:extLst>
+      <p:ext uri="{BB962C8B-B14F-4D97-AF65-F5344CB8AC3E}">
+        <p14:creationId xmlns:p14="http://schemas.microsoft.com/office/powerpoint/2010/main" val="2086361315"/>
+      </p:ext>
+    </p:extLst>
   </p:cSld>
   <p:clrMapOvr>
     <a:masterClrMapping/>
   </p:clrMapOvr>
-  <mc:AlternateContent xmlns:mc="http://schemas.openxmlformats.org/markup-compatibility/2006" xmlns:p15="http://schemas.microsoft.com/office/powerpoint/2012/main">
-    <mc:Choice Requires="p15">
-      <p:transition xmlns:p14="http://schemas.microsoft.com/office/powerpoint/2010/main" spd="slow" p14:dur="1200">
-        <p15:prstTrans prst="pageCurlDouble"/>
-      </p:transition>
-    </mc:Choice>
-    <mc:Choice xmlns:p14="http://schemas.microsoft.com/office/powerpoint/2010/main" xmlns="" Requires="p14">
-      <p:transition spd="slow" advClick="1" p14:dur="1200">
-        <p14:prism dir="d"/>
-      </p:transition>
-    </mc:Choice>
-    <mc:Fallback xmlns="">
-      <p:transition spd="slow">
-        <p:fade/>
-      </p:transition>
-    </mc:Fallback>
-  </mc:AlternateContent>
+  <p:transition spd="med"/>
   <p:timing>
     <p:tnLst>
       <p:par>
-        <p:cTn id="1" dur="indefinite" restart="never" fill="hold" nodeType="tmRoot">
+        <p:cTn id="1" dur="indefinite" restart="never" nodeType="tmRoot">
           <p:childTnLst>
-            <p:seq concurrent="1" prevAc="none" nextAc="seek">
-              <p:cTn id="2" dur="indefinite" fill="hold" nodeType="mainSeq">
+            <p:seq concurrent="1" nextAc="seek">
+              <p:cTn id="2" dur="indefinite" nodeType="mainSeq">
                 <p:childTnLst>
                   <p:par>
                     <p:cTn id="3" fill="hold">
@@ -29217,540 +29086,20 @@
                             </p:stCondLst>
                             <p:childTnLst>
                               <p:par>
-                                <p:cTn id="5" presetID="9" presetClass="entr" fill="hold" grpId="1" nodeType="afterEffect">
-                                  <p:stCondLst>
-                                    <p:cond delay="0"/>
-                                  </p:stCondLst>
-                                  <p:iterate>
-                                    <p:tmAbs val="0"/>
-                                  </p:iterate>
-                                  <p:childTnLst>
-                                    <p:set>
-                                      <p:cBhvr>
-                                        <p:cTn id="6" fill="hold"/>
-                                        <p:tgtEl>
-                                          <p:spTgt spid="712"/>
-                                        </p:tgtEl>
-                                        <p:attrNameLst>
-                                          <p:attrName>style.visibility</p:attrName>
-                                        </p:attrNameLst>
-                                      </p:cBhvr>
-                                      <p:to>
-                                        <p:strVal val="visible"/>
-                                      </p:to>
-                                    </p:set>
-                                    <p:animEffect transition="in" filter="dissolve">
-                                      <p:cBhvr>
-                                        <p:cTn id="7" dur="1000"/>
-                                        <p:tgtEl>
-                                          <p:spTgt spid="712"/>
-                                        </p:tgtEl>
-                                      </p:cBhvr>
-                                    </p:animEffect>
-                                  </p:childTnLst>
-                                </p:cTn>
-                              </p:par>
-                            </p:childTnLst>
-                          </p:cTn>
-                        </p:par>
-                        <p:par>
-                          <p:cTn id="8" fill="hold">
-                            <p:stCondLst>
-                              <p:cond delay="1000"/>
-                            </p:stCondLst>
-                            <p:childTnLst>
-                              <p:par>
-                                <p:cTn id="9" presetID="2" presetClass="entr" presetSubtype="4" fill="hold" grpId="2" nodeType="afterEffect">
-                                  <p:stCondLst>
-                                    <p:cond delay="0"/>
-                                  </p:stCondLst>
-                                  <p:iterate>
-                                    <p:tmAbs val="0"/>
-                                  </p:iterate>
-                                  <p:childTnLst>
-                                    <p:set>
-                                      <p:cBhvr>
-                                        <p:cTn id="10" fill="hold"/>
-                                        <p:tgtEl>
-                                          <p:spTgt spid="711"/>
-                                        </p:tgtEl>
-                                        <p:attrNameLst>
-                                          <p:attrName>style.visibility</p:attrName>
-                                        </p:attrNameLst>
-                                      </p:cBhvr>
-                                      <p:to>
-                                        <p:strVal val="visible"/>
-                                      </p:to>
-                                    </p:set>
-                                    <p:anim calcmode="lin" valueType="num">
-                                      <p:cBhvr>
-                                        <p:cTn id="11" dur="1000" fill="hold"/>
-                                        <p:tgtEl>
-                                          <p:spTgt spid="711"/>
-                                        </p:tgtEl>
-                                        <p:attrNameLst>
-                                          <p:attrName>ppt_x</p:attrName>
-                                        </p:attrNameLst>
-                                      </p:cBhvr>
-                                      <p:tavLst>
-                                        <p:tav tm="0">
-                                          <p:val>
-                                            <p:strVal val="#ppt_x"/>
-                                          </p:val>
-                                        </p:tav>
-                                        <p:tav tm="100000">
-                                          <p:val>
-                                            <p:strVal val="#ppt_x"/>
-                                          </p:val>
-                                        </p:tav>
-                                      </p:tavLst>
-                                    </p:anim>
-                                    <p:anim calcmode="lin" valueType="num">
-                                      <p:cBhvr>
-                                        <p:cTn id="12" dur="1000" fill="hold"/>
-                                        <p:tgtEl>
-                                          <p:spTgt spid="711"/>
-                                        </p:tgtEl>
-                                        <p:attrNameLst>
-                                          <p:attrName>ppt_y</p:attrName>
-                                        </p:attrNameLst>
-                                      </p:cBhvr>
-                                      <p:tavLst>
-                                        <p:tav tm="0">
-                                          <p:val>
-                                            <p:strVal val="1+#ppt_h/2"/>
-                                          </p:val>
-                                        </p:tav>
-                                        <p:tav tm="100000">
-                                          <p:val>
-                                            <p:strVal val="#ppt_y"/>
-                                          </p:val>
-                                        </p:tav>
-                                      </p:tavLst>
-                                    </p:anim>
-                                  </p:childTnLst>
-                                </p:cTn>
-                              </p:par>
-                            </p:childTnLst>
-                          </p:cTn>
-                        </p:par>
-                        <p:par>
-                          <p:cTn id="13" fill="hold">
-                            <p:stCondLst>
-                              <p:cond delay="2000"/>
-                            </p:stCondLst>
-                            <p:childTnLst>
-                              <p:par>
-                                <p:cTn id="14" presetID="2" presetClass="entr" presetSubtype="4" fill="hold" grpId="3" nodeType="afterEffect">
-                                  <p:stCondLst>
-                                    <p:cond delay="0"/>
-                                  </p:stCondLst>
-                                  <p:iterate>
-                                    <p:tmAbs val="0"/>
-                                  </p:iterate>
-                                  <p:childTnLst>
-                                    <p:set>
-                                      <p:cBhvr>
-                                        <p:cTn id="15" fill="hold"/>
-                                        <p:tgtEl>
-                                          <p:spTgt spid="713"/>
-                                        </p:tgtEl>
-                                        <p:attrNameLst>
-                                          <p:attrName>style.visibility</p:attrName>
-                                        </p:attrNameLst>
-                                      </p:cBhvr>
-                                      <p:to>
-                                        <p:strVal val="visible"/>
-                                      </p:to>
-                                    </p:set>
-                                    <p:anim calcmode="lin" valueType="num">
-                                      <p:cBhvr>
-                                        <p:cTn id="16" dur="1000" fill="hold"/>
-                                        <p:tgtEl>
-                                          <p:spTgt spid="713"/>
-                                        </p:tgtEl>
-                                        <p:attrNameLst>
-                                          <p:attrName>ppt_x</p:attrName>
-                                        </p:attrNameLst>
-                                      </p:cBhvr>
-                                      <p:tavLst>
-                                        <p:tav tm="0">
-                                          <p:val>
-                                            <p:strVal val="#ppt_x"/>
-                                          </p:val>
-                                        </p:tav>
-                                        <p:tav tm="100000">
-                                          <p:val>
-                                            <p:strVal val="#ppt_x"/>
-                                          </p:val>
-                                        </p:tav>
-                                      </p:tavLst>
-                                    </p:anim>
-                                    <p:anim calcmode="lin" valueType="num">
-                                      <p:cBhvr>
-                                        <p:cTn id="17" dur="1000" fill="hold"/>
-                                        <p:tgtEl>
-                                          <p:spTgt spid="713"/>
-                                        </p:tgtEl>
-                                        <p:attrNameLst>
-                                          <p:attrName>ppt_y</p:attrName>
-                                        </p:attrNameLst>
-                                      </p:cBhvr>
-                                      <p:tavLst>
-                                        <p:tav tm="0">
-                                          <p:val>
-                                            <p:strVal val="1+#ppt_h/2"/>
-                                          </p:val>
-                                        </p:tav>
-                                        <p:tav tm="100000">
-                                          <p:val>
-                                            <p:strVal val="#ppt_y"/>
-                                          </p:val>
-                                        </p:tav>
-                                      </p:tavLst>
-                                    </p:anim>
-                                  </p:childTnLst>
-                                </p:cTn>
-                              </p:par>
-                            </p:childTnLst>
-                          </p:cTn>
-                        </p:par>
-                        <p:par>
-                          <p:cTn id="18" fill="hold">
-                            <p:stCondLst>
-                              <p:cond delay="3000"/>
-                            </p:stCondLst>
-                            <p:childTnLst>
-                              <p:par>
-                                <p:cTn id="19" presetID="2" presetClass="entr" presetSubtype="4" fill="hold" grpId="4" nodeType="afterEffect">
-                                  <p:stCondLst>
-                                    <p:cond delay="0"/>
-                                  </p:stCondLst>
-                                  <p:iterate>
-                                    <p:tmAbs val="0"/>
-                                  </p:iterate>
-                                  <p:childTnLst>
-                                    <p:set>
-                                      <p:cBhvr>
-                                        <p:cTn id="20" fill="hold"/>
-                                        <p:tgtEl>
-                                          <p:spTgt spid="714"/>
-                                        </p:tgtEl>
-                                        <p:attrNameLst>
-                                          <p:attrName>style.visibility</p:attrName>
-                                        </p:attrNameLst>
-                                      </p:cBhvr>
-                                      <p:to>
-                                        <p:strVal val="visible"/>
-                                      </p:to>
-                                    </p:set>
-                                    <p:anim calcmode="lin" valueType="num">
-                                      <p:cBhvr>
-                                        <p:cTn id="21" dur="1000" fill="hold"/>
-                                        <p:tgtEl>
-                                          <p:spTgt spid="714"/>
-                                        </p:tgtEl>
-                                        <p:attrNameLst>
-                                          <p:attrName>ppt_x</p:attrName>
-                                        </p:attrNameLst>
-                                      </p:cBhvr>
-                                      <p:tavLst>
-                                        <p:tav tm="0">
-                                          <p:val>
-                                            <p:strVal val="#ppt_x"/>
-                                          </p:val>
-                                        </p:tav>
-                                        <p:tav tm="100000">
-                                          <p:val>
-                                            <p:strVal val="#ppt_x"/>
-                                          </p:val>
-                                        </p:tav>
-                                      </p:tavLst>
-                                    </p:anim>
-                                    <p:anim calcmode="lin" valueType="num">
-                                      <p:cBhvr>
-                                        <p:cTn id="22" dur="1000" fill="hold"/>
-                                        <p:tgtEl>
-                                          <p:spTgt spid="714"/>
-                                        </p:tgtEl>
-                                        <p:attrNameLst>
-                                          <p:attrName>ppt_y</p:attrName>
-                                        </p:attrNameLst>
-                                      </p:cBhvr>
-                                      <p:tavLst>
-                                        <p:tav tm="0">
-                                          <p:val>
-                                            <p:strVal val="1+#ppt_h/2"/>
-                                          </p:val>
-                                        </p:tav>
-                                        <p:tav tm="100000">
-                                          <p:val>
-                                            <p:strVal val="#ppt_y"/>
-                                          </p:val>
-                                        </p:tav>
-                                      </p:tavLst>
-                                    </p:anim>
-                                  </p:childTnLst>
-                                </p:cTn>
-                              </p:par>
-                            </p:childTnLst>
-                          </p:cTn>
-                        </p:par>
-                        <p:par>
-                          <p:cTn id="23" fill="hold">
-                            <p:stCondLst>
-                              <p:cond delay="4000"/>
-                            </p:stCondLst>
-                            <p:childTnLst>
-                              <p:par>
-                                <p:cTn id="24" presetID="2" presetClass="entr" presetSubtype="4" fill="hold" grpId="5" nodeType="afterEffect">
-                                  <p:stCondLst>
-                                    <p:cond delay="0"/>
-                                  </p:stCondLst>
-                                  <p:iterate>
-                                    <p:tmAbs val="0"/>
-                                  </p:iterate>
-                                  <p:childTnLst>
-                                    <p:set>
-                                      <p:cBhvr>
-                                        <p:cTn id="25" fill="hold"/>
-                                        <p:tgtEl>
-                                          <p:spTgt spid="715"/>
-                                        </p:tgtEl>
-                                        <p:attrNameLst>
-                                          <p:attrName>style.visibility</p:attrName>
-                                        </p:attrNameLst>
-                                      </p:cBhvr>
-                                      <p:to>
-                                        <p:strVal val="visible"/>
-                                      </p:to>
-                                    </p:set>
-                                    <p:anim calcmode="lin" valueType="num">
-                                      <p:cBhvr>
-                                        <p:cTn id="26" dur="1000" fill="hold"/>
-                                        <p:tgtEl>
-                                          <p:spTgt spid="715"/>
-                                        </p:tgtEl>
-                                        <p:attrNameLst>
-                                          <p:attrName>ppt_x</p:attrName>
-                                        </p:attrNameLst>
-                                      </p:cBhvr>
-                                      <p:tavLst>
-                                        <p:tav tm="0">
-                                          <p:val>
-                                            <p:strVal val="#ppt_x"/>
-                                          </p:val>
-                                        </p:tav>
-                                        <p:tav tm="100000">
-                                          <p:val>
-                                            <p:strVal val="#ppt_x"/>
-                                          </p:val>
-                                        </p:tav>
-                                      </p:tavLst>
-                                    </p:anim>
-                                    <p:anim calcmode="lin" valueType="num">
-                                      <p:cBhvr>
-                                        <p:cTn id="27" dur="1000" fill="hold"/>
-                                        <p:tgtEl>
-                                          <p:spTgt spid="715"/>
-                                        </p:tgtEl>
-                                        <p:attrNameLst>
-                                          <p:attrName>ppt_y</p:attrName>
-                                        </p:attrNameLst>
-                                      </p:cBhvr>
-                                      <p:tavLst>
-                                        <p:tav tm="0">
-                                          <p:val>
-                                            <p:strVal val="1+#ppt_h/2"/>
-                                          </p:val>
-                                        </p:tav>
-                                        <p:tav tm="100000">
-                                          <p:val>
-                                            <p:strVal val="#ppt_y"/>
-                                          </p:val>
-                                        </p:tav>
-                                      </p:tavLst>
-                                    </p:anim>
-                                  </p:childTnLst>
-                                </p:cTn>
-                              </p:par>
-                            </p:childTnLst>
-                          </p:cTn>
-                        </p:par>
-                        <p:par>
-                          <p:cTn id="28" fill="hold">
-                            <p:stCondLst>
-                              <p:cond delay="5000"/>
-                            </p:stCondLst>
-                            <p:childTnLst>
-                              <p:par>
-                                <p:cTn id="29" presetID="2" presetClass="entr" presetSubtype="4" fill="hold" grpId="6" nodeType="afterEffect">
-                                  <p:stCondLst>
-                                    <p:cond delay="0"/>
-                                  </p:stCondLst>
-                                  <p:iterate>
-                                    <p:tmAbs val="0"/>
-                                  </p:iterate>
-                                  <p:childTnLst>
-                                    <p:set>
-                                      <p:cBhvr>
-                                        <p:cTn id="30" fill="hold"/>
-                                        <p:tgtEl>
-                                          <p:spTgt spid="716"/>
-                                        </p:tgtEl>
-                                        <p:attrNameLst>
-                                          <p:attrName>style.visibility</p:attrName>
-                                        </p:attrNameLst>
-                                      </p:cBhvr>
-                                      <p:to>
-                                        <p:strVal val="visible"/>
-                                      </p:to>
-                                    </p:set>
-                                    <p:anim calcmode="lin" valueType="num">
-                                      <p:cBhvr>
-                                        <p:cTn id="31" dur="1000" fill="hold"/>
-                                        <p:tgtEl>
-                                          <p:spTgt spid="716"/>
-                                        </p:tgtEl>
-                                        <p:attrNameLst>
-                                          <p:attrName>ppt_x</p:attrName>
-                                        </p:attrNameLst>
-                                      </p:cBhvr>
-                                      <p:tavLst>
-                                        <p:tav tm="0">
-                                          <p:val>
-                                            <p:strVal val="#ppt_x"/>
-                                          </p:val>
-                                        </p:tav>
-                                        <p:tav tm="100000">
-                                          <p:val>
-                                            <p:strVal val="#ppt_x"/>
-                                          </p:val>
-                                        </p:tav>
-                                      </p:tavLst>
-                                    </p:anim>
-                                    <p:anim calcmode="lin" valueType="num">
-                                      <p:cBhvr>
-                                        <p:cTn id="32" dur="1000" fill="hold"/>
-                                        <p:tgtEl>
-                                          <p:spTgt spid="716"/>
-                                        </p:tgtEl>
-                                        <p:attrNameLst>
-                                          <p:attrName>ppt_y</p:attrName>
-                                        </p:attrNameLst>
-                                      </p:cBhvr>
-                                      <p:tavLst>
-                                        <p:tav tm="0">
-                                          <p:val>
-                                            <p:strVal val="1+#ppt_h/2"/>
-                                          </p:val>
-                                        </p:tav>
-                                        <p:tav tm="100000">
-                                          <p:val>
-                                            <p:strVal val="#ppt_y"/>
-                                          </p:val>
-                                        </p:tav>
-                                      </p:tavLst>
-                                    </p:anim>
-                                  </p:childTnLst>
-                                </p:cTn>
-                              </p:par>
-                            </p:childTnLst>
-                          </p:cTn>
-                        </p:par>
-                        <p:par>
-                          <p:cTn id="33" fill="hold">
-                            <p:stCondLst>
-                              <p:cond delay="6000"/>
-                            </p:stCondLst>
-                            <p:childTnLst>
-                              <p:par>
-                                <p:cTn id="34" presetID="2" presetClass="entr" presetSubtype="4" fill="hold" grpId="7" nodeType="afterEffect">
-                                  <p:stCondLst>
-                                    <p:cond delay="0"/>
-                                  </p:stCondLst>
-                                  <p:iterate>
-                                    <p:tmAbs val="0"/>
-                                  </p:iterate>
-                                  <p:childTnLst>
-                                    <p:set>
-                                      <p:cBhvr>
-                                        <p:cTn id="35" fill="hold"/>
-                                        <p:tgtEl>
-                                          <p:spTgt spid="717"/>
-                                        </p:tgtEl>
-                                        <p:attrNameLst>
-                                          <p:attrName>style.visibility</p:attrName>
-                                        </p:attrNameLst>
-                                      </p:cBhvr>
-                                      <p:to>
-                                        <p:strVal val="visible"/>
-                                      </p:to>
-                                    </p:set>
-                                    <p:anim calcmode="lin" valueType="num">
-                                      <p:cBhvr>
-                                        <p:cTn id="36" dur="1000" fill="hold"/>
-                                        <p:tgtEl>
-                                          <p:spTgt spid="717"/>
-                                        </p:tgtEl>
-                                        <p:attrNameLst>
-                                          <p:attrName>ppt_x</p:attrName>
-                                        </p:attrNameLst>
-                                      </p:cBhvr>
-                                      <p:tavLst>
-                                        <p:tav tm="0">
-                                          <p:val>
-                                            <p:strVal val="#ppt_x"/>
-                                          </p:val>
-                                        </p:tav>
-                                        <p:tav tm="100000">
-                                          <p:val>
-                                            <p:strVal val="#ppt_x"/>
-                                          </p:val>
-                                        </p:tav>
-                                      </p:tavLst>
-                                    </p:anim>
-                                    <p:anim calcmode="lin" valueType="num">
-                                      <p:cBhvr>
-                                        <p:cTn id="37" dur="1000" fill="hold"/>
-                                        <p:tgtEl>
-                                          <p:spTgt spid="717"/>
-                                        </p:tgtEl>
-                                        <p:attrNameLst>
-                                          <p:attrName>ppt_y</p:attrName>
-                                        </p:attrNameLst>
-                                      </p:cBhvr>
-                                      <p:tavLst>
-                                        <p:tav tm="0">
-                                          <p:val>
-                                            <p:strVal val="1+#ppt_h/2"/>
-                                          </p:val>
-                                        </p:tav>
-                                        <p:tav tm="100000">
-                                          <p:val>
-                                            <p:strVal val="#ppt_y"/>
-                                          </p:val>
-                                        </p:tav>
-                                      </p:tavLst>
-                                    </p:anim>
-                                  </p:childTnLst>
-                                </p:cTn>
-                              </p:par>
-                              <p:par>
-                                <p:cTn id="38" presetID="10" presetClass="entr" presetSubtype="0" fill="hold" nodeType="withEffect">
+                                <p:cTn id="5" presetID="10" presetClass="entr" presetSubtype="0" fill="hold" nodeType="withEffect">
                                   <p:stCondLst>
                                     <p:cond delay="0"/>
                                   </p:stCondLst>
                                   <p:childTnLst>
                                     <p:set>
                                       <p:cBhvr>
-                                        <p:cTn id="39" dur="1" fill="hold">
+                                        <p:cTn id="6" dur="1" fill="hold">
                                           <p:stCondLst>
                                             <p:cond delay="0"/>
                                           </p:stCondLst>
                                         </p:cTn>
                                         <p:tgtEl>
-                                          <p:spTgt spid="9"/>
+                                          <p:spTgt spid="3"/>
                                         </p:tgtEl>
                                         <p:attrNameLst>
                                           <p:attrName>style.visibility</p:attrName>
@@ -29762,9 +29111,9 @@
                                     </p:set>
                                     <p:animEffect transition="in" filter="fade">
                                       <p:cBhvr>
-                                        <p:cTn id="40" dur="1000"/>
-                                        <p:tgtEl>
-                                          <p:spTgt spid="9"/>
+                                        <p:cTn id="7" dur="1000"/>
+                                        <p:tgtEl>
+                                          <p:spTgt spid="3"/>
                                         </p:tgtEl>
                                       </p:cBhvr>
                                     </p:animEffect>
@@ -29798,15 +29147,6 @@
         </p:cTn>
       </p:par>
     </p:tnLst>
-    <p:bldLst>
-      <p:bldP spid="711" grpId="2" animBg="1" advAuto="0"/>
-      <p:bldP spid="712" grpId="1" animBg="1" advAuto="0"/>
-      <p:bldP spid="713" grpId="3" animBg="1" advAuto="0"/>
-      <p:bldP spid="714" grpId="4" animBg="1" advAuto="0"/>
-      <p:bldP spid="715" grpId="5" animBg="1" advAuto="0"/>
-      <p:bldP spid="716" grpId="6" animBg="1" advAuto="0"/>
-      <p:bldP spid="717" grpId="7" animBg="1" advAuto="0"/>
-    </p:bldLst>
   </p:timing>
 </p:sld>
 </file>
@@ -29969,7 +29309,7 @@
           </a:ln>
           <a:extLst>
             <a:ext uri="{C572A759-6A51-4108-AA02-DFA0A04FC94B}">
-              <ma14:wrappingTextBoxFlag xmlns:ma14="http://schemas.microsoft.com/office/mac/drawingml/2011/main" xmlns="" val="1"/>
+              <ma14:wrappingTextBoxFlag xmlns="" xmlns:ma14="http://schemas.microsoft.com/office/mac/drawingml/2011/main" val="1"/>
             </a:ext>
           </a:extLst>
         </p:spPr>
@@ -30127,7 +29467,7 @@
           </a:ln>
           <a:extLst>
             <a:ext uri="{C572A759-6A51-4108-AA02-DFA0A04FC94B}">
-              <ma14:wrappingTextBoxFlag xmlns:ma14="http://schemas.microsoft.com/office/mac/drawingml/2011/main" xmlns="" val="1"/>
+              <ma14:wrappingTextBoxFlag xmlns="" xmlns:ma14="http://schemas.microsoft.com/office/mac/drawingml/2011/main" val="1"/>
             </a:ext>
           </a:extLst>
         </p:spPr>
@@ -30696,6 +30036,1009 @@
 </p:sld>
 </file>
 
+<file path=ppt/slides/slide40.xml><?xml version="1.0" encoding="utf-8"?>
+<p:sld xmlns:a="http://schemas.openxmlformats.org/drawingml/2006/main" xmlns:r="http://schemas.openxmlformats.org/officeDocument/2006/relationships" xmlns:p="http://schemas.openxmlformats.org/presentationml/2006/main">
+  <p:cSld>
+    <p:spTree>
+      <p:nvGrpSpPr>
+        <p:cNvPr id="1" name=""/>
+        <p:cNvGrpSpPr/>
+        <p:nvPr/>
+      </p:nvGrpSpPr>
+      <p:grpSpPr>
+        <a:xfrm>
+          <a:off x="0" y="0"/>
+          <a:ext cx="0" cy="0"/>
+          <a:chOff x="0" y="0"/>
+          <a:chExt cx="0" cy="0"/>
+        </a:xfrm>
+      </p:grpSpPr>
+      <p:sp>
+        <p:nvSpPr>
+          <p:cNvPr id="711" name="PA_矩形 28"/>
+          <p:cNvSpPr/>
+          <p:nvPr/>
+        </p:nvSpPr>
+        <p:spPr>
+          <a:xfrm>
+            <a:off x="0" y="3438045"/>
+            <a:ext cx="12192000" cy="3428999"/>
+          </a:xfrm>
+          <a:prstGeom prst="rect">
+            <a:avLst/>
+          </a:prstGeom>
+          <a:solidFill>
+            <a:srgbClr val="F9B359"/>
+          </a:solidFill>
+          <a:ln w="12700">
+            <a:miter lim="400000"/>
+          </a:ln>
+        </p:spPr>
+        <p:txBody>
+          <a:bodyPr lIns="45719" rIns="45719" anchor="ctr"/>
+          <a:lstStyle/>
+          <a:p>
+            <a:pPr algn="ctr">
+              <a:defRPr>
+                <a:solidFill>
+                  <a:srgbClr val="FFFFFF"/>
+                </a:solidFill>
+              </a:defRPr>
+            </a:pPr>
+            <a:endParaRPr/>
+          </a:p>
+        </p:txBody>
+      </p:sp>
+      <p:sp>
+        <p:nvSpPr>
+          <p:cNvPr id="712" name="PA_文本框 34"/>
+          <p:cNvSpPr txBox="1"/>
+          <p:nvPr/>
+        </p:nvSpPr>
+        <p:spPr>
+          <a:xfrm>
+            <a:off x="2310027" y="-51764"/>
+            <a:ext cx="7571943" cy="3770263"/>
+          </a:xfrm>
+          <a:prstGeom prst="rect">
+            <a:avLst/>
+          </a:prstGeom>
+          <a:ln w="12700">
+            <a:miter lim="400000"/>
+          </a:ln>
+          <a:extLst>
+            <a:ext uri="{C572A759-6A51-4108-AA02-DFA0A04FC94B}">
+              <ma14:wrappingTextBoxFlag xmlns="" xmlns:ma14="http://schemas.microsoft.com/office/mac/drawingml/2011/main" val="1"/>
+            </a:ext>
+          </a:extLst>
+        </p:spPr>
+        <p:txBody>
+          <a:bodyPr wrap="none" lIns="45719" rIns="45719">
+            <a:spAutoFit/>
+          </a:bodyPr>
+          <a:lstStyle>
+            <a:lvl1pPr algn="ctr">
+              <a:defRPr sz="23900">
+                <a:solidFill>
+                  <a:srgbClr val="F9B359">
+                    <a:alpha val="30000"/>
+                  </a:srgbClr>
+                </a:solidFill>
+                <a:latin typeface="微软雅黑"/>
+                <a:ea typeface="微软雅黑"/>
+                <a:cs typeface="微软雅黑"/>
+                <a:sym typeface="微软雅黑"/>
+              </a:defRPr>
+            </a:lvl1pPr>
+          </a:lstStyle>
+          <a:p>
+            <a:r>
+              <a:rPr lang="en-US" dirty="0"/>
+              <a:t>LAZY</a:t>
+            </a:r>
+            <a:endParaRPr dirty="0"/>
+          </a:p>
+        </p:txBody>
+      </p:sp>
+      <p:sp>
+        <p:nvSpPr>
+          <p:cNvPr id="713" name="PA_矩形 32"/>
+          <p:cNvSpPr/>
+          <p:nvPr/>
+        </p:nvSpPr>
+        <p:spPr>
+          <a:xfrm>
+            <a:off x="1329367" y="1354006"/>
+            <a:ext cx="9533264" cy="4149987"/>
+          </a:xfrm>
+          <a:prstGeom prst="rect">
+            <a:avLst/>
+          </a:prstGeom>
+          <a:solidFill>
+            <a:srgbClr val="FCFCFD">
+              <a:alpha val="60000"/>
+            </a:srgbClr>
+          </a:solidFill>
+          <a:ln w="12700">
+            <a:miter lim="400000"/>
+          </a:ln>
+          <a:effectLst>
+            <a:outerShdw blurRad="254000" dist="38100" dir="5400000" rotWithShape="0">
+              <a:srgbClr val="969F98">
+                <a:alpha val="20000"/>
+              </a:srgbClr>
+            </a:outerShdw>
+          </a:effectLst>
+        </p:spPr>
+        <p:txBody>
+          <a:bodyPr lIns="45719" rIns="45719" anchor="ctr"/>
+          <a:lstStyle/>
+          <a:p>
+            <a:pPr algn="ctr">
+              <a:defRPr>
+                <a:solidFill>
+                  <a:srgbClr val="FFFFFF"/>
+                </a:solidFill>
+              </a:defRPr>
+            </a:pPr>
+            <a:endParaRPr/>
+          </a:p>
+        </p:txBody>
+      </p:sp>
+      <p:sp>
+        <p:nvSpPr>
+          <p:cNvPr id="714" name="PA_矩形 27"/>
+          <p:cNvSpPr/>
+          <p:nvPr/>
+        </p:nvSpPr>
+        <p:spPr>
+          <a:xfrm>
+            <a:off x="2351313" y="2153796"/>
+            <a:ext cx="7489375" cy="2280496"/>
+          </a:xfrm>
+          <a:prstGeom prst="rect">
+            <a:avLst/>
+          </a:prstGeom>
+          <a:ln w="25400">
+            <a:solidFill>
+              <a:srgbClr val="3F403E"/>
+            </a:solidFill>
+            <a:miter/>
+          </a:ln>
+        </p:spPr>
+        <p:txBody>
+          <a:bodyPr lIns="45719" rIns="45719" anchor="ctr"/>
+          <a:lstStyle/>
+          <a:p>
+            <a:pPr algn="ctr">
+              <a:defRPr>
+                <a:solidFill>
+                  <a:srgbClr val="FFFFFF"/>
+                </a:solidFill>
+              </a:defRPr>
+            </a:pPr>
+            <a:endParaRPr/>
+          </a:p>
+        </p:txBody>
+      </p:sp>
+      <p:sp>
+        <p:nvSpPr>
+          <p:cNvPr id="715" name="PA_矩形 33"/>
+          <p:cNvSpPr/>
+          <p:nvPr/>
+        </p:nvSpPr>
+        <p:spPr>
+          <a:xfrm flipV="1">
+            <a:off x="5034567" y="4973403"/>
+            <a:ext cx="2067271" cy="189545"/>
+          </a:xfrm>
+          <a:prstGeom prst="rect">
+            <a:avLst/>
+          </a:prstGeom>
+          <a:solidFill>
+            <a:srgbClr val="F9B359"/>
+          </a:solidFill>
+          <a:ln w="12700">
+            <a:miter lim="400000"/>
+          </a:ln>
+        </p:spPr>
+        <p:txBody>
+          <a:bodyPr lIns="45719" rIns="45719" anchor="ctr"/>
+          <a:lstStyle/>
+          <a:p>
+            <a:pPr algn="ctr">
+              <a:defRPr>
+                <a:solidFill>
+                  <a:srgbClr val="FFFFFF"/>
+                </a:solidFill>
+              </a:defRPr>
+            </a:pPr>
+            <a:endParaRPr/>
+          </a:p>
+        </p:txBody>
+      </p:sp>
+      <p:sp>
+        <p:nvSpPr>
+          <p:cNvPr id="716" name="PA_文本框 29"/>
+          <p:cNvSpPr txBox="1"/>
+          <p:nvPr/>
+        </p:nvSpPr>
+        <p:spPr>
+          <a:xfrm>
+            <a:off x="5117686" y="4883509"/>
+            <a:ext cx="1956624" cy="461665"/>
+          </a:xfrm>
+          <a:prstGeom prst="rect">
+            <a:avLst/>
+          </a:prstGeom>
+          <a:ln w="12700">
+            <a:miter lim="400000"/>
+          </a:ln>
+          <a:extLst>
+            <a:ext uri="{C572A759-6A51-4108-AA02-DFA0A04FC94B}">
+              <ma14:wrappingTextBoxFlag xmlns="" xmlns:ma14="http://schemas.microsoft.com/office/mac/drawingml/2011/main" val="1"/>
+            </a:ext>
+          </a:extLst>
+        </p:spPr>
+        <p:txBody>
+          <a:bodyPr wrap="none" lIns="45719" rIns="45719">
+            <a:spAutoFit/>
+          </a:bodyPr>
+          <a:lstStyle/>
+          <a:p>
+            <a:pPr algn="ctr">
+              <a:defRPr>
+                <a:solidFill>
+                  <a:srgbClr val="3F403E"/>
+                </a:solidFill>
+                <a:latin typeface="微软雅黑 Light"/>
+                <a:ea typeface="微软雅黑 Light"/>
+                <a:cs typeface="微软雅黑 Light"/>
+                <a:sym typeface="微软雅黑 Light"/>
+              </a:defRPr>
+            </a:pPr>
+            <a:r>
+              <a:rPr lang="en-US" sz="2400" dirty="0"/>
+              <a:t>SE2019</a:t>
+            </a:r>
+            <a:r>
+              <a:rPr lang="zh-CN" altLang="en-US" sz="2400" dirty="0"/>
+              <a:t>春</a:t>
+            </a:r>
+            <a:r>
+              <a:rPr lang="en-US" altLang="zh-CN" sz="2400" dirty="0"/>
+              <a:t>-G11</a:t>
+            </a:r>
+            <a:endParaRPr sz="2400" dirty="0"/>
+          </a:p>
+        </p:txBody>
+      </p:sp>
+      <p:sp>
+        <p:nvSpPr>
+          <p:cNvPr id="717" name="PA_文本框 20"/>
+          <p:cNvSpPr txBox="1"/>
+          <p:nvPr/>
+        </p:nvSpPr>
+        <p:spPr>
+          <a:xfrm>
+            <a:off x="3571299" y="2509212"/>
+            <a:ext cx="5049401" cy="1551941"/>
+          </a:xfrm>
+          <a:prstGeom prst="rect">
+            <a:avLst/>
+          </a:prstGeom>
+          <a:solidFill>
+            <a:srgbClr val="FCFCFD"/>
+          </a:solidFill>
+          <a:ln w="12700">
+            <a:miter lim="400000"/>
+          </a:ln>
+          <a:extLst>
+            <a:ext uri="{C572A759-6A51-4108-AA02-DFA0A04FC94B}">
+              <ma14:wrappingTextBoxFlag xmlns="" xmlns:ma14="http://schemas.microsoft.com/office/mac/drawingml/2011/main" val="1"/>
+            </a:ext>
+          </a:extLst>
+        </p:spPr>
+        <p:txBody>
+          <a:bodyPr wrap="none" lIns="45719" rIns="45719">
+            <a:spAutoFit/>
+          </a:bodyPr>
+          <a:lstStyle>
+            <a:lvl1pPr algn="ctr">
+              <a:defRPr sz="9600">
+                <a:solidFill>
+                  <a:srgbClr val="F9B359"/>
+                </a:solidFill>
+                <a:latin typeface="微软雅黑"/>
+                <a:ea typeface="微软雅黑"/>
+                <a:cs typeface="微软雅黑"/>
+                <a:sym typeface="微软雅黑"/>
+              </a:defRPr>
+            </a:lvl1pPr>
+          </a:lstStyle>
+          <a:p>
+            <a:r>
+              <a:t>THANKS</a:t>
+            </a:r>
+          </a:p>
+        </p:txBody>
+      </p:sp>
+      <p:pic>
+        <p:nvPicPr>
+          <p:cNvPr id="9" name="图片 8">
+            <a:extLst>
+              <a:ext uri="{FF2B5EF4-FFF2-40B4-BE49-F238E27FC236}">
+                <a16:creationId xmlns:a16="http://schemas.microsoft.com/office/drawing/2014/main" id="{1760666A-8C83-4EF2-B0D7-90C0F4534C1D}"/>
+              </a:ext>
+            </a:extLst>
+          </p:cNvPr>
+          <p:cNvPicPr>
+            <a:picLocks noChangeAspect="1"/>
+          </p:cNvPicPr>
+          <p:nvPr/>
+        </p:nvPicPr>
+        <p:blipFill>
+          <a:blip r:embed="rId2" cstate="print">
+            <a:extLst>
+              <a:ext uri="{28A0092B-C50C-407E-A947-70E740481C1C}">
+                <a14:useLocalDpi xmlns:a14="http://schemas.microsoft.com/office/drawing/2010/main" val="0"/>
+              </a:ext>
+            </a:extLst>
+          </a:blip>
+          <a:stretch>
+            <a:fillRect/>
+          </a:stretch>
+        </p:blipFill>
+        <p:spPr>
+          <a:xfrm>
+            <a:off x="0" y="0"/>
+            <a:ext cx="701608" cy="701608"/>
+          </a:xfrm>
+          <a:prstGeom prst="rect">
+            <a:avLst/>
+          </a:prstGeom>
+        </p:spPr>
+      </p:pic>
+    </p:spTree>
+  </p:cSld>
+  <p:clrMapOvr>
+    <a:masterClrMapping/>
+  </p:clrMapOvr>
+  <mc:AlternateContent xmlns:mc="http://schemas.openxmlformats.org/markup-compatibility/2006" xmlns:p15="http://schemas.microsoft.com/office/powerpoint/2012/main">
+    <mc:Choice Requires="p15">
+      <p:transition xmlns:p14="http://schemas.microsoft.com/office/powerpoint/2010/main" spd="slow" p14:dur="1200">
+        <p15:prstTrans prst="pageCurlDouble"/>
+      </p:transition>
+    </mc:Choice>
+    <mc:Choice xmlns="" xmlns:p14="http://schemas.microsoft.com/office/powerpoint/2010/main" Requires="p14">
+      <p:transition spd="slow" advClick="1" p14:dur="1200">
+        <p14:prism dir="d"/>
+      </p:transition>
+    </mc:Choice>
+    <mc:Fallback xmlns="">
+      <p:transition spd="slow">
+        <p:fade/>
+      </p:transition>
+    </mc:Fallback>
+  </mc:AlternateContent>
+  <p:timing>
+    <p:tnLst>
+      <p:par>
+        <p:cTn id="1" dur="indefinite" restart="never" fill="hold" nodeType="tmRoot">
+          <p:childTnLst>
+            <p:seq concurrent="1" prevAc="none" nextAc="seek">
+              <p:cTn id="2" dur="indefinite" fill="hold" nodeType="mainSeq">
+                <p:childTnLst>
+                  <p:par>
+                    <p:cTn id="3" fill="hold">
+                      <p:stCondLst>
+                        <p:cond delay="indefinite"/>
+                        <p:cond evt="onBegin" delay="0">
+                          <p:tn val="2"/>
+                        </p:cond>
+                      </p:stCondLst>
+                      <p:childTnLst>
+                        <p:par>
+                          <p:cTn id="4" fill="hold">
+                            <p:stCondLst>
+                              <p:cond delay="0"/>
+                            </p:stCondLst>
+                            <p:childTnLst>
+                              <p:par>
+                                <p:cTn id="5" presetID="9" presetClass="entr" fill="hold" grpId="1" nodeType="afterEffect">
+                                  <p:stCondLst>
+                                    <p:cond delay="0"/>
+                                  </p:stCondLst>
+                                  <p:iterate>
+                                    <p:tmAbs val="0"/>
+                                  </p:iterate>
+                                  <p:childTnLst>
+                                    <p:set>
+                                      <p:cBhvr>
+                                        <p:cTn id="6" fill="hold"/>
+                                        <p:tgtEl>
+                                          <p:spTgt spid="712"/>
+                                        </p:tgtEl>
+                                        <p:attrNameLst>
+                                          <p:attrName>style.visibility</p:attrName>
+                                        </p:attrNameLst>
+                                      </p:cBhvr>
+                                      <p:to>
+                                        <p:strVal val="visible"/>
+                                      </p:to>
+                                    </p:set>
+                                    <p:animEffect transition="in" filter="dissolve">
+                                      <p:cBhvr>
+                                        <p:cTn id="7" dur="1000"/>
+                                        <p:tgtEl>
+                                          <p:spTgt spid="712"/>
+                                        </p:tgtEl>
+                                      </p:cBhvr>
+                                    </p:animEffect>
+                                  </p:childTnLst>
+                                </p:cTn>
+                              </p:par>
+                            </p:childTnLst>
+                          </p:cTn>
+                        </p:par>
+                        <p:par>
+                          <p:cTn id="8" fill="hold">
+                            <p:stCondLst>
+                              <p:cond delay="1000"/>
+                            </p:stCondLst>
+                            <p:childTnLst>
+                              <p:par>
+                                <p:cTn id="9" presetID="2" presetClass="entr" presetSubtype="4" fill="hold" grpId="2" nodeType="afterEffect">
+                                  <p:stCondLst>
+                                    <p:cond delay="0"/>
+                                  </p:stCondLst>
+                                  <p:iterate>
+                                    <p:tmAbs val="0"/>
+                                  </p:iterate>
+                                  <p:childTnLst>
+                                    <p:set>
+                                      <p:cBhvr>
+                                        <p:cTn id="10" fill="hold"/>
+                                        <p:tgtEl>
+                                          <p:spTgt spid="711"/>
+                                        </p:tgtEl>
+                                        <p:attrNameLst>
+                                          <p:attrName>style.visibility</p:attrName>
+                                        </p:attrNameLst>
+                                      </p:cBhvr>
+                                      <p:to>
+                                        <p:strVal val="visible"/>
+                                      </p:to>
+                                    </p:set>
+                                    <p:anim calcmode="lin" valueType="num">
+                                      <p:cBhvr>
+                                        <p:cTn id="11" dur="1000" fill="hold"/>
+                                        <p:tgtEl>
+                                          <p:spTgt spid="711"/>
+                                        </p:tgtEl>
+                                        <p:attrNameLst>
+                                          <p:attrName>ppt_x</p:attrName>
+                                        </p:attrNameLst>
+                                      </p:cBhvr>
+                                      <p:tavLst>
+                                        <p:tav tm="0">
+                                          <p:val>
+                                            <p:strVal val="#ppt_x"/>
+                                          </p:val>
+                                        </p:tav>
+                                        <p:tav tm="100000">
+                                          <p:val>
+                                            <p:strVal val="#ppt_x"/>
+                                          </p:val>
+                                        </p:tav>
+                                      </p:tavLst>
+                                    </p:anim>
+                                    <p:anim calcmode="lin" valueType="num">
+                                      <p:cBhvr>
+                                        <p:cTn id="12" dur="1000" fill="hold"/>
+                                        <p:tgtEl>
+                                          <p:spTgt spid="711"/>
+                                        </p:tgtEl>
+                                        <p:attrNameLst>
+                                          <p:attrName>ppt_y</p:attrName>
+                                        </p:attrNameLst>
+                                      </p:cBhvr>
+                                      <p:tavLst>
+                                        <p:tav tm="0">
+                                          <p:val>
+                                            <p:strVal val="1+#ppt_h/2"/>
+                                          </p:val>
+                                        </p:tav>
+                                        <p:tav tm="100000">
+                                          <p:val>
+                                            <p:strVal val="#ppt_y"/>
+                                          </p:val>
+                                        </p:tav>
+                                      </p:tavLst>
+                                    </p:anim>
+                                  </p:childTnLst>
+                                </p:cTn>
+                              </p:par>
+                            </p:childTnLst>
+                          </p:cTn>
+                        </p:par>
+                        <p:par>
+                          <p:cTn id="13" fill="hold">
+                            <p:stCondLst>
+                              <p:cond delay="2000"/>
+                            </p:stCondLst>
+                            <p:childTnLst>
+                              <p:par>
+                                <p:cTn id="14" presetID="2" presetClass="entr" presetSubtype="4" fill="hold" grpId="3" nodeType="afterEffect">
+                                  <p:stCondLst>
+                                    <p:cond delay="0"/>
+                                  </p:stCondLst>
+                                  <p:iterate>
+                                    <p:tmAbs val="0"/>
+                                  </p:iterate>
+                                  <p:childTnLst>
+                                    <p:set>
+                                      <p:cBhvr>
+                                        <p:cTn id="15" fill="hold"/>
+                                        <p:tgtEl>
+                                          <p:spTgt spid="713"/>
+                                        </p:tgtEl>
+                                        <p:attrNameLst>
+                                          <p:attrName>style.visibility</p:attrName>
+                                        </p:attrNameLst>
+                                      </p:cBhvr>
+                                      <p:to>
+                                        <p:strVal val="visible"/>
+                                      </p:to>
+                                    </p:set>
+                                    <p:anim calcmode="lin" valueType="num">
+                                      <p:cBhvr>
+                                        <p:cTn id="16" dur="1000" fill="hold"/>
+                                        <p:tgtEl>
+                                          <p:spTgt spid="713"/>
+                                        </p:tgtEl>
+                                        <p:attrNameLst>
+                                          <p:attrName>ppt_x</p:attrName>
+                                        </p:attrNameLst>
+                                      </p:cBhvr>
+                                      <p:tavLst>
+                                        <p:tav tm="0">
+                                          <p:val>
+                                            <p:strVal val="#ppt_x"/>
+                                          </p:val>
+                                        </p:tav>
+                                        <p:tav tm="100000">
+                                          <p:val>
+                                            <p:strVal val="#ppt_x"/>
+                                          </p:val>
+                                        </p:tav>
+                                      </p:tavLst>
+                                    </p:anim>
+                                    <p:anim calcmode="lin" valueType="num">
+                                      <p:cBhvr>
+                                        <p:cTn id="17" dur="1000" fill="hold"/>
+                                        <p:tgtEl>
+                                          <p:spTgt spid="713"/>
+                                        </p:tgtEl>
+                                        <p:attrNameLst>
+                                          <p:attrName>ppt_y</p:attrName>
+                                        </p:attrNameLst>
+                                      </p:cBhvr>
+                                      <p:tavLst>
+                                        <p:tav tm="0">
+                                          <p:val>
+                                            <p:strVal val="1+#ppt_h/2"/>
+                                          </p:val>
+                                        </p:tav>
+                                        <p:tav tm="100000">
+                                          <p:val>
+                                            <p:strVal val="#ppt_y"/>
+                                          </p:val>
+                                        </p:tav>
+                                      </p:tavLst>
+                                    </p:anim>
+                                  </p:childTnLst>
+                                </p:cTn>
+                              </p:par>
+                            </p:childTnLst>
+                          </p:cTn>
+                        </p:par>
+                        <p:par>
+                          <p:cTn id="18" fill="hold">
+                            <p:stCondLst>
+                              <p:cond delay="3000"/>
+                            </p:stCondLst>
+                            <p:childTnLst>
+                              <p:par>
+                                <p:cTn id="19" presetID="2" presetClass="entr" presetSubtype="4" fill="hold" grpId="4" nodeType="afterEffect">
+                                  <p:stCondLst>
+                                    <p:cond delay="0"/>
+                                  </p:stCondLst>
+                                  <p:iterate>
+                                    <p:tmAbs val="0"/>
+                                  </p:iterate>
+                                  <p:childTnLst>
+                                    <p:set>
+                                      <p:cBhvr>
+                                        <p:cTn id="20" fill="hold"/>
+                                        <p:tgtEl>
+                                          <p:spTgt spid="714"/>
+                                        </p:tgtEl>
+                                        <p:attrNameLst>
+                                          <p:attrName>style.visibility</p:attrName>
+                                        </p:attrNameLst>
+                                      </p:cBhvr>
+                                      <p:to>
+                                        <p:strVal val="visible"/>
+                                      </p:to>
+                                    </p:set>
+                                    <p:anim calcmode="lin" valueType="num">
+                                      <p:cBhvr>
+                                        <p:cTn id="21" dur="1000" fill="hold"/>
+                                        <p:tgtEl>
+                                          <p:spTgt spid="714"/>
+                                        </p:tgtEl>
+                                        <p:attrNameLst>
+                                          <p:attrName>ppt_x</p:attrName>
+                                        </p:attrNameLst>
+                                      </p:cBhvr>
+                                      <p:tavLst>
+                                        <p:tav tm="0">
+                                          <p:val>
+                                            <p:strVal val="#ppt_x"/>
+                                          </p:val>
+                                        </p:tav>
+                                        <p:tav tm="100000">
+                                          <p:val>
+                                            <p:strVal val="#ppt_x"/>
+                                          </p:val>
+                                        </p:tav>
+                                      </p:tavLst>
+                                    </p:anim>
+                                    <p:anim calcmode="lin" valueType="num">
+                                      <p:cBhvr>
+                                        <p:cTn id="22" dur="1000" fill="hold"/>
+                                        <p:tgtEl>
+                                          <p:spTgt spid="714"/>
+                                        </p:tgtEl>
+                                        <p:attrNameLst>
+                                          <p:attrName>ppt_y</p:attrName>
+                                        </p:attrNameLst>
+                                      </p:cBhvr>
+                                      <p:tavLst>
+                                        <p:tav tm="0">
+                                          <p:val>
+                                            <p:strVal val="1+#ppt_h/2"/>
+                                          </p:val>
+                                        </p:tav>
+                                        <p:tav tm="100000">
+                                          <p:val>
+                                            <p:strVal val="#ppt_y"/>
+                                          </p:val>
+                                        </p:tav>
+                                      </p:tavLst>
+                                    </p:anim>
+                                  </p:childTnLst>
+                                </p:cTn>
+                              </p:par>
+                            </p:childTnLst>
+                          </p:cTn>
+                        </p:par>
+                        <p:par>
+                          <p:cTn id="23" fill="hold">
+                            <p:stCondLst>
+                              <p:cond delay="4000"/>
+                            </p:stCondLst>
+                            <p:childTnLst>
+                              <p:par>
+                                <p:cTn id="24" presetID="2" presetClass="entr" presetSubtype="4" fill="hold" grpId="5" nodeType="afterEffect">
+                                  <p:stCondLst>
+                                    <p:cond delay="0"/>
+                                  </p:stCondLst>
+                                  <p:iterate>
+                                    <p:tmAbs val="0"/>
+                                  </p:iterate>
+                                  <p:childTnLst>
+                                    <p:set>
+                                      <p:cBhvr>
+                                        <p:cTn id="25" fill="hold"/>
+                                        <p:tgtEl>
+                                          <p:spTgt spid="715"/>
+                                        </p:tgtEl>
+                                        <p:attrNameLst>
+                                          <p:attrName>style.visibility</p:attrName>
+                                        </p:attrNameLst>
+                                      </p:cBhvr>
+                                      <p:to>
+                                        <p:strVal val="visible"/>
+                                      </p:to>
+                                    </p:set>
+                                    <p:anim calcmode="lin" valueType="num">
+                                      <p:cBhvr>
+                                        <p:cTn id="26" dur="1000" fill="hold"/>
+                                        <p:tgtEl>
+                                          <p:spTgt spid="715"/>
+                                        </p:tgtEl>
+                                        <p:attrNameLst>
+                                          <p:attrName>ppt_x</p:attrName>
+                                        </p:attrNameLst>
+                                      </p:cBhvr>
+                                      <p:tavLst>
+                                        <p:tav tm="0">
+                                          <p:val>
+                                            <p:strVal val="#ppt_x"/>
+                                          </p:val>
+                                        </p:tav>
+                                        <p:tav tm="100000">
+                                          <p:val>
+                                            <p:strVal val="#ppt_x"/>
+                                          </p:val>
+                                        </p:tav>
+                                      </p:tavLst>
+                                    </p:anim>
+                                    <p:anim calcmode="lin" valueType="num">
+                                      <p:cBhvr>
+                                        <p:cTn id="27" dur="1000" fill="hold"/>
+                                        <p:tgtEl>
+                                          <p:spTgt spid="715"/>
+                                        </p:tgtEl>
+                                        <p:attrNameLst>
+                                          <p:attrName>ppt_y</p:attrName>
+                                        </p:attrNameLst>
+                                      </p:cBhvr>
+                                      <p:tavLst>
+                                        <p:tav tm="0">
+                                          <p:val>
+                                            <p:strVal val="1+#ppt_h/2"/>
+                                          </p:val>
+                                        </p:tav>
+                                        <p:tav tm="100000">
+                                          <p:val>
+                                            <p:strVal val="#ppt_y"/>
+                                          </p:val>
+                                        </p:tav>
+                                      </p:tavLst>
+                                    </p:anim>
+                                  </p:childTnLst>
+                                </p:cTn>
+                              </p:par>
+                            </p:childTnLst>
+                          </p:cTn>
+                        </p:par>
+                        <p:par>
+                          <p:cTn id="28" fill="hold">
+                            <p:stCondLst>
+                              <p:cond delay="5000"/>
+                            </p:stCondLst>
+                            <p:childTnLst>
+                              <p:par>
+                                <p:cTn id="29" presetID="2" presetClass="entr" presetSubtype="4" fill="hold" grpId="6" nodeType="afterEffect">
+                                  <p:stCondLst>
+                                    <p:cond delay="0"/>
+                                  </p:stCondLst>
+                                  <p:iterate>
+                                    <p:tmAbs val="0"/>
+                                  </p:iterate>
+                                  <p:childTnLst>
+                                    <p:set>
+                                      <p:cBhvr>
+                                        <p:cTn id="30" fill="hold"/>
+                                        <p:tgtEl>
+                                          <p:spTgt spid="716"/>
+                                        </p:tgtEl>
+                                        <p:attrNameLst>
+                                          <p:attrName>style.visibility</p:attrName>
+                                        </p:attrNameLst>
+                                      </p:cBhvr>
+                                      <p:to>
+                                        <p:strVal val="visible"/>
+                                      </p:to>
+                                    </p:set>
+                                    <p:anim calcmode="lin" valueType="num">
+                                      <p:cBhvr>
+                                        <p:cTn id="31" dur="1000" fill="hold"/>
+                                        <p:tgtEl>
+                                          <p:spTgt spid="716"/>
+                                        </p:tgtEl>
+                                        <p:attrNameLst>
+                                          <p:attrName>ppt_x</p:attrName>
+                                        </p:attrNameLst>
+                                      </p:cBhvr>
+                                      <p:tavLst>
+                                        <p:tav tm="0">
+                                          <p:val>
+                                            <p:strVal val="#ppt_x"/>
+                                          </p:val>
+                                        </p:tav>
+                                        <p:tav tm="100000">
+                                          <p:val>
+                                            <p:strVal val="#ppt_x"/>
+                                          </p:val>
+                                        </p:tav>
+                                      </p:tavLst>
+                                    </p:anim>
+                                    <p:anim calcmode="lin" valueType="num">
+                                      <p:cBhvr>
+                                        <p:cTn id="32" dur="1000" fill="hold"/>
+                                        <p:tgtEl>
+                                          <p:spTgt spid="716"/>
+                                        </p:tgtEl>
+                                        <p:attrNameLst>
+                                          <p:attrName>ppt_y</p:attrName>
+                                        </p:attrNameLst>
+                                      </p:cBhvr>
+                                      <p:tavLst>
+                                        <p:tav tm="0">
+                                          <p:val>
+                                            <p:strVal val="1+#ppt_h/2"/>
+                                          </p:val>
+                                        </p:tav>
+                                        <p:tav tm="100000">
+                                          <p:val>
+                                            <p:strVal val="#ppt_y"/>
+                                          </p:val>
+                                        </p:tav>
+                                      </p:tavLst>
+                                    </p:anim>
+                                  </p:childTnLst>
+                                </p:cTn>
+                              </p:par>
+                            </p:childTnLst>
+                          </p:cTn>
+                        </p:par>
+                        <p:par>
+                          <p:cTn id="33" fill="hold">
+                            <p:stCondLst>
+                              <p:cond delay="6000"/>
+                            </p:stCondLst>
+                            <p:childTnLst>
+                              <p:par>
+                                <p:cTn id="34" presetID="2" presetClass="entr" presetSubtype="4" fill="hold" grpId="7" nodeType="afterEffect">
+                                  <p:stCondLst>
+                                    <p:cond delay="0"/>
+                                  </p:stCondLst>
+                                  <p:iterate>
+                                    <p:tmAbs val="0"/>
+                                  </p:iterate>
+                                  <p:childTnLst>
+                                    <p:set>
+                                      <p:cBhvr>
+                                        <p:cTn id="35" fill="hold"/>
+                                        <p:tgtEl>
+                                          <p:spTgt spid="717"/>
+                                        </p:tgtEl>
+                                        <p:attrNameLst>
+                                          <p:attrName>style.visibility</p:attrName>
+                                        </p:attrNameLst>
+                                      </p:cBhvr>
+                                      <p:to>
+                                        <p:strVal val="visible"/>
+                                      </p:to>
+                                    </p:set>
+                                    <p:anim calcmode="lin" valueType="num">
+                                      <p:cBhvr>
+                                        <p:cTn id="36" dur="1000" fill="hold"/>
+                                        <p:tgtEl>
+                                          <p:spTgt spid="717"/>
+                                        </p:tgtEl>
+                                        <p:attrNameLst>
+                                          <p:attrName>ppt_x</p:attrName>
+                                        </p:attrNameLst>
+                                      </p:cBhvr>
+                                      <p:tavLst>
+                                        <p:tav tm="0">
+                                          <p:val>
+                                            <p:strVal val="#ppt_x"/>
+                                          </p:val>
+                                        </p:tav>
+                                        <p:tav tm="100000">
+                                          <p:val>
+                                            <p:strVal val="#ppt_x"/>
+                                          </p:val>
+                                        </p:tav>
+                                      </p:tavLst>
+                                    </p:anim>
+                                    <p:anim calcmode="lin" valueType="num">
+                                      <p:cBhvr>
+                                        <p:cTn id="37" dur="1000" fill="hold"/>
+                                        <p:tgtEl>
+                                          <p:spTgt spid="717"/>
+                                        </p:tgtEl>
+                                        <p:attrNameLst>
+                                          <p:attrName>ppt_y</p:attrName>
+                                        </p:attrNameLst>
+                                      </p:cBhvr>
+                                      <p:tavLst>
+                                        <p:tav tm="0">
+                                          <p:val>
+                                            <p:strVal val="1+#ppt_h/2"/>
+                                          </p:val>
+                                        </p:tav>
+                                        <p:tav tm="100000">
+                                          <p:val>
+                                            <p:strVal val="#ppt_y"/>
+                                          </p:val>
+                                        </p:tav>
+                                      </p:tavLst>
+                                    </p:anim>
+                                  </p:childTnLst>
+                                </p:cTn>
+                              </p:par>
+                              <p:par>
+                                <p:cTn id="38" presetID="10" presetClass="entr" presetSubtype="0" fill="hold" nodeType="withEffect">
+                                  <p:stCondLst>
+                                    <p:cond delay="0"/>
+                                  </p:stCondLst>
+                                  <p:childTnLst>
+                                    <p:set>
+                                      <p:cBhvr>
+                                        <p:cTn id="39" dur="1" fill="hold">
+                                          <p:stCondLst>
+                                            <p:cond delay="0"/>
+                                          </p:stCondLst>
+                                        </p:cTn>
+                                        <p:tgtEl>
+                                          <p:spTgt spid="9"/>
+                                        </p:tgtEl>
+                                        <p:attrNameLst>
+                                          <p:attrName>style.visibility</p:attrName>
+                                        </p:attrNameLst>
+                                      </p:cBhvr>
+                                      <p:to>
+                                        <p:strVal val="visible"/>
+                                      </p:to>
+                                    </p:set>
+                                    <p:animEffect transition="in" filter="fade">
+                                      <p:cBhvr>
+                                        <p:cTn id="40" dur="1000"/>
+                                        <p:tgtEl>
+                                          <p:spTgt spid="9"/>
+                                        </p:tgtEl>
+                                      </p:cBhvr>
+                                    </p:animEffect>
+                                  </p:childTnLst>
+                                </p:cTn>
+                              </p:par>
+                            </p:childTnLst>
+                          </p:cTn>
+                        </p:par>
+                      </p:childTnLst>
+                    </p:cTn>
+                  </p:par>
+                </p:childTnLst>
+              </p:cTn>
+              <p:prevCondLst>
+                <p:cond evt="onPrev" delay="0">
+                  <p:tgtEl>
+                    <p:sldTgt/>
+                  </p:tgtEl>
+                </p:cond>
+              </p:prevCondLst>
+              <p:nextCondLst>
+                <p:cond evt="onNext" delay="0">
+                  <p:tgtEl>
+                    <p:sldTgt/>
+                  </p:tgtEl>
+                </p:cond>
+              </p:nextCondLst>
+            </p:seq>
+          </p:childTnLst>
+        </p:cTn>
+      </p:par>
+    </p:tnLst>
+    <p:bldLst>
+      <p:bldP spid="711" grpId="2" animBg="1" advAuto="0"/>
+      <p:bldP spid="712" grpId="1" animBg="1" advAuto="0"/>
+      <p:bldP spid="713" grpId="3" animBg="1" advAuto="0"/>
+      <p:bldP spid="714" grpId="4" animBg="1" advAuto="0"/>
+      <p:bldP spid="715" grpId="5" animBg="1" advAuto="0"/>
+      <p:bldP spid="716" grpId="6" animBg="1" advAuto="0"/>
+      <p:bldP spid="717" grpId="7" animBg="1" advAuto="0"/>
+    </p:bldLst>
+  </p:timing>
+</p:sld>
+</file>
+
 <file path=ppt/slides/slide5.xml><?xml version="1.0" encoding="utf-8"?>
 <p:sld xmlns:a="http://schemas.openxmlformats.org/drawingml/2006/main" xmlns:r="http://schemas.openxmlformats.org/officeDocument/2006/relationships" xmlns:p="http://schemas.openxmlformats.org/presentationml/2006/main">
   <p:cSld>
@@ -30854,7 +31197,7 @@
           </a:ln>
           <a:extLst>
             <a:ext uri="{C572A759-6A51-4108-AA02-DFA0A04FC94B}">
-              <ma14:wrappingTextBoxFlag xmlns:ma14="http://schemas.microsoft.com/office/mac/drawingml/2011/main" xmlns="" val="1"/>
+              <ma14:wrappingTextBoxFlag xmlns="" xmlns:ma14="http://schemas.microsoft.com/office/mac/drawingml/2011/main" val="1"/>
             </a:ext>
           </a:extLst>
         </p:spPr>
@@ -31041,7 +31384,7 @@
           </a:ln>
           <a:extLst>
             <a:ext uri="{C572A759-6A51-4108-AA02-DFA0A04FC94B}">
-              <ma14:wrappingTextBoxFlag xmlns:ma14="http://schemas.microsoft.com/office/mac/drawingml/2011/main" xmlns="" val="1"/>
+              <ma14:wrappingTextBoxFlag xmlns="" xmlns:ma14="http://schemas.microsoft.com/office/mac/drawingml/2011/main" val="1"/>
             </a:ext>
           </a:extLst>
         </p:spPr>
@@ -31760,7 +32103,7 @@
           </a:ln>
           <a:extLst>
             <a:ext uri="{C572A759-6A51-4108-AA02-DFA0A04FC94B}">
-              <ma14:wrappingTextBoxFlag xmlns:ma14="http://schemas.microsoft.com/office/mac/drawingml/2011/main" xmlns="" val="1"/>
+              <ma14:wrappingTextBoxFlag xmlns="" xmlns:ma14="http://schemas.microsoft.com/office/mac/drawingml/2011/main" val="1"/>
             </a:ext>
           </a:extLst>
         </p:spPr>
@@ -31968,7 +32311,7 @@
           </a:ln>
           <a:extLst>
             <a:ext uri="{C572A759-6A51-4108-AA02-DFA0A04FC94B}">
-              <ma14:wrappingTextBoxFlag xmlns:ma14="http://schemas.microsoft.com/office/mac/drawingml/2011/main" xmlns="" val="1"/>
+              <ma14:wrappingTextBoxFlag xmlns="" xmlns:ma14="http://schemas.microsoft.com/office/mac/drawingml/2011/main" val="1"/>
             </a:ext>
           </a:extLst>
         </p:spPr>
@@ -32669,7 +33012,7 @@
           </a:ln>
           <a:extLst>
             <a:ext uri="{C572A759-6A51-4108-AA02-DFA0A04FC94B}">
-              <ma14:wrappingTextBoxFlag xmlns:ma14="http://schemas.microsoft.com/office/mac/drawingml/2011/main" xmlns="" val="1"/>
+              <ma14:wrappingTextBoxFlag xmlns="" xmlns:ma14="http://schemas.microsoft.com/office/mac/drawingml/2011/main" val="1"/>
             </a:ext>
           </a:extLst>
         </p:spPr>
@@ -32717,7 +33060,7 @@
           </a:ln>
           <a:extLst>
             <a:ext uri="{C572A759-6A51-4108-AA02-DFA0A04FC94B}">
-              <ma14:wrappingTextBoxFlag xmlns:ma14="http://schemas.microsoft.com/office/mac/drawingml/2011/main" xmlns="" val="1"/>
+              <ma14:wrappingTextBoxFlag xmlns="" xmlns:ma14="http://schemas.microsoft.com/office/mac/drawingml/2011/main" val="1"/>
             </a:ext>
           </a:extLst>
         </p:spPr>
@@ -33290,7 +33633,7 @@
           </a:ln>
           <a:extLst>
             <a:ext uri="{C572A759-6A51-4108-AA02-DFA0A04FC94B}">
-              <ma14:wrappingTextBoxFlag xmlns:ma14="http://schemas.microsoft.com/office/mac/drawingml/2011/main" xmlns="" val="1"/>
+              <ma14:wrappingTextBoxFlag xmlns="" xmlns:ma14="http://schemas.microsoft.com/office/mac/drawingml/2011/main" val="1"/>
             </a:ext>
           </a:extLst>
         </p:spPr>
@@ -33380,7 +33723,7 @@
           </a:ln>
           <a:extLst>
             <a:ext uri="{C572A759-6A51-4108-AA02-DFA0A04FC94B}">
-              <ma14:wrappingTextBoxFlag xmlns:ma14="http://schemas.microsoft.com/office/mac/drawingml/2011/main" xmlns="" val="1"/>
+              <ma14:wrappingTextBoxFlag xmlns="" xmlns:ma14="http://schemas.microsoft.com/office/mac/drawingml/2011/main" val="1"/>
             </a:ext>
           </a:extLst>
         </p:spPr>
@@ -34325,7 +34668,7 @@
         <p15:prstTrans prst="pageCurlDouble"/>
       </p:transition>
     </mc:Choice>
-    <mc:Choice xmlns:p14="http://schemas.microsoft.com/office/powerpoint/2010/main" xmlns="" Requires="p14">
+    <mc:Choice xmlns="" xmlns:p14="http://schemas.microsoft.com/office/powerpoint/2010/main" Requires="p14">
       <p:transition spd="slow" advClick="0" advTm="4000" p14:dur="1200">
         <p14:prism dir="l"/>
       </p:transition>
@@ -35057,7 +35400,7 @@
           </a:ln>
           <a:extLst>
             <a:ext uri="{C572A759-6A51-4108-AA02-DFA0A04FC94B}">
-              <ma14:wrappingTextBoxFlag xmlns:ma14="http://schemas.microsoft.com/office/mac/drawingml/2011/main" xmlns="" val="1"/>
+              <ma14:wrappingTextBoxFlag xmlns="" xmlns:ma14="http://schemas.microsoft.com/office/mac/drawingml/2011/main" val="1"/>
             </a:ext>
           </a:extLst>
         </p:spPr>
@@ -35247,7 +35590,7 @@
           </a:ln>
           <a:extLst>
             <a:ext uri="{C572A759-6A51-4108-AA02-DFA0A04FC94B}">
-              <ma14:wrappingTextBoxFlag xmlns:ma14="http://schemas.microsoft.com/office/mac/drawingml/2011/main" xmlns="" val="1"/>
+              <ma14:wrappingTextBoxFlag xmlns="" xmlns:ma14="http://schemas.microsoft.com/office/mac/drawingml/2011/main" val="1"/>
             </a:ext>
           </a:extLst>
         </p:spPr>

--- a/评审PPT/SE2019春-G11-总体设计+详细设计/SE2019春-G11-软件总体+详细设计PPT.pptx
+++ b/评审PPT/SE2019春-G11-总体设计+详细设计/SE2019春-G11-软件总体+详细设计PPT.pptx
@@ -5,7 +5,7 @@
     <p:sldMasterId id="2147483648" r:id="rId1"/>
   </p:sldMasterIdLst>
   <p:notesMasterIdLst>
-    <p:notesMasterId r:id="rId42"/>
+    <p:notesMasterId r:id="rId47"/>
   </p:notesMasterIdLst>
   <p:sldIdLst>
     <p:sldId id="256" r:id="rId2"/>
@@ -36,18 +36,23 @@
     <p:sldId id="330" r:id="rId27"/>
     <p:sldId id="331" r:id="rId28"/>
     <p:sldId id="332" r:id="rId29"/>
-    <p:sldId id="319" r:id="rId30"/>
-    <p:sldId id="262" r:id="rId31"/>
-    <p:sldId id="320" r:id="rId32"/>
-    <p:sldId id="293" r:id="rId33"/>
-    <p:sldId id="304" r:id="rId34"/>
-    <p:sldId id="308" r:id="rId35"/>
-    <p:sldId id="305" r:id="rId36"/>
-    <p:sldId id="322" r:id="rId37"/>
-    <p:sldId id="321" r:id="rId38"/>
-    <p:sldId id="306" r:id="rId39"/>
-    <p:sldId id="333" r:id="rId40"/>
-    <p:sldId id="285" r:id="rId41"/>
+    <p:sldId id="334" r:id="rId30"/>
+    <p:sldId id="335" r:id="rId31"/>
+    <p:sldId id="336" r:id="rId32"/>
+    <p:sldId id="319" r:id="rId33"/>
+    <p:sldId id="262" r:id="rId34"/>
+    <p:sldId id="320" r:id="rId35"/>
+    <p:sldId id="293" r:id="rId36"/>
+    <p:sldId id="304" r:id="rId37"/>
+    <p:sldId id="308" r:id="rId38"/>
+    <p:sldId id="305" r:id="rId39"/>
+    <p:sldId id="322" r:id="rId40"/>
+    <p:sldId id="338" r:id="rId41"/>
+    <p:sldId id="321" r:id="rId42"/>
+    <p:sldId id="306" r:id="rId43"/>
+    <p:sldId id="333" r:id="rId44"/>
+    <p:sldId id="337" r:id="rId45"/>
+    <p:sldId id="285" r:id="rId46"/>
   </p:sldIdLst>
   <p:sldSz cx="12192000" cy="6858000"/>
   <p:notesSz cx="6858000" cy="9144000"/>
@@ -4259,7 +4264,7 @@
           </a:ln>
           <a:extLst>
             <a:ext uri="{C572A759-6A51-4108-AA02-DFA0A04FC94B}">
-              <ma14:wrappingTextBoxFlag xmlns="" xmlns:ma14="http://schemas.microsoft.com/office/mac/drawingml/2011/main" val="1"/>
+              <ma14:wrappingTextBoxFlag xmlns:ma14="http://schemas.microsoft.com/office/mac/drawingml/2011/main" xmlns="" val="1"/>
             </a:ext>
           </a:extLst>
         </p:spPr>
@@ -4298,7 +4303,7 @@
           </a:ln>
           <a:extLst>
             <a:ext uri="{C572A759-6A51-4108-AA02-DFA0A04FC94B}">
-              <ma14:wrappingTextBoxFlag xmlns="" xmlns:ma14="http://schemas.microsoft.com/office/mac/drawingml/2011/main" val="1"/>
+              <ma14:wrappingTextBoxFlag xmlns:ma14="http://schemas.microsoft.com/office/mac/drawingml/2011/main" xmlns="" val="1"/>
             </a:ext>
           </a:extLst>
         </p:spPr>
@@ -5274,7 +5279,7 @@
           </a:ln>
           <a:extLst>
             <a:ext uri="{C572A759-6A51-4108-AA02-DFA0A04FC94B}">
-              <ma14:wrappingTextBoxFlag xmlns="" xmlns:ma14="http://schemas.microsoft.com/office/mac/drawingml/2011/main" val="1"/>
+              <ma14:wrappingTextBoxFlag xmlns:ma14="http://schemas.microsoft.com/office/mac/drawingml/2011/main" xmlns="" val="1"/>
             </a:ext>
           </a:extLst>
         </p:spPr>
@@ -5432,7 +5437,7 @@
         <p:spPr>
           <a:xfrm>
             <a:off x="4783462" y="4400356"/>
-            <a:ext cx="2625076" cy="1077218"/>
+            <a:ext cx="2625076" cy="1354217"/>
           </a:xfrm>
           <a:prstGeom prst="rect">
             <a:avLst/>
@@ -5442,7 +5447,7 @@
           </a:ln>
           <a:extLst>
             <a:ext uri="{C572A759-6A51-4108-AA02-DFA0A04FC94B}">
-              <ma14:wrappingTextBoxFlag xmlns="" xmlns:ma14="http://schemas.microsoft.com/office/mac/drawingml/2011/main" val="1"/>
+              <ma14:wrappingTextBoxFlag xmlns:ma14="http://schemas.microsoft.com/office/mac/drawingml/2011/main" xmlns="" val="1"/>
             </a:ext>
           </a:extLst>
         </p:spPr>
@@ -5476,10 +5481,64 @@
               <a:t>-G11</a:t>
             </a:r>
             <a:r>
-              <a:rPr lang="zh-CN" altLang="en-US" sz="2800" dirty="0"/>
+              <a:rPr lang="zh-CN" altLang="en-US" sz="2800" smtClean="0"/>
               <a:t>组</a:t>
             </a:r>
-            <a:endParaRPr lang="en-US" altLang="zh-CN" sz="2800" dirty="0"/>
+            <a:endParaRPr lang="en-US" altLang="zh-CN" sz="2800" dirty="0" smtClean="0"/>
+          </a:p>
+          <a:p>
+            <a:pPr algn="ctr">
+              <a:defRPr>
+                <a:solidFill>
+                  <a:srgbClr val="3F403E"/>
+                </a:solidFill>
+                <a:latin typeface="微软雅黑 Light"/>
+                <a:ea typeface="微软雅黑 Light"/>
+                <a:cs typeface="微软雅黑 Light"/>
+                <a:sym typeface="微软雅黑 Light"/>
+              </a:defRPr>
+            </a:pPr>
+            <a:r>
+              <a:rPr lang="zh-CN" altLang="en-US" dirty="0">
+                <a:solidFill>
+                  <a:srgbClr val="3F403E"/>
+                </a:solidFill>
+                <a:latin typeface="微软雅黑 Light"/>
+                <a:ea typeface="微软雅黑 Light"/>
+                <a:cs typeface="微软雅黑 Light"/>
+              </a:rPr>
+              <a:t>组</a:t>
+            </a:r>
+            <a:r>
+              <a:rPr lang="zh-CN" altLang="en-US" dirty="0">
+                <a:solidFill>
+                  <a:srgbClr val="3F403E"/>
+                </a:solidFill>
+                <a:latin typeface="微软雅黑 Light"/>
+                <a:ea typeface="微软雅黑 Light"/>
+                <a:cs typeface="微软雅黑 Light"/>
+              </a:rPr>
+              <a:t>名：懒</a:t>
+            </a:r>
+            <a:r>
+              <a:rPr lang="zh-CN" altLang="en-US" dirty="0">
+                <a:solidFill>
+                  <a:srgbClr val="3F403E"/>
+                </a:solidFill>
+                <a:latin typeface="微软雅黑 Light"/>
+                <a:ea typeface="微软雅黑 Light"/>
+                <a:cs typeface="微软雅黑 Light"/>
+              </a:rPr>
+              <a:t>人天使</a:t>
+            </a:r>
+            <a:endParaRPr lang="en-US" altLang="zh-CN" dirty="0">
+              <a:solidFill>
+                <a:srgbClr val="3F403E"/>
+              </a:solidFill>
+              <a:latin typeface="微软雅黑 Light"/>
+              <a:ea typeface="微软雅黑 Light"/>
+              <a:cs typeface="微软雅黑 Light"/>
+            </a:endParaRPr>
           </a:p>
           <a:p>
             <a:pPr algn="ctr">
@@ -5541,7 +5600,7 @@
           </a:ln>
           <a:extLst>
             <a:ext uri="{C572A759-6A51-4108-AA02-DFA0A04FC94B}">
-              <ma14:wrappingTextBoxFlag xmlns="" xmlns:ma14="http://schemas.microsoft.com/office/mac/drawingml/2011/main" val="1"/>
+              <ma14:wrappingTextBoxFlag xmlns:ma14="http://schemas.microsoft.com/office/mac/drawingml/2011/main" xmlns="" val="1"/>
             </a:ext>
           </a:extLst>
         </p:spPr>
@@ -5596,7 +5655,7 @@
           </a:ln>
           <a:extLst>
             <a:ext uri="{C572A759-6A51-4108-AA02-DFA0A04FC94B}">
-              <ma14:wrappingTextBoxFlag xmlns="" xmlns:ma14="http://schemas.microsoft.com/office/mac/drawingml/2011/main" val="1"/>
+              <ma14:wrappingTextBoxFlag xmlns:ma14="http://schemas.microsoft.com/office/mac/drawingml/2011/main" xmlns="" val="1"/>
             </a:ext>
           </a:extLst>
         </p:spPr>
@@ -5650,7 +5709,7 @@
           </a:ln>
           <a:extLst>
             <a:ext uri="{C572A759-6A51-4108-AA02-DFA0A04FC94B}">
-              <ma14:wrappingTextBoxFlag xmlns="" xmlns:ma14="http://schemas.microsoft.com/office/mac/drawingml/2011/main" val="1"/>
+              <ma14:wrappingTextBoxFlag xmlns:ma14="http://schemas.microsoft.com/office/mac/drawingml/2011/main" xmlns="" val="1"/>
             </a:ext>
           </a:extLst>
         </p:spPr>
@@ -6435,7 +6494,7 @@
           </a:ln>
           <a:extLst>
             <a:ext uri="{C572A759-6A51-4108-AA02-DFA0A04FC94B}">
-              <ma14:wrappingTextBoxFlag xmlns="" xmlns:ma14="http://schemas.microsoft.com/office/mac/drawingml/2011/main" val="1"/>
+              <ma14:wrappingTextBoxFlag xmlns:ma14="http://schemas.microsoft.com/office/mac/drawingml/2011/main" xmlns="" val="1"/>
             </a:ext>
           </a:extLst>
         </p:spPr>
@@ -7832,7 +7891,7 @@
           </a:ln>
           <a:extLst>
             <a:ext uri="{C572A759-6A51-4108-AA02-DFA0A04FC94B}">
-              <ma14:wrappingTextBoxFlag xmlns="" xmlns:ma14="http://schemas.microsoft.com/office/mac/drawingml/2011/main" val="1"/>
+              <ma14:wrappingTextBoxFlag xmlns:ma14="http://schemas.microsoft.com/office/mac/drawingml/2011/main" xmlns="" val="1"/>
             </a:ext>
           </a:extLst>
         </p:spPr>
@@ -9280,7 +9339,7 @@
           </a:ln>
           <a:extLst>
             <a:ext uri="{C572A759-6A51-4108-AA02-DFA0A04FC94B}">
-              <ma14:wrappingTextBoxFlag xmlns="" xmlns:ma14="http://schemas.microsoft.com/office/mac/drawingml/2011/main" val="1"/>
+              <ma14:wrappingTextBoxFlag xmlns:ma14="http://schemas.microsoft.com/office/mac/drawingml/2011/main" xmlns="" val="1"/>
             </a:ext>
           </a:extLst>
         </p:spPr>
@@ -10213,7 +10272,7 @@
           </a:ln>
           <a:extLst>
             <a:ext uri="{C572A759-6A51-4108-AA02-DFA0A04FC94B}">
-              <ma14:wrappingTextBoxFlag xmlns="" xmlns:ma14="http://schemas.microsoft.com/office/mac/drawingml/2011/main" val="1"/>
+              <ma14:wrappingTextBoxFlag xmlns:ma14="http://schemas.microsoft.com/office/mac/drawingml/2011/main" xmlns="" val="1"/>
             </a:ext>
           </a:extLst>
         </p:spPr>
@@ -10262,7 +10321,7 @@
           </a:ln>
           <a:extLst>
             <a:ext uri="{C572A759-6A51-4108-AA02-DFA0A04FC94B}">
-              <ma14:wrappingTextBoxFlag xmlns="" xmlns:ma14="http://schemas.microsoft.com/office/mac/drawingml/2011/main" val="1"/>
+              <ma14:wrappingTextBoxFlag xmlns:ma14="http://schemas.microsoft.com/office/mac/drawingml/2011/main" xmlns="" val="1"/>
             </a:ext>
           </a:extLst>
         </p:spPr>
@@ -10792,7 +10851,7 @@
           </a:ln>
           <a:extLst>
             <a:ext uri="{C572A759-6A51-4108-AA02-DFA0A04FC94B}">
-              <ma14:wrappingTextBoxFlag xmlns="" xmlns:ma14="http://schemas.microsoft.com/office/mac/drawingml/2011/main" val="1"/>
+              <ma14:wrappingTextBoxFlag xmlns:ma14="http://schemas.microsoft.com/office/mac/drawingml/2011/main" xmlns="" val="1"/>
             </a:ext>
           </a:extLst>
         </p:spPr>
@@ -10916,7 +10975,7 @@
           <a:graphicData uri="http://schemas.openxmlformats.org/presentationml/2006/ole">
             <mc:AlternateContent xmlns:mc="http://schemas.openxmlformats.org/markup-compatibility/2006">
               <mc:Choice xmlns:v="urn:schemas-microsoft-com:vml" Requires="v">
-                <p:oleObj spid="_x0000_s16411" r:id="rId4" imgW="6648514" imgH="2190886" progId="Visio.Drawing.15">
+                <p:oleObj spid="_x0000_s16419" r:id="rId4" imgW="6648514" imgH="2190886" progId="Visio.Drawing.15">
                   <p:embed/>
                 </p:oleObj>
               </mc:Choice>
@@ -11384,7 +11443,7 @@
           </a:ln>
           <a:extLst>
             <a:ext uri="{C572A759-6A51-4108-AA02-DFA0A04FC94B}">
-              <ma14:wrappingTextBoxFlag xmlns="" xmlns:ma14="http://schemas.microsoft.com/office/mac/drawingml/2011/main" val="1"/>
+              <ma14:wrappingTextBoxFlag xmlns:ma14="http://schemas.microsoft.com/office/mac/drawingml/2011/main" xmlns="" val="1"/>
             </a:ext>
           </a:extLst>
         </p:spPr>
@@ -11859,7 +11918,7 @@
           </a:ln>
           <a:extLst>
             <a:ext uri="{C572A759-6A51-4108-AA02-DFA0A04FC94B}">
-              <ma14:wrappingTextBoxFlag xmlns="" xmlns:ma14="http://schemas.microsoft.com/office/mac/drawingml/2011/main" val="1"/>
+              <ma14:wrappingTextBoxFlag xmlns:ma14="http://schemas.microsoft.com/office/mac/drawingml/2011/main" xmlns="" val="1"/>
             </a:ext>
           </a:extLst>
         </p:spPr>
@@ -11964,7 +12023,7 @@
           <p:nvPr>
             <p:extLst>
               <p:ext uri="{D42A27DB-BD31-4B8C-83A1-F6EECF244321}">
-                <p14:modId xmlns:p14="http://schemas.microsoft.com/office/powerpoint/2010/main" val="268306567"/>
+                <p14:modId xmlns:p14="http://schemas.microsoft.com/office/powerpoint/2010/main" val="693355401"/>
               </p:ext>
             </p:extLst>
           </p:nvPr>
@@ -11977,12 +12036,12 @@
           <a:graphicData uri="http://schemas.openxmlformats.org/presentationml/2006/ole">
             <mc:AlternateContent xmlns:mc="http://schemas.openxmlformats.org/markup-compatibility/2006">
               <mc:Choice xmlns:v="urn:schemas-microsoft-com:vml" Requires="v">
-                <p:oleObj spid="_x0000_s18459" name="Visio" r:id="rId4" imgW="8200892" imgH="3428822" progId="Visio.Drawing.15">
+                <p:oleObj spid="_x0000_s18467" name="Visio" r:id="rId4" imgW="8200853" imgH="3429000" progId="Visio.Drawing.15">
                   <p:link updateAutomatic="1"/>
                 </p:oleObj>
               </mc:Choice>
               <mc:Fallback>
-                <p:oleObj name="Visio" r:id="rId4" imgW="8200892" imgH="3428822" progId="Visio.Drawing.15">
+                <p:oleObj name="Visio" r:id="rId4" imgW="8200853" imgH="3429000" progId="Visio.Drawing.15">
                   <p:link updateAutomatic="1"/>
                   <p:pic>
                     <p:nvPicPr>
@@ -12329,7 +12388,7 @@
           </a:ln>
           <a:extLst>
             <a:ext uri="{C572A759-6A51-4108-AA02-DFA0A04FC94B}">
-              <ma14:wrappingTextBoxFlag xmlns="" xmlns:ma14="http://schemas.microsoft.com/office/mac/drawingml/2011/main" val="1"/>
+              <ma14:wrappingTextBoxFlag xmlns:ma14="http://schemas.microsoft.com/office/mac/drawingml/2011/main" xmlns="" val="1"/>
             </a:ext>
           </a:extLst>
         </p:spPr>
@@ -12920,7 +12979,7 @@
           </a:ln>
           <a:extLst>
             <a:ext uri="{C572A759-6A51-4108-AA02-DFA0A04FC94B}">
-              <ma14:wrappingTextBoxFlag xmlns="" xmlns:ma14="http://schemas.microsoft.com/office/mac/drawingml/2011/main" val="1"/>
+              <ma14:wrappingTextBoxFlag xmlns:ma14="http://schemas.microsoft.com/office/mac/drawingml/2011/main" xmlns="" val="1"/>
             </a:ext>
           </a:extLst>
         </p:spPr>
@@ -13405,7 +13464,7 @@
           </a:ln>
           <a:extLst>
             <a:ext uri="{C572A759-6A51-4108-AA02-DFA0A04FC94B}">
-              <ma14:wrappingTextBoxFlag xmlns="" xmlns:ma14="http://schemas.microsoft.com/office/mac/drawingml/2011/main" val="1"/>
+              <ma14:wrappingTextBoxFlag xmlns:ma14="http://schemas.microsoft.com/office/mac/drawingml/2011/main" xmlns="" val="1"/>
             </a:ext>
           </a:extLst>
         </p:spPr>
@@ -13897,7 +13956,7 @@
           </a:ln>
           <a:extLst>
             <a:ext uri="{C572A759-6A51-4108-AA02-DFA0A04FC94B}">
-              <ma14:wrappingTextBoxFlag xmlns="" xmlns:ma14="http://schemas.microsoft.com/office/mac/drawingml/2011/main" val="1"/>
+              <ma14:wrappingTextBoxFlag xmlns:ma14="http://schemas.microsoft.com/office/mac/drawingml/2011/main" xmlns="" val="1"/>
             </a:ext>
           </a:extLst>
         </p:spPr>
@@ -13946,7 +14005,7 @@
           </a:ln>
           <a:extLst>
             <a:ext uri="{C572A759-6A51-4108-AA02-DFA0A04FC94B}">
-              <ma14:wrappingTextBoxFlag xmlns="" xmlns:ma14="http://schemas.microsoft.com/office/mac/drawingml/2011/main" val="1"/>
+              <ma14:wrappingTextBoxFlag xmlns:ma14="http://schemas.microsoft.com/office/mac/drawingml/2011/main" xmlns="" val="1"/>
             </a:ext>
           </a:extLst>
         </p:spPr>
@@ -14025,7 +14084,7 @@
           </a:ln>
           <a:extLst>
             <a:ext uri="{C572A759-6A51-4108-AA02-DFA0A04FC94B}">
-              <ma14:wrappingTextBoxFlag xmlns="" xmlns:ma14="http://schemas.microsoft.com/office/mac/drawingml/2011/main" val="1"/>
+              <ma14:wrappingTextBoxFlag xmlns:ma14="http://schemas.microsoft.com/office/mac/drawingml/2011/main" xmlns="" val="1"/>
             </a:ext>
           </a:extLst>
         </p:spPr>
@@ -14074,7 +14133,7 @@
           </a:ln>
           <a:extLst>
             <a:ext uri="{C572A759-6A51-4108-AA02-DFA0A04FC94B}">
-              <ma14:wrappingTextBoxFlag xmlns="" xmlns:ma14="http://schemas.microsoft.com/office/mac/drawingml/2011/main" val="1"/>
+              <ma14:wrappingTextBoxFlag xmlns:ma14="http://schemas.microsoft.com/office/mac/drawingml/2011/main" xmlns="" val="1"/>
             </a:ext>
           </a:extLst>
         </p:spPr>
@@ -14122,7 +14181,7 @@
           </a:ln>
           <a:extLst>
             <a:ext uri="{C572A759-6A51-4108-AA02-DFA0A04FC94B}">
-              <ma14:wrappingTextBoxFlag xmlns="" xmlns:ma14="http://schemas.microsoft.com/office/mac/drawingml/2011/main" val="1"/>
+              <ma14:wrappingTextBoxFlag xmlns:ma14="http://schemas.microsoft.com/office/mac/drawingml/2011/main" xmlns="" val="1"/>
             </a:ext>
           </a:extLst>
         </p:spPr>
@@ -14171,7 +14230,7 @@
           </a:ln>
           <a:extLst>
             <a:ext uri="{C572A759-6A51-4108-AA02-DFA0A04FC94B}">
-              <ma14:wrappingTextBoxFlag xmlns="" xmlns:ma14="http://schemas.microsoft.com/office/mac/drawingml/2011/main" val="1"/>
+              <ma14:wrappingTextBoxFlag xmlns:ma14="http://schemas.microsoft.com/office/mac/drawingml/2011/main" xmlns="" val="1"/>
             </a:ext>
           </a:extLst>
         </p:spPr>
@@ -14220,7 +14279,7 @@
           </a:ln>
           <a:extLst>
             <a:ext uri="{C572A759-6A51-4108-AA02-DFA0A04FC94B}">
-              <ma14:wrappingTextBoxFlag xmlns="" xmlns:ma14="http://schemas.microsoft.com/office/mac/drawingml/2011/main" val="1"/>
+              <ma14:wrappingTextBoxFlag xmlns:ma14="http://schemas.microsoft.com/office/mac/drawingml/2011/main" xmlns="" val="1"/>
             </a:ext>
           </a:extLst>
         </p:spPr>
@@ -14312,7 +14371,7 @@
           </a:ln>
           <a:extLst>
             <a:ext uri="{C572A759-6A51-4108-AA02-DFA0A04FC94B}">
-              <ma14:wrappingTextBoxFlag xmlns="" xmlns:ma14="http://schemas.microsoft.com/office/mac/drawingml/2011/main" val="1"/>
+              <ma14:wrappingTextBoxFlag xmlns:ma14="http://schemas.microsoft.com/office/mac/drawingml/2011/main" xmlns="" val="1"/>
             </a:ext>
           </a:extLst>
         </p:spPr>
@@ -14401,7 +14460,7 @@
           </a:ln>
           <a:extLst>
             <a:ext uri="{C572A759-6A51-4108-AA02-DFA0A04FC94B}">
-              <ma14:wrappingTextBoxFlag xmlns="" xmlns:ma14="http://schemas.microsoft.com/office/mac/drawingml/2011/main" val="1"/>
+              <ma14:wrappingTextBoxFlag xmlns:ma14="http://schemas.microsoft.com/office/mac/drawingml/2011/main" xmlns="" val="1"/>
             </a:ext>
           </a:extLst>
         </p:spPr>
@@ -14456,7 +14515,7 @@
           </a:ln>
           <a:extLst>
             <a:ext uri="{C572A759-6A51-4108-AA02-DFA0A04FC94B}">
-              <ma14:wrappingTextBoxFlag xmlns="" xmlns:ma14="http://schemas.microsoft.com/office/mac/drawingml/2011/main" val="1"/>
+              <ma14:wrappingTextBoxFlag xmlns:ma14="http://schemas.microsoft.com/office/mac/drawingml/2011/main" xmlns="" val="1"/>
             </a:ext>
           </a:extLst>
         </p:spPr>
@@ -14510,7 +14569,7 @@
           </a:ln>
           <a:extLst>
             <a:ext uri="{C572A759-6A51-4108-AA02-DFA0A04FC94B}">
-              <ma14:wrappingTextBoxFlag xmlns="" xmlns:ma14="http://schemas.microsoft.com/office/mac/drawingml/2011/main" val="1"/>
+              <ma14:wrappingTextBoxFlag xmlns:ma14="http://schemas.microsoft.com/office/mac/drawingml/2011/main" xmlns="" val="1"/>
             </a:ext>
           </a:extLst>
         </p:spPr>
@@ -14750,7 +14809,7 @@
           </a:ln>
           <a:extLst>
             <a:ext uri="{C572A759-6A51-4108-AA02-DFA0A04FC94B}">
-              <ma14:wrappingTextBoxFlag xmlns="" xmlns:ma14="http://schemas.microsoft.com/office/mac/drawingml/2011/main" val="1"/>
+              <ma14:wrappingTextBoxFlag xmlns:ma14="http://schemas.microsoft.com/office/mac/drawingml/2011/main" xmlns="" val="1"/>
             </a:ext>
           </a:extLst>
         </p:spPr>
@@ -14804,7 +14863,7 @@
           </a:ln>
           <a:extLst>
             <a:ext uri="{C572A759-6A51-4108-AA02-DFA0A04FC94B}">
-              <ma14:wrappingTextBoxFlag xmlns="" xmlns:ma14="http://schemas.microsoft.com/office/mac/drawingml/2011/main" val="1"/>
+              <ma14:wrappingTextBoxFlag xmlns:ma14="http://schemas.microsoft.com/office/mac/drawingml/2011/main" xmlns="" val="1"/>
             </a:ext>
           </a:extLst>
         </p:spPr>
@@ -15821,7 +15880,7 @@
           </a:ln>
           <a:extLst>
             <a:ext uri="{C572A759-6A51-4108-AA02-DFA0A04FC94B}">
-              <ma14:wrappingTextBoxFlag xmlns="" xmlns:ma14="http://schemas.microsoft.com/office/mac/drawingml/2011/main" val="1"/>
+              <ma14:wrappingTextBoxFlag xmlns:ma14="http://schemas.microsoft.com/office/mac/drawingml/2011/main" xmlns="" val="1"/>
             </a:ext>
           </a:extLst>
         </p:spPr>
@@ -16542,7 +16601,7 @@
           </a:ln>
           <a:extLst>
             <a:ext uri="{C572A759-6A51-4108-AA02-DFA0A04FC94B}">
-              <ma14:wrappingTextBoxFlag xmlns="" xmlns:ma14="http://schemas.microsoft.com/office/mac/drawingml/2011/main" val="1"/>
+              <ma14:wrappingTextBoxFlag xmlns:ma14="http://schemas.microsoft.com/office/mac/drawingml/2011/main" xmlns="" val="1"/>
             </a:ext>
           </a:extLst>
         </p:spPr>
@@ -16684,7 +16743,7 @@
           </a:ln>
           <a:extLst>
             <a:ext uri="{C572A759-6A51-4108-AA02-DFA0A04FC94B}">
-              <ma14:wrappingTextBoxFlag xmlns="" xmlns:ma14="http://schemas.microsoft.com/office/mac/drawingml/2011/main" val="1"/>
+              <ma14:wrappingTextBoxFlag xmlns:ma14="http://schemas.microsoft.com/office/mac/drawingml/2011/main" xmlns="" val="1"/>
             </a:ext>
           </a:extLst>
         </p:spPr>
@@ -17020,7 +17079,7 @@
         <p15:prstTrans prst="pageCurlDouble"/>
       </p:transition>
     </mc:Choice>
-    <mc:Choice xmlns="" xmlns:p14="http://schemas.microsoft.com/office/powerpoint/2010/main" Requires="p14">
+    <mc:Choice xmlns:p14="http://schemas.microsoft.com/office/powerpoint/2010/main" xmlns="" Requires="p14">
       <p:transition spd="slow" advClick="0" advTm="9000" p14:dur="1200">
         <p14:prism dir="l"/>
       </p:transition>
@@ -17701,7 +17760,7 @@
           </a:ln>
           <a:extLst>
             <a:ext uri="{C572A759-6A51-4108-AA02-DFA0A04FC94B}">
-              <ma14:wrappingTextBoxFlag xmlns="" xmlns:ma14="http://schemas.microsoft.com/office/mac/drawingml/2011/main" val="1"/>
+              <ma14:wrappingTextBoxFlag xmlns:ma14="http://schemas.microsoft.com/office/mac/drawingml/2011/main" xmlns="" val="1"/>
             </a:ext>
           </a:extLst>
         </p:spPr>
@@ -17754,7 +17813,7 @@
           </a:ln>
           <a:extLst>
             <a:ext uri="{C572A759-6A51-4108-AA02-DFA0A04FC94B}">
-              <ma14:wrappingTextBoxFlag xmlns="" xmlns:ma14="http://schemas.microsoft.com/office/mac/drawingml/2011/main" val="1"/>
+              <ma14:wrappingTextBoxFlag xmlns:ma14="http://schemas.microsoft.com/office/mac/drawingml/2011/main" xmlns="" val="1"/>
             </a:ext>
           </a:extLst>
         </p:spPr>
@@ -18284,7 +18343,7 @@
           </a:ln>
           <a:extLst>
             <a:ext uri="{C572A759-6A51-4108-AA02-DFA0A04FC94B}">
-              <ma14:wrappingTextBoxFlag xmlns="" xmlns:ma14="http://schemas.microsoft.com/office/mac/drawingml/2011/main" val="1"/>
+              <ma14:wrappingTextBoxFlag xmlns:ma14="http://schemas.microsoft.com/office/mac/drawingml/2011/main" xmlns="" val="1"/>
             </a:ext>
           </a:extLst>
         </p:spPr>
@@ -19008,7 +19067,7 @@
           </a:ln>
           <a:extLst>
             <a:ext uri="{C572A759-6A51-4108-AA02-DFA0A04FC94B}">
-              <ma14:wrappingTextBoxFlag xmlns="" xmlns:ma14="http://schemas.microsoft.com/office/mac/drawingml/2011/main" val="1"/>
+              <ma14:wrappingTextBoxFlag xmlns:ma14="http://schemas.microsoft.com/office/mac/drawingml/2011/main" xmlns="" val="1"/>
             </a:ext>
           </a:extLst>
         </p:spPr>
@@ -20076,7 +20135,7 @@
           </a:ln>
           <a:extLst>
             <a:ext uri="{C572A759-6A51-4108-AA02-DFA0A04FC94B}">
-              <ma14:wrappingTextBoxFlag xmlns="" xmlns:ma14="http://schemas.microsoft.com/office/mac/drawingml/2011/main" val="1"/>
+              <ma14:wrappingTextBoxFlag xmlns:ma14="http://schemas.microsoft.com/office/mac/drawingml/2011/main" xmlns="" val="1"/>
             </a:ext>
           </a:extLst>
         </p:spPr>
@@ -20615,7 +20674,7 @@
           </a:ln>
           <a:extLst>
             <a:ext uri="{C572A759-6A51-4108-AA02-DFA0A04FC94B}">
-              <ma14:wrappingTextBoxFlag xmlns="" xmlns:ma14="http://schemas.microsoft.com/office/mac/drawingml/2011/main" val="1"/>
+              <ma14:wrappingTextBoxFlag xmlns:ma14="http://schemas.microsoft.com/office/mac/drawingml/2011/main" xmlns="" val="1"/>
             </a:ext>
           </a:extLst>
         </p:spPr>
@@ -21131,7 +21190,7 @@
           </a:ln>
           <a:extLst>
             <a:ext uri="{C572A759-6A51-4108-AA02-DFA0A04FC94B}">
-              <ma14:wrappingTextBoxFlag xmlns="" xmlns:ma14="http://schemas.microsoft.com/office/mac/drawingml/2011/main" val="1"/>
+              <ma14:wrappingTextBoxFlag xmlns:ma14="http://schemas.microsoft.com/office/mac/drawingml/2011/main" xmlns="" val="1"/>
             </a:ext>
           </a:extLst>
         </p:spPr>
@@ -22048,7 +22107,7 @@
           </a:ln>
           <a:extLst>
             <a:ext uri="{C572A759-6A51-4108-AA02-DFA0A04FC94B}">
-              <ma14:wrappingTextBoxFlag xmlns="" xmlns:ma14="http://schemas.microsoft.com/office/mac/drawingml/2011/main" val="1"/>
+              <ma14:wrappingTextBoxFlag xmlns:ma14="http://schemas.microsoft.com/office/mac/drawingml/2011/main" xmlns="" val="1"/>
             </a:ext>
           </a:extLst>
         </p:spPr>
@@ -22528,6 +22587,2812 @@
       </p:grpSpPr>
       <p:sp>
         <p:nvSpPr>
+          <p:cNvPr id="2" name="直接连接符 33"/>
+          <p:cNvSpPr/>
+          <p:nvPr/>
+        </p:nvSpPr>
+        <p:spPr>
+          <a:xfrm>
+            <a:off x="0" y="549275"/>
+            <a:ext cx="12192001" cy="0"/>
+          </a:xfrm>
+          <a:prstGeom prst="line">
+            <a:avLst/>
+          </a:prstGeom>
+          <a:ln w="25400">
+            <a:solidFill>
+              <a:srgbClr val="F9B359"/>
+            </a:solidFill>
+            <a:miter/>
+          </a:ln>
+        </p:spPr>
+        <p:txBody>
+          <a:bodyPr lIns="45719" rIns="45719"/>
+          <a:lstStyle/>
+          <a:p>
+            <a:pPr marL="0" marR="0" lvl="0" indent="0" algn="l" defTabSz="914400" rtl="0" eaLnBrk="1" fontAlgn="auto" latinLnBrk="0" hangingPunct="0">
+              <a:lnSpc>
+                <a:spcPct val="100000"/>
+              </a:lnSpc>
+              <a:spcBef>
+                <a:spcPts val="0"/>
+              </a:spcBef>
+              <a:spcAft>
+                <a:spcPts val="0"/>
+              </a:spcAft>
+              <a:buClrTx/>
+              <a:buSzTx/>
+              <a:buFontTx/>
+              <a:buNone/>
+              <a:tabLst/>
+              <a:defRPr/>
+            </a:pPr>
+            <a:endParaRPr kumimoji="0" sz="1800" b="0" i="0" u="none" strike="noStrike" kern="0" cap="none" spc="0" normalizeH="0" baseline="0" noProof="0">
+              <a:ln>
+                <a:noFill/>
+              </a:ln>
+              <a:solidFill>
+                <a:srgbClr val="000000"/>
+              </a:solidFill>
+              <a:effectLst/>
+              <a:uLnTx/>
+              <a:uFillTx/>
+              <a:latin typeface="等线 Light"/>
+              <a:ea typeface="等线 Light"/>
+              <a:sym typeface="等线 Light"/>
+            </a:endParaRPr>
+          </a:p>
+        </p:txBody>
+      </p:sp>
+      <p:sp>
+        <p:nvSpPr>
+          <p:cNvPr id="3" name="文本框 5"/>
+          <p:cNvSpPr txBox="1"/>
+          <p:nvPr/>
+        </p:nvSpPr>
+        <p:spPr>
+          <a:xfrm>
+            <a:off x="4442842" y="228273"/>
+            <a:ext cx="3306315" cy="646331"/>
+          </a:xfrm>
+          <a:prstGeom prst="rect">
+            <a:avLst/>
+          </a:prstGeom>
+          <a:solidFill>
+            <a:srgbClr val="F9FAFB"/>
+          </a:solidFill>
+          <a:ln w="12700">
+            <a:miter lim="400000"/>
+          </a:ln>
+          <a:extLst>
+            <a:ext uri="{C572A759-6A51-4108-AA02-DFA0A04FC94B}">
+              <ma14:wrappingTextBoxFlag xmlns:ma14="http://schemas.microsoft.com/office/mac/drawingml/2011/main" xmlns="" val="1"/>
+            </a:ext>
+          </a:extLst>
+        </p:spPr>
+        <p:txBody>
+          <a:bodyPr wrap="square" lIns="45719" rIns="45719">
+            <a:spAutoFit/>
+          </a:bodyPr>
+          <a:lstStyle>
+            <a:lvl1pPr algn="ctr">
+              <a:defRPr sz="3600" b="1">
+                <a:solidFill>
+                  <a:srgbClr val="F9B359"/>
+                </a:solidFill>
+                <a:latin typeface="微软雅黑"/>
+                <a:ea typeface="微软雅黑"/>
+                <a:cs typeface="微软雅黑"/>
+                <a:sym typeface="微软雅黑"/>
+              </a:defRPr>
+            </a:lvl1pPr>
+          </a:lstStyle>
+          <a:p>
+            <a:pPr lvl="0"/>
+            <a:r>
+              <a:rPr lang="zh-CN" altLang="en-US" dirty="0" smtClean="0"/>
+              <a:t>聊天模块</a:t>
+            </a:r>
+            <a:endParaRPr lang="en-US" altLang="zh-CN" dirty="0"/>
+          </a:p>
+        </p:txBody>
+      </p:sp>
+      <p:pic>
+        <p:nvPicPr>
+          <p:cNvPr id="4" name="图片 3">
+            <a:extLst>
+              <a:ext uri="{FF2B5EF4-FFF2-40B4-BE49-F238E27FC236}">
+                <a16:creationId xmlns:a16="http://schemas.microsoft.com/office/drawing/2014/main" id="{1760666A-8C83-4EF2-B0D7-90C0F4534C1D}"/>
+              </a:ext>
+            </a:extLst>
+          </p:cNvPr>
+          <p:cNvPicPr>
+            <a:picLocks noChangeAspect="1"/>
+          </p:cNvPicPr>
+          <p:nvPr/>
+        </p:nvPicPr>
+        <p:blipFill>
+          <a:blip r:embed="rId3" cstate="print">
+            <a:extLst>
+              <a:ext uri="{28A0092B-C50C-407E-A947-70E740481C1C}">
+                <a14:useLocalDpi xmlns:a14="http://schemas.microsoft.com/office/drawing/2010/main" val="0"/>
+              </a:ext>
+            </a:extLst>
+          </a:blip>
+          <a:stretch>
+            <a:fillRect/>
+          </a:stretch>
+        </p:blipFill>
+        <p:spPr>
+          <a:xfrm>
+            <a:off x="0" y="0"/>
+            <a:ext cx="701608" cy="701608"/>
+          </a:xfrm>
+          <a:prstGeom prst="rect">
+            <a:avLst/>
+          </a:prstGeom>
+        </p:spPr>
+      </p:pic>
+      <p:graphicFrame>
+        <p:nvGraphicFramePr>
+          <p:cNvPr id="5" name="对象 4"/>
+          <p:cNvGraphicFramePr>
+            <a:graphicFrameLocks noChangeAspect="1"/>
+          </p:cNvGraphicFramePr>
+          <p:nvPr>
+            <p:extLst>
+              <p:ext uri="{D42A27DB-BD31-4B8C-83A1-F6EECF244321}">
+                <p14:modId xmlns:p14="http://schemas.microsoft.com/office/powerpoint/2010/main" val="3454380782"/>
+              </p:ext>
+            </p:extLst>
+          </p:nvPr>
+        </p:nvGraphicFramePr>
+        <p:xfrm>
+          <a:off x="701608" y="870278"/>
+          <a:ext cx="5562230" cy="2567866"/>
+        </p:xfrm>
+        <a:graphic>
+          <a:graphicData uri="http://schemas.openxmlformats.org/presentationml/2006/ole">
+            <mc:AlternateContent xmlns:mc="http://schemas.openxmlformats.org/markup-compatibility/2006">
+              <mc:Choice xmlns:v="urn:schemas-microsoft-com:vml" Requires="v">
+                <p:oleObj spid="_x0000_s21520" name="Visio" r:id="rId4" imgW="5962663" imgH="2752589" progId="Visio.Drawing.15">
+                  <p:link updateAutomatic="1"/>
+                </p:oleObj>
+              </mc:Choice>
+              <mc:Fallback>
+                <p:oleObj name="Visio" r:id="rId4" imgW="5962663" imgH="2752589" progId="Visio.Drawing.15">
+                  <p:link updateAutomatic="1"/>
+                  <p:pic>
+                    <p:nvPicPr>
+                      <p:cNvPr id="0" name=""/>
+                      <p:cNvPicPr/>
+                      <p:nvPr/>
+                    </p:nvPicPr>
+                    <p:blipFill>
+                      <a:blip r:embed="rId5"/>
+                      <a:stretch>
+                        <a:fillRect/>
+                      </a:stretch>
+                    </p:blipFill>
+                    <p:spPr>
+                      <a:xfrm>
+                        <a:off x="701608" y="870278"/>
+                        <a:ext cx="5562230" cy="2567866"/>
+                      </a:xfrm>
+                      <a:prstGeom prst="rect">
+                        <a:avLst/>
+                      </a:prstGeom>
+                    </p:spPr>
+                  </p:pic>
+                </p:oleObj>
+              </mc:Fallback>
+            </mc:AlternateContent>
+          </a:graphicData>
+        </a:graphic>
+      </p:graphicFrame>
+      <p:graphicFrame>
+        <p:nvGraphicFramePr>
+          <p:cNvPr id="6" name="对象 5"/>
+          <p:cNvGraphicFramePr>
+            <a:graphicFrameLocks noChangeAspect="1"/>
+          </p:cNvGraphicFramePr>
+          <p:nvPr>
+            <p:extLst>
+              <p:ext uri="{D42A27DB-BD31-4B8C-83A1-F6EECF244321}">
+                <p14:modId xmlns:p14="http://schemas.microsoft.com/office/powerpoint/2010/main" val="1414609072"/>
+              </p:ext>
+            </p:extLst>
+          </p:nvPr>
+        </p:nvGraphicFramePr>
+        <p:xfrm>
+          <a:off x="7749157" y="977773"/>
+          <a:ext cx="3190875" cy="3533775"/>
+        </p:xfrm>
+        <a:graphic>
+          <a:graphicData uri="http://schemas.openxmlformats.org/presentationml/2006/ole">
+            <mc:AlternateContent xmlns:mc="http://schemas.openxmlformats.org/markup-compatibility/2006">
+              <mc:Choice xmlns:v="urn:schemas-microsoft-com:vml" Requires="v">
+                <p:oleObj spid="_x0000_s21521" name="Visio" r:id="rId6" imgW="3190716" imgH="3533911" progId="Visio.Drawing.15">
+                  <p:link updateAutomatic="1"/>
+                </p:oleObj>
+              </mc:Choice>
+              <mc:Fallback>
+                <p:oleObj name="Visio" r:id="rId6" imgW="3190716" imgH="3533911" progId="Visio.Drawing.15">
+                  <p:link updateAutomatic="1"/>
+                  <p:pic>
+                    <p:nvPicPr>
+                      <p:cNvPr id="0" name=""/>
+                      <p:cNvPicPr/>
+                      <p:nvPr/>
+                    </p:nvPicPr>
+                    <p:blipFill>
+                      <a:blip r:embed="rId7"/>
+                      <a:stretch>
+                        <a:fillRect/>
+                      </a:stretch>
+                    </p:blipFill>
+                    <p:spPr>
+                      <a:xfrm>
+                        <a:off x="7749157" y="977773"/>
+                        <a:ext cx="3190875" cy="3533775"/>
+                      </a:xfrm>
+                      <a:prstGeom prst="rect">
+                        <a:avLst/>
+                      </a:prstGeom>
+                    </p:spPr>
+                  </p:pic>
+                </p:oleObj>
+              </mc:Fallback>
+            </mc:AlternateContent>
+          </a:graphicData>
+        </a:graphic>
+      </p:graphicFrame>
+      <p:sp>
+        <p:nvSpPr>
+          <p:cNvPr id="8" name="矩形 7"/>
+          <p:cNvSpPr/>
+          <p:nvPr/>
+        </p:nvSpPr>
+        <p:spPr>
+          <a:xfrm>
+            <a:off x="701608" y="3779757"/>
+            <a:ext cx="6096000" cy="2585323"/>
+          </a:xfrm>
+          <a:prstGeom prst="rect">
+            <a:avLst/>
+          </a:prstGeom>
+        </p:spPr>
+        <p:txBody>
+          <a:bodyPr>
+            <a:spAutoFit/>
+          </a:bodyPr>
+          <a:lstStyle/>
+          <a:p>
+            <a:pPr algn="just"/>
+            <a:r>
+              <a:rPr lang="zh-CN" altLang="zh-CN" kern="100" dirty="0">
+                <a:latin typeface="Calibri" panose="020F0502020204030204" pitchFamily="34" charset="0"/>
+                <a:ea typeface="宋体" panose="02010600030101010101" pitchFamily="2" charset="-122"/>
+                <a:cs typeface="Times New Roman" panose="02020603050405020304" pitchFamily="18" charset="0"/>
+              </a:rPr>
+              <a:t>聊天系统</a:t>
+            </a:r>
+            <a:r>
+              <a:rPr lang="en-US" altLang="zh-CN" kern="100" dirty="0" err="1">
+                <a:latin typeface="Calibri" panose="020F0502020204030204" pitchFamily="34" charset="0"/>
+                <a:ea typeface="宋体" panose="02010600030101010101" pitchFamily="2" charset="-122"/>
+                <a:cs typeface="Times New Roman" panose="02020603050405020304" pitchFamily="18" charset="0"/>
+              </a:rPr>
+              <a:t>seq</a:t>
+            </a:r>
+            <a:endParaRPr lang="zh-CN" altLang="zh-CN" kern="100" dirty="0">
+              <a:latin typeface="Calibri" panose="020F0502020204030204" pitchFamily="34" charset="0"/>
+              <a:ea typeface="宋体" panose="02010600030101010101" pitchFamily="2" charset="-122"/>
+              <a:cs typeface="Times New Roman" panose="02020603050405020304" pitchFamily="18" charset="0"/>
+            </a:endParaRPr>
+          </a:p>
+          <a:p>
+            <a:pPr algn="just"/>
+            <a:r>
+              <a:rPr lang="en-US" altLang="zh-CN" kern="100" dirty="0">
+                <a:latin typeface="Calibri" panose="020F0502020204030204" pitchFamily="34" charset="0"/>
+                <a:ea typeface="宋体" panose="02010600030101010101" pitchFamily="2" charset="-122"/>
+                <a:cs typeface="Times New Roman" panose="02020603050405020304" pitchFamily="18" charset="0"/>
+              </a:rPr>
+              <a:t>	</a:t>
+            </a:r>
+            <a:r>
+              <a:rPr lang="zh-CN" altLang="zh-CN" kern="100" dirty="0">
+                <a:latin typeface="Calibri" panose="020F0502020204030204" pitchFamily="34" charset="0"/>
+                <a:ea typeface="宋体" panose="02010600030101010101" pitchFamily="2" charset="-122"/>
+                <a:cs typeface="Times New Roman" panose="02020603050405020304" pitchFamily="18" charset="0"/>
+              </a:rPr>
+              <a:t>匹配用户订单</a:t>
+            </a:r>
+          </a:p>
+          <a:p>
+            <a:pPr algn="just"/>
+            <a:r>
+              <a:rPr lang="en-US" altLang="zh-CN" kern="100" dirty="0">
+                <a:latin typeface="Calibri" panose="020F0502020204030204" pitchFamily="34" charset="0"/>
+                <a:ea typeface="宋体" panose="02010600030101010101" pitchFamily="2" charset="-122"/>
+                <a:cs typeface="Times New Roman" panose="02020603050405020304" pitchFamily="18" charset="0"/>
+              </a:rPr>
+              <a:t>	</a:t>
+            </a:r>
+            <a:r>
+              <a:rPr lang="zh-CN" altLang="zh-CN" kern="100" dirty="0">
+                <a:latin typeface="Calibri" panose="020F0502020204030204" pitchFamily="34" charset="0"/>
+                <a:ea typeface="宋体" panose="02010600030101010101" pitchFamily="2" charset="-122"/>
+                <a:cs typeface="Times New Roman" panose="02020603050405020304" pitchFamily="18" charset="0"/>
+              </a:rPr>
+              <a:t>判断选定订单完成状态</a:t>
+            </a:r>
+          </a:p>
+          <a:p>
+            <a:pPr algn="just"/>
+            <a:r>
+              <a:rPr lang="en-US" altLang="zh-CN" kern="100" dirty="0">
+                <a:latin typeface="Calibri" panose="020F0502020204030204" pitchFamily="34" charset="0"/>
+                <a:ea typeface="宋体" panose="02010600030101010101" pitchFamily="2" charset="-122"/>
+                <a:cs typeface="Times New Roman" panose="02020603050405020304" pitchFamily="18" charset="0"/>
+              </a:rPr>
+              <a:t>		</a:t>
+            </a:r>
+            <a:r>
+              <a:rPr lang="zh-CN" altLang="zh-CN" kern="100" dirty="0">
+                <a:latin typeface="Calibri" panose="020F0502020204030204" pitchFamily="34" charset="0"/>
+                <a:ea typeface="宋体" panose="02010600030101010101" pitchFamily="2" charset="-122"/>
+                <a:cs typeface="Times New Roman" panose="02020603050405020304" pitchFamily="18" charset="0"/>
+              </a:rPr>
+              <a:t>判断订单未完成</a:t>
+            </a:r>
+          </a:p>
+          <a:p>
+            <a:pPr algn="just"/>
+            <a:r>
+              <a:rPr lang="en-US" altLang="zh-CN" kern="100" dirty="0">
+                <a:latin typeface="Calibri" panose="020F0502020204030204" pitchFamily="34" charset="0"/>
+                <a:ea typeface="宋体" panose="02010600030101010101" pitchFamily="2" charset="-122"/>
+                <a:cs typeface="Times New Roman" panose="02020603050405020304" pitchFamily="18" charset="0"/>
+              </a:rPr>
+              <a:t>			</a:t>
+            </a:r>
+            <a:r>
+              <a:rPr lang="zh-CN" altLang="zh-CN" kern="100" dirty="0">
+                <a:latin typeface="Calibri" panose="020F0502020204030204" pitchFamily="34" charset="0"/>
+                <a:ea typeface="宋体" panose="02010600030101010101" pitchFamily="2" charset="-122"/>
+                <a:cs typeface="Times New Roman" panose="02020603050405020304" pitchFamily="18" charset="0"/>
+              </a:rPr>
+              <a:t>进入聊天界面</a:t>
+            </a:r>
+            <a:r>
+              <a:rPr lang="en-US" altLang="zh-CN" kern="100" dirty="0">
+                <a:latin typeface="Calibri" panose="020F0502020204030204" pitchFamily="34" charset="0"/>
+                <a:ea typeface="宋体" panose="02010600030101010101" pitchFamily="2" charset="-122"/>
+                <a:cs typeface="Times New Roman" panose="02020603050405020304" pitchFamily="18" charset="0"/>
+              </a:rPr>
+              <a:t>until</a:t>
+            </a:r>
+            <a:r>
+              <a:rPr lang="zh-CN" altLang="zh-CN" kern="100" dirty="0">
+                <a:latin typeface="Calibri" panose="020F0502020204030204" pitchFamily="34" charset="0"/>
+                <a:ea typeface="宋体" panose="02010600030101010101" pitchFamily="2" charset="-122"/>
+                <a:cs typeface="Times New Roman" panose="02020603050405020304" pitchFamily="18" charset="0"/>
+              </a:rPr>
+              <a:t>聊天结束</a:t>
+            </a:r>
+          </a:p>
+          <a:p>
+            <a:pPr algn="just"/>
+            <a:r>
+              <a:rPr lang="en-US" altLang="zh-CN" kern="100" dirty="0">
+                <a:latin typeface="Calibri" panose="020F0502020204030204" pitchFamily="34" charset="0"/>
+                <a:ea typeface="宋体" panose="02010600030101010101" pitchFamily="2" charset="-122"/>
+                <a:cs typeface="Times New Roman" panose="02020603050405020304" pitchFamily="18" charset="0"/>
+              </a:rPr>
+              <a:t>		</a:t>
+            </a:r>
+            <a:r>
+              <a:rPr lang="zh-CN" altLang="zh-CN" kern="100" dirty="0">
+                <a:latin typeface="Calibri" panose="020F0502020204030204" pitchFamily="34" charset="0"/>
+                <a:ea typeface="宋体" panose="02010600030101010101" pitchFamily="2" charset="-122"/>
+                <a:cs typeface="Times New Roman" panose="02020603050405020304" pitchFamily="18" charset="0"/>
+              </a:rPr>
+              <a:t>判断订单已完成</a:t>
+            </a:r>
+          </a:p>
+          <a:p>
+            <a:pPr algn="just"/>
+            <a:r>
+              <a:rPr lang="en-US" altLang="zh-CN" kern="100" dirty="0">
+                <a:latin typeface="Calibri" panose="020F0502020204030204" pitchFamily="34" charset="0"/>
+                <a:ea typeface="宋体" panose="02010600030101010101" pitchFamily="2" charset="-122"/>
+                <a:cs typeface="Times New Roman" panose="02020603050405020304" pitchFamily="18" charset="0"/>
+              </a:rPr>
+              <a:t>			</a:t>
+            </a:r>
+            <a:r>
+              <a:rPr lang="zh-CN" altLang="zh-CN" kern="100" dirty="0">
+                <a:latin typeface="Calibri" panose="020F0502020204030204" pitchFamily="34" charset="0"/>
+                <a:ea typeface="宋体" panose="02010600030101010101" pitchFamily="2" charset="-122"/>
+                <a:cs typeface="Times New Roman" panose="02020603050405020304" pitchFamily="18" charset="0"/>
+              </a:rPr>
+              <a:t>无法联系接单用户</a:t>
+            </a:r>
+          </a:p>
+          <a:p>
+            <a:pPr algn="just"/>
+            <a:r>
+              <a:rPr lang="en-US" altLang="zh-CN" kern="100" dirty="0">
+                <a:latin typeface="Calibri" panose="020F0502020204030204" pitchFamily="34" charset="0"/>
+                <a:ea typeface="宋体" panose="02010600030101010101" pitchFamily="2" charset="-122"/>
+                <a:cs typeface="Times New Roman" panose="02020603050405020304" pitchFamily="18" charset="0"/>
+              </a:rPr>
+              <a:t>	</a:t>
+            </a:r>
+            <a:r>
+              <a:rPr lang="zh-CN" altLang="zh-CN" kern="100" dirty="0">
+                <a:latin typeface="Calibri" panose="020F0502020204030204" pitchFamily="34" charset="0"/>
+                <a:ea typeface="宋体" panose="02010600030101010101" pitchFamily="2" charset="-122"/>
+                <a:cs typeface="Times New Roman" panose="02020603050405020304" pitchFamily="18" charset="0"/>
+              </a:rPr>
+              <a:t>停止聊天</a:t>
+            </a:r>
+          </a:p>
+          <a:p>
+            <a:pPr algn="just"/>
+            <a:r>
+              <a:rPr lang="zh-CN" altLang="zh-CN" kern="100" dirty="0">
+                <a:latin typeface="Calibri" panose="020F0502020204030204" pitchFamily="34" charset="0"/>
+                <a:ea typeface="宋体" panose="02010600030101010101" pitchFamily="2" charset="-122"/>
+                <a:cs typeface="Times New Roman" panose="02020603050405020304" pitchFamily="18" charset="0"/>
+              </a:rPr>
+              <a:t>聊天系统</a:t>
+            </a:r>
+            <a:r>
+              <a:rPr lang="en-US" altLang="zh-CN" kern="100" dirty="0">
+                <a:latin typeface="Calibri" panose="020F0502020204030204" pitchFamily="34" charset="0"/>
+                <a:ea typeface="宋体" panose="02010600030101010101" pitchFamily="2" charset="-122"/>
+                <a:cs typeface="Times New Roman" panose="02020603050405020304" pitchFamily="18" charset="0"/>
+              </a:rPr>
+              <a:t>end</a:t>
+            </a:r>
+            <a:endParaRPr lang="zh-CN" altLang="zh-CN" kern="100" dirty="0">
+              <a:latin typeface="Calibri" panose="020F0502020204030204" pitchFamily="34" charset="0"/>
+              <a:ea typeface="宋体" panose="02010600030101010101" pitchFamily="2" charset="-122"/>
+              <a:cs typeface="Times New Roman" panose="02020603050405020304" pitchFamily="18" charset="0"/>
+            </a:endParaRPr>
+          </a:p>
+        </p:txBody>
+      </p:sp>
+    </p:spTree>
+    <p:extLst>
+      <p:ext uri="{BB962C8B-B14F-4D97-AF65-F5344CB8AC3E}">
+        <p14:creationId xmlns:p14="http://schemas.microsoft.com/office/powerpoint/2010/main" val="1302779793"/>
+      </p:ext>
+    </p:extLst>
+  </p:cSld>
+  <p:clrMapOvr>
+    <a:masterClrMapping/>
+  </p:clrMapOvr>
+  <p:transition spd="med"/>
+  <p:timing>
+    <p:tnLst>
+      <p:par>
+        <p:cTn id="1" dur="indefinite" restart="never" nodeType="tmRoot">
+          <p:childTnLst>
+            <p:seq concurrent="1" nextAc="seek">
+              <p:cTn id="2" dur="indefinite" nodeType="mainSeq">
+                <p:childTnLst>
+                  <p:par>
+                    <p:cTn id="3" fill="hold">
+                      <p:stCondLst>
+                        <p:cond delay="indefinite"/>
+                        <p:cond evt="onBegin" delay="0">
+                          <p:tn val="2"/>
+                        </p:cond>
+                      </p:stCondLst>
+                      <p:childTnLst>
+                        <p:par>
+                          <p:cTn id="4" fill="hold">
+                            <p:stCondLst>
+                              <p:cond delay="0"/>
+                            </p:stCondLst>
+                            <p:childTnLst>
+                              <p:par>
+                                <p:cTn id="5" presetID="2" presetClass="entr" presetSubtype="1" fill="hold" grpId="0" nodeType="afterEffect">
+                                  <p:stCondLst>
+                                    <p:cond delay="0"/>
+                                  </p:stCondLst>
+                                  <p:iterate>
+                                    <p:tmAbs val="0"/>
+                                  </p:iterate>
+                                  <p:childTnLst>
+                                    <p:set>
+                                      <p:cBhvr>
+                                        <p:cTn id="6" fill="hold"/>
+                                        <p:tgtEl>
+                                          <p:spTgt spid="3"/>
+                                        </p:tgtEl>
+                                        <p:attrNameLst>
+                                          <p:attrName>style.visibility</p:attrName>
+                                        </p:attrNameLst>
+                                      </p:cBhvr>
+                                      <p:to>
+                                        <p:strVal val="visible"/>
+                                      </p:to>
+                                    </p:set>
+                                    <p:anim calcmode="lin" valueType="num">
+                                      <p:cBhvr>
+                                        <p:cTn id="7" dur="500" fill="hold"/>
+                                        <p:tgtEl>
+                                          <p:spTgt spid="3"/>
+                                        </p:tgtEl>
+                                        <p:attrNameLst>
+                                          <p:attrName>ppt_x</p:attrName>
+                                        </p:attrNameLst>
+                                      </p:cBhvr>
+                                      <p:tavLst>
+                                        <p:tav tm="0">
+                                          <p:val>
+                                            <p:strVal val="#ppt_x"/>
+                                          </p:val>
+                                        </p:tav>
+                                        <p:tav tm="100000">
+                                          <p:val>
+                                            <p:strVal val="#ppt_x"/>
+                                          </p:val>
+                                        </p:tav>
+                                      </p:tavLst>
+                                    </p:anim>
+                                    <p:anim calcmode="lin" valueType="num">
+                                      <p:cBhvr>
+                                        <p:cTn id="8" dur="500" fill="hold"/>
+                                        <p:tgtEl>
+                                          <p:spTgt spid="3"/>
+                                        </p:tgtEl>
+                                        <p:attrNameLst>
+                                          <p:attrName>ppt_y</p:attrName>
+                                        </p:attrNameLst>
+                                      </p:cBhvr>
+                                      <p:tavLst>
+                                        <p:tav tm="0">
+                                          <p:val>
+                                            <p:strVal val="0-#ppt_h/2"/>
+                                          </p:val>
+                                        </p:tav>
+                                        <p:tav tm="100000">
+                                          <p:val>
+                                            <p:strVal val="#ppt_y"/>
+                                          </p:val>
+                                        </p:tav>
+                                      </p:tavLst>
+                                    </p:anim>
+                                  </p:childTnLst>
+                                </p:cTn>
+                              </p:par>
+                            </p:childTnLst>
+                          </p:cTn>
+                        </p:par>
+                        <p:par>
+                          <p:cTn id="9" fill="hold">
+                            <p:stCondLst>
+                              <p:cond delay="500"/>
+                            </p:stCondLst>
+                            <p:childTnLst>
+                              <p:par>
+                                <p:cTn id="10" presetID="22" presetClass="entr" presetSubtype="8" fill="hold" grpId="0" nodeType="afterEffect">
+                                  <p:stCondLst>
+                                    <p:cond delay="0"/>
+                                  </p:stCondLst>
+                                  <p:iterate>
+                                    <p:tmAbs val="0"/>
+                                  </p:iterate>
+                                  <p:childTnLst>
+                                    <p:set>
+                                      <p:cBhvr>
+                                        <p:cTn id="11" fill="hold"/>
+                                        <p:tgtEl>
+                                          <p:spTgt spid="2"/>
+                                        </p:tgtEl>
+                                        <p:attrNameLst>
+                                          <p:attrName>style.visibility</p:attrName>
+                                        </p:attrNameLst>
+                                      </p:cBhvr>
+                                      <p:to>
+                                        <p:strVal val="visible"/>
+                                      </p:to>
+                                    </p:set>
+                                    <p:animEffect transition="in" filter="wipe(left)">
+                                      <p:cBhvr>
+                                        <p:cTn id="12" dur="1000"/>
+                                        <p:tgtEl>
+                                          <p:spTgt spid="2"/>
+                                        </p:tgtEl>
+                                      </p:cBhvr>
+                                    </p:animEffect>
+                                  </p:childTnLst>
+                                </p:cTn>
+                              </p:par>
+                              <p:par>
+                                <p:cTn id="13" presetID="10" presetClass="entr" presetSubtype="0" fill="hold" nodeType="withEffect">
+                                  <p:stCondLst>
+                                    <p:cond delay="0"/>
+                                  </p:stCondLst>
+                                  <p:childTnLst>
+                                    <p:set>
+                                      <p:cBhvr>
+                                        <p:cTn id="14" dur="1" fill="hold">
+                                          <p:stCondLst>
+                                            <p:cond delay="0"/>
+                                          </p:stCondLst>
+                                        </p:cTn>
+                                        <p:tgtEl>
+                                          <p:spTgt spid="4"/>
+                                        </p:tgtEl>
+                                        <p:attrNameLst>
+                                          <p:attrName>style.visibility</p:attrName>
+                                        </p:attrNameLst>
+                                      </p:cBhvr>
+                                      <p:to>
+                                        <p:strVal val="visible"/>
+                                      </p:to>
+                                    </p:set>
+                                    <p:animEffect transition="in" filter="fade">
+                                      <p:cBhvr>
+                                        <p:cTn id="15" dur="1000"/>
+                                        <p:tgtEl>
+                                          <p:spTgt spid="4"/>
+                                        </p:tgtEl>
+                                      </p:cBhvr>
+                                    </p:animEffect>
+                                  </p:childTnLst>
+                                </p:cTn>
+                              </p:par>
+                            </p:childTnLst>
+                          </p:cTn>
+                        </p:par>
+                      </p:childTnLst>
+                    </p:cTn>
+                  </p:par>
+                </p:childTnLst>
+              </p:cTn>
+              <p:prevCondLst>
+                <p:cond evt="onPrev" delay="0">
+                  <p:tgtEl>
+                    <p:sldTgt/>
+                  </p:tgtEl>
+                </p:cond>
+              </p:prevCondLst>
+              <p:nextCondLst>
+                <p:cond evt="onNext" delay="0">
+                  <p:tgtEl>
+                    <p:sldTgt/>
+                  </p:tgtEl>
+                </p:cond>
+              </p:nextCondLst>
+            </p:seq>
+          </p:childTnLst>
+        </p:cTn>
+      </p:par>
+    </p:tnLst>
+    <p:bldLst>
+      <p:bldP spid="2" grpId="0" animBg="1" advAuto="0"/>
+      <p:bldP spid="3" grpId="0" animBg="1" advAuto="0"/>
+    </p:bldLst>
+  </p:timing>
+</p:sld>
+</file>
+
+<file path=ppt/slides/slide3.xml><?xml version="1.0" encoding="utf-8"?>
+<p:sld xmlns:a="http://schemas.openxmlformats.org/drawingml/2006/main" xmlns:r="http://schemas.openxmlformats.org/officeDocument/2006/relationships" xmlns:p="http://schemas.openxmlformats.org/presentationml/2006/main">
+  <p:cSld>
+    <p:spTree>
+      <p:nvGrpSpPr>
+        <p:cNvPr id="1" name=""/>
+        <p:cNvGrpSpPr/>
+        <p:nvPr/>
+      </p:nvGrpSpPr>
+      <p:grpSpPr>
+        <a:xfrm>
+          <a:off x="0" y="0"/>
+          <a:ext cx="0" cy="0"/>
+          <a:chOff x="0" y="0"/>
+          <a:chExt cx="0" cy="0"/>
+        </a:xfrm>
+      </p:grpSpPr>
+      <p:sp>
+        <p:nvSpPr>
+          <p:cNvPr id="295" name="矩形 9"/>
+          <p:cNvSpPr/>
+          <p:nvPr/>
+        </p:nvSpPr>
+        <p:spPr>
+          <a:xfrm>
+            <a:off x="1277957" y="1094341"/>
+            <a:ext cx="9636084" cy="4702368"/>
+          </a:xfrm>
+          <a:prstGeom prst="rect">
+            <a:avLst/>
+          </a:prstGeom>
+          <a:ln w="25400">
+            <a:solidFill>
+              <a:srgbClr val="3F403E"/>
+            </a:solidFill>
+            <a:miter/>
+          </a:ln>
+        </p:spPr>
+        <p:txBody>
+          <a:bodyPr lIns="45719" rIns="45719" anchor="ctr"/>
+          <a:lstStyle/>
+          <a:p>
+            <a:pPr algn="ctr">
+              <a:defRPr>
+                <a:solidFill>
+                  <a:srgbClr val="FFFFFF"/>
+                </a:solidFill>
+              </a:defRPr>
+            </a:pPr>
+            <a:endParaRPr/>
+          </a:p>
+        </p:txBody>
+      </p:sp>
+      <p:sp>
+        <p:nvSpPr>
+          <p:cNvPr id="296" name="矩形 1"/>
+          <p:cNvSpPr/>
+          <p:nvPr/>
+        </p:nvSpPr>
+        <p:spPr>
+          <a:xfrm>
+            <a:off x="3742063" y="0"/>
+            <a:ext cx="4707874" cy="6858000"/>
+          </a:xfrm>
+          <a:prstGeom prst="rect">
+            <a:avLst/>
+          </a:prstGeom>
+          <a:solidFill>
+            <a:srgbClr val="F9B359"/>
+          </a:solidFill>
+          <a:ln w="12700">
+            <a:miter lim="400000"/>
+          </a:ln>
+          <a:effectLst>
+            <a:outerShdw blurRad="127000" rotWithShape="0">
+              <a:srgbClr val="D5D7D5">
+                <a:alpha val="40000"/>
+              </a:srgbClr>
+            </a:outerShdw>
+          </a:effectLst>
+        </p:spPr>
+        <p:txBody>
+          <a:bodyPr lIns="45719" rIns="45719" anchor="ctr"/>
+          <a:lstStyle/>
+          <a:p>
+            <a:pPr algn="ctr">
+              <a:defRPr>
+                <a:solidFill>
+                  <a:srgbClr val="FFFFFF"/>
+                </a:solidFill>
+              </a:defRPr>
+            </a:pPr>
+            <a:endParaRPr/>
+          </a:p>
+        </p:txBody>
+      </p:sp>
+      <p:sp>
+        <p:nvSpPr>
+          <p:cNvPr id="297" name="矩形 2"/>
+          <p:cNvSpPr/>
+          <p:nvPr/>
+        </p:nvSpPr>
+        <p:spPr>
+          <a:xfrm>
+            <a:off x="1836144" y="1652529"/>
+            <a:ext cx="8519712" cy="3585991"/>
+          </a:xfrm>
+          <a:prstGeom prst="rect">
+            <a:avLst/>
+          </a:prstGeom>
+          <a:solidFill>
+            <a:srgbClr val="FCFCFD"/>
+          </a:solidFill>
+          <a:ln w="12700">
+            <a:miter lim="400000"/>
+          </a:ln>
+          <a:effectLst>
+            <a:outerShdw blurRad="254000" dist="38100" dir="5400000" rotWithShape="0">
+              <a:srgbClr val="969F98">
+                <a:alpha val="20000"/>
+              </a:srgbClr>
+            </a:outerShdw>
+          </a:effectLst>
+        </p:spPr>
+        <p:txBody>
+          <a:bodyPr lIns="45719" rIns="45719" anchor="ctr"/>
+          <a:lstStyle/>
+          <a:p>
+            <a:pPr algn="ctr">
+              <a:defRPr>
+                <a:solidFill>
+                  <a:srgbClr val="FFFFFF"/>
+                </a:solidFill>
+              </a:defRPr>
+            </a:pPr>
+            <a:endParaRPr/>
+          </a:p>
+        </p:txBody>
+      </p:sp>
+      <p:sp>
+        <p:nvSpPr>
+          <p:cNvPr id="298" name="文本框 4"/>
+          <p:cNvSpPr txBox="1"/>
+          <p:nvPr/>
+        </p:nvSpPr>
+        <p:spPr>
+          <a:xfrm>
+            <a:off x="2508173" y="3220586"/>
+            <a:ext cx="7175654" cy="2060372"/>
+          </a:xfrm>
+          <a:prstGeom prst="rect">
+            <a:avLst/>
+          </a:prstGeom>
+          <a:ln w="12700">
+            <a:miter lim="400000"/>
+          </a:ln>
+          <a:extLst>
+            <a:ext uri="{C572A759-6A51-4108-AA02-DFA0A04FC94B}">
+              <ma14:wrappingTextBoxFlag xmlns:ma14="http://schemas.microsoft.com/office/mac/drawingml/2011/main" xmlns="" val="1"/>
+            </a:ext>
+          </a:extLst>
+        </p:spPr>
+        <p:txBody>
+          <a:bodyPr lIns="45719" rIns="45719">
+            <a:spAutoFit/>
+          </a:bodyPr>
+          <a:lstStyle>
+            <a:lvl1pPr algn="ctr">
+              <a:lnSpc>
+                <a:spcPct val="120000"/>
+              </a:lnSpc>
+              <a:defRPr>
+                <a:solidFill>
+                  <a:srgbClr val="3F403E"/>
+                </a:solidFill>
+                <a:latin typeface="微软雅黑 Light"/>
+                <a:ea typeface="微软雅黑 Light"/>
+                <a:cs typeface="微软雅黑 Light"/>
+                <a:sym typeface="微软雅黑 Light"/>
+              </a:defRPr>
+            </a:lvl1pPr>
+          </a:lstStyle>
+          <a:p>
+            <a:r>
+              <a:rPr lang="en-US" altLang="zh-CN" dirty="0"/>
+              <a:t>1.《</a:t>
+            </a:r>
+            <a:r>
+              <a:rPr lang="zh-CN" altLang="en-US" dirty="0"/>
+              <a:t>软件开发计划</a:t>
+            </a:r>
+            <a:r>
+              <a:rPr lang="en-US" altLang="zh-CN" dirty="0"/>
+              <a:t>》(SDP)</a:t>
+            </a:r>
+            <a:r>
+              <a:rPr lang="zh-CN" altLang="en-US" dirty="0"/>
+              <a:t>描述开发者实施软件开发工作的计划，本文档中“软件开发”一词涵盖了新开发、修改、重用、再工程、维护和由软件产品引起的其他所有的活动。</a:t>
+            </a:r>
+          </a:p>
+          <a:p>
+            <a:r>
+              <a:rPr lang="en-US" altLang="zh-CN" dirty="0"/>
+              <a:t>2.SDP</a:t>
+            </a:r>
+            <a:r>
+              <a:rPr lang="zh-CN" altLang="en-US" dirty="0"/>
+              <a:t>是向需求方提供了解和监督软件开发过程、所使用的方法、每项活动的途径、项目的安排、组织及资源的一种手段。</a:t>
+            </a:r>
+          </a:p>
+          <a:p>
+            <a:r>
+              <a:rPr lang="en-US" altLang="zh-CN" dirty="0"/>
+              <a:t>3.</a:t>
+            </a:r>
+            <a:r>
+              <a:rPr lang="zh-CN" altLang="en-US" dirty="0"/>
+              <a:t>本计划的某些部分可视实际需要单独编制成册。</a:t>
+            </a:r>
+          </a:p>
+        </p:txBody>
+      </p:sp>
+      <p:sp>
+        <p:nvSpPr>
+          <p:cNvPr id="299" name="文本框 5"/>
+          <p:cNvSpPr txBox="1"/>
+          <p:nvPr/>
+        </p:nvSpPr>
+        <p:spPr>
+          <a:xfrm>
+            <a:off x="4012424" y="2288543"/>
+            <a:ext cx="4167164" cy="646331"/>
+          </a:xfrm>
+          <a:prstGeom prst="rect">
+            <a:avLst/>
+          </a:prstGeom>
+          <a:ln w="12700">
+            <a:miter lim="400000"/>
+          </a:ln>
+          <a:extLst>
+            <a:ext uri="{C572A759-6A51-4108-AA02-DFA0A04FC94B}">
+              <ma14:wrappingTextBoxFlag xmlns:ma14="http://schemas.microsoft.com/office/mac/drawingml/2011/main" xmlns="" val="1"/>
+            </a:ext>
+          </a:extLst>
+        </p:spPr>
+        <p:txBody>
+          <a:bodyPr wrap="none" lIns="45719" rIns="45719">
+            <a:spAutoFit/>
+          </a:bodyPr>
+          <a:lstStyle>
+            <a:lvl1pPr algn="ctr">
+              <a:defRPr sz="3600" b="1">
+                <a:solidFill>
+                  <a:srgbClr val="3F403E"/>
+                </a:solidFill>
+                <a:latin typeface="微软雅黑"/>
+                <a:ea typeface="微软雅黑"/>
+                <a:cs typeface="微软雅黑"/>
+                <a:sym typeface="微软雅黑"/>
+              </a:defRPr>
+            </a:lvl1pPr>
+          </a:lstStyle>
+          <a:p>
+            <a:r>
+              <a:rPr lang="zh-CN" altLang="en-US" dirty="0"/>
+              <a:t>软件开发计划</a:t>
+            </a:r>
+            <a:r>
+              <a:rPr lang="en-US" altLang="zh-CN" dirty="0"/>
+              <a:t>(SDP)</a:t>
+            </a:r>
+          </a:p>
+        </p:txBody>
+      </p:sp>
+      <p:sp>
+        <p:nvSpPr>
+          <p:cNvPr id="300" name="直接连接符 6"/>
+          <p:cNvSpPr/>
+          <p:nvPr/>
+        </p:nvSpPr>
+        <p:spPr>
+          <a:xfrm flipH="1" flipV="1">
+            <a:off x="4095991" y="3065335"/>
+            <a:ext cx="4000016" cy="1"/>
+          </a:xfrm>
+          <a:prstGeom prst="line">
+            <a:avLst/>
+          </a:prstGeom>
+          <a:ln w="6350">
+            <a:solidFill>
+              <a:srgbClr val="969F98">
+                <a:alpha val="50000"/>
+              </a:srgbClr>
+            </a:solidFill>
+            <a:miter/>
+          </a:ln>
+        </p:spPr>
+        <p:txBody>
+          <a:bodyPr lIns="45719" rIns="45719"/>
+          <a:lstStyle/>
+          <a:p>
+            <a:endParaRPr/>
+          </a:p>
+        </p:txBody>
+      </p:sp>
+      <p:pic>
+        <p:nvPicPr>
+          <p:cNvPr id="8" name="图片 7">
+            <a:extLst>
+              <a:ext uri="{FF2B5EF4-FFF2-40B4-BE49-F238E27FC236}">
+                <a16:creationId xmlns:a16="http://schemas.microsoft.com/office/drawing/2014/main" id="{1760666A-8C83-4EF2-B0D7-90C0F4534C1D}"/>
+              </a:ext>
+            </a:extLst>
+          </p:cNvPr>
+          <p:cNvPicPr>
+            <a:picLocks noChangeAspect="1"/>
+          </p:cNvPicPr>
+          <p:nvPr/>
+        </p:nvPicPr>
+        <p:blipFill>
+          <a:blip r:embed="rId2" cstate="print">
+            <a:extLst>
+              <a:ext uri="{28A0092B-C50C-407E-A947-70E740481C1C}">
+                <a14:useLocalDpi xmlns:a14="http://schemas.microsoft.com/office/drawing/2010/main" val="0"/>
+              </a:ext>
+            </a:extLst>
+          </a:blip>
+          <a:stretch>
+            <a:fillRect/>
+          </a:stretch>
+        </p:blipFill>
+        <p:spPr>
+          <a:xfrm>
+            <a:off x="0" y="0"/>
+            <a:ext cx="701608" cy="701608"/>
+          </a:xfrm>
+          <a:prstGeom prst="rect">
+            <a:avLst/>
+          </a:prstGeom>
+        </p:spPr>
+      </p:pic>
+    </p:spTree>
+    <p:extLst>
+      <p:ext uri="{BB962C8B-B14F-4D97-AF65-F5344CB8AC3E}">
+        <p14:creationId xmlns:p14="http://schemas.microsoft.com/office/powerpoint/2010/main" val="1656238935"/>
+      </p:ext>
+    </p:extLst>
+  </p:cSld>
+  <p:clrMapOvr>
+    <a:masterClrMapping/>
+  </p:clrMapOvr>
+  <mc:AlternateContent xmlns:mc="http://schemas.openxmlformats.org/markup-compatibility/2006" xmlns:p14="http://schemas.microsoft.com/office/powerpoint/2010/main">
+    <mc:Choice Requires="p14">
+      <p:transition spd="slow" p14:dur="1200" advClick="0" advTm="8000">
+        <p:push dir="u"/>
+      </p:transition>
+    </mc:Choice>
+    <mc:Fallback xmlns="">
+      <p:transition spd="slow">
+        <p:fade/>
+      </p:transition>
+    </mc:Fallback>
+  </mc:AlternateContent>
+  <p:timing>
+    <p:tnLst>
+      <p:par>
+        <p:cTn id="1" dur="indefinite" restart="never" fill="hold" nodeType="tmRoot">
+          <p:childTnLst>
+            <p:seq concurrent="1" prevAc="none" nextAc="seek">
+              <p:cTn id="2" dur="indefinite" fill="hold" nodeType="mainSeq">
+                <p:childTnLst>
+                  <p:par>
+                    <p:cTn id="3" fill="hold">
+                      <p:stCondLst>
+                        <p:cond delay="indefinite"/>
+                        <p:cond evt="onBegin" delay="0">
+                          <p:tn val="2"/>
+                        </p:cond>
+                      </p:stCondLst>
+                      <p:childTnLst>
+                        <p:par>
+                          <p:cTn id="4" fill="hold">
+                            <p:stCondLst>
+                              <p:cond delay="0"/>
+                            </p:stCondLst>
+                            <p:childTnLst>
+                              <p:par>
+                                <p:cTn id="5" presetID="2" presetClass="entr" presetSubtype="1" fill="hold" grpId="0" nodeType="afterEffect">
+                                  <p:stCondLst>
+                                    <p:cond delay="0"/>
+                                  </p:stCondLst>
+                                  <p:iterate>
+                                    <p:tmAbs val="0"/>
+                                  </p:iterate>
+                                  <p:childTnLst>
+                                    <p:set>
+                                      <p:cBhvr>
+                                        <p:cTn id="6" fill="hold"/>
+                                        <p:tgtEl>
+                                          <p:spTgt spid="296"/>
+                                        </p:tgtEl>
+                                        <p:attrNameLst>
+                                          <p:attrName>style.visibility</p:attrName>
+                                        </p:attrNameLst>
+                                      </p:cBhvr>
+                                      <p:to>
+                                        <p:strVal val="visible"/>
+                                      </p:to>
+                                    </p:set>
+                                    <p:anim calcmode="lin" valueType="num">
+                                      <p:cBhvr>
+                                        <p:cTn id="7" dur="1000" fill="hold"/>
+                                        <p:tgtEl>
+                                          <p:spTgt spid="296"/>
+                                        </p:tgtEl>
+                                        <p:attrNameLst>
+                                          <p:attrName>ppt_x</p:attrName>
+                                        </p:attrNameLst>
+                                      </p:cBhvr>
+                                      <p:tavLst>
+                                        <p:tav tm="0">
+                                          <p:val>
+                                            <p:strVal val="#ppt_x"/>
+                                          </p:val>
+                                        </p:tav>
+                                        <p:tav tm="100000">
+                                          <p:val>
+                                            <p:strVal val="#ppt_x"/>
+                                          </p:val>
+                                        </p:tav>
+                                      </p:tavLst>
+                                    </p:anim>
+                                    <p:anim calcmode="lin" valueType="num">
+                                      <p:cBhvr>
+                                        <p:cTn id="8" dur="1000" fill="hold"/>
+                                        <p:tgtEl>
+                                          <p:spTgt spid="296"/>
+                                        </p:tgtEl>
+                                        <p:attrNameLst>
+                                          <p:attrName>ppt_y</p:attrName>
+                                        </p:attrNameLst>
+                                      </p:cBhvr>
+                                      <p:tavLst>
+                                        <p:tav tm="0">
+                                          <p:val>
+                                            <p:strVal val="0-#ppt_h/2"/>
+                                          </p:val>
+                                        </p:tav>
+                                        <p:tav tm="100000">
+                                          <p:val>
+                                            <p:strVal val="#ppt_y"/>
+                                          </p:val>
+                                        </p:tav>
+                                      </p:tavLst>
+                                    </p:anim>
+                                  </p:childTnLst>
+                                </p:cTn>
+                              </p:par>
+                            </p:childTnLst>
+                          </p:cTn>
+                        </p:par>
+                        <p:par>
+                          <p:cTn id="9" fill="hold">
+                            <p:stCondLst>
+                              <p:cond delay="1000"/>
+                            </p:stCondLst>
+                            <p:childTnLst>
+                              <p:par>
+                                <p:cTn id="10" presetID="9" presetClass="entr" fill="hold" grpId="0" nodeType="afterEffect">
+                                  <p:stCondLst>
+                                    <p:cond delay="0"/>
+                                  </p:stCondLst>
+                                  <p:iterate>
+                                    <p:tmAbs val="0"/>
+                                  </p:iterate>
+                                  <p:childTnLst>
+                                    <p:set>
+                                      <p:cBhvr>
+                                        <p:cTn id="11" fill="hold"/>
+                                        <p:tgtEl>
+                                          <p:spTgt spid="295"/>
+                                        </p:tgtEl>
+                                        <p:attrNameLst>
+                                          <p:attrName>style.visibility</p:attrName>
+                                        </p:attrNameLst>
+                                      </p:cBhvr>
+                                      <p:to>
+                                        <p:strVal val="visible"/>
+                                      </p:to>
+                                    </p:set>
+                                    <p:animEffect transition="in" filter="dissolve">
+                                      <p:cBhvr>
+                                        <p:cTn id="12" dur="1000"/>
+                                        <p:tgtEl>
+                                          <p:spTgt spid="295"/>
+                                        </p:tgtEl>
+                                      </p:cBhvr>
+                                    </p:animEffect>
+                                  </p:childTnLst>
+                                </p:cTn>
+                              </p:par>
+                            </p:childTnLst>
+                          </p:cTn>
+                        </p:par>
+                        <p:par>
+                          <p:cTn id="13" fill="hold">
+                            <p:stCondLst>
+                              <p:cond delay="2000"/>
+                            </p:stCondLst>
+                            <p:childTnLst>
+                              <p:par>
+                                <p:cTn id="14" presetID="2" presetClass="entr" presetSubtype="4" fill="hold" grpId="0" nodeType="afterEffect">
+                                  <p:stCondLst>
+                                    <p:cond delay="0"/>
+                                  </p:stCondLst>
+                                  <p:iterate>
+                                    <p:tmAbs val="0"/>
+                                  </p:iterate>
+                                  <p:childTnLst>
+                                    <p:set>
+                                      <p:cBhvr>
+                                        <p:cTn id="15" fill="hold"/>
+                                        <p:tgtEl>
+                                          <p:spTgt spid="297"/>
+                                        </p:tgtEl>
+                                        <p:attrNameLst>
+                                          <p:attrName>style.visibility</p:attrName>
+                                        </p:attrNameLst>
+                                      </p:cBhvr>
+                                      <p:to>
+                                        <p:strVal val="visible"/>
+                                      </p:to>
+                                    </p:set>
+                                    <p:anim calcmode="lin" valueType="num">
+                                      <p:cBhvr>
+                                        <p:cTn id="16" dur="1000" fill="hold"/>
+                                        <p:tgtEl>
+                                          <p:spTgt spid="297"/>
+                                        </p:tgtEl>
+                                        <p:attrNameLst>
+                                          <p:attrName>ppt_x</p:attrName>
+                                        </p:attrNameLst>
+                                      </p:cBhvr>
+                                      <p:tavLst>
+                                        <p:tav tm="0">
+                                          <p:val>
+                                            <p:strVal val="#ppt_x"/>
+                                          </p:val>
+                                        </p:tav>
+                                        <p:tav tm="100000">
+                                          <p:val>
+                                            <p:strVal val="#ppt_x"/>
+                                          </p:val>
+                                        </p:tav>
+                                      </p:tavLst>
+                                    </p:anim>
+                                    <p:anim calcmode="lin" valueType="num">
+                                      <p:cBhvr>
+                                        <p:cTn id="17" dur="1000" fill="hold"/>
+                                        <p:tgtEl>
+                                          <p:spTgt spid="297"/>
+                                        </p:tgtEl>
+                                        <p:attrNameLst>
+                                          <p:attrName>ppt_y</p:attrName>
+                                        </p:attrNameLst>
+                                      </p:cBhvr>
+                                      <p:tavLst>
+                                        <p:tav tm="0">
+                                          <p:val>
+                                            <p:strVal val="1+#ppt_h/2"/>
+                                          </p:val>
+                                        </p:tav>
+                                        <p:tav tm="100000">
+                                          <p:val>
+                                            <p:strVal val="#ppt_y"/>
+                                          </p:val>
+                                        </p:tav>
+                                      </p:tavLst>
+                                    </p:anim>
+                                  </p:childTnLst>
+                                </p:cTn>
+                              </p:par>
+                            </p:childTnLst>
+                          </p:cTn>
+                        </p:par>
+                        <p:par>
+                          <p:cTn id="18" fill="hold">
+                            <p:stCondLst>
+                              <p:cond delay="3000"/>
+                            </p:stCondLst>
+                            <p:childTnLst>
+                              <p:par>
+                                <p:cTn id="19" presetID="9" presetClass="entr" fill="hold" grpId="0" nodeType="afterEffect">
+                                  <p:stCondLst>
+                                    <p:cond delay="0"/>
+                                  </p:stCondLst>
+                                  <p:iterate>
+                                    <p:tmAbs val="0"/>
+                                  </p:iterate>
+                                  <p:childTnLst>
+                                    <p:set>
+                                      <p:cBhvr>
+                                        <p:cTn id="20" fill="hold"/>
+                                        <p:tgtEl>
+                                          <p:spTgt spid="299"/>
+                                        </p:tgtEl>
+                                        <p:attrNameLst>
+                                          <p:attrName>style.visibility</p:attrName>
+                                        </p:attrNameLst>
+                                      </p:cBhvr>
+                                      <p:to>
+                                        <p:strVal val="visible"/>
+                                      </p:to>
+                                    </p:set>
+                                    <p:animEffect transition="in" filter="dissolve">
+                                      <p:cBhvr>
+                                        <p:cTn id="21" dur="500"/>
+                                        <p:tgtEl>
+                                          <p:spTgt spid="299"/>
+                                        </p:tgtEl>
+                                      </p:cBhvr>
+                                    </p:animEffect>
+                                  </p:childTnLst>
+                                </p:cTn>
+                              </p:par>
+                            </p:childTnLst>
+                          </p:cTn>
+                        </p:par>
+                        <p:par>
+                          <p:cTn id="22" fill="hold">
+                            <p:stCondLst>
+                              <p:cond delay="3500"/>
+                            </p:stCondLst>
+                            <p:childTnLst>
+                              <p:par>
+                                <p:cTn id="23" presetID="22" presetClass="entr" presetSubtype="8" fill="hold" grpId="0" nodeType="afterEffect">
+                                  <p:stCondLst>
+                                    <p:cond delay="0"/>
+                                  </p:stCondLst>
+                                  <p:iterate>
+                                    <p:tmAbs val="0"/>
+                                  </p:iterate>
+                                  <p:childTnLst>
+                                    <p:set>
+                                      <p:cBhvr>
+                                        <p:cTn id="24" fill="hold"/>
+                                        <p:tgtEl>
+                                          <p:spTgt spid="300"/>
+                                        </p:tgtEl>
+                                        <p:attrNameLst>
+                                          <p:attrName>style.visibility</p:attrName>
+                                        </p:attrNameLst>
+                                      </p:cBhvr>
+                                      <p:to>
+                                        <p:strVal val="visible"/>
+                                      </p:to>
+                                    </p:set>
+                                    <p:animEffect transition="in" filter="wipe(left)">
+                                      <p:cBhvr>
+                                        <p:cTn id="25" dur="500"/>
+                                        <p:tgtEl>
+                                          <p:spTgt spid="300"/>
+                                        </p:tgtEl>
+                                      </p:cBhvr>
+                                    </p:animEffect>
+                                  </p:childTnLst>
+                                </p:cTn>
+                              </p:par>
+                            </p:childTnLst>
+                          </p:cTn>
+                        </p:par>
+                        <p:par>
+                          <p:cTn id="26" fill="hold">
+                            <p:stCondLst>
+                              <p:cond delay="4000"/>
+                            </p:stCondLst>
+                            <p:childTnLst>
+                              <p:par>
+                                <p:cTn id="27" presetID="22" presetClass="entr" presetSubtype="1" fill="hold" grpId="0" nodeType="afterEffect">
+                                  <p:stCondLst>
+                                    <p:cond delay="0"/>
+                                  </p:stCondLst>
+                                  <p:iterate>
+                                    <p:tmAbs val="0"/>
+                                  </p:iterate>
+                                  <p:childTnLst>
+                                    <p:set>
+                                      <p:cBhvr>
+                                        <p:cTn id="28" fill="hold"/>
+                                        <p:tgtEl>
+                                          <p:spTgt spid="298"/>
+                                        </p:tgtEl>
+                                        <p:attrNameLst>
+                                          <p:attrName>style.visibility</p:attrName>
+                                        </p:attrNameLst>
+                                      </p:cBhvr>
+                                      <p:to>
+                                        <p:strVal val="visible"/>
+                                      </p:to>
+                                    </p:set>
+                                    <p:animEffect transition="in" filter="wipe(up)">
+                                      <p:cBhvr>
+                                        <p:cTn id="29" dur="1000"/>
+                                        <p:tgtEl>
+                                          <p:spTgt spid="298"/>
+                                        </p:tgtEl>
+                                      </p:cBhvr>
+                                    </p:animEffect>
+                                  </p:childTnLst>
+                                </p:cTn>
+                              </p:par>
+                              <p:par>
+                                <p:cTn id="30" presetID="10" presetClass="entr" presetSubtype="0" fill="hold" nodeType="withEffect">
+                                  <p:stCondLst>
+                                    <p:cond delay="0"/>
+                                  </p:stCondLst>
+                                  <p:childTnLst>
+                                    <p:set>
+                                      <p:cBhvr>
+                                        <p:cTn id="31" dur="1" fill="hold">
+                                          <p:stCondLst>
+                                            <p:cond delay="0"/>
+                                          </p:stCondLst>
+                                        </p:cTn>
+                                        <p:tgtEl>
+                                          <p:spTgt spid="8"/>
+                                        </p:tgtEl>
+                                        <p:attrNameLst>
+                                          <p:attrName>style.visibility</p:attrName>
+                                        </p:attrNameLst>
+                                      </p:cBhvr>
+                                      <p:to>
+                                        <p:strVal val="visible"/>
+                                      </p:to>
+                                    </p:set>
+                                    <p:animEffect transition="in" filter="fade">
+                                      <p:cBhvr>
+                                        <p:cTn id="32" dur="1000"/>
+                                        <p:tgtEl>
+                                          <p:spTgt spid="8"/>
+                                        </p:tgtEl>
+                                      </p:cBhvr>
+                                    </p:animEffect>
+                                  </p:childTnLst>
+                                </p:cTn>
+                              </p:par>
+                            </p:childTnLst>
+                          </p:cTn>
+                        </p:par>
+                      </p:childTnLst>
+                    </p:cTn>
+                  </p:par>
+                </p:childTnLst>
+              </p:cTn>
+              <p:prevCondLst>
+                <p:cond evt="onPrev" delay="0">
+                  <p:tgtEl>
+                    <p:sldTgt/>
+                  </p:tgtEl>
+                </p:cond>
+              </p:prevCondLst>
+              <p:nextCondLst>
+                <p:cond evt="onNext" delay="0">
+                  <p:tgtEl>
+                    <p:sldTgt/>
+                  </p:tgtEl>
+                </p:cond>
+              </p:nextCondLst>
+            </p:seq>
+          </p:childTnLst>
+        </p:cTn>
+      </p:par>
+    </p:tnLst>
+    <p:bldLst>
+      <p:bldP spid="295" grpId="0" animBg="1" advAuto="0"/>
+      <p:bldP spid="296" grpId="0" animBg="1" advAuto="0"/>
+      <p:bldP spid="297" grpId="0" animBg="1" advAuto="0"/>
+      <p:bldP spid="298" grpId="0" animBg="1" advAuto="0"/>
+      <p:bldP spid="299" grpId="0" animBg="1" advAuto="0"/>
+      <p:bldP spid="300" grpId="0" animBg="1" advAuto="0"/>
+    </p:bldLst>
+  </p:timing>
+</p:sld>
+</file>
+
+<file path=ppt/slides/slide30.xml><?xml version="1.0" encoding="utf-8"?>
+<p:sld xmlns:a="http://schemas.openxmlformats.org/drawingml/2006/main" xmlns:r="http://schemas.openxmlformats.org/officeDocument/2006/relationships" xmlns:p="http://schemas.openxmlformats.org/presentationml/2006/main">
+  <p:cSld>
+    <p:spTree>
+      <p:nvGrpSpPr>
+        <p:cNvPr id="1" name=""/>
+        <p:cNvGrpSpPr/>
+        <p:nvPr/>
+      </p:nvGrpSpPr>
+      <p:grpSpPr>
+        <a:xfrm>
+          <a:off x="0" y="0"/>
+          <a:ext cx="0" cy="0"/>
+          <a:chOff x="0" y="0"/>
+          <a:chExt cx="0" cy="0"/>
+        </a:xfrm>
+      </p:grpSpPr>
+      <p:sp>
+        <p:nvSpPr>
+          <p:cNvPr id="2" name="直接连接符 33"/>
+          <p:cNvSpPr/>
+          <p:nvPr/>
+        </p:nvSpPr>
+        <p:spPr>
+          <a:xfrm>
+            <a:off x="0" y="549275"/>
+            <a:ext cx="12192001" cy="0"/>
+          </a:xfrm>
+          <a:prstGeom prst="line">
+            <a:avLst/>
+          </a:prstGeom>
+          <a:ln w="25400">
+            <a:solidFill>
+              <a:srgbClr val="F9B359"/>
+            </a:solidFill>
+            <a:miter/>
+          </a:ln>
+        </p:spPr>
+        <p:txBody>
+          <a:bodyPr lIns="45719" rIns="45719"/>
+          <a:lstStyle/>
+          <a:p>
+            <a:pPr marL="0" marR="0" lvl="0" indent="0" algn="l" defTabSz="914400" rtl="0" eaLnBrk="1" fontAlgn="auto" latinLnBrk="0" hangingPunct="0">
+              <a:lnSpc>
+                <a:spcPct val="100000"/>
+              </a:lnSpc>
+              <a:spcBef>
+                <a:spcPts val="0"/>
+              </a:spcBef>
+              <a:spcAft>
+                <a:spcPts val="0"/>
+              </a:spcAft>
+              <a:buClrTx/>
+              <a:buSzTx/>
+              <a:buFontTx/>
+              <a:buNone/>
+              <a:tabLst/>
+              <a:defRPr/>
+            </a:pPr>
+            <a:endParaRPr kumimoji="0" sz="1800" b="0" i="0" u="none" strike="noStrike" kern="0" cap="none" spc="0" normalizeH="0" baseline="0" noProof="0">
+              <a:ln>
+                <a:noFill/>
+              </a:ln>
+              <a:solidFill>
+                <a:srgbClr val="000000"/>
+              </a:solidFill>
+              <a:effectLst/>
+              <a:uLnTx/>
+              <a:uFillTx/>
+              <a:latin typeface="等线 Light"/>
+              <a:ea typeface="等线 Light"/>
+              <a:sym typeface="等线 Light"/>
+            </a:endParaRPr>
+          </a:p>
+        </p:txBody>
+      </p:sp>
+      <p:sp>
+        <p:nvSpPr>
+          <p:cNvPr id="3" name="文本框 5"/>
+          <p:cNvSpPr txBox="1"/>
+          <p:nvPr/>
+        </p:nvSpPr>
+        <p:spPr>
+          <a:xfrm>
+            <a:off x="4442842" y="228273"/>
+            <a:ext cx="3306315" cy="646331"/>
+          </a:xfrm>
+          <a:prstGeom prst="rect">
+            <a:avLst/>
+          </a:prstGeom>
+          <a:solidFill>
+            <a:srgbClr val="F9FAFB"/>
+          </a:solidFill>
+          <a:ln w="12700">
+            <a:miter lim="400000"/>
+          </a:ln>
+          <a:extLst>
+            <a:ext uri="{C572A759-6A51-4108-AA02-DFA0A04FC94B}">
+              <ma14:wrappingTextBoxFlag xmlns:ma14="http://schemas.microsoft.com/office/mac/drawingml/2011/main" xmlns="" val="1"/>
+            </a:ext>
+          </a:extLst>
+        </p:spPr>
+        <p:txBody>
+          <a:bodyPr wrap="square" lIns="45719" rIns="45719">
+            <a:spAutoFit/>
+          </a:bodyPr>
+          <a:lstStyle>
+            <a:lvl1pPr algn="ctr">
+              <a:defRPr sz="3600" b="1">
+                <a:solidFill>
+                  <a:srgbClr val="F9B359"/>
+                </a:solidFill>
+                <a:latin typeface="微软雅黑"/>
+                <a:ea typeface="微软雅黑"/>
+                <a:cs typeface="微软雅黑"/>
+                <a:sym typeface="微软雅黑"/>
+              </a:defRPr>
+            </a:lvl1pPr>
+          </a:lstStyle>
+          <a:p>
+            <a:pPr lvl="0"/>
+            <a:r>
+              <a:rPr lang="zh-CN" altLang="en-US" dirty="0" smtClean="0"/>
+              <a:t>个人主页模块</a:t>
+            </a:r>
+            <a:endParaRPr lang="en-US" altLang="zh-CN" dirty="0"/>
+          </a:p>
+        </p:txBody>
+      </p:sp>
+      <p:pic>
+        <p:nvPicPr>
+          <p:cNvPr id="4" name="图片 3">
+            <a:extLst>
+              <a:ext uri="{FF2B5EF4-FFF2-40B4-BE49-F238E27FC236}">
+                <a16:creationId xmlns:a16="http://schemas.microsoft.com/office/drawing/2014/main" id="{1760666A-8C83-4EF2-B0D7-90C0F4534C1D}"/>
+              </a:ext>
+            </a:extLst>
+          </p:cNvPr>
+          <p:cNvPicPr>
+            <a:picLocks noChangeAspect="1"/>
+          </p:cNvPicPr>
+          <p:nvPr/>
+        </p:nvPicPr>
+        <p:blipFill>
+          <a:blip r:embed="rId3" cstate="print">
+            <a:extLst>
+              <a:ext uri="{28A0092B-C50C-407E-A947-70E740481C1C}">
+                <a14:useLocalDpi xmlns:a14="http://schemas.microsoft.com/office/drawing/2010/main" val="0"/>
+              </a:ext>
+            </a:extLst>
+          </a:blip>
+          <a:stretch>
+            <a:fillRect/>
+          </a:stretch>
+        </p:blipFill>
+        <p:spPr>
+          <a:xfrm>
+            <a:off x="0" y="0"/>
+            <a:ext cx="701608" cy="701608"/>
+          </a:xfrm>
+          <a:prstGeom prst="rect">
+            <a:avLst/>
+          </a:prstGeom>
+        </p:spPr>
+      </p:pic>
+      <p:sp>
+        <p:nvSpPr>
+          <p:cNvPr id="8" name="矩形 7"/>
+          <p:cNvSpPr/>
+          <p:nvPr/>
+        </p:nvSpPr>
+        <p:spPr>
+          <a:xfrm>
+            <a:off x="350804" y="2488763"/>
+            <a:ext cx="5441055" cy="4247317"/>
+          </a:xfrm>
+          <a:prstGeom prst="rect">
+            <a:avLst/>
+          </a:prstGeom>
+        </p:spPr>
+        <p:txBody>
+          <a:bodyPr wrap="square">
+            <a:spAutoFit/>
+          </a:bodyPr>
+          <a:lstStyle/>
+          <a:p>
+            <a:r>
+              <a:rPr lang="zh-CN" altLang="zh-CN" dirty="0"/>
+              <a:t>“我”页面</a:t>
+            </a:r>
+            <a:r>
+              <a:rPr lang="en-US" altLang="zh-CN" dirty="0" err="1"/>
+              <a:t>seq</a:t>
+            </a:r>
+            <a:endParaRPr lang="zh-CN" altLang="zh-CN" dirty="0"/>
+          </a:p>
+          <a:p>
+            <a:r>
+              <a:rPr lang="en-US" altLang="zh-CN" dirty="0"/>
+              <a:t>	</a:t>
+            </a:r>
+            <a:r>
+              <a:rPr lang="zh-CN" altLang="zh-CN" dirty="0"/>
+              <a:t>匹配用户</a:t>
+            </a:r>
+          </a:p>
+          <a:p>
+            <a:r>
+              <a:rPr lang="en-US" altLang="zh-CN" dirty="0"/>
+              <a:t>	</a:t>
+            </a:r>
+            <a:r>
+              <a:rPr lang="zh-CN" altLang="zh-CN" dirty="0"/>
+              <a:t>评价功能</a:t>
+            </a:r>
+            <a:r>
+              <a:rPr lang="en-US" altLang="zh-CN" dirty="0" err="1"/>
+              <a:t>seq</a:t>
+            </a:r>
+            <a:endParaRPr lang="zh-CN" altLang="zh-CN" dirty="0"/>
+          </a:p>
+          <a:p>
+            <a:r>
+              <a:rPr lang="en-US" altLang="zh-CN" dirty="0"/>
+              <a:t>		</a:t>
+            </a:r>
+            <a:r>
+              <a:rPr lang="zh-CN" altLang="zh-CN" dirty="0"/>
+              <a:t>匹配历史评价</a:t>
+            </a:r>
+          </a:p>
+          <a:p>
+            <a:r>
+              <a:rPr lang="en-US" altLang="zh-CN" dirty="0"/>
+              <a:t>		</a:t>
+            </a:r>
+            <a:r>
+              <a:rPr lang="zh-CN" altLang="zh-CN" dirty="0"/>
+              <a:t>输出历史评价</a:t>
+            </a:r>
+          </a:p>
+          <a:p>
+            <a:r>
+              <a:rPr lang="en-US" altLang="zh-CN" dirty="0"/>
+              <a:t>	</a:t>
+            </a:r>
+            <a:r>
+              <a:rPr lang="zh-CN" altLang="zh-CN" dirty="0"/>
+              <a:t>评价功能</a:t>
+            </a:r>
+            <a:r>
+              <a:rPr lang="en-US" altLang="zh-CN" dirty="0"/>
+              <a:t>end</a:t>
+            </a:r>
+            <a:endParaRPr lang="zh-CN" altLang="zh-CN" dirty="0"/>
+          </a:p>
+          <a:p>
+            <a:r>
+              <a:rPr lang="en-US" altLang="zh-CN" dirty="0"/>
+              <a:t>	</a:t>
+            </a:r>
+            <a:r>
+              <a:rPr lang="zh-CN" altLang="zh-CN" dirty="0"/>
+              <a:t>个人信息</a:t>
+            </a:r>
+            <a:r>
+              <a:rPr lang="en-US" altLang="zh-CN" dirty="0" err="1"/>
+              <a:t>seq</a:t>
+            </a:r>
+            <a:endParaRPr lang="zh-CN" altLang="zh-CN" dirty="0"/>
+          </a:p>
+          <a:p>
+            <a:r>
+              <a:rPr lang="en-US" altLang="zh-CN" dirty="0"/>
+              <a:t>		</a:t>
+            </a:r>
+            <a:r>
+              <a:rPr lang="zh-CN" altLang="zh-CN" dirty="0"/>
+              <a:t>显示个人主页</a:t>
+            </a:r>
+          </a:p>
+          <a:p>
+            <a:r>
+              <a:rPr lang="en-US" altLang="zh-CN" dirty="0"/>
+              <a:t>		</a:t>
+            </a:r>
+            <a:r>
+              <a:rPr lang="zh-CN" altLang="zh-CN" dirty="0"/>
+              <a:t>分析未校园认证</a:t>
+            </a:r>
+          </a:p>
+          <a:p>
+            <a:r>
+              <a:rPr lang="en-US" altLang="zh-CN" dirty="0"/>
+              <a:t>			</a:t>
+            </a:r>
+            <a:r>
+              <a:rPr lang="zh-CN" altLang="zh-CN" dirty="0"/>
+              <a:t>匹配学号（工号），姓名</a:t>
+            </a:r>
+          </a:p>
+          <a:p>
+            <a:r>
+              <a:rPr lang="en-US" altLang="zh-CN" dirty="0"/>
+              <a:t>		</a:t>
+            </a:r>
+            <a:r>
+              <a:rPr lang="zh-CN" altLang="zh-CN" dirty="0"/>
+              <a:t>分析已校园认证</a:t>
+            </a:r>
+          </a:p>
+          <a:p>
+            <a:r>
+              <a:rPr lang="en-US" altLang="zh-CN" dirty="0"/>
+              <a:t>			</a:t>
+            </a:r>
+            <a:r>
+              <a:rPr lang="zh-CN" altLang="zh-CN" dirty="0"/>
+              <a:t>输出学号（工号），姓名</a:t>
+            </a:r>
+          </a:p>
+          <a:p>
+            <a:r>
+              <a:rPr lang="en-US" altLang="zh-CN" dirty="0"/>
+              <a:t>	</a:t>
+            </a:r>
+            <a:r>
+              <a:rPr lang="zh-CN" altLang="zh-CN" dirty="0"/>
+              <a:t>个人信息</a:t>
+            </a:r>
+            <a:r>
+              <a:rPr lang="en-US" altLang="zh-CN" dirty="0"/>
+              <a:t>end</a:t>
+            </a:r>
+            <a:endParaRPr lang="zh-CN" altLang="zh-CN" dirty="0"/>
+          </a:p>
+          <a:p>
+            <a:r>
+              <a:rPr lang="en-US" altLang="zh-CN" dirty="0"/>
+              <a:t>	</a:t>
+            </a:r>
+            <a:r>
+              <a:rPr lang="zh-CN" altLang="zh-CN" dirty="0"/>
+              <a:t>停止</a:t>
+            </a:r>
+          </a:p>
+          <a:p>
+            <a:r>
+              <a:rPr lang="zh-CN" altLang="zh-CN" dirty="0"/>
+              <a:t>“我”页面</a:t>
+            </a:r>
+            <a:r>
+              <a:rPr lang="en-US" altLang="zh-CN" dirty="0"/>
+              <a:t>end</a:t>
+            </a:r>
+            <a:endParaRPr lang="zh-CN" altLang="zh-CN" dirty="0"/>
+          </a:p>
+        </p:txBody>
+      </p:sp>
+      <p:graphicFrame>
+        <p:nvGraphicFramePr>
+          <p:cNvPr id="7" name="对象 6"/>
+          <p:cNvGraphicFramePr>
+            <a:graphicFrameLocks noChangeAspect="1"/>
+          </p:cNvGraphicFramePr>
+          <p:nvPr>
+            <p:extLst>
+              <p:ext uri="{D42A27DB-BD31-4B8C-83A1-F6EECF244321}">
+                <p14:modId xmlns:p14="http://schemas.microsoft.com/office/powerpoint/2010/main" val="1186133403"/>
+              </p:ext>
+            </p:extLst>
+          </p:nvPr>
+        </p:nvGraphicFramePr>
+        <p:xfrm>
+          <a:off x="3023616" y="870278"/>
+          <a:ext cx="5118638" cy="2371255"/>
+        </p:xfrm>
+        <a:graphic>
+          <a:graphicData uri="http://schemas.openxmlformats.org/presentationml/2006/ole">
+            <mc:AlternateContent xmlns:mc="http://schemas.openxmlformats.org/markup-compatibility/2006">
+              <mc:Choice xmlns:v="urn:schemas-microsoft-com:vml" Requires="v">
+                <p:oleObj spid="_x0000_s22543" name="Visio" r:id="rId4" imgW="5962663" imgH="2762386" progId="Visio.Drawing.15">
+                  <p:link updateAutomatic="1"/>
+                </p:oleObj>
+              </mc:Choice>
+              <mc:Fallback>
+                <p:oleObj name="Visio" r:id="rId4" imgW="5962663" imgH="2762386" progId="Visio.Drawing.15">
+                  <p:link updateAutomatic="1"/>
+                  <p:pic>
+                    <p:nvPicPr>
+                      <p:cNvPr id="0" name=""/>
+                      <p:cNvPicPr/>
+                      <p:nvPr/>
+                    </p:nvPicPr>
+                    <p:blipFill>
+                      <a:blip r:embed="rId5"/>
+                      <a:stretch>
+                        <a:fillRect/>
+                      </a:stretch>
+                    </p:blipFill>
+                    <p:spPr>
+                      <a:xfrm>
+                        <a:off x="3023616" y="870278"/>
+                        <a:ext cx="5118638" cy="2371255"/>
+                      </a:xfrm>
+                      <a:prstGeom prst="rect">
+                        <a:avLst/>
+                      </a:prstGeom>
+                    </p:spPr>
+                  </p:pic>
+                </p:oleObj>
+              </mc:Fallback>
+            </mc:AlternateContent>
+          </a:graphicData>
+        </a:graphic>
+      </p:graphicFrame>
+      <p:graphicFrame>
+        <p:nvGraphicFramePr>
+          <p:cNvPr id="9" name="对象 8"/>
+          <p:cNvGraphicFramePr>
+            <a:graphicFrameLocks noChangeAspect="1"/>
+          </p:cNvGraphicFramePr>
+          <p:nvPr>
+            <p:extLst>
+              <p:ext uri="{D42A27DB-BD31-4B8C-83A1-F6EECF244321}">
+                <p14:modId xmlns:p14="http://schemas.microsoft.com/office/powerpoint/2010/main" val="2271907146"/>
+              </p:ext>
+            </p:extLst>
+          </p:nvPr>
+        </p:nvGraphicFramePr>
+        <p:xfrm>
+          <a:off x="7578469" y="1334018"/>
+          <a:ext cx="4092038" cy="5184015"/>
+        </p:xfrm>
+        <a:graphic>
+          <a:graphicData uri="http://schemas.openxmlformats.org/presentationml/2006/ole">
+            <mc:AlternateContent xmlns:mc="http://schemas.openxmlformats.org/markup-compatibility/2006">
+              <mc:Choice xmlns:v="urn:schemas-microsoft-com:vml" Requires="v">
+                <p:oleObj spid="_x0000_s22544" name="Visio" r:id="rId6" imgW="3390925" imgH="4295639" progId="Visio.Drawing.15">
+                  <p:link updateAutomatic="1"/>
+                </p:oleObj>
+              </mc:Choice>
+              <mc:Fallback>
+                <p:oleObj name="Visio" r:id="rId6" imgW="3390925" imgH="4295639" progId="Visio.Drawing.15">
+                  <p:link updateAutomatic="1"/>
+                  <p:pic>
+                    <p:nvPicPr>
+                      <p:cNvPr id="0" name=""/>
+                      <p:cNvPicPr/>
+                      <p:nvPr/>
+                    </p:nvPicPr>
+                    <p:blipFill>
+                      <a:blip r:embed="rId7"/>
+                      <a:stretch>
+                        <a:fillRect/>
+                      </a:stretch>
+                    </p:blipFill>
+                    <p:spPr>
+                      <a:xfrm>
+                        <a:off x="7578469" y="1334018"/>
+                        <a:ext cx="4092038" cy="5184015"/>
+                      </a:xfrm>
+                      <a:prstGeom prst="rect">
+                        <a:avLst/>
+                      </a:prstGeom>
+                    </p:spPr>
+                  </p:pic>
+                </p:oleObj>
+              </mc:Fallback>
+            </mc:AlternateContent>
+          </a:graphicData>
+        </a:graphic>
+      </p:graphicFrame>
+    </p:spTree>
+    <p:extLst>
+      <p:ext uri="{BB962C8B-B14F-4D97-AF65-F5344CB8AC3E}">
+        <p14:creationId xmlns:p14="http://schemas.microsoft.com/office/powerpoint/2010/main" val="3734732094"/>
+      </p:ext>
+    </p:extLst>
+  </p:cSld>
+  <p:clrMapOvr>
+    <a:masterClrMapping/>
+  </p:clrMapOvr>
+  <p:transition spd="med"/>
+  <p:timing>
+    <p:tnLst>
+      <p:par>
+        <p:cTn id="1" dur="indefinite" restart="never" nodeType="tmRoot">
+          <p:childTnLst>
+            <p:seq concurrent="1" nextAc="seek">
+              <p:cTn id="2" dur="indefinite" nodeType="mainSeq">
+                <p:childTnLst>
+                  <p:par>
+                    <p:cTn id="3" fill="hold">
+                      <p:stCondLst>
+                        <p:cond delay="indefinite"/>
+                        <p:cond evt="onBegin" delay="0">
+                          <p:tn val="2"/>
+                        </p:cond>
+                      </p:stCondLst>
+                      <p:childTnLst>
+                        <p:par>
+                          <p:cTn id="4" fill="hold">
+                            <p:stCondLst>
+                              <p:cond delay="0"/>
+                            </p:stCondLst>
+                            <p:childTnLst>
+                              <p:par>
+                                <p:cTn id="5" presetID="2" presetClass="entr" presetSubtype="1" fill="hold" grpId="0" nodeType="afterEffect">
+                                  <p:stCondLst>
+                                    <p:cond delay="0"/>
+                                  </p:stCondLst>
+                                  <p:iterate>
+                                    <p:tmAbs val="0"/>
+                                  </p:iterate>
+                                  <p:childTnLst>
+                                    <p:set>
+                                      <p:cBhvr>
+                                        <p:cTn id="6" fill="hold"/>
+                                        <p:tgtEl>
+                                          <p:spTgt spid="3"/>
+                                        </p:tgtEl>
+                                        <p:attrNameLst>
+                                          <p:attrName>style.visibility</p:attrName>
+                                        </p:attrNameLst>
+                                      </p:cBhvr>
+                                      <p:to>
+                                        <p:strVal val="visible"/>
+                                      </p:to>
+                                    </p:set>
+                                    <p:anim calcmode="lin" valueType="num">
+                                      <p:cBhvr>
+                                        <p:cTn id="7" dur="500" fill="hold"/>
+                                        <p:tgtEl>
+                                          <p:spTgt spid="3"/>
+                                        </p:tgtEl>
+                                        <p:attrNameLst>
+                                          <p:attrName>ppt_x</p:attrName>
+                                        </p:attrNameLst>
+                                      </p:cBhvr>
+                                      <p:tavLst>
+                                        <p:tav tm="0">
+                                          <p:val>
+                                            <p:strVal val="#ppt_x"/>
+                                          </p:val>
+                                        </p:tav>
+                                        <p:tav tm="100000">
+                                          <p:val>
+                                            <p:strVal val="#ppt_x"/>
+                                          </p:val>
+                                        </p:tav>
+                                      </p:tavLst>
+                                    </p:anim>
+                                    <p:anim calcmode="lin" valueType="num">
+                                      <p:cBhvr>
+                                        <p:cTn id="8" dur="500" fill="hold"/>
+                                        <p:tgtEl>
+                                          <p:spTgt spid="3"/>
+                                        </p:tgtEl>
+                                        <p:attrNameLst>
+                                          <p:attrName>ppt_y</p:attrName>
+                                        </p:attrNameLst>
+                                      </p:cBhvr>
+                                      <p:tavLst>
+                                        <p:tav tm="0">
+                                          <p:val>
+                                            <p:strVal val="0-#ppt_h/2"/>
+                                          </p:val>
+                                        </p:tav>
+                                        <p:tav tm="100000">
+                                          <p:val>
+                                            <p:strVal val="#ppt_y"/>
+                                          </p:val>
+                                        </p:tav>
+                                      </p:tavLst>
+                                    </p:anim>
+                                  </p:childTnLst>
+                                </p:cTn>
+                              </p:par>
+                            </p:childTnLst>
+                          </p:cTn>
+                        </p:par>
+                        <p:par>
+                          <p:cTn id="9" fill="hold">
+                            <p:stCondLst>
+                              <p:cond delay="500"/>
+                            </p:stCondLst>
+                            <p:childTnLst>
+                              <p:par>
+                                <p:cTn id="10" presetID="22" presetClass="entr" presetSubtype="8" fill="hold" grpId="0" nodeType="afterEffect">
+                                  <p:stCondLst>
+                                    <p:cond delay="0"/>
+                                  </p:stCondLst>
+                                  <p:iterate>
+                                    <p:tmAbs val="0"/>
+                                  </p:iterate>
+                                  <p:childTnLst>
+                                    <p:set>
+                                      <p:cBhvr>
+                                        <p:cTn id="11" fill="hold"/>
+                                        <p:tgtEl>
+                                          <p:spTgt spid="2"/>
+                                        </p:tgtEl>
+                                        <p:attrNameLst>
+                                          <p:attrName>style.visibility</p:attrName>
+                                        </p:attrNameLst>
+                                      </p:cBhvr>
+                                      <p:to>
+                                        <p:strVal val="visible"/>
+                                      </p:to>
+                                    </p:set>
+                                    <p:animEffect transition="in" filter="wipe(left)">
+                                      <p:cBhvr>
+                                        <p:cTn id="12" dur="1000"/>
+                                        <p:tgtEl>
+                                          <p:spTgt spid="2"/>
+                                        </p:tgtEl>
+                                      </p:cBhvr>
+                                    </p:animEffect>
+                                  </p:childTnLst>
+                                </p:cTn>
+                              </p:par>
+                              <p:par>
+                                <p:cTn id="13" presetID="10" presetClass="entr" presetSubtype="0" fill="hold" nodeType="withEffect">
+                                  <p:stCondLst>
+                                    <p:cond delay="0"/>
+                                  </p:stCondLst>
+                                  <p:childTnLst>
+                                    <p:set>
+                                      <p:cBhvr>
+                                        <p:cTn id="14" dur="1" fill="hold">
+                                          <p:stCondLst>
+                                            <p:cond delay="0"/>
+                                          </p:stCondLst>
+                                        </p:cTn>
+                                        <p:tgtEl>
+                                          <p:spTgt spid="4"/>
+                                        </p:tgtEl>
+                                        <p:attrNameLst>
+                                          <p:attrName>style.visibility</p:attrName>
+                                        </p:attrNameLst>
+                                      </p:cBhvr>
+                                      <p:to>
+                                        <p:strVal val="visible"/>
+                                      </p:to>
+                                    </p:set>
+                                    <p:animEffect transition="in" filter="fade">
+                                      <p:cBhvr>
+                                        <p:cTn id="15" dur="1000"/>
+                                        <p:tgtEl>
+                                          <p:spTgt spid="4"/>
+                                        </p:tgtEl>
+                                      </p:cBhvr>
+                                    </p:animEffect>
+                                  </p:childTnLst>
+                                </p:cTn>
+                              </p:par>
+                            </p:childTnLst>
+                          </p:cTn>
+                        </p:par>
+                      </p:childTnLst>
+                    </p:cTn>
+                  </p:par>
+                </p:childTnLst>
+              </p:cTn>
+              <p:prevCondLst>
+                <p:cond evt="onPrev" delay="0">
+                  <p:tgtEl>
+                    <p:sldTgt/>
+                  </p:tgtEl>
+                </p:cond>
+              </p:prevCondLst>
+              <p:nextCondLst>
+                <p:cond evt="onNext" delay="0">
+                  <p:tgtEl>
+                    <p:sldTgt/>
+                  </p:tgtEl>
+                </p:cond>
+              </p:nextCondLst>
+            </p:seq>
+          </p:childTnLst>
+        </p:cTn>
+      </p:par>
+    </p:tnLst>
+    <p:bldLst>
+      <p:bldP spid="2" grpId="0" animBg="1" advAuto="0"/>
+      <p:bldP spid="3" grpId="0" animBg="1" advAuto="0"/>
+    </p:bldLst>
+  </p:timing>
+</p:sld>
+</file>
+
+<file path=ppt/slides/slide31.xml><?xml version="1.0" encoding="utf-8"?>
+<p:sld xmlns:a="http://schemas.openxmlformats.org/drawingml/2006/main" xmlns:r="http://schemas.openxmlformats.org/officeDocument/2006/relationships" xmlns:p="http://schemas.openxmlformats.org/presentationml/2006/main">
+  <p:cSld>
+    <p:spTree>
+      <p:nvGrpSpPr>
+        <p:cNvPr id="1" name=""/>
+        <p:cNvGrpSpPr/>
+        <p:nvPr/>
+      </p:nvGrpSpPr>
+      <p:grpSpPr>
+        <a:xfrm>
+          <a:off x="0" y="0"/>
+          <a:ext cx="0" cy="0"/>
+          <a:chOff x="0" y="0"/>
+          <a:chExt cx="0" cy="0"/>
+        </a:xfrm>
+      </p:grpSpPr>
+      <p:sp>
+        <p:nvSpPr>
+          <p:cNvPr id="2" name="直接连接符 33"/>
+          <p:cNvSpPr/>
+          <p:nvPr/>
+        </p:nvSpPr>
+        <p:spPr>
+          <a:xfrm>
+            <a:off x="0" y="549275"/>
+            <a:ext cx="12192001" cy="0"/>
+          </a:xfrm>
+          <a:prstGeom prst="line">
+            <a:avLst/>
+          </a:prstGeom>
+          <a:ln w="25400">
+            <a:solidFill>
+              <a:srgbClr val="F9B359"/>
+            </a:solidFill>
+            <a:miter/>
+          </a:ln>
+        </p:spPr>
+        <p:txBody>
+          <a:bodyPr lIns="45719" rIns="45719"/>
+          <a:lstStyle/>
+          <a:p>
+            <a:pPr marL="0" marR="0" lvl="0" indent="0" algn="l" defTabSz="914400" rtl="0" eaLnBrk="1" fontAlgn="auto" latinLnBrk="0" hangingPunct="0">
+              <a:lnSpc>
+                <a:spcPct val="100000"/>
+              </a:lnSpc>
+              <a:spcBef>
+                <a:spcPts val="0"/>
+              </a:spcBef>
+              <a:spcAft>
+                <a:spcPts val="0"/>
+              </a:spcAft>
+              <a:buClrTx/>
+              <a:buSzTx/>
+              <a:buFontTx/>
+              <a:buNone/>
+              <a:tabLst/>
+              <a:defRPr/>
+            </a:pPr>
+            <a:endParaRPr kumimoji="0" sz="1800" b="0" i="0" u="none" strike="noStrike" kern="0" cap="none" spc="0" normalizeH="0" baseline="0" noProof="0">
+              <a:ln>
+                <a:noFill/>
+              </a:ln>
+              <a:solidFill>
+                <a:srgbClr val="000000"/>
+              </a:solidFill>
+              <a:effectLst/>
+              <a:uLnTx/>
+              <a:uFillTx/>
+              <a:latin typeface="等线 Light"/>
+              <a:ea typeface="等线 Light"/>
+              <a:sym typeface="等线 Light"/>
+            </a:endParaRPr>
+          </a:p>
+        </p:txBody>
+      </p:sp>
+      <p:sp>
+        <p:nvSpPr>
+          <p:cNvPr id="3" name="文本框 5"/>
+          <p:cNvSpPr txBox="1"/>
+          <p:nvPr/>
+        </p:nvSpPr>
+        <p:spPr>
+          <a:xfrm>
+            <a:off x="4442842" y="228273"/>
+            <a:ext cx="3306315" cy="646331"/>
+          </a:xfrm>
+          <a:prstGeom prst="rect">
+            <a:avLst/>
+          </a:prstGeom>
+          <a:solidFill>
+            <a:srgbClr val="F9FAFB"/>
+          </a:solidFill>
+          <a:ln w="12700">
+            <a:miter lim="400000"/>
+          </a:ln>
+          <a:extLst>
+            <a:ext uri="{C572A759-6A51-4108-AA02-DFA0A04FC94B}">
+              <ma14:wrappingTextBoxFlag xmlns:ma14="http://schemas.microsoft.com/office/mac/drawingml/2011/main" xmlns="" val="1"/>
+            </a:ext>
+          </a:extLst>
+        </p:spPr>
+        <p:txBody>
+          <a:bodyPr wrap="square" lIns="45719" rIns="45719">
+            <a:spAutoFit/>
+          </a:bodyPr>
+          <a:lstStyle>
+            <a:lvl1pPr algn="ctr">
+              <a:defRPr sz="3600" b="1">
+                <a:solidFill>
+                  <a:srgbClr val="F9B359"/>
+                </a:solidFill>
+                <a:latin typeface="微软雅黑"/>
+                <a:ea typeface="微软雅黑"/>
+                <a:cs typeface="微软雅黑"/>
+                <a:sym typeface="微软雅黑"/>
+              </a:defRPr>
+            </a:lvl1pPr>
+          </a:lstStyle>
+          <a:p>
+            <a:pPr lvl="0"/>
+            <a:r>
+              <a:rPr lang="zh-CN" altLang="en-US" dirty="0" smtClean="0"/>
+              <a:t>评价模块</a:t>
+            </a:r>
+            <a:endParaRPr lang="en-US" altLang="zh-CN" dirty="0"/>
+          </a:p>
+        </p:txBody>
+      </p:sp>
+      <p:pic>
+        <p:nvPicPr>
+          <p:cNvPr id="4" name="图片 3">
+            <a:extLst>
+              <a:ext uri="{FF2B5EF4-FFF2-40B4-BE49-F238E27FC236}">
+                <a16:creationId xmlns:a16="http://schemas.microsoft.com/office/drawing/2014/main" id="{1760666A-8C83-4EF2-B0D7-90C0F4534C1D}"/>
+              </a:ext>
+            </a:extLst>
+          </p:cNvPr>
+          <p:cNvPicPr>
+            <a:picLocks noChangeAspect="1"/>
+          </p:cNvPicPr>
+          <p:nvPr/>
+        </p:nvPicPr>
+        <p:blipFill>
+          <a:blip r:embed="rId3" cstate="print">
+            <a:extLst>
+              <a:ext uri="{28A0092B-C50C-407E-A947-70E740481C1C}">
+                <a14:useLocalDpi xmlns:a14="http://schemas.microsoft.com/office/drawing/2010/main" val="0"/>
+              </a:ext>
+            </a:extLst>
+          </a:blip>
+          <a:stretch>
+            <a:fillRect/>
+          </a:stretch>
+        </p:blipFill>
+        <p:spPr>
+          <a:xfrm>
+            <a:off x="0" y="0"/>
+            <a:ext cx="701608" cy="701608"/>
+          </a:xfrm>
+          <a:prstGeom prst="rect">
+            <a:avLst/>
+          </a:prstGeom>
+        </p:spPr>
+      </p:pic>
+      <p:sp>
+        <p:nvSpPr>
+          <p:cNvPr id="8" name="矩形 7"/>
+          <p:cNvSpPr/>
+          <p:nvPr/>
+        </p:nvSpPr>
+        <p:spPr>
+          <a:xfrm>
+            <a:off x="701608" y="3779757"/>
+            <a:ext cx="6096000" cy="2585323"/>
+          </a:xfrm>
+          <a:prstGeom prst="rect">
+            <a:avLst/>
+          </a:prstGeom>
+        </p:spPr>
+        <p:txBody>
+          <a:bodyPr>
+            <a:spAutoFit/>
+          </a:bodyPr>
+          <a:lstStyle/>
+          <a:p>
+            <a:r>
+              <a:rPr lang="zh-CN" altLang="zh-CN" dirty="0"/>
+              <a:t>评价功能</a:t>
+            </a:r>
+            <a:r>
+              <a:rPr lang="en-US" altLang="zh-CN" dirty="0" err="1"/>
+              <a:t>seq</a:t>
+            </a:r>
+            <a:endParaRPr lang="zh-CN" altLang="zh-CN" dirty="0"/>
+          </a:p>
+          <a:p>
+            <a:r>
+              <a:rPr lang="en-US" altLang="zh-CN" dirty="0"/>
+              <a:t>	</a:t>
+            </a:r>
+            <a:r>
+              <a:rPr lang="zh-CN" altLang="zh-CN" dirty="0"/>
+              <a:t>匹配用户</a:t>
+            </a:r>
+          </a:p>
+          <a:p>
+            <a:r>
+              <a:rPr lang="en-US" altLang="zh-CN" dirty="0"/>
+              <a:t>	</a:t>
+            </a:r>
+            <a:r>
+              <a:rPr lang="zh-CN" altLang="zh-CN" dirty="0"/>
+              <a:t>分析订单状态</a:t>
+            </a:r>
+          </a:p>
+          <a:p>
+            <a:r>
+              <a:rPr lang="en-US" altLang="zh-CN" dirty="0"/>
+              <a:t>		</a:t>
+            </a:r>
+            <a:r>
+              <a:rPr lang="zh-CN" altLang="zh-CN" dirty="0"/>
+              <a:t>分析订单未评价</a:t>
+            </a:r>
+          </a:p>
+          <a:p>
+            <a:r>
+              <a:rPr lang="en-US" altLang="zh-CN" dirty="0"/>
+              <a:t>			</a:t>
+            </a:r>
+            <a:r>
+              <a:rPr lang="zh-CN" altLang="zh-CN" dirty="0"/>
+              <a:t>读入评价字符串</a:t>
+            </a:r>
+          </a:p>
+          <a:p>
+            <a:r>
+              <a:rPr lang="en-US" altLang="zh-CN" dirty="0"/>
+              <a:t>		</a:t>
+            </a:r>
+            <a:r>
+              <a:rPr lang="zh-CN" altLang="zh-CN" dirty="0"/>
+              <a:t>分析订单已评价</a:t>
+            </a:r>
+          </a:p>
+          <a:p>
+            <a:r>
+              <a:rPr lang="en-US" altLang="zh-CN" dirty="0"/>
+              <a:t>			</a:t>
+            </a:r>
+            <a:r>
+              <a:rPr lang="zh-CN" altLang="zh-CN" dirty="0"/>
+              <a:t>输出评价字符串</a:t>
+            </a:r>
+          </a:p>
+          <a:p>
+            <a:r>
+              <a:rPr lang="en-US" altLang="zh-CN" dirty="0"/>
+              <a:t>	</a:t>
+            </a:r>
+            <a:r>
+              <a:rPr lang="zh-CN" altLang="zh-CN" dirty="0"/>
+              <a:t>停止</a:t>
+            </a:r>
+          </a:p>
+          <a:p>
+            <a:r>
+              <a:rPr lang="zh-CN" altLang="zh-CN" dirty="0"/>
+              <a:t>评价功能</a:t>
+            </a:r>
+            <a:r>
+              <a:rPr lang="en-US" altLang="zh-CN" dirty="0"/>
+              <a:t>end</a:t>
+            </a:r>
+            <a:endParaRPr lang="zh-CN" altLang="zh-CN" dirty="0"/>
+          </a:p>
+        </p:txBody>
+      </p:sp>
+      <p:graphicFrame>
+        <p:nvGraphicFramePr>
+          <p:cNvPr id="7" name="对象 6"/>
+          <p:cNvGraphicFramePr>
+            <a:graphicFrameLocks noChangeAspect="1"/>
+          </p:cNvGraphicFramePr>
+          <p:nvPr>
+            <p:extLst>
+              <p:ext uri="{D42A27DB-BD31-4B8C-83A1-F6EECF244321}">
+                <p14:modId xmlns:p14="http://schemas.microsoft.com/office/powerpoint/2010/main" val="4232174109"/>
+              </p:ext>
+            </p:extLst>
+          </p:nvPr>
+        </p:nvGraphicFramePr>
+        <p:xfrm>
+          <a:off x="701608" y="870278"/>
+          <a:ext cx="5962650" cy="2495550"/>
+        </p:xfrm>
+        <a:graphic>
+          <a:graphicData uri="http://schemas.openxmlformats.org/presentationml/2006/ole">
+            <mc:AlternateContent xmlns:mc="http://schemas.openxmlformats.org/markup-compatibility/2006">
+              <mc:Choice xmlns:v="urn:schemas-microsoft-com:vml" Requires="v">
+                <p:oleObj spid="_x0000_s23564" name="Visio" r:id="rId4" imgW="5962663" imgH="2495414" progId="Visio.Drawing.15">
+                  <p:link updateAutomatic="1"/>
+                </p:oleObj>
+              </mc:Choice>
+              <mc:Fallback>
+                <p:oleObj name="Visio" r:id="rId4" imgW="5962663" imgH="2495414" progId="Visio.Drawing.15">
+                  <p:link updateAutomatic="1"/>
+                  <p:pic>
+                    <p:nvPicPr>
+                      <p:cNvPr id="0" name=""/>
+                      <p:cNvPicPr/>
+                      <p:nvPr/>
+                    </p:nvPicPr>
+                    <p:blipFill>
+                      <a:blip r:embed="rId5"/>
+                      <a:stretch>
+                        <a:fillRect/>
+                      </a:stretch>
+                    </p:blipFill>
+                    <p:spPr>
+                      <a:xfrm>
+                        <a:off x="701608" y="870278"/>
+                        <a:ext cx="5962650" cy="2495550"/>
+                      </a:xfrm>
+                      <a:prstGeom prst="rect">
+                        <a:avLst/>
+                      </a:prstGeom>
+                    </p:spPr>
+                  </p:pic>
+                </p:oleObj>
+              </mc:Fallback>
+            </mc:AlternateContent>
+          </a:graphicData>
+        </a:graphic>
+      </p:graphicFrame>
+      <p:graphicFrame>
+        <p:nvGraphicFramePr>
+          <p:cNvPr id="9" name="对象 8"/>
+          <p:cNvGraphicFramePr>
+            <a:graphicFrameLocks noChangeAspect="1"/>
+          </p:cNvGraphicFramePr>
+          <p:nvPr>
+            <p:extLst>
+              <p:ext uri="{D42A27DB-BD31-4B8C-83A1-F6EECF244321}">
+                <p14:modId xmlns:p14="http://schemas.microsoft.com/office/powerpoint/2010/main" val="3754549042"/>
+              </p:ext>
+            </p:extLst>
+          </p:nvPr>
+        </p:nvGraphicFramePr>
+        <p:xfrm>
+          <a:off x="7749157" y="1048601"/>
+          <a:ext cx="3038475" cy="4305300"/>
+        </p:xfrm>
+        <a:graphic>
+          <a:graphicData uri="http://schemas.openxmlformats.org/presentationml/2006/ole">
+            <mc:AlternateContent xmlns:mc="http://schemas.openxmlformats.org/markup-compatibility/2006">
+              <mc:Choice xmlns:v="urn:schemas-microsoft-com:vml" Requires="v">
+                <p:oleObj spid="_x0000_s23565" name="Visio" r:id="rId6" imgW="3038622" imgH="4305436" progId="Visio.Drawing.15">
+                  <p:link updateAutomatic="1"/>
+                </p:oleObj>
+              </mc:Choice>
+              <mc:Fallback>
+                <p:oleObj name="Visio" r:id="rId6" imgW="3038622" imgH="4305436" progId="Visio.Drawing.15">
+                  <p:link updateAutomatic="1"/>
+                  <p:pic>
+                    <p:nvPicPr>
+                      <p:cNvPr id="0" name=""/>
+                      <p:cNvPicPr/>
+                      <p:nvPr/>
+                    </p:nvPicPr>
+                    <p:blipFill>
+                      <a:blip r:embed="rId7"/>
+                      <a:stretch>
+                        <a:fillRect/>
+                      </a:stretch>
+                    </p:blipFill>
+                    <p:spPr>
+                      <a:xfrm>
+                        <a:off x="7749157" y="1048601"/>
+                        <a:ext cx="3038475" cy="4305300"/>
+                      </a:xfrm>
+                      <a:prstGeom prst="rect">
+                        <a:avLst/>
+                      </a:prstGeom>
+                    </p:spPr>
+                  </p:pic>
+                </p:oleObj>
+              </mc:Fallback>
+            </mc:AlternateContent>
+          </a:graphicData>
+        </a:graphic>
+      </p:graphicFrame>
+    </p:spTree>
+    <p:extLst>
+      <p:ext uri="{BB962C8B-B14F-4D97-AF65-F5344CB8AC3E}">
+        <p14:creationId xmlns:p14="http://schemas.microsoft.com/office/powerpoint/2010/main" val="4228652331"/>
+      </p:ext>
+    </p:extLst>
+  </p:cSld>
+  <p:clrMapOvr>
+    <a:masterClrMapping/>
+  </p:clrMapOvr>
+  <p:transition spd="med"/>
+  <p:timing>
+    <p:tnLst>
+      <p:par>
+        <p:cTn id="1" dur="indefinite" restart="never" nodeType="tmRoot">
+          <p:childTnLst>
+            <p:seq concurrent="1" nextAc="seek">
+              <p:cTn id="2" dur="indefinite" nodeType="mainSeq">
+                <p:childTnLst>
+                  <p:par>
+                    <p:cTn id="3" fill="hold">
+                      <p:stCondLst>
+                        <p:cond delay="indefinite"/>
+                        <p:cond evt="onBegin" delay="0">
+                          <p:tn val="2"/>
+                        </p:cond>
+                      </p:stCondLst>
+                      <p:childTnLst>
+                        <p:par>
+                          <p:cTn id="4" fill="hold">
+                            <p:stCondLst>
+                              <p:cond delay="0"/>
+                            </p:stCondLst>
+                            <p:childTnLst>
+                              <p:par>
+                                <p:cTn id="5" presetID="2" presetClass="entr" presetSubtype="1" fill="hold" grpId="0" nodeType="afterEffect">
+                                  <p:stCondLst>
+                                    <p:cond delay="0"/>
+                                  </p:stCondLst>
+                                  <p:iterate>
+                                    <p:tmAbs val="0"/>
+                                  </p:iterate>
+                                  <p:childTnLst>
+                                    <p:set>
+                                      <p:cBhvr>
+                                        <p:cTn id="6" fill="hold"/>
+                                        <p:tgtEl>
+                                          <p:spTgt spid="3"/>
+                                        </p:tgtEl>
+                                        <p:attrNameLst>
+                                          <p:attrName>style.visibility</p:attrName>
+                                        </p:attrNameLst>
+                                      </p:cBhvr>
+                                      <p:to>
+                                        <p:strVal val="visible"/>
+                                      </p:to>
+                                    </p:set>
+                                    <p:anim calcmode="lin" valueType="num">
+                                      <p:cBhvr>
+                                        <p:cTn id="7" dur="500" fill="hold"/>
+                                        <p:tgtEl>
+                                          <p:spTgt spid="3"/>
+                                        </p:tgtEl>
+                                        <p:attrNameLst>
+                                          <p:attrName>ppt_x</p:attrName>
+                                        </p:attrNameLst>
+                                      </p:cBhvr>
+                                      <p:tavLst>
+                                        <p:tav tm="0">
+                                          <p:val>
+                                            <p:strVal val="#ppt_x"/>
+                                          </p:val>
+                                        </p:tav>
+                                        <p:tav tm="100000">
+                                          <p:val>
+                                            <p:strVal val="#ppt_x"/>
+                                          </p:val>
+                                        </p:tav>
+                                      </p:tavLst>
+                                    </p:anim>
+                                    <p:anim calcmode="lin" valueType="num">
+                                      <p:cBhvr>
+                                        <p:cTn id="8" dur="500" fill="hold"/>
+                                        <p:tgtEl>
+                                          <p:spTgt spid="3"/>
+                                        </p:tgtEl>
+                                        <p:attrNameLst>
+                                          <p:attrName>ppt_y</p:attrName>
+                                        </p:attrNameLst>
+                                      </p:cBhvr>
+                                      <p:tavLst>
+                                        <p:tav tm="0">
+                                          <p:val>
+                                            <p:strVal val="0-#ppt_h/2"/>
+                                          </p:val>
+                                        </p:tav>
+                                        <p:tav tm="100000">
+                                          <p:val>
+                                            <p:strVal val="#ppt_y"/>
+                                          </p:val>
+                                        </p:tav>
+                                      </p:tavLst>
+                                    </p:anim>
+                                  </p:childTnLst>
+                                </p:cTn>
+                              </p:par>
+                            </p:childTnLst>
+                          </p:cTn>
+                        </p:par>
+                        <p:par>
+                          <p:cTn id="9" fill="hold">
+                            <p:stCondLst>
+                              <p:cond delay="500"/>
+                            </p:stCondLst>
+                            <p:childTnLst>
+                              <p:par>
+                                <p:cTn id="10" presetID="22" presetClass="entr" presetSubtype="8" fill="hold" grpId="0" nodeType="afterEffect">
+                                  <p:stCondLst>
+                                    <p:cond delay="0"/>
+                                  </p:stCondLst>
+                                  <p:iterate>
+                                    <p:tmAbs val="0"/>
+                                  </p:iterate>
+                                  <p:childTnLst>
+                                    <p:set>
+                                      <p:cBhvr>
+                                        <p:cTn id="11" fill="hold"/>
+                                        <p:tgtEl>
+                                          <p:spTgt spid="2"/>
+                                        </p:tgtEl>
+                                        <p:attrNameLst>
+                                          <p:attrName>style.visibility</p:attrName>
+                                        </p:attrNameLst>
+                                      </p:cBhvr>
+                                      <p:to>
+                                        <p:strVal val="visible"/>
+                                      </p:to>
+                                    </p:set>
+                                    <p:animEffect transition="in" filter="wipe(left)">
+                                      <p:cBhvr>
+                                        <p:cTn id="12" dur="1000"/>
+                                        <p:tgtEl>
+                                          <p:spTgt spid="2"/>
+                                        </p:tgtEl>
+                                      </p:cBhvr>
+                                    </p:animEffect>
+                                  </p:childTnLst>
+                                </p:cTn>
+                              </p:par>
+                              <p:par>
+                                <p:cTn id="13" presetID="10" presetClass="entr" presetSubtype="0" fill="hold" nodeType="withEffect">
+                                  <p:stCondLst>
+                                    <p:cond delay="0"/>
+                                  </p:stCondLst>
+                                  <p:childTnLst>
+                                    <p:set>
+                                      <p:cBhvr>
+                                        <p:cTn id="14" dur="1" fill="hold">
+                                          <p:stCondLst>
+                                            <p:cond delay="0"/>
+                                          </p:stCondLst>
+                                        </p:cTn>
+                                        <p:tgtEl>
+                                          <p:spTgt spid="4"/>
+                                        </p:tgtEl>
+                                        <p:attrNameLst>
+                                          <p:attrName>style.visibility</p:attrName>
+                                        </p:attrNameLst>
+                                      </p:cBhvr>
+                                      <p:to>
+                                        <p:strVal val="visible"/>
+                                      </p:to>
+                                    </p:set>
+                                    <p:animEffect transition="in" filter="fade">
+                                      <p:cBhvr>
+                                        <p:cTn id="15" dur="1000"/>
+                                        <p:tgtEl>
+                                          <p:spTgt spid="4"/>
+                                        </p:tgtEl>
+                                      </p:cBhvr>
+                                    </p:animEffect>
+                                  </p:childTnLst>
+                                </p:cTn>
+                              </p:par>
+                            </p:childTnLst>
+                          </p:cTn>
+                        </p:par>
+                      </p:childTnLst>
+                    </p:cTn>
+                  </p:par>
+                </p:childTnLst>
+              </p:cTn>
+              <p:prevCondLst>
+                <p:cond evt="onPrev" delay="0">
+                  <p:tgtEl>
+                    <p:sldTgt/>
+                  </p:tgtEl>
+                </p:cond>
+              </p:prevCondLst>
+              <p:nextCondLst>
+                <p:cond evt="onNext" delay="0">
+                  <p:tgtEl>
+                    <p:sldTgt/>
+                  </p:tgtEl>
+                </p:cond>
+              </p:nextCondLst>
+            </p:seq>
+          </p:childTnLst>
+        </p:cTn>
+      </p:par>
+    </p:tnLst>
+    <p:bldLst>
+      <p:bldP spid="2" grpId="0" animBg="1" advAuto="0"/>
+      <p:bldP spid="3" grpId="0" animBg="1" advAuto="0"/>
+    </p:bldLst>
+  </p:timing>
+</p:sld>
+</file>
+
+<file path=ppt/slides/slide32.xml><?xml version="1.0" encoding="utf-8"?>
+<p:sld xmlns:a="http://schemas.openxmlformats.org/drawingml/2006/main" xmlns:r="http://schemas.openxmlformats.org/officeDocument/2006/relationships" xmlns:p="http://schemas.openxmlformats.org/presentationml/2006/main">
+  <p:cSld>
+    <p:spTree>
+      <p:nvGrpSpPr>
+        <p:cNvPr id="1" name=""/>
+        <p:cNvGrpSpPr/>
+        <p:nvPr/>
+      </p:nvGrpSpPr>
+      <p:grpSpPr>
+        <a:xfrm>
+          <a:off x="0" y="0"/>
+          <a:ext cx="0" cy="0"/>
+          <a:chOff x="0" y="0"/>
+          <a:chExt cx="0" cy="0"/>
+        </a:xfrm>
+      </p:grpSpPr>
+      <p:sp>
+        <p:nvSpPr>
           <p:cNvPr id="239" name="矩形 14"/>
           <p:cNvSpPr/>
           <p:nvPr/>
@@ -22669,7 +25534,7 @@
           </a:ln>
           <a:extLst>
             <a:ext uri="{C572A759-6A51-4108-AA02-DFA0A04FC94B}">
-              <ma14:wrappingTextBoxFlag xmlns="" xmlns:ma14="http://schemas.microsoft.com/office/mac/drawingml/2011/main" val="1"/>
+              <ma14:wrappingTextBoxFlag xmlns:ma14="http://schemas.microsoft.com/office/mac/drawingml/2011/main" xmlns="" val="1"/>
             </a:ext>
           </a:extLst>
         </p:spPr>
@@ -22718,7 +25583,7 @@
           </a:ln>
           <a:extLst>
             <a:ext uri="{C572A759-6A51-4108-AA02-DFA0A04FC94B}">
-              <ma14:wrappingTextBoxFlag xmlns="" xmlns:ma14="http://schemas.microsoft.com/office/mac/drawingml/2011/main" val="1"/>
+              <ma14:wrappingTextBoxFlag xmlns:ma14="http://schemas.microsoft.com/office/mac/drawingml/2011/main" xmlns="" val="1"/>
             </a:ext>
           </a:extLst>
         </p:spPr>
@@ -23150,792 +26015,7 @@
 </p:sld>
 </file>
 
-<file path=ppt/slides/slide3.xml><?xml version="1.0" encoding="utf-8"?>
-<p:sld xmlns:a="http://schemas.openxmlformats.org/drawingml/2006/main" xmlns:r="http://schemas.openxmlformats.org/officeDocument/2006/relationships" xmlns:p="http://schemas.openxmlformats.org/presentationml/2006/main">
-  <p:cSld>
-    <p:spTree>
-      <p:nvGrpSpPr>
-        <p:cNvPr id="1" name=""/>
-        <p:cNvGrpSpPr/>
-        <p:nvPr/>
-      </p:nvGrpSpPr>
-      <p:grpSpPr>
-        <a:xfrm>
-          <a:off x="0" y="0"/>
-          <a:ext cx="0" cy="0"/>
-          <a:chOff x="0" y="0"/>
-          <a:chExt cx="0" cy="0"/>
-        </a:xfrm>
-      </p:grpSpPr>
-      <p:sp>
-        <p:nvSpPr>
-          <p:cNvPr id="295" name="矩形 9"/>
-          <p:cNvSpPr/>
-          <p:nvPr/>
-        </p:nvSpPr>
-        <p:spPr>
-          <a:xfrm>
-            <a:off x="1277957" y="1094341"/>
-            <a:ext cx="9636084" cy="4702368"/>
-          </a:xfrm>
-          <a:prstGeom prst="rect">
-            <a:avLst/>
-          </a:prstGeom>
-          <a:ln w="25400">
-            <a:solidFill>
-              <a:srgbClr val="3F403E"/>
-            </a:solidFill>
-            <a:miter/>
-          </a:ln>
-        </p:spPr>
-        <p:txBody>
-          <a:bodyPr lIns="45719" rIns="45719" anchor="ctr"/>
-          <a:lstStyle/>
-          <a:p>
-            <a:pPr algn="ctr">
-              <a:defRPr>
-                <a:solidFill>
-                  <a:srgbClr val="FFFFFF"/>
-                </a:solidFill>
-              </a:defRPr>
-            </a:pPr>
-            <a:endParaRPr/>
-          </a:p>
-        </p:txBody>
-      </p:sp>
-      <p:sp>
-        <p:nvSpPr>
-          <p:cNvPr id="296" name="矩形 1"/>
-          <p:cNvSpPr/>
-          <p:nvPr/>
-        </p:nvSpPr>
-        <p:spPr>
-          <a:xfrm>
-            <a:off x="3742063" y="0"/>
-            <a:ext cx="4707874" cy="6858000"/>
-          </a:xfrm>
-          <a:prstGeom prst="rect">
-            <a:avLst/>
-          </a:prstGeom>
-          <a:solidFill>
-            <a:srgbClr val="F9B359"/>
-          </a:solidFill>
-          <a:ln w="12700">
-            <a:miter lim="400000"/>
-          </a:ln>
-          <a:effectLst>
-            <a:outerShdw blurRad="127000" rotWithShape="0">
-              <a:srgbClr val="D5D7D5">
-                <a:alpha val="40000"/>
-              </a:srgbClr>
-            </a:outerShdw>
-          </a:effectLst>
-        </p:spPr>
-        <p:txBody>
-          <a:bodyPr lIns="45719" rIns="45719" anchor="ctr"/>
-          <a:lstStyle/>
-          <a:p>
-            <a:pPr algn="ctr">
-              <a:defRPr>
-                <a:solidFill>
-                  <a:srgbClr val="FFFFFF"/>
-                </a:solidFill>
-              </a:defRPr>
-            </a:pPr>
-            <a:endParaRPr/>
-          </a:p>
-        </p:txBody>
-      </p:sp>
-      <p:sp>
-        <p:nvSpPr>
-          <p:cNvPr id="297" name="矩形 2"/>
-          <p:cNvSpPr/>
-          <p:nvPr/>
-        </p:nvSpPr>
-        <p:spPr>
-          <a:xfrm>
-            <a:off x="1836144" y="1652529"/>
-            <a:ext cx="8519712" cy="3585991"/>
-          </a:xfrm>
-          <a:prstGeom prst="rect">
-            <a:avLst/>
-          </a:prstGeom>
-          <a:solidFill>
-            <a:srgbClr val="FCFCFD"/>
-          </a:solidFill>
-          <a:ln w="12700">
-            <a:miter lim="400000"/>
-          </a:ln>
-          <a:effectLst>
-            <a:outerShdw blurRad="254000" dist="38100" dir="5400000" rotWithShape="0">
-              <a:srgbClr val="969F98">
-                <a:alpha val="20000"/>
-              </a:srgbClr>
-            </a:outerShdw>
-          </a:effectLst>
-        </p:spPr>
-        <p:txBody>
-          <a:bodyPr lIns="45719" rIns="45719" anchor="ctr"/>
-          <a:lstStyle/>
-          <a:p>
-            <a:pPr algn="ctr">
-              <a:defRPr>
-                <a:solidFill>
-                  <a:srgbClr val="FFFFFF"/>
-                </a:solidFill>
-              </a:defRPr>
-            </a:pPr>
-            <a:endParaRPr/>
-          </a:p>
-        </p:txBody>
-      </p:sp>
-      <p:sp>
-        <p:nvSpPr>
-          <p:cNvPr id="298" name="文本框 4"/>
-          <p:cNvSpPr txBox="1"/>
-          <p:nvPr/>
-        </p:nvSpPr>
-        <p:spPr>
-          <a:xfrm>
-            <a:off x="2508173" y="3220586"/>
-            <a:ext cx="7175654" cy="2060372"/>
-          </a:xfrm>
-          <a:prstGeom prst="rect">
-            <a:avLst/>
-          </a:prstGeom>
-          <a:ln w="12700">
-            <a:miter lim="400000"/>
-          </a:ln>
-          <a:extLst>
-            <a:ext uri="{C572A759-6A51-4108-AA02-DFA0A04FC94B}">
-              <ma14:wrappingTextBoxFlag xmlns="" xmlns:ma14="http://schemas.microsoft.com/office/mac/drawingml/2011/main" val="1"/>
-            </a:ext>
-          </a:extLst>
-        </p:spPr>
-        <p:txBody>
-          <a:bodyPr lIns="45719" rIns="45719">
-            <a:spAutoFit/>
-          </a:bodyPr>
-          <a:lstStyle>
-            <a:lvl1pPr algn="ctr">
-              <a:lnSpc>
-                <a:spcPct val="120000"/>
-              </a:lnSpc>
-              <a:defRPr>
-                <a:solidFill>
-                  <a:srgbClr val="3F403E"/>
-                </a:solidFill>
-                <a:latin typeface="微软雅黑 Light"/>
-                <a:ea typeface="微软雅黑 Light"/>
-                <a:cs typeface="微软雅黑 Light"/>
-                <a:sym typeface="微软雅黑 Light"/>
-              </a:defRPr>
-            </a:lvl1pPr>
-          </a:lstStyle>
-          <a:p>
-            <a:r>
-              <a:rPr lang="en-US" altLang="zh-CN" dirty="0"/>
-              <a:t>1.《</a:t>
-            </a:r>
-            <a:r>
-              <a:rPr lang="zh-CN" altLang="en-US" dirty="0"/>
-              <a:t>软件开发计划</a:t>
-            </a:r>
-            <a:r>
-              <a:rPr lang="en-US" altLang="zh-CN" dirty="0"/>
-              <a:t>》(SDP)</a:t>
-            </a:r>
-            <a:r>
-              <a:rPr lang="zh-CN" altLang="en-US" dirty="0"/>
-              <a:t>描述开发者实施软件开发工作的计划，本文档中“软件开发”一词涵盖了新开发、修改、重用、再工程、维护和由软件产品引起的其他所有的活动。</a:t>
-            </a:r>
-          </a:p>
-          <a:p>
-            <a:r>
-              <a:rPr lang="en-US" altLang="zh-CN" dirty="0"/>
-              <a:t>2.SDP</a:t>
-            </a:r>
-            <a:r>
-              <a:rPr lang="zh-CN" altLang="en-US" dirty="0"/>
-              <a:t>是向需求方提供了解和监督软件开发过程、所使用的方法、每项活动的途径、项目的安排、组织及资源的一种手段。</a:t>
-            </a:r>
-          </a:p>
-          <a:p>
-            <a:r>
-              <a:rPr lang="en-US" altLang="zh-CN" dirty="0"/>
-              <a:t>3.</a:t>
-            </a:r>
-            <a:r>
-              <a:rPr lang="zh-CN" altLang="en-US" dirty="0"/>
-              <a:t>本计划的某些部分可视实际需要单独编制成册。</a:t>
-            </a:r>
-          </a:p>
-        </p:txBody>
-      </p:sp>
-      <p:sp>
-        <p:nvSpPr>
-          <p:cNvPr id="299" name="文本框 5"/>
-          <p:cNvSpPr txBox="1"/>
-          <p:nvPr/>
-        </p:nvSpPr>
-        <p:spPr>
-          <a:xfrm>
-            <a:off x="4012424" y="2288543"/>
-            <a:ext cx="4167164" cy="646331"/>
-          </a:xfrm>
-          <a:prstGeom prst="rect">
-            <a:avLst/>
-          </a:prstGeom>
-          <a:ln w="12700">
-            <a:miter lim="400000"/>
-          </a:ln>
-          <a:extLst>
-            <a:ext uri="{C572A759-6A51-4108-AA02-DFA0A04FC94B}">
-              <ma14:wrappingTextBoxFlag xmlns="" xmlns:ma14="http://schemas.microsoft.com/office/mac/drawingml/2011/main" val="1"/>
-            </a:ext>
-          </a:extLst>
-        </p:spPr>
-        <p:txBody>
-          <a:bodyPr wrap="none" lIns="45719" rIns="45719">
-            <a:spAutoFit/>
-          </a:bodyPr>
-          <a:lstStyle>
-            <a:lvl1pPr algn="ctr">
-              <a:defRPr sz="3600" b="1">
-                <a:solidFill>
-                  <a:srgbClr val="3F403E"/>
-                </a:solidFill>
-                <a:latin typeface="微软雅黑"/>
-                <a:ea typeface="微软雅黑"/>
-                <a:cs typeface="微软雅黑"/>
-                <a:sym typeface="微软雅黑"/>
-              </a:defRPr>
-            </a:lvl1pPr>
-          </a:lstStyle>
-          <a:p>
-            <a:r>
-              <a:rPr lang="zh-CN" altLang="en-US" dirty="0"/>
-              <a:t>软件开发计划</a:t>
-            </a:r>
-            <a:r>
-              <a:rPr lang="en-US" altLang="zh-CN" dirty="0"/>
-              <a:t>(SDP)</a:t>
-            </a:r>
-          </a:p>
-        </p:txBody>
-      </p:sp>
-      <p:sp>
-        <p:nvSpPr>
-          <p:cNvPr id="300" name="直接连接符 6"/>
-          <p:cNvSpPr/>
-          <p:nvPr/>
-        </p:nvSpPr>
-        <p:spPr>
-          <a:xfrm flipH="1" flipV="1">
-            <a:off x="4095991" y="3065335"/>
-            <a:ext cx="4000016" cy="1"/>
-          </a:xfrm>
-          <a:prstGeom prst="line">
-            <a:avLst/>
-          </a:prstGeom>
-          <a:ln w="6350">
-            <a:solidFill>
-              <a:srgbClr val="969F98">
-                <a:alpha val="50000"/>
-              </a:srgbClr>
-            </a:solidFill>
-            <a:miter/>
-          </a:ln>
-        </p:spPr>
-        <p:txBody>
-          <a:bodyPr lIns="45719" rIns="45719"/>
-          <a:lstStyle/>
-          <a:p>
-            <a:endParaRPr/>
-          </a:p>
-        </p:txBody>
-      </p:sp>
-      <p:pic>
-        <p:nvPicPr>
-          <p:cNvPr id="8" name="图片 7">
-            <a:extLst>
-              <a:ext uri="{FF2B5EF4-FFF2-40B4-BE49-F238E27FC236}">
-                <a16:creationId xmlns:a16="http://schemas.microsoft.com/office/drawing/2014/main" id="{1760666A-8C83-4EF2-B0D7-90C0F4534C1D}"/>
-              </a:ext>
-            </a:extLst>
-          </p:cNvPr>
-          <p:cNvPicPr>
-            <a:picLocks noChangeAspect="1"/>
-          </p:cNvPicPr>
-          <p:nvPr/>
-        </p:nvPicPr>
-        <p:blipFill>
-          <a:blip r:embed="rId2" cstate="print">
-            <a:extLst>
-              <a:ext uri="{28A0092B-C50C-407E-A947-70E740481C1C}">
-                <a14:useLocalDpi xmlns:a14="http://schemas.microsoft.com/office/drawing/2010/main" val="0"/>
-              </a:ext>
-            </a:extLst>
-          </a:blip>
-          <a:stretch>
-            <a:fillRect/>
-          </a:stretch>
-        </p:blipFill>
-        <p:spPr>
-          <a:xfrm>
-            <a:off x="0" y="0"/>
-            <a:ext cx="701608" cy="701608"/>
-          </a:xfrm>
-          <a:prstGeom prst="rect">
-            <a:avLst/>
-          </a:prstGeom>
-        </p:spPr>
-      </p:pic>
-    </p:spTree>
-    <p:extLst>
-      <p:ext uri="{BB962C8B-B14F-4D97-AF65-F5344CB8AC3E}">
-        <p14:creationId xmlns:p14="http://schemas.microsoft.com/office/powerpoint/2010/main" val="1656238935"/>
-      </p:ext>
-    </p:extLst>
-  </p:cSld>
-  <p:clrMapOvr>
-    <a:masterClrMapping/>
-  </p:clrMapOvr>
-  <mc:AlternateContent xmlns:mc="http://schemas.openxmlformats.org/markup-compatibility/2006" xmlns:p14="http://schemas.microsoft.com/office/powerpoint/2010/main">
-    <mc:Choice Requires="p14">
-      <p:transition spd="slow" p14:dur="1200" advClick="0" advTm="8000">
-        <p:push dir="u"/>
-      </p:transition>
-    </mc:Choice>
-    <mc:Fallback xmlns="">
-      <p:transition spd="slow">
-        <p:fade/>
-      </p:transition>
-    </mc:Fallback>
-  </mc:AlternateContent>
-  <p:timing>
-    <p:tnLst>
-      <p:par>
-        <p:cTn id="1" dur="indefinite" restart="never" fill="hold" nodeType="tmRoot">
-          <p:childTnLst>
-            <p:seq concurrent="1" prevAc="none" nextAc="seek">
-              <p:cTn id="2" dur="indefinite" fill="hold" nodeType="mainSeq">
-                <p:childTnLst>
-                  <p:par>
-                    <p:cTn id="3" fill="hold">
-                      <p:stCondLst>
-                        <p:cond delay="indefinite"/>
-                        <p:cond evt="onBegin" delay="0">
-                          <p:tn val="2"/>
-                        </p:cond>
-                      </p:stCondLst>
-                      <p:childTnLst>
-                        <p:par>
-                          <p:cTn id="4" fill="hold">
-                            <p:stCondLst>
-                              <p:cond delay="0"/>
-                            </p:stCondLst>
-                            <p:childTnLst>
-                              <p:par>
-                                <p:cTn id="5" presetID="2" presetClass="entr" presetSubtype="1" fill="hold" grpId="0" nodeType="afterEffect">
-                                  <p:stCondLst>
-                                    <p:cond delay="0"/>
-                                  </p:stCondLst>
-                                  <p:iterate>
-                                    <p:tmAbs val="0"/>
-                                  </p:iterate>
-                                  <p:childTnLst>
-                                    <p:set>
-                                      <p:cBhvr>
-                                        <p:cTn id="6" fill="hold"/>
-                                        <p:tgtEl>
-                                          <p:spTgt spid="296"/>
-                                        </p:tgtEl>
-                                        <p:attrNameLst>
-                                          <p:attrName>style.visibility</p:attrName>
-                                        </p:attrNameLst>
-                                      </p:cBhvr>
-                                      <p:to>
-                                        <p:strVal val="visible"/>
-                                      </p:to>
-                                    </p:set>
-                                    <p:anim calcmode="lin" valueType="num">
-                                      <p:cBhvr>
-                                        <p:cTn id="7" dur="1000" fill="hold"/>
-                                        <p:tgtEl>
-                                          <p:spTgt spid="296"/>
-                                        </p:tgtEl>
-                                        <p:attrNameLst>
-                                          <p:attrName>ppt_x</p:attrName>
-                                        </p:attrNameLst>
-                                      </p:cBhvr>
-                                      <p:tavLst>
-                                        <p:tav tm="0">
-                                          <p:val>
-                                            <p:strVal val="#ppt_x"/>
-                                          </p:val>
-                                        </p:tav>
-                                        <p:tav tm="100000">
-                                          <p:val>
-                                            <p:strVal val="#ppt_x"/>
-                                          </p:val>
-                                        </p:tav>
-                                      </p:tavLst>
-                                    </p:anim>
-                                    <p:anim calcmode="lin" valueType="num">
-                                      <p:cBhvr>
-                                        <p:cTn id="8" dur="1000" fill="hold"/>
-                                        <p:tgtEl>
-                                          <p:spTgt spid="296"/>
-                                        </p:tgtEl>
-                                        <p:attrNameLst>
-                                          <p:attrName>ppt_y</p:attrName>
-                                        </p:attrNameLst>
-                                      </p:cBhvr>
-                                      <p:tavLst>
-                                        <p:tav tm="0">
-                                          <p:val>
-                                            <p:strVal val="0-#ppt_h/2"/>
-                                          </p:val>
-                                        </p:tav>
-                                        <p:tav tm="100000">
-                                          <p:val>
-                                            <p:strVal val="#ppt_y"/>
-                                          </p:val>
-                                        </p:tav>
-                                      </p:tavLst>
-                                    </p:anim>
-                                  </p:childTnLst>
-                                </p:cTn>
-                              </p:par>
-                            </p:childTnLst>
-                          </p:cTn>
-                        </p:par>
-                        <p:par>
-                          <p:cTn id="9" fill="hold">
-                            <p:stCondLst>
-                              <p:cond delay="1000"/>
-                            </p:stCondLst>
-                            <p:childTnLst>
-                              <p:par>
-                                <p:cTn id="10" presetID="9" presetClass="entr" fill="hold" grpId="0" nodeType="afterEffect">
-                                  <p:stCondLst>
-                                    <p:cond delay="0"/>
-                                  </p:stCondLst>
-                                  <p:iterate>
-                                    <p:tmAbs val="0"/>
-                                  </p:iterate>
-                                  <p:childTnLst>
-                                    <p:set>
-                                      <p:cBhvr>
-                                        <p:cTn id="11" fill="hold"/>
-                                        <p:tgtEl>
-                                          <p:spTgt spid="295"/>
-                                        </p:tgtEl>
-                                        <p:attrNameLst>
-                                          <p:attrName>style.visibility</p:attrName>
-                                        </p:attrNameLst>
-                                      </p:cBhvr>
-                                      <p:to>
-                                        <p:strVal val="visible"/>
-                                      </p:to>
-                                    </p:set>
-                                    <p:animEffect transition="in" filter="dissolve">
-                                      <p:cBhvr>
-                                        <p:cTn id="12" dur="1000"/>
-                                        <p:tgtEl>
-                                          <p:spTgt spid="295"/>
-                                        </p:tgtEl>
-                                      </p:cBhvr>
-                                    </p:animEffect>
-                                  </p:childTnLst>
-                                </p:cTn>
-                              </p:par>
-                            </p:childTnLst>
-                          </p:cTn>
-                        </p:par>
-                        <p:par>
-                          <p:cTn id="13" fill="hold">
-                            <p:stCondLst>
-                              <p:cond delay="2000"/>
-                            </p:stCondLst>
-                            <p:childTnLst>
-                              <p:par>
-                                <p:cTn id="14" presetID="2" presetClass="entr" presetSubtype="4" fill="hold" grpId="0" nodeType="afterEffect">
-                                  <p:stCondLst>
-                                    <p:cond delay="0"/>
-                                  </p:stCondLst>
-                                  <p:iterate>
-                                    <p:tmAbs val="0"/>
-                                  </p:iterate>
-                                  <p:childTnLst>
-                                    <p:set>
-                                      <p:cBhvr>
-                                        <p:cTn id="15" fill="hold"/>
-                                        <p:tgtEl>
-                                          <p:spTgt spid="297"/>
-                                        </p:tgtEl>
-                                        <p:attrNameLst>
-                                          <p:attrName>style.visibility</p:attrName>
-                                        </p:attrNameLst>
-                                      </p:cBhvr>
-                                      <p:to>
-                                        <p:strVal val="visible"/>
-                                      </p:to>
-                                    </p:set>
-                                    <p:anim calcmode="lin" valueType="num">
-                                      <p:cBhvr>
-                                        <p:cTn id="16" dur="1000" fill="hold"/>
-                                        <p:tgtEl>
-                                          <p:spTgt spid="297"/>
-                                        </p:tgtEl>
-                                        <p:attrNameLst>
-                                          <p:attrName>ppt_x</p:attrName>
-                                        </p:attrNameLst>
-                                      </p:cBhvr>
-                                      <p:tavLst>
-                                        <p:tav tm="0">
-                                          <p:val>
-                                            <p:strVal val="#ppt_x"/>
-                                          </p:val>
-                                        </p:tav>
-                                        <p:tav tm="100000">
-                                          <p:val>
-                                            <p:strVal val="#ppt_x"/>
-                                          </p:val>
-                                        </p:tav>
-                                      </p:tavLst>
-                                    </p:anim>
-                                    <p:anim calcmode="lin" valueType="num">
-                                      <p:cBhvr>
-                                        <p:cTn id="17" dur="1000" fill="hold"/>
-                                        <p:tgtEl>
-                                          <p:spTgt spid="297"/>
-                                        </p:tgtEl>
-                                        <p:attrNameLst>
-                                          <p:attrName>ppt_y</p:attrName>
-                                        </p:attrNameLst>
-                                      </p:cBhvr>
-                                      <p:tavLst>
-                                        <p:tav tm="0">
-                                          <p:val>
-                                            <p:strVal val="1+#ppt_h/2"/>
-                                          </p:val>
-                                        </p:tav>
-                                        <p:tav tm="100000">
-                                          <p:val>
-                                            <p:strVal val="#ppt_y"/>
-                                          </p:val>
-                                        </p:tav>
-                                      </p:tavLst>
-                                    </p:anim>
-                                  </p:childTnLst>
-                                </p:cTn>
-                              </p:par>
-                            </p:childTnLst>
-                          </p:cTn>
-                        </p:par>
-                        <p:par>
-                          <p:cTn id="18" fill="hold">
-                            <p:stCondLst>
-                              <p:cond delay="3000"/>
-                            </p:stCondLst>
-                            <p:childTnLst>
-                              <p:par>
-                                <p:cTn id="19" presetID="9" presetClass="entr" fill="hold" grpId="0" nodeType="afterEffect">
-                                  <p:stCondLst>
-                                    <p:cond delay="0"/>
-                                  </p:stCondLst>
-                                  <p:iterate>
-                                    <p:tmAbs val="0"/>
-                                  </p:iterate>
-                                  <p:childTnLst>
-                                    <p:set>
-                                      <p:cBhvr>
-                                        <p:cTn id="20" fill="hold"/>
-                                        <p:tgtEl>
-                                          <p:spTgt spid="299"/>
-                                        </p:tgtEl>
-                                        <p:attrNameLst>
-                                          <p:attrName>style.visibility</p:attrName>
-                                        </p:attrNameLst>
-                                      </p:cBhvr>
-                                      <p:to>
-                                        <p:strVal val="visible"/>
-                                      </p:to>
-                                    </p:set>
-                                    <p:animEffect transition="in" filter="dissolve">
-                                      <p:cBhvr>
-                                        <p:cTn id="21" dur="500"/>
-                                        <p:tgtEl>
-                                          <p:spTgt spid="299"/>
-                                        </p:tgtEl>
-                                      </p:cBhvr>
-                                    </p:animEffect>
-                                  </p:childTnLst>
-                                </p:cTn>
-                              </p:par>
-                            </p:childTnLst>
-                          </p:cTn>
-                        </p:par>
-                        <p:par>
-                          <p:cTn id="22" fill="hold">
-                            <p:stCondLst>
-                              <p:cond delay="3500"/>
-                            </p:stCondLst>
-                            <p:childTnLst>
-                              <p:par>
-                                <p:cTn id="23" presetID="22" presetClass="entr" presetSubtype="8" fill="hold" grpId="0" nodeType="afterEffect">
-                                  <p:stCondLst>
-                                    <p:cond delay="0"/>
-                                  </p:stCondLst>
-                                  <p:iterate>
-                                    <p:tmAbs val="0"/>
-                                  </p:iterate>
-                                  <p:childTnLst>
-                                    <p:set>
-                                      <p:cBhvr>
-                                        <p:cTn id="24" fill="hold"/>
-                                        <p:tgtEl>
-                                          <p:spTgt spid="300"/>
-                                        </p:tgtEl>
-                                        <p:attrNameLst>
-                                          <p:attrName>style.visibility</p:attrName>
-                                        </p:attrNameLst>
-                                      </p:cBhvr>
-                                      <p:to>
-                                        <p:strVal val="visible"/>
-                                      </p:to>
-                                    </p:set>
-                                    <p:animEffect transition="in" filter="wipe(left)">
-                                      <p:cBhvr>
-                                        <p:cTn id="25" dur="500"/>
-                                        <p:tgtEl>
-                                          <p:spTgt spid="300"/>
-                                        </p:tgtEl>
-                                      </p:cBhvr>
-                                    </p:animEffect>
-                                  </p:childTnLst>
-                                </p:cTn>
-                              </p:par>
-                            </p:childTnLst>
-                          </p:cTn>
-                        </p:par>
-                        <p:par>
-                          <p:cTn id="26" fill="hold">
-                            <p:stCondLst>
-                              <p:cond delay="4000"/>
-                            </p:stCondLst>
-                            <p:childTnLst>
-                              <p:par>
-                                <p:cTn id="27" presetID="22" presetClass="entr" presetSubtype="1" fill="hold" grpId="0" nodeType="afterEffect">
-                                  <p:stCondLst>
-                                    <p:cond delay="0"/>
-                                  </p:stCondLst>
-                                  <p:iterate>
-                                    <p:tmAbs val="0"/>
-                                  </p:iterate>
-                                  <p:childTnLst>
-                                    <p:set>
-                                      <p:cBhvr>
-                                        <p:cTn id="28" fill="hold"/>
-                                        <p:tgtEl>
-                                          <p:spTgt spid="298"/>
-                                        </p:tgtEl>
-                                        <p:attrNameLst>
-                                          <p:attrName>style.visibility</p:attrName>
-                                        </p:attrNameLst>
-                                      </p:cBhvr>
-                                      <p:to>
-                                        <p:strVal val="visible"/>
-                                      </p:to>
-                                    </p:set>
-                                    <p:animEffect transition="in" filter="wipe(up)">
-                                      <p:cBhvr>
-                                        <p:cTn id="29" dur="1000"/>
-                                        <p:tgtEl>
-                                          <p:spTgt spid="298"/>
-                                        </p:tgtEl>
-                                      </p:cBhvr>
-                                    </p:animEffect>
-                                  </p:childTnLst>
-                                </p:cTn>
-                              </p:par>
-                              <p:par>
-                                <p:cTn id="30" presetID="10" presetClass="entr" presetSubtype="0" fill="hold" nodeType="withEffect">
-                                  <p:stCondLst>
-                                    <p:cond delay="0"/>
-                                  </p:stCondLst>
-                                  <p:childTnLst>
-                                    <p:set>
-                                      <p:cBhvr>
-                                        <p:cTn id="31" dur="1" fill="hold">
-                                          <p:stCondLst>
-                                            <p:cond delay="0"/>
-                                          </p:stCondLst>
-                                        </p:cTn>
-                                        <p:tgtEl>
-                                          <p:spTgt spid="8"/>
-                                        </p:tgtEl>
-                                        <p:attrNameLst>
-                                          <p:attrName>style.visibility</p:attrName>
-                                        </p:attrNameLst>
-                                      </p:cBhvr>
-                                      <p:to>
-                                        <p:strVal val="visible"/>
-                                      </p:to>
-                                    </p:set>
-                                    <p:animEffect transition="in" filter="fade">
-                                      <p:cBhvr>
-                                        <p:cTn id="32" dur="1000"/>
-                                        <p:tgtEl>
-                                          <p:spTgt spid="8"/>
-                                        </p:tgtEl>
-                                      </p:cBhvr>
-                                    </p:animEffect>
-                                  </p:childTnLst>
-                                </p:cTn>
-                              </p:par>
-                            </p:childTnLst>
-                          </p:cTn>
-                        </p:par>
-                      </p:childTnLst>
-                    </p:cTn>
-                  </p:par>
-                </p:childTnLst>
-              </p:cTn>
-              <p:prevCondLst>
-                <p:cond evt="onPrev" delay="0">
-                  <p:tgtEl>
-                    <p:sldTgt/>
-                  </p:tgtEl>
-                </p:cond>
-              </p:prevCondLst>
-              <p:nextCondLst>
-                <p:cond evt="onNext" delay="0">
-                  <p:tgtEl>
-                    <p:sldTgt/>
-                  </p:tgtEl>
-                </p:cond>
-              </p:nextCondLst>
-            </p:seq>
-          </p:childTnLst>
-        </p:cTn>
-      </p:par>
-    </p:tnLst>
-    <p:bldLst>
-      <p:bldP spid="295" grpId="0" animBg="1" advAuto="0"/>
-      <p:bldP spid="296" grpId="0" animBg="1" advAuto="0"/>
-      <p:bldP spid="297" grpId="0" animBg="1" advAuto="0"/>
-      <p:bldP spid="298" grpId="0" animBg="1" advAuto="0"/>
-      <p:bldP spid="299" grpId="0" animBg="1" advAuto="0"/>
-      <p:bldP spid="300" grpId="0" animBg="1" advAuto="0"/>
-    </p:bldLst>
-  </p:timing>
-</p:sld>
-</file>
-
-<file path=ppt/slides/slide30.xml><?xml version="1.0" encoding="utf-8"?>
+<file path=ppt/slides/slide33.xml><?xml version="1.0" encoding="utf-8"?>
 <p:sld xmlns:a="http://schemas.openxmlformats.org/drawingml/2006/main" xmlns:r="http://schemas.openxmlformats.org/officeDocument/2006/relationships" xmlns:p="http://schemas.openxmlformats.org/presentationml/2006/main">
   <p:cSld>
     <p:spTree>
@@ -24093,7 +26173,7 @@
           </a:ln>
           <a:extLst>
             <a:ext uri="{C572A759-6A51-4108-AA02-DFA0A04FC94B}">
-              <ma14:wrappingTextBoxFlag xmlns="" xmlns:ma14="http://schemas.microsoft.com/office/mac/drawingml/2011/main" val="1"/>
+              <ma14:wrappingTextBoxFlag xmlns:ma14="http://schemas.microsoft.com/office/mac/drawingml/2011/main" xmlns="" val="1"/>
             </a:ext>
           </a:extLst>
         </p:spPr>
@@ -24798,7 +26878,7 @@
 </p:sld>
 </file>
 
-<file path=ppt/slides/slide31.xml><?xml version="1.0" encoding="utf-8"?>
+<file path=ppt/slides/slide34.xml><?xml version="1.0" encoding="utf-8"?>
 <p:sld xmlns:a="http://schemas.openxmlformats.org/drawingml/2006/main" xmlns:r="http://schemas.openxmlformats.org/officeDocument/2006/relationships" xmlns:p="http://schemas.openxmlformats.org/presentationml/2006/main">
   <p:cSld>
     <p:spTree>
@@ -24958,7 +27038,7 @@
           </a:ln>
           <a:extLst>
             <a:ext uri="{C572A759-6A51-4108-AA02-DFA0A04FC94B}">
-              <ma14:wrappingTextBoxFlag xmlns="" xmlns:ma14="http://schemas.microsoft.com/office/mac/drawingml/2011/main" val="1"/>
+              <ma14:wrappingTextBoxFlag xmlns:ma14="http://schemas.microsoft.com/office/mac/drawingml/2011/main" xmlns="" val="1"/>
             </a:ext>
           </a:extLst>
         </p:spPr>
@@ -25007,7 +27087,7 @@
           </a:ln>
           <a:extLst>
             <a:ext uri="{C572A759-6A51-4108-AA02-DFA0A04FC94B}">
-              <ma14:wrappingTextBoxFlag xmlns="" xmlns:ma14="http://schemas.microsoft.com/office/mac/drawingml/2011/main" val="1"/>
+              <ma14:wrappingTextBoxFlag xmlns:ma14="http://schemas.microsoft.com/office/mac/drawingml/2011/main" xmlns="" val="1"/>
             </a:ext>
           </a:extLst>
         </p:spPr>
@@ -25439,7 +27519,7 @@
 </p:sld>
 </file>
 
-<file path=ppt/slides/slide32.xml><?xml version="1.0" encoding="utf-8"?>
+<file path=ppt/slides/slide35.xml><?xml version="1.0" encoding="utf-8"?>
 <p:sld xmlns:a="http://schemas.openxmlformats.org/drawingml/2006/main" xmlns:r="http://schemas.openxmlformats.org/officeDocument/2006/relationships" xmlns:p="http://schemas.openxmlformats.org/presentationml/2006/main">
   <p:cSld>
     <p:spTree>
@@ -25597,7 +27677,7 @@
           </a:ln>
           <a:extLst>
             <a:ext uri="{C572A759-6A51-4108-AA02-DFA0A04FC94B}">
-              <ma14:wrappingTextBoxFlag xmlns="" xmlns:ma14="http://schemas.microsoft.com/office/mac/drawingml/2011/main" val="1"/>
+              <ma14:wrappingTextBoxFlag xmlns:ma14="http://schemas.microsoft.com/office/mac/drawingml/2011/main" xmlns="" val="1"/>
             </a:ext>
           </a:extLst>
         </p:spPr>
@@ -25648,7 +27728,7 @@
           </a:ln>
           <a:extLst>
             <a:ext uri="{C572A759-6A51-4108-AA02-DFA0A04FC94B}">
-              <ma14:wrappingTextBoxFlag xmlns="" xmlns:ma14="http://schemas.microsoft.com/office/mac/drawingml/2011/main" val="1"/>
+              <ma14:wrappingTextBoxFlag xmlns:ma14="http://schemas.microsoft.com/office/mac/drawingml/2011/main" xmlns="" val="1"/>
             </a:ext>
           </a:extLst>
         </p:spPr>
@@ -26189,7 +28269,7 @@
 </p:sld>
 </file>
 
-<file path=ppt/slides/slide33.xml><?xml version="1.0" encoding="utf-8"?>
+<file path=ppt/slides/slide36.xml><?xml version="1.0" encoding="utf-8"?>
 <p:sld xmlns:a="http://schemas.openxmlformats.org/drawingml/2006/main" xmlns:r="http://schemas.openxmlformats.org/officeDocument/2006/relationships" xmlns:p="http://schemas.openxmlformats.org/presentationml/2006/main">
   <p:cSld>
     <p:spTree>
@@ -26349,7 +28429,7 @@
           </a:ln>
           <a:extLst>
             <a:ext uri="{C572A759-6A51-4108-AA02-DFA0A04FC94B}">
-              <ma14:wrappingTextBoxFlag xmlns="" xmlns:ma14="http://schemas.microsoft.com/office/mac/drawingml/2011/main" val="1"/>
+              <ma14:wrappingTextBoxFlag xmlns:ma14="http://schemas.microsoft.com/office/mac/drawingml/2011/main" xmlns="" val="1"/>
             </a:ext>
           </a:extLst>
         </p:spPr>
@@ -26398,7 +28478,7 @@
           </a:ln>
           <a:extLst>
             <a:ext uri="{C572A759-6A51-4108-AA02-DFA0A04FC94B}">
-              <ma14:wrappingTextBoxFlag xmlns="" xmlns:ma14="http://schemas.microsoft.com/office/mac/drawingml/2011/main" val="1"/>
+              <ma14:wrappingTextBoxFlag xmlns:ma14="http://schemas.microsoft.com/office/mac/drawingml/2011/main" xmlns="" val="1"/>
             </a:ext>
           </a:extLst>
         </p:spPr>
@@ -26830,7 +28910,7 @@
 </p:sld>
 </file>
 
-<file path=ppt/slides/slide34.xml><?xml version="1.0" encoding="utf-8"?>
+<file path=ppt/slides/slide37.xml><?xml version="1.0" encoding="utf-8"?>
 <p:sld xmlns:a="http://schemas.openxmlformats.org/drawingml/2006/main" xmlns:r="http://schemas.openxmlformats.org/officeDocument/2006/relationships" xmlns:p="http://schemas.openxmlformats.org/presentationml/2006/main">
   <p:cSld>
     <p:spTree>
@@ -26861,7 +28941,7 @@
         </p:nvGrpSpPr>
         <p:grpSpPr>
           <a:xfrm>
-            <a:off x="3980042" y="1963323"/>
+            <a:off x="2833994" y="1914555"/>
             <a:ext cx="1914863" cy="2086875"/>
             <a:chOff x="2938584" y="2242373"/>
             <a:chExt cx="2319215" cy="2319215"/>
@@ -26958,7 +29038,7 @@
         </p:nvSpPr>
         <p:spPr>
           <a:xfrm>
-            <a:off x="3867310" y="4299638"/>
+            <a:off x="2721262" y="4250870"/>
             <a:ext cx="2140326" cy="646331"/>
           </a:xfrm>
           <a:prstGeom prst="rect">
@@ -27038,7 +29118,7 @@
         </p:nvGrpSpPr>
         <p:grpSpPr>
           <a:xfrm>
-            <a:off x="6292954" y="1963322"/>
+            <a:off x="5146906" y="1914554"/>
             <a:ext cx="1914863" cy="2086875"/>
             <a:chOff x="2938584" y="2242373"/>
             <a:chExt cx="2319215" cy="2319215"/>
@@ -27135,7 +29215,7 @@
         </p:nvSpPr>
         <p:spPr>
           <a:xfrm>
-            <a:off x="6180222" y="4299637"/>
+            <a:off x="5034174" y="4250869"/>
             <a:ext cx="2140326" cy="646331"/>
           </a:xfrm>
           <a:prstGeom prst="rect">
@@ -27153,6 +29233,148 @@
             <a:r>
               <a:rPr lang="en-US" altLang="zh-CN" dirty="0" smtClean="0"/>
               <a:t>20190427</a:t>
+            </a:r>
+            <a:endParaRPr lang="en-US" altLang="zh-CN" dirty="0"/>
+          </a:p>
+          <a:p>
+            <a:pPr algn="ctr"/>
+            <a:r>
+              <a:rPr lang="zh-CN" altLang="en-US" dirty="0" smtClean="0"/>
+              <a:t>会议记录</a:t>
+            </a:r>
+            <a:endParaRPr lang="en-US" altLang="zh-CN" dirty="0"/>
+          </a:p>
+        </p:txBody>
+      </p:sp>
+      <p:grpSp>
+        <p:nvGrpSpPr>
+          <p:cNvPr id="12" name="组 5">
+            <a:extLst>
+              <a:ext uri="{FF2B5EF4-FFF2-40B4-BE49-F238E27FC236}">
+                <a16:creationId xmlns:a16="http://schemas.microsoft.com/office/drawing/2014/main" id="{D6609833-48B4-4D9E-9635-7FD0E19CC485}"/>
+              </a:ext>
+            </a:extLst>
+          </p:cNvPr>
+          <p:cNvGrpSpPr/>
+          <p:nvPr/>
+        </p:nvGrpSpPr>
+        <p:grpSpPr>
+          <a:xfrm>
+            <a:off x="7174501" y="1914553"/>
+            <a:ext cx="1914863" cy="2086875"/>
+            <a:chOff x="2938584" y="2242373"/>
+            <a:chExt cx="2319215" cy="2319215"/>
+          </a:xfrm>
+        </p:grpSpPr>
+        <p:pic>
+          <p:nvPicPr>
+            <p:cNvPr id="13" name="图片 12">
+              <a:hlinkClick r:id="rId6" action="ppaction://hlinkfile"/>
+              <a:extLst>
+                <a:ext uri="{FF2B5EF4-FFF2-40B4-BE49-F238E27FC236}">
+                  <a16:creationId xmlns:a16="http://schemas.microsoft.com/office/drawing/2014/main" id="{CE6F64C1-B56B-4AE5-A428-325E5916206D}"/>
+                </a:ext>
+              </a:extLst>
+            </p:cNvPr>
+            <p:cNvPicPr>
+              <a:picLocks noChangeAspect="1"/>
+            </p:cNvPicPr>
+            <p:nvPr/>
+          </p:nvPicPr>
+          <p:blipFill>
+            <a:blip r:embed="rId3" cstate="print">
+              <a:extLst>
+                <a:ext uri="{28A0092B-C50C-407E-A947-70E740481C1C}">
+                  <a14:useLocalDpi xmlns:a14="http://schemas.microsoft.com/office/drawing/2010/main" val="0"/>
+                </a:ext>
+              </a:extLst>
+            </a:blip>
+            <a:stretch>
+              <a:fillRect/>
+            </a:stretch>
+          </p:blipFill>
+          <p:spPr>
+            <a:xfrm>
+              <a:off x="2938584" y="2242373"/>
+              <a:ext cx="2319215" cy="2319215"/>
+            </a:xfrm>
+            <a:prstGeom prst="rect">
+              <a:avLst/>
+            </a:prstGeom>
+          </p:spPr>
+        </p:pic>
+        <p:sp>
+          <p:nvSpPr>
+            <p:cNvPr id="14" name="文本框 13">
+              <a:extLst>
+                <a:ext uri="{FF2B5EF4-FFF2-40B4-BE49-F238E27FC236}">
+                  <a16:creationId xmlns:a16="http://schemas.microsoft.com/office/drawing/2014/main" id="{63A2100B-7303-4BF8-9C9B-7AA7BE5642CE}"/>
+                </a:ext>
+              </a:extLst>
+            </p:cNvPr>
+            <p:cNvSpPr txBox="1"/>
+            <p:nvPr/>
+          </p:nvSpPr>
+          <p:spPr>
+            <a:xfrm>
+              <a:off x="3420687" y="3032648"/>
+              <a:ext cx="1111203" cy="369332"/>
+            </a:xfrm>
+            <a:prstGeom prst="rect">
+              <a:avLst/>
+            </a:prstGeom>
+            <a:noFill/>
+          </p:spPr>
+          <p:txBody>
+            <a:bodyPr wrap="none" rtlCol="0">
+              <a:spAutoFit/>
+            </a:bodyPr>
+            <a:lstStyle/>
+            <a:p>
+              <a:r>
+                <a:rPr kumimoji="1" lang="zh-CN" altLang="en-US" dirty="0">
+                  <a:latin typeface="Microsoft YaHei Light" charset="-122"/>
+                  <a:ea typeface="Microsoft YaHei Light" charset="-122"/>
+                  <a:cs typeface="Microsoft YaHei Light" charset="-122"/>
+                </a:rPr>
+                <a:t>会议记录</a:t>
+              </a:r>
+            </a:p>
+          </p:txBody>
+        </p:sp>
+      </p:grpSp>
+      <p:sp>
+        <p:nvSpPr>
+          <p:cNvPr id="15" name="文本框 14">
+            <a:extLst>
+              <a:ext uri="{FF2B5EF4-FFF2-40B4-BE49-F238E27FC236}">
+                <a16:creationId xmlns:a16="http://schemas.microsoft.com/office/drawing/2014/main" id="{C1BC540B-86E2-4153-B235-8EC807389912}"/>
+              </a:ext>
+            </a:extLst>
+          </p:cNvPr>
+          <p:cNvSpPr txBox="1"/>
+          <p:nvPr/>
+        </p:nvSpPr>
+        <p:spPr>
+          <a:xfrm>
+            <a:off x="7061769" y="4250868"/>
+            <a:ext cx="2140326" cy="646331"/>
+          </a:xfrm>
+          <a:prstGeom prst="rect">
+            <a:avLst/>
+          </a:prstGeom>
+          <a:noFill/>
+        </p:spPr>
+        <p:txBody>
+          <a:bodyPr wrap="square" rtlCol="0">
+            <a:spAutoFit/>
+          </a:bodyPr>
+          <a:lstStyle/>
+          <a:p>
+            <a:pPr algn="ctr"/>
+            <a:r>
+              <a:rPr lang="en-US" altLang="zh-CN" dirty="0" smtClean="0"/>
+              <a:t>20190512</a:t>
             </a:r>
             <a:endParaRPr lang="en-US" altLang="zh-CN" dirty="0"/>
           </a:p>
@@ -27266,7 +29488,7 @@
 </p:sld>
 </file>
 
-<file path=ppt/slides/slide35.xml><?xml version="1.0" encoding="utf-8"?>
+<file path=ppt/slides/slide38.xml><?xml version="1.0" encoding="utf-8"?>
 <p:sld xmlns:a="http://schemas.openxmlformats.org/drawingml/2006/main" xmlns:r="http://schemas.openxmlformats.org/officeDocument/2006/relationships" xmlns:p="http://schemas.openxmlformats.org/presentationml/2006/main">
   <p:cSld>
     <p:spTree>
@@ -27426,7 +29648,7 @@
           </a:ln>
           <a:extLst>
             <a:ext uri="{C572A759-6A51-4108-AA02-DFA0A04FC94B}">
-              <ma14:wrappingTextBoxFlag xmlns="" xmlns:ma14="http://schemas.microsoft.com/office/mac/drawingml/2011/main" val="1"/>
+              <ma14:wrappingTextBoxFlag xmlns:ma14="http://schemas.microsoft.com/office/mac/drawingml/2011/main" xmlns="" val="1"/>
             </a:ext>
           </a:extLst>
         </p:spPr>
@@ -27475,7 +29697,7 @@
           </a:ln>
           <a:extLst>
             <a:ext uri="{C572A759-6A51-4108-AA02-DFA0A04FC94B}">
-              <ma14:wrappingTextBoxFlag xmlns="" xmlns:ma14="http://schemas.microsoft.com/office/mac/drawingml/2011/main" val="1"/>
+              <ma14:wrappingTextBoxFlag xmlns:ma14="http://schemas.microsoft.com/office/mac/drawingml/2011/main" xmlns="" val="1"/>
             </a:ext>
           </a:extLst>
         </p:spPr>
@@ -27907,7 +30129,7 @@
 </p:sld>
 </file>
 
-<file path=ppt/slides/slide36.xml><?xml version="1.0" encoding="utf-8"?>
+<file path=ppt/slides/slide39.xml><?xml version="1.0" encoding="utf-8"?>
 <p:sld xmlns:a="http://schemas.openxmlformats.org/drawingml/2006/main" xmlns:r="http://schemas.openxmlformats.org/officeDocument/2006/relationships" xmlns:p="http://schemas.openxmlformats.org/presentationml/2006/main">
   <p:cSld>
     <p:spTree>
@@ -28090,7 +30312,1075 @@
 </p:sld>
 </file>
 
-<file path=ppt/slides/slide37.xml><?xml version="1.0" encoding="utf-8"?>
+<file path=ppt/slides/slide4.xml><?xml version="1.0" encoding="utf-8"?>
+<p:sld xmlns:a="http://schemas.openxmlformats.org/drawingml/2006/main" xmlns:r="http://schemas.openxmlformats.org/officeDocument/2006/relationships" xmlns:p="http://schemas.openxmlformats.org/presentationml/2006/main">
+  <p:cSld>
+    <p:spTree>
+      <p:nvGrpSpPr>
+        <p:cNvPr id="1" name=""/>
+        <p:cNvGrpSpPr/>
+        <p:nvPr/>
+      </p:nvGrpSpPr>
+      <p:grpSpPr>
+        <a:xfrm>
+          <a:off x="0" y="0"/>
+          <a:ext cx="0" cy="0"/>
+          <a:chOff x="0" y="0"/>
+          <a:chExt cx="0" cy="0"/>
+        </a:xfrm>
+      </p:grpSpPr>
+      <p:sp>
+        <p:nvSpPr>
+          <p:cNvPr id="295" name="矩形 9"/>
+          <p:cNvSpPr/>
+          <p:nvPr/>
+        </p:nvSpPr>
+        <p:spPr>
+          <a:xfrm>
+            <a:off x="1277957" y="1094341"/>
+            <a:ext cx="9636084" cy="4702368"/>
+          </a:xfrm>
+          <a:prstGeom prst="rect">
+            <a:avLst/>
+          </a:prstGeom>
+          <a:ln w="25400">
+            <a:solidFill>
+              <a:srgbClr val="3F403E"/>
+            </a:solidFill>
+            <a:miter/>
+          </a:ln>
+        </p:spPr>
+        <p:txBody>
+          <a:bodyPr lIns="45719" rIns="45719" anchor="ctr"/>
+          <a:lstStyle/>
+          <a:p>
+            <a:pPr algn="ctr">
+              <a:defRPr>
+                <a:solidFill>
+                  <a:srgbClr val="FFFFFF"/>
+                </a:solidFill>
+              </a:defRPr>
+            </a:pPr>
+            <a:endParaRPr/>
+          </a:p>
+        </p:txBody>
+      </p:sp>
+      <p:sp>
+        <p:nvSpPr>
+          <p:cNvPr id="296" name="矩形 1"/>
+          <p:cNvSpPr/>
+          <p:nvPr/>
+        </p:nvSpPr>
+        <p:spPr>
+          <a:xfrm>
+            <a:off x="3742063" y="0"/>
+            <a:ext cx="4707874" cy="6858000"/>
+          </a:xfrm>
+          <a:prstGeom prst="rect">
+            <a:avLst/>
+          </a:prstGeom>
+          <a:solidFill>
+            <a:srgbClr val="F9B359"/>
+          </a:solidFill>
+          <a:ln w="12700">
+            <a:miter lim="400000"/>
+          </a:ln>
+          <a:effectLst>
+            <a:outerShdw blurRad="127000" rotWithShape="0">
+              <a:srgbClr val="D5D7D5">
+                <a:alpha val="40000"/>
+              </a:srgbClr>
+            </a:outerShdw>
+          </a:effectLst>
+        </p:spPr>
+        <p:txBody>
+          <a:bodyPr lIns="45719" rIns="45719" anchor="ctr"/>
+          <a:lstStyle/>
+          <a:p>
+            <a:pPr algn="ctr">
+              <a:defRPr>
+                <a:solidFill>
+                  <a:srgbClr val="FFFFFF"/>
+                </a:solidFill>
+              </a:defRPr>
+            </a:pPr>
+            <a:endParaRPr/>
+          </a:p>
+        </p:txBody>
+      </p:sp>
+      <p:sp>
+        <p:nvSpPr>
+          <p:cNvPr id="297" name="矩形 2"/>
+          <p:cNvSpPr/>
+          <p:nvPr/>
+        </p:nvSpPr>
+        <p:spPr>
+          <a:xfrm>
+            <a:off x="1836144" y="1652529"/>
+            <a:ext cx="8519712" cy="3585991"/>
+          </a:xfrm>
+          <a:prstGeom prst="rect">
+            <a:avLst/>
+          </a:prstGeom>
+          <a:solidFill>
+            <a:srgbClr val="FCFCFD"/>
+          </a:solidFill>
+          <a:ln w="12700">
+            <a:miter lim="400000"/>
+          </a:ln>
+          <a:effectLst>
+            <a:outerShdw blurRad="254000" dist="38100" dir="5400000" rotWithShape="0">
+              <a:srgbClr val="969F98">
+                <a:alpha val="20000"/>
+              </a:srgbClr>
+            </a:outerShdw>
+          </a:effectLst>
+        </p:spPr>
+        <p:txBody>
+          <a:bodyPr lIns="45719" rIns="45719" anchor="ctr"/>
+          <a:lstStyle/>
+          <a:p>
+            <a:pPr algn="ctr">
+              <a:defRPr>
+                <a:solidFill>
+                  <a:srgbClr val="FFFFFF"/>
+                </a:solidFill>
+              </a:defRPr>
+            </a:pPr>
+            <a:endParaRPr/>
+          </a:p>
+        </p:txBody>
+      </p:sp>
+      <p:sp>
+        <p:nvSpPr>
+          <p:cNvPr id="298" name="文本框 4"/>
+          <p:cNvSpPr txBox="1"/>
+          <p:nvPr/>
+        </p:nvSpPr>
+        <p:spPr>
+          <a:xfrm>
+            <a:off x="2508173" y="3220586"/>
+            <a:ext cx="7175654" cy="2060372"/>
+          </a:xfrm>
+          <a:prstGeom prst="rect">
+            <a:avLst/>
+          </a:prstGeom>
+          <a:ln w="12700">
+            <a:miter lim="400000"/>
+          </a:ln>
+          <a:extLst>
+            <a:ext uri="{C572A759-6A51-4108-AA02-DFA0A04FC94B}">
+              <ma14:wrappingTextBoxFlag xmlns:ma14="http://schemas.microsoft.com/office/mac/drawingml/2011/main" xmlns="" val="1"/>
+            </a:ext>
+          </a:extLst>
+        </p:spPr>
+        <p:txBody>
+          <a:bodyPr lIns="45719" rIns="45719">
+            <a:spAutoFit/>
+          </a:bodyPr>
+          <a:lstStyle>
+            <a:lvl1pPr algn="ctr">
+              <a:lnSpc>
+                <a:spcPct val="120000"/>
+              </a:lnSpc>
+              <a:defRPr>
+                <a:solidFill>
+                  <a:srgbClr val="3F403E"/>
+                </a:solidFill>
+                <a:latin typeface="微软雅黑 Light"/>
+                <a:ea typeface="微软雅黑 Light"/>
+                <a:cs typeface="微软雅黑 Light"/>
+                <a:sym typeface="微软雅黑 Light"/>
+              </a:defRPr>
+            </a:lvl1pPr>
+          </a:lstStyle>
+          <a:p>
+            <a:r>
+              <a:rPr lang="en-US" altLang="zh-CN" dirty="0"/>
+              <a:t>1.</a:t>
+            </a:r>
+            <a:r>
+              <a:rPr lang="zh-CN" altLang="zh-CN" dirty="0"/>
+              <a:t>《系统</a:t>
+            </a:r>
+            <a:r>
+              <a:rPr lang="en-US" altLang="zh-CN" dirty="0"/>
+              <a:t>/</a:t>
+            </a:r>
+            <a:r>
+              <a:rPr lang="zh-CN" altLang="zh-CN" dirty="0"/>
+              <a:t>子系统设计</a:t>
+            </a:r>
+            <a:r>
+              <a:rPr lang="en-US" altLang="zh-CN" dirty="0"/>
+              <a:t>(</a:t>
+            </a:r>
+            <a:r>
+              <a:rPr lang="zh-CN" altLang="zh-CN" dirty="0"/>
+              <a:t>结构设计</a:t>
+            </a:r>
+            <a:r>
+              <a:rPr lang="en-US" altLang="zh-CN" dirty="0"/>
+              <a:t>)</a:t>
+            </a:r>
+            <a:r>
+              <a:rPr lang="zh-CN" altLang="zh-CN" dirty="0"/>
+              <a:t>说明》</a:t>
+            </a:r>
+            <a:r>
+              <a:rPr lang="en-US" altLang="zh-CN" dirty="0"/>
+              <a:t>(SSDD)</a:t>
+            </a:r>
+            <a:r>
+              <a:rPr lang="zh-CN" altLang="zh-CN" dirty="0"/>
+              <a:t>描述了系统或子系统的系统级或子系统级设计与体系结构设计。</a:t>
+            </a:r>
+            <a:r>
+              <a:rPr lang="en-US" altLang="zh-CN" dirty="0"/>
+              <a:t>SSDD</a:t>
+            </a:r>
+            <a:r>
+              <a:rPr lang="zh-CN" altLang="zh-CN" dirty="0"/>
+              <a:t>可能还要用《接口设计说明》</a:t>
+            </a:r>
+            <a:r>
+              <a:rPr lang="en-US" altLang="zh-CN" dirty="0"/>
+              <a:t>(IDD)</a:t>
+            </a:r>
+            <a:r>
+              <a:rPr lang="zh-CN" altLang="zh-CN" dirty="0"/>
+              <a:t>和《数据库</a:t>
+            </a:r>
+            <a:r>
+              <a:rPr lang="en-US" altLang="zh-CN" dirty="0"/>
+              <a:t>(</a:t>
+            </a:r>
+            <a:r>
+              <a:rPr lang="zh-CN" altLang="zh-CN" dirty="0"/>
+              <a:t>顶层</a:t>
+            </a:r>
+            <a:r>
+              <a:rPr lang="en-US" altLang="zh-CN" dirty="0"/>
+              <a:t>)</a:t>
+            </a:r>
+            <a:r>
+              <a:rPr lang="zh-CN" altLang="zh-CN" dirty="0"/>
+              <a:t>设计说明》</a:t>
+            </a:r>
+            <a:r>
+              <a:rPr lang="en-US" altLang="zh-CN" dirty="0"/>
+              <a:t>(DBDD)</a:t>
+            </a:r>
+            <a:r>
+              <a:rPr lang="zh-CN" altLang="zh-CN" dirty="0"/>
+              <a:t>加以补充。</a:t>
+            </a:r>
+          </a:p>
+          <a:p>
+            <a:r>
+              <a:rPr lang="en-US" altLang="zh-CN" dirty="0"/>
+              <a:t>2.SSDD</a:t>
+            </a:r>
+            <a:r>
+              <a:rPr lang="zh-CN" altLang="zh-CN" dirty="0"/>
+              <a:t>连同相关的</a:t>
+            </a:r>
+            <a:r>
+              <a:rPr lang="en-US" altLang="zh-CN" dirty="0"/>
+              <a:t>IDD</a:t>
+            </a:r>
+            <a:r>
+              <a:rPr lang="zh-CN" altLang="zh-CN" dirty="0"/>
+              <a:t>和</a:t>
+            </a:r>
+            <a:r>
+              <a:rPr lang="en-US" altLang="zh-CN" dirty="0"/>
+              <a:t>DBDD</a:t>
+            </a:r>
+            <a:r>
+              <a:rPr lang="zh-CN" altLang="zh-CN" dirty="0"/>
+              <a:t>是构成进一步系统实现的基础。贯穿本文的术语“系统，如果适用的话，也可解释为“子系统”。所形成的文档应冠名为“系统设计说明”或“子系统设计说明”</a:t>
+            </a:r>
+            <a:r>
+              <a:rPr lang="zh-CN" altLang="en-US" dirty="0"/>
+              <a:t>。</a:t>
+            </a:r>
+            <a:endParaRPr lang="zh-CN" altLang="zh-CN" dirty="0"/>
+          </a:p>
+        </p:txBody>
+      </p:sp>
+      <p:sp>
+        <p:nvSpPr>
+          <p:cNvPr id="299" name="文本框 5"/>
+          <p:cNvSpPr txBox="1"/>
+          <p:nvPr/>
+        </p:nvSpPr>
+        <p:spPr>
+          <a:xfrm>
+            <a:off x="1938139" y="2288543"/>
+            <a:ext cx="8315736" cy="646331"/>
+          </a:xfrm>
+          <a:prstGeom prst="rect">
+            <a:avLst/>
+          </a:prstGeom>
+          <a:ln w="12700">
+            <a:miter lim="400000"/>
+          </a:ln>
+          <a:extLst>
+            <a:ext uri="{C572A759-6A51-4108-AA02-DFA0A04FC94B}">
+              <ma14:wrappingTextBoxFlag xmlns:ma14="http://schemas.microsoft.com/office/mac/drawingml/2011/main" xmlns="" val="1"/>
+            </a:ext>
+          </a:extLst>
+        </p:spPr>
+        <p:txBody>
+          <a:bodyPr wrap="none" lIns="45719" rIns="45719">
+            <a:spAutoFit/>
+          </a:bodyPr>
+          <a:lstStyle>
+            <a:lvl1pPr algn="ctr">
+              <a:defRPr sz="3600" b="1">
+                <a:solidFill>
+                  <a:srgbClr val="3F403E"/>
+                </a:solidFill>
+                <a:latin typeface="微软雅黑"/>
+                <a:ea typeface="微软雅黑"/>
+                <a:cs typeface="微软雅黑"/>
+                <a:sym typeface="微软雅黑"/>
+              </a:defRPr>
+            </a:lvl1pPr>
+          </a:lstStyle>
+          <a:p>
+            <a:r>
+              <a:rPr lang="zh-CN" altLang="zh-CN" dirty="0"/>
+              <a:t>系统</a:t>
+            </a:r>
+            <a:r>
+              <a:rPr lang="en-US" altLang="zh-CN" dirty="0"/>
+              <a:t>/</a:t>
+            </a:r>
+            <a:r>
+              <a:rPr lang="zh-CN" altLang="zh-CN" dirty="0"/>
+              <a:t>子系统设计</a:t>
+            </a:r>
+            <a:r>
+              <a:rPr lang="en-US" altLang="zh-CN" dirty="0"/>
+              <a:t>(</a:t>
+            </a:r>
+            <a:r>
+              <a:rPr lang="zh-CN" altLang="zh-CN" dirty="0"/>
+              <a:t>结构设计</a:t>
+            </a:r>
+            <a:r>
+              <a:rPr lang="en-US" altLang="zh-CN" dirty="0"/>
+              <a:t>)</a:t>
+            </a:r>
+            <a:r>
+              <a:rPr lang="zh-CN" altLang="zh-CN" dirty="0"/>
+              <a:t>说明</a:t>
+            </a:r>
+            <a:r>
+              <a:rPr lang="en-US" altLang="zh-CN" dirty="0"/>
+              <a:t>(SSDD)</a:t>
+            </a:r>
+            <a:endParaRPr dirty="0"/>
+          </a:p>
+        </p:txBody>
+      </p:sp>
+      <p:sp>
+        <p:nvSpPr>
+          <p:cNvPr id="300" name="直接连接符 6"/>
+          <p:cNvSpPr/>
+          <p:nvPr/>
+        </p:nvSpPr>
+        <p:spPr>
+          <a:xfrm flipH="1" flipV="1">
+            <a:off x="4095991" y="3065335"/>
+            <a:ext cx="4000016" cy="1"/>
+          </a:xfrm>
+          <a:prstGeom prst="line">
+            <a:avLst/>
+          </a:prstGeom>
+          <a:ln w="6350">
+            <a:solidFill>
+              <a:srgbClr val="969F98">
+                <a:alpha val="50000"/>
+              </a:srgbClr>
+            </a:solidFill>
+            <a:miter/>
+          </a:ln>
+        </p:spPr>
+        <p:txBody>
+          <a:bodyPr lIns="45719" rIns="45719"/>
+          <a:lstStyle/>
+          <a:p>
+            <a:endParaRPr/>
+          </a:p>
+        </p:txBody>
+      </p:sp>
+      <p:pic>
+        <p:nvPicPr>
+          <p:cNvPr id="8" name="图片 7">
+            <a:extLst>
+              <a:ext uri="{FF2B5EF4-FFF2-40B4-BE49-F238E27FC236}">
+                <a16:creationId xmlns:a16="http://schemas.microsoft.com/office/drawing/2014/main" id="{1760666A-8C83-4EF2-B0D7-90C0F4534C1D}"/>
+              </a:ext>
+            </a:extLst>
+          </p:cNvPr>
+          <p:cNvPicPr>
+            <a:picLocks noChangeAspect="1"/>
+          </p:cNvPicPr>
+          <p:nvPr/>
+        </p:nvPicPr>
+        <p:blipFill>
+          <a:blip r:embed="rId2" cstate="print">
+            <a:extLst>
+              <a:ext uri="{28A0092B-C50C-407E-A947-70E740481C1C}">
+                <a14:useLocalDpi xmlns:a14="http://schemas.microsoft.com/office/drawing/2010/main" val="0"/>
+              </a:ext>
+            </a:extLst>
+          </a:blip>
+          <a:stretch>
+            <a:fillRect/>
+          </a:stretch>
+        </p:blipFill>
+        <p:spPr>
+          <a:xfrm>
+            <a:off x="0" y="0"/>
+            <a:ext cx="701608" cy="701608"/>
+          </a:xfrm>
+          <a:prstGeom prst="rect">
+            <a:avLst/>
+          </a:prstGeom>
+        </p:spPr>
+      </p:pic>
+    </p:spTree>
+    <p:extLst>
+      <p:ext uri="{BB962C8B-B14F-4D97-AF65-F5344CB8AC3E}">
+        <p14:creationId xmlns:p14="http://schemas.microsoft.com/office/powerpoint/2010/main" val="1399258288"/>
+      </p:ext>
+    </p:extLst>
+  </p:cSld>
+  <p:clrMapOvr>
+    <a:masterClrMapping/>
+  </p:clrMapOvr>
+  <mc:AlternateContent xmlns:mc="http://schemas.openxmlformats.org/markup-compatibility/2006" xmlns:p14="http://schemas.microsoft.com/office/powerpoint/2010/main">
+    <mc:Choice Requires="p14">
+      <p:transition spd="slow" p14:dur="1200" advClick="0" advTm="8000">
+        <p:push dir="u"/>
+      </p:transition>
+    </mc:Choice>
+    <mc:Fallback xmlns="">
+      <p:transition spd="slow">
+        <p:fade/>
+      </p:transition>
+    </mc:Fallback>
+  </mc:AlternateContent>
+  <p:timing>
+    <p:tnLst>
+      <p:par>
+        <p:cTn id="1" dur="indefinite" restart="never" fill="hold" nodeType="tmRoot">
+          <p:childTnLst>
+            <p:seq concurrent="1" prevAc="none" nextAc="seek">
+              <p:cTn id="2" dur="indefinite" fill="hold" nodeType="mainSeq">
+                <p:childTnLst>
+                  <p:par>
+                    <p:cTn id="3" fill="hold">
+                      <p:stCondLst>
+                        <p:cond delay="indefinite"/>
+                        <p:cond evt="onBegin" delay="0">
+                          <p:tn val="2"/>
+                        </p:cond>
+                      </p:stCondLst>
+                      <p:childTnLst>
+                        <p:par>
+                          <p:cTn id="4" fill="hold">
+                            <p:stCondLst>
+                              <p:cond delay="0"/>
+                            </p:stCondLst>
+                            <p:childTnLst>
+                              <p:par>
+                                <p:cTn id="5" presetID="2" presetClass="entr" presetSubtype="1" fill="hold" grpId="0" nodeType="afterEffect">
+                                  <p:stCondLst>
+                                    <p:cond delay="0"/>
+                                  </p:stCondLst>
+                                  <p:iterate>
+                                    <p:tmAbs val="0"/>
+                                  </p:iterate>
+                                  <p:childTnLst>
+                                    <p:set>
+                                      <p:cBhvr>
+                                        <p:cTn id="6" fill="hold"/>
+                                        <p:tgtEl>
+                                          <p:spTgt spid="296"/>
+                                        </p:tgtEl>
+                                        <p:attrNameLst>
+                                          <p:attrName>style.visibility</p:attrName>
+                                        </p:attrNameLst>
+                                      </p:cBhvr>
+                                      <p:to>
+                                        <p:strVal val="visible"/>
+                                      </p:to>
+                                    </p:set>
+                                    <p:anim calcmode="lin" valueType="num">
+                                      <p:cBhvr>
+                                        <p:cTn id="7" dur="1000" fill="hold"/>
+                                        <p:tgtEl>
+                                          <p:spTgt spid="296"/>
+                                        </p:tgtEl>
+                                        <p:attrNameLst>
+                                          <p:attrName>ppt_x</p:attrName>
+                                        </p:attrNameLst>
+                                      </p:cBhvr>
+                                      <p:tavLst>
+                                        <p:tav tm="0">
+                                          <p:val>
+                                            <p:strVal val="#ppt_x"/>
+                                          </p:val>
+                                        </p:tav>
+                                        <p:tav tm="100000">
+                                          <p:val>
+                                            <p:strVal val="#ppt_x"/>
+                                          </p:val>
+                                        </p:tav>
+                                      </p:tavLst>
+                                    </p:anim>
+                                    <p:anim calcmode="lin" valueType="num">
+                                      <p:cBhvr>
+                                        <p:cTn id="8" dur="1000" fill="hold"/>
+                                        <p:tgtEl>
+                                          <p:spTgt spid="296"/>
+                                        </p:tgtEl>
+                                        <p:attrNameLst>
+                                          <p:attrName>ppt_y</p:attrName>
+                                        </p:attrNameLst>
+                                      </p:cBhvr>
+                                      <p:tavLst>
+                                        <p:tav tm="0">
+                                          <p:val>
+                                            <p:strVal val="0-#ppt_h/2"/>
+                                          </p:val>
+                                        </p:tav>
+                                        <p:tav tm="100000">
+                                          <p:val>
+                                            <p:strVal val="#ppt_y"/>
+                                          </p:val>
+                                        </p:tav>
+                                      </p:tavLst>
+                                    </p:anim>
+                                  </p:childTnLst>
+                                </p:cTn>
+                              </p:par>
+                            </p:childTnLst>
+                          </p:cTn>
+                        </p:par>
+                        <p:par>
+                          <p:cTn id="9" fill="hold">
+                            <p:stCondLst>
+                              <p:cond delay="1000"/>
+                            </p:stCondLst>
+                            <p:childTnLst>
+                              <p:par>
+                                <p:cTn id="10" presetID="9" presetClass="entr" fill="hold" grpId="0" nodeType="afterEffect">
+                                  <p:stCondLst>
+                                    <p:cond delay="0"/>
+                                  </p:stCondLst>
+                                  <p:iterate>
+                                    <p:tmAbs val="0"/>
+                                  </p:iterate>
+                                  <p:childTnLst>
+                                    <p:set>
+                                      <p:cBhvr>
+                                        <p:cTn id="11" fill="hold"/>
+                                        <p:tgtEl>
+                                          <p:spTgt spid="295"/>
+                                        </p:tgtEl>
+                                        <p:attrNameLst>
+                                          <p:attrName>style.visibility</p:attrName>
+                                        </p:attrNameLst>
+                                      </p:cBhvr>
+                                      <p:to>
+                                        <p:strVal val="visible"/>
+                                      </p:to>
+                                    </p:set>
+                                    <p:animEffect transition="in" filter="dissolve">
+                                      <p:cBhvr>
+                                        <p:cTn id="12" dur="1000"/>
+                                        <p:tgtEl>
+                                          <p:spTgt spid="295"/>
+                                        </p:tgtEl>
+                                      </p:cBhvr>
+                                    </p:animEffect>
+                                  </p:childTnLst>
+                                </p:cTn>
+                              </p:par>
+                            </p:childTnLst>
+                          </p:cTn>
+                        </p:par>
+                        <p:par>
+                          <p:cTn id="13" fill="hold">
+                            <p:stCondLst>
+                              <p:cond delay="2000"/>
+                            </p:stCondLst>
+                            <p:childTnLst>
+                              <p:par>
+                                <p:cTn id="14" presetID="2" presetClass="entr" presetSubtype="4" fill="hold" grpId="0" nodeType="afterEffect">
+                                  <p:stCondLst>
+                                    <p:cond delay="0"/>
+                                  </p:stCondLst>
+                                  <p:iterate>
+                                    <p:tmAbs val="0"/>
+                                  </p:iterate>
+                                  <p:childTnLst>
+                                    <p:set>
+                                      <p:cBhvr>
+                                        <p:cTn id="15" fill="hold"/>
+                                        <p:tgtEl>
+                                          <p:spTgt spid="297"/>
+                                        </p:tgtEl>
+                                        <p:attrNameLst>
+                                          <p:attrName>style.visibility</p:attrName>
+                                        </p:attrNameLst>
+                                      </p:cBhvr>
+                                      <p:to>
+                                        <p:strVal val="visible"/>
+                                      </p:to>
+                                    </p:set>
+                                    <p:anim calcmode="lin" valueType="num">
+                                      <p:cBhvr>
+                                        <p:cTn id="16" dur="1000" fill="hold"/>
+                                        <p:tgtEl>
+                                          <p:spTgt spid="297"/>
+                                        </p:tgtEl>
+                                        <p:attrNameLst>
+                                          <p:attrName>ppt_x</p:attrName>
+                                        </p:attrNameLst>
+                                      </p:cBhvr>
+                                      <p:tavLst>
+                                        <p:tav tm="0">
+                                          <p:val>
+                                            <p:strVal val="#ppt_x"/>
+                                          </p:val>
+                                        </p:tav>
+                                        <p:tav tm="100000">
+                                          <p:val>
+                                            <p:strVal val="#ppt_x"/>
+                                          </p:val>
+                                        </p:tav>
+                                      </p:tavLst>
+                                    </p:anim>
+                                    <p:anim calcmode="lin" valueType="num">
+                                      <p:cBhvr>
+                                        <p:cTn id="17" dur="1000" fill="hold"/>
+                                        <p:tgtEl>
+                                          <p:spTgt spid="297"/>
+                                        </p:tgtEl>
+                                        <p:attrNameLst>
+                                          <p:attrName>ppt_y</p:attrName>
+                                        </p:attrNameLst>
+                                      </p:cBhvr>
+                                      <p:tavLst>
+                                        <p:tav tm="0">
+                                          <p:val>
+                                            <p:strVal val="1+#ppt_h/2"/>
+                                          </p:val>
+                                        </p:tav>
+                                        <p:tav tm="100000">
+                                          <p:val>
+                                            <p:strVal val="#ppt_y"/>
+                                          </p:val>
+                                        </p:tav>
+                                      </p:tavLst>
+                                    </p:anim>
+                                  </p:childTnLst>
+                                </p:cTn>
+                              </p:par>
+                            </p:childTnLst>
+                          </p:cTn>
+                        </p:par>
+                        <p:par>
+                          <p:cTn id="18" fill="hold">
+                            <p:stCondLst>
+                              <p:cond delay="3000"/>
+                            </p:stCondLst>
+                            <p:childTnLst>
+                              <p:par>
+                                <p:cTn id="19" presetID="9" presetClass="entr" fill="hold" grpId="0" nodeType="afterEffect">
+                                  <p:stCondLst>
+                                    <p:cond delay="0"/>
+                                  </p:stCondLst>
+                                  <p:iterate>
+                                    <p:tmAbs val="0"/>
+                                  </p:iterate>
+                                  <p:childTnLst>
+                                    <p:set>
+                                      <p:cBhvr>
+                                        <p:cTn id="20" fill="hold"/>
+                                        <p:tgtEl>
+                                          <p:spTgt spid="299"/>
+                                        </p:tgtEl>
+                                        <p:attrNameLst>
+                                          <p:attrName>style.visibility</p:attrName>
+                                        </p:attrNameLst>
+                                      </p:cBhvr>
+                                      <p:to>
+                                        <p:strVal val="visible"/>
+                                      </p:to>
+                                    </p:set>
+                                    <p:animEffect transition="in" filter="dissolve">
+                                      <p:cBhvr>
+                                        <p:cTn id="21" dur="500"/>
+                                        <p:tgtEl>
+                                          <p:spTgt spid="299"/>
+                                        </p:tgtEl>
+                                      </p:cBhvr>
+                                    </p:animEffect>
+                                  </p:childTnLst>
+                                </p:cTn>
+                              </p:par>
+                            </p:childTnLst>
+                          </p:cTn>
+                        </p:par>
+                        <p:par>
+                          <p:cTn id="22" fill="hold">
+                            <p:stCondLst>
+                              <p:cond delay="3500"/>
+                            </p:stCondLst>
+                            <p:childTnLst>
+                              <p:par>
+                                <p:cTn id="23" presetID="22" presetClass="entr" presetSubtype="8" fill="hold" grpId="0" nodeType="afterEffect">
+                                  <p:stCondLst>
+                                    <p:cond delay="0"/>
+                                  </p:stCondLst>
+                                  <p:iterate>
+                                    <p:tmAbs val="0"/>
+                                  </p:iterate>
+                                  <p:childTnLst>
+                                    <p:set>
+                                      <p:cBhvr>
+                                        <p:cTn id="24" fill="hold"/>
+                                        <p:tgtEl>
+                                          <p:spTgt spid="300"/>
+                                        </p:tgtEl>
+                                        <p:attrNameLst>
+                                          <p:attrName>style.visibility</p:attrName>
+                                        </p:attrNameLst>
+                                      </p:cBhvr>
+                                      <p:to>
+                                        <p:strVal val="visible"/>
+                                      </p:to>
+                                    </p:set>
+                                    <p:animEffect transition="in" filter="wipe(left)">
+                                      <p:cBhvr>
+                                        <p:cTn id="25" dur="500"/>
+                                        <p:tgtEl>
+                                          <p:spTgt spid="300"/>
+                                        </p:tgtEl>
+                                      </p:cBhvr>
+                                    </p:animEffect>
+                                  </p:childTnLst>
+                                </p:cTn>
+                              </p:par>
+                            </p:childTnLst>
+                          </p:cTn>
+                        </p:par>
+                        <p:par>
+                          <p:cTn id="26" fill="hold">
+                            <p:stCondLst>
+                              <p:cond delay="4000"/>
+                            </p:stCondLst>
+                            <p:childTnLst>
+                              <p:par>
+                                <p:cTn id="27" presetID="22" presetClass="entr" presetSubtype="1" fill="hold" grpId="0" nodeType="afterEffect">
+                                  <p:stCondLst>
+                                    <p:cond delay="0"/>
+                                  </p:stCondLst>
+                                  <p:iterate>
+                                    <p:tmAbs val="0"/>
+                                  </p:iterate>
+                                  <p:childTnLst>
+                                    <p:set>
+                                      <p:cBhvr>
+                                        <p:cTn id="28" fill="hold"/>
+                                        <p:tgtEl>
+                                          <p:spTgt spid="298"/>
+                                        </p:tgtEl>
+                                        <p:attrNameLst>
+                                          <p:attrName>style.visibility</p:attrName>
+                                        </p:attrNameLst>
+                                      </p:cBhvr>
+                                      <p:to>
+                                        <p:strVal val="visible"/>
+                                      </p:to>
+                                    </p:set>
+                                    <p:animEffect transition="in" filter="wipe(up)">
+                                      <p:cBhvr>
+                                        <p:cTn id="29" dur="1000"/>
+                                        <p:tgtEl>
+                                          <p:spTgt spid="298"/>
+                                        </p:tgtEl>
+                                      </p:cBhvr>
+                                    </p:animEffect>
+                                  </p:childTnLst>
+                                </p:cTn>
+                              </p:par>
+                              <p:par>
+                                <p:cTn id="30" presetID="10" presetClass="entr" presetSubtype="0" fill="hold" nodeType="withEffect">
+                                  <p:stCondLst>
+                                    <p:cond delay="0"/>
+                                  </p:stCondLst>
+                                  <p:childTnLst>
+                                    <p:set>
+                                      <p:cBhvr>
+                                        <p:cTn id="31" dur="1" fill="hold">
+                                          <p:stCondLst>
+                                            <p:cond delay="0"/>
+                                          </p:stCondLst>
+                                        </p:cTn>
+                                        <p:tgtEl>
+                                          <p:spTgt spid="8"/>
+                                        </p:tgtEl>
+                                        <p:attrNameLst>
+                                          <p:attrName>style.visibility</p:attrName>
+                                        </p:attrNameLst>
+                                      </p:cBhvr>
+                                      <p:to>
+                                        <p:strVal val="visible"/>
+                                      </p:to>
+                                    </p:set>
+                                    <p:animEffect transition="in" filter="fade">
+                                      <p:cBhvr>
+                                        <p:cTn id="32" dur="1000"/>
+                                        <p:tgtEl>
+                                          <p:spTgt spid="8"/>
+                                        </p:tgtEl>
+                                      </p:cBhvr>
+                                    </p:animEffect>
+                                  </p:childTnLst>
+                                </p:cTn>
+                              </p:par>
+                            </p:childTnLst>
+                          </p:cTn>
+                        </p:par>
+                      </p:childTnLst>
+                    </p:cTn>
+                  </p:par>
+                </p:childTnLst>
+              </p:cTn>
+              <p:prevCondLst>
+                <p:cond evt="onPrev" delay="0">
+                  <p:tgtEl>
+                    <p:sldTgt/>
+                  </p:tgtEl>
+                </p:cond>
+              </p:prevCondLst>
+              <p:nextCondLst>
+                <p:cond evt="onNext" delay="0">
+                  <p:tgtEl>
+                    <p:sldTgt/>
+                  </p:tgtEl>
+                </p:cond>
+              </p:nextCondLst>
+            </p:seq>
+          </p:childTnLst>
+        </p:cTn>
+      </p:par>
+    </p:tnLst>
+    <p:bldLst>
+      <p:bldP spid="295" grpId="0" animBg="1" advAuto="0"/>
+      <p:bldP spid="296" grpId="0" animBg="1" advAuto="0"/>
+      <p:bldP spid="297" grpId="0" animBg="1" advAuto="0"/>
+      <p:bldP spid="298" grpId="0" animBg="1" advAuto="0"/>
+      <p:bldP spid="299" grpId="0" animBg="1" advAuto="0"/>
+      <p:bldP spid="300" grpId="0" animBg="1" advAuto="0"/>
+    </p:bldLst>
+  </p:timing>
+</p:sld>
+</file>
+
+<file path=ppt/slides/slide40.xml><?xml version="1.0" encoding="utf-8"?>
+<p:sld xmlns:a="http://schemas.openxmlformats.org/drawingml/2006/main" xmlns:r="http://schemas.openxmlformats.org/officeDocument/2006/relationships" xmlns:p="http://schemas.openxmlformats.org/presentationml/2006/main">
+  <p:cSld>
+    <p:spTree>
+      <p:nvGrpSpPr>
+        <p:cNvPr id="1" name=""/>
+        <p:cNvGrpSpPr/>
+        <p:nvPr/>
+      </p:nvGrpSpPr>
+      <p:grpSpPr>
+        <a:xfrm>
+          <a:off x="0" y="0"/>
+          <a:ext cx="0" cy="0"/>
+          <a:chOff x="0" y="0"/>
+          <a:chExt cx="0" cy="0"/>
+        </a:xfrm>
+      </p:grpSpPr>
+      <p:pic>
+        <p:nvPicPr>
+          <p:cNvPr id="5" name="图片 4">
+            <a:extLst>
+              <a:ext uri="{FF2B5EF4-FFF2-40B4-BE49-F238E27FC236}">
+                <a16:creationId xmlns:a16="http://schemas.microsoft.com/office/drawing/2014/main" id="{1642D9C5-9879-4F0B-A1DF-1C627CF82CD1}"/>
+              </a:ext>
+            </a:extLst>
+          </p:cNvPr>
+          <p:cNvPicPr>
+            <a:picLocks noChangeAspect="1"/>
+          </p:cNvPicPr>
+          <p:nvPr/>
+        </p:nvPicPr>
+        <p:blipFill>
+          <a:blip r:embed="rId2" cstate="print">
+            <a:extLst>
+              <a:ext uri="{28A0092B-C50C-407E-A947-70E740481C1C}">
+                <a14:useLocalDpi xmlns:a14="http://schemas.microsoft.com/office/drawing/2010/main" val="0"/>
+              </a:ext>
+            </a:extLst>
+          </a:blip>
+          <a:stretch>
+            <a:fillRect/>
+          </a:stretch>
+        </p:blipFill>
+        <p:spPr>
+          <a:xfrm>
+            <a:off x="0" y="0"/>
+            <a:ext cx="701608" cy="701608"/>
+          </a:xfrm>
+          <a:prstGeom prst="rect">
+            <a:avLst/>
+          </a:prstGeom>
+        </p:spPr>
+      </p:pic>
+      <p:pic>
+        <p:nvPicPr>
+          <p:cNvPr id="3" name="图片 2"/>
+          <p:cNvPicPr>
+            <a:picLocks noChangeAspect="1"/>
+          </p:cNvPicPr>
+          <p:nvPr/>
+        </p:nvPicPr>
+        <p:blipFill>
+          <a:blip r:embed="rId3">
+            <a:extLst>
+              <a:ext uri="{28A0092B-C50C-407E-A947-70E740481C1C}">
+                <a14:useLocalDpi xmlns:a14="http://schemas.microsoft.com/office/drawing/2010/main" val="0"/>
+              </a:ext>
+            </a:extLst>
+          </a:blip>
+          <a:stretch>
+            <a:fillRect/>
+          </a:stretch>
+        </p:blipFill>
+        <p:spPr>
+          <a:xfrm>
+            <a:off x="2466975" y="2605087"/>
+            <a:ext cx="7258050" cy="1647825"/>
+          </a:xfrm>
+          <a:prstGeom prst="rect">
+            <a:avLst/>
+          </a:prstGeom>
+        </p:spPr>
+      </p:pic>
+    </p:spTree>
+    <p:extLst>
+      <p:ext uri="{BB962C8B-B14F-4D97-AF65-F5344CB8AC3E}">
+        <p14:creationId xmlns:p14="http://schemas.microsoft.com/office/powerpoint/2010/main" val="3717145476"/>
+      </p:ext>
+    </p:extLst>
+  </p:cSld>
+  <p:clrMapOvr>
+    <a:masterClrMapping/>
+  </p:clrMapOvr>
+  <p:transition spd="med"/>
+  <p:timing>
+    <p:tnLst>
+      <p:par>
+        <p:cTn id="1" dur="indefinite" restart="never" nodeType="tmRoot">
+          <p:childTnLst>
+            <p:seq concurrent="1" nextAc="seek">
+              <p:cTn id="2" dur="indefinite" nodeType="mainSeq">
+                <p:childTnLst>
+                  <p:par>
+                    <p:cTn id="3" fill="hold">
+                      <p:stCondLst>
+                        <p:cond delay="indefinite"/>
+                        <p:cond evt="onBegin" delay="0">
+                          <p:tn val="2"/>
+                        </p:cond>
+                      </p:stCondLst>
+                      <p:childTnLst>
+                        <p:par>
+                          <p:cTn id="4" fill="hold">
+                            <p:stCondLst>
+                              <p:cond delay="0"/>
+                            </p:stCondLst>
+                            <p:childTnLst>
+                              <p:par>
+                                <p:cTn id="5" presetID="10" presetClass="entr" presetSubtype="0" fill="hold" nodeType="withEffect">
+                                  <p:stCondLst>
+                                    <p:cond delay="0"/>
+                                  </p:stCondLst>
+                                  <p:childTnLst>
+                                    <p:set>
+                                      <p:cBhvr>
+                                        <p:cTn id="6" dur="1" fill="hold">
+                                          <p:stCondLst>
+                                            <p:cond delay="0"/>
+                                          </p:stCondLst>
+                                        </p:cTn>
+                                        <p:tgtEl>
+                                          <p:spTgt spid="5"/>
+                                        </p:tgtEl>
+                                        <p:attrNameLst>
+                                          <p:attrName>style.visibility</p:attrName>
+                                        </p:attrNameLst>
+                                      </p:cBhvr>
+                                      <p:to>
+                                        <p:strVal val="visible"/>
+                                      </p:to>
+                                    </p:set>
+                                    <p:animEffect transition="in" filter="fade">
+                                      <p:cBhvr>
+                                        <p:cTn id="7" dur="1000"/>
+                                        <p:tgtEl>
+                                          <p:spTgt spid="5"/>
+                                        </p:tgtEl>
+                                      </p:cBhvr>
+                                    </p:animEffect>
+                                  </p:childTnLst>
+                                </p:cTn>
+                              </p:par>
+                            </p:childTnLst>
+                          </p:cTn>
+                        </p:par>
+                      </p:childTnLst>
+                    </p:cTn>
+                  </p:par>
+                </p:childTnLst>
+              </p:cTn>
+              <p:prevCondLst>
+                <p:cond evt="onPrev" delay="0">
+                  <p:tgtEl>
+                    <p:sldTgt/>
+                  </p:tgtEl>
+                </p:cond>
+              </p:prevCondLst>
+              <p:nextCondLst>
+                <p:cond evt="onNext" delay="0">
+                  <p:tgtEl>
+                    <p:sldTgt/>
+                  </p:tgtEl>
+                </p:cond>
+              </p:nextCondLst>
+            </p:seq>
+          </p:childTnLst>
+        </p:cTn>
+      </p:par>
+    </p:tnLst>
+  </p:timing>
+</p:sld>
+</file>
+
+<file path=ppt/slides/slide41.xml><?xml version="1.0" encoding="utf-8"?>
 <p:sld xmlns:a="http://schemas.openxmlformats.org/drawingml/2006/main" xmlns:r="http://schemas.openxmlformats.org/officeDocument/2006/relationships" xmlns:p="http://schemas.openxmlformats.org/presentationml/2006/main">
   <p:cSld>
     <p:spTree>
@@ -28250,7 +31540,7 @@
           </a:ln>
           <a:extLst>
             <a:ext uri="{C572A759-6A51-4108-AA02-DFA0A04FC94B}">
-              <ma14:wrappingTextBoxFlag xmlns="" xmlns:ma14="http://schemas.microsoft.com/office/mac/drawingml/2011/main" val="1"/>
+              <ma14:wrappingTextBoxFlag xmlns:ma14="http://schemas.microsoft.com/office/mac/drawingml/2011/main" xmlns="" val="1"/>
             </a:ext>
           </a:extLst>
         </p:spPr>
@@ -28299,7 +31589,7 @@
           </a:ln>
           <a:extLst>
             <a:ext uri="{C572A759-6A51-4108-AA02-DFA0A04FC94B}">
-              <ma14:wrappingTextBoxFlag xmlns="" xmlns:ma14="http://schemas.microsoft.com/office/mac/drawingml/2011/main" val="1"/>
+              <ma14:wrappingTextBoxFlag xmlns:ma14="http://schemas.microsoft.com/office/mac/drawingml/2011/main" xmlns="" val="1"/>
             </a:ext>
           </a:extLst>
         </p:spPr>
@@ -28731,7 +32021,7 @@
 </p:sld>
 </file>
 
-<file path=ppt/slides/slide38.xml><?xml version="1.0" encoding="utf-8"?>
+<file path=ppt/slides/slide42.xml><?xml version="1.0" encoding="utf-8"?>
 <p:sld xmlns:a="http://schemas.openxmlformats.org/drawingml/2006/main" xmlns:r="http://schemas.openxmlformats.org/officeDocument/2006/relationships" xmlns:p="http://schemas.openxmlformats.org/presentationml/2006/main">
   <p:cSld>
     <p:spTree>
@@ -28793,7 +32083,7 @@
           <p:nvPr>
             <p:extLst>
               <p:ext uri="{D42A27DB-BD31-4B8C-83A1-F6EECF244321}">
-                <p14:modId xmlns:p14="http://schemas.microsoft.com/office/powerpoint/2010/main" val="1390996551"/>
+                <p14:modId xmlns:p14="http://schemas.microsoft.com/office/powerpoint/2010/main" val="894044144"/>
               </p:ext>
             </p:extLst>
           </p:nvPr>
@@ -28806,12 +32096,12 @@
           <a:graphicData uri="http://schemas.openxmlformats.org/presentationml/2006/ole">
             <mc:AlternateContent xmlns:mc="http://schemas.openxmlformats.org/markup-compatibility/2006">
               <mc:Choice xmlns:v="urn:schemas-microsoft-com:vml" Requires="v">
-                <p:oleObj spid="_x0000_s19473" name="工作表" r:id="rId4" imgW="7286492" imgH="3267322" progId="Excel.Sheet.12">
+                <p:oleObj spid="_x0000_s19481" name="工作表" r:id="rId4" imgW="7286657" imgH="3266939" progId="Excel.Sheet.12">
                   <p:link updateAutomatic="1"/>
                 </p:oleObj>
               </mc:Choice>
               <mc:Fallback>
-                <p:oleObj name="工作表" r:id="rId4" imgW="7286492" imgH="3267322" progId="Excel.Sheet.12">
+                <p:oleObj name="工作表" r:id="rId4" imgW="7286657" imgH="3266939" progId="Excel.Sheet.12">
                   <p:link updateAutomatic="1"/>
                   <p:pic>
                     <p:nvPicPr>
@@ -28941,7 +32231,7 @@
 </p:sld>
 </file>
 
-<file path=ppt/slides/slide39.xml><?xml version="1.0" encoding="utf-8"?>
+<file path=ppt/slides/slide43.xml><?xml version="1.0" encoding="utf-8"?>
 <p:sld xmlns:a="http://schemas.openxmlformats.org/drawingml/2006/main" xmlns:r="http://schemas.openxmlformats.org/officeDocument/2006/relationships" xmlns:p="http://schemas.openxmlformats.org/presentationml/2006/main">
   <p:cSld>
     <p:spTree>
@@ -29003,7 +32293,7 @@
           <p:nvPr>
             <p:extLst>
               <p:ext uri="{D42A27DB-BD31-4B8C-83A1-F6EECF244321}">
-                <p14:modId xmlns:p14="http://schemas.microsoft.com/office/powerpoint/2010/main" val="3815643257"/>
+                <p14:modId xmlns:p14="http://schemas.microsoft.com/office/powerpoint/2010/main" val="2775104653"/>
               </p:ext>
             </p:extLst>
           </p:nvPr>
@@ -29016,12 +32306,12 @@
           <a:graphicData uri="http://schemas.openxmlformats.org/presentationml/2006/ole">
             <mc:AlternateContent xmlns:mc="http://schemas.openxmlformats.org/markup-compatibility/2006">
               <mc:Choice xmlns:v="urn:schemas-microsoft-com:vml" Requires="v">
-                <p:oleObj spid="_x0000_s20484" name="工作表" r:id="rId4" imgW="7286492" imgH="3267322" progId="Excel.Sheet.12">
+                <p:oleObj spid="_x0000_s20492" name="工作表" r:id="rId4" imgW="7286657" imgH="3266939" progId="Excel.Sheet.12">
                   <p:link updateAutomatic="1"/>
                 </p:oleObj>
               </mc:Choice>
               <mc:Fallback>
-                <p:oleObj name="工作表" r:id="rId4" imgW="7286492" imgH="3267322" progId="Excel.Sheet.12">
+                <p:oleObj name="工作表" r:id="rId4" imgW="7286657" imgH="3266939" progId="Excel.Sheet.12">
                   <p:link updateAutomatic="1"/>
                   <p:pic>
                     <p:nvPicPr>
@@ -29151,7 +32441,7 @@
 </p:sld>
 </file>
 
-<file path=ppt/slides/slide4.xml><?xml version="1.0" encoding="utf-8"?>
+<file path=ppt/slides/slide44.xml><?xml version="1.0" encoding="utf-8"?>
 <p:sld xmlns:a="http://schemas.openxmlformats.org/drawingml/2006/main" xmlns:r="http://schemas.openxmlformats.org/officeDocument/2006/relationships" xmlns:p="http://schemas.openxmlformats.org/presentationml/2006/main">
   <p:cSld>
     <p:spTree>
@@ -29168,397 +32458,9 @@
           <a:chExt cx="0" cy="0"/>
         </a:xfrm>
       </p:grpSpPr>
-      <p:sp>
-        <p:nvSpPr>
-          <p:cNvPr id="295" name="矩形 9"/>
-          <p:cNvSpPr/>
-          <p:nvPr/>
-        </p:nvSpPr>
-        <p:spPr>
-          <a:xfrm>
-            <a:off x="1277957" y="1094341"/>
-            <a:ext cx="9636084" cy="4702368"/>
-          </a:xfrm>
-          <a:prstGeom prst="rect">
-            <a:avLst/>
-          </a:prstGeom>
-          <a:ln w="25400">
-            <a:solidFill>
-              <a:srgbClr val="3F403E"/>
-            </a:solidFill>
-            <a:miter/>
-          </a:ln>
-        </p:spPr>
-        <p:txBody>
-          <a:bodyPr lIns="45719" rIns="45719" anchor="ctr"/>
-          <a:lstStyle/>
-          <a:p>
-            <a:pPr algn="ctr">
-              <a:defRPr>
-                <a:solidFill>
-                  <a:srgbClr val="FFFFFF"/>
-                </a:solidFill>
-              </a:defRPr>
-            </a:pPr>
-            <a:endParaRPr/>
-          </a:p>
-        </p:txBody>
-      </p:sp>
-      <p:sp>
-        <p:nvSpPr>
-          <p:cNvPr id="296" name="矩形 1"/>
-          <p:cNvSpPr/>
-          <p:nvPr/>
-        </p:nvSpPr>
-        <p:spPr>
-          <a:xfrm>
-            <a:off x="3742063" y="0"/>
-            <a:ext cx="4707874" cy="6858000"/>
-          </a:xfrm>
-          <a:prstGeom prst="rect">
-            <a:avLst/>
-          </a:prstGeom>
-          <a:solidFill>
-            <a:srgbClr val="F9B359"/>
-          </a:solidFill>
-          <a:ln w="12700">
-            <a:miter lim="400000"/>
-          </a:ln>
-          <a:effectLst>
-            <a:outerShdw blurRad="127000" rotWithShape="0">
-              <a:srgbClr val="D5D7D5">
-                <a:alpha val="40000"/>
-              </a:srgbClr>
-            </a:outerShdw>
-          </a:effectLst>
-        </p:spPr>
-        <p:txBody>
-          <a:bodyPr lIns="45719" rIns="45719" anchor="ctr"/>
-          <a:lstStyle/>
-          <a:p>
-            <a:pPr algn="ctr">
-              <a:defRPr>
-                <a:solidFill>
-                  <a:srgbClr val="FFFFFF"/>
-                </a:solidFill>
-              </a:defRPr>
-            </a:pPr>
-            <a:endParaRPr/>
-          </a:p>
-        </p:txBody>
-      </p:sp>
-      <p:sp>
-        <p:nvSpPr>
-          <p:cNvPr id="297" name="矩形 2"/>
-          <p:cNvSpPr/>
-          <p:nvPr/>
-        </p:nvSpPr>
-        <p:spPr>
-          <a:xfrm>
-            <a:off x="1836144" y="1652529"/>
-            <a:ext cx="8519712" cy="3585991"/>
-          </a:xfrm>
-          <a:prstGeom prst="rect">
-            <a:avLst/>
-          </a:prstGeom>
-          <a:solidFill>
-            <a:srgbClr val="FCFCFD"/>
-          </a:solidFill>
-          <a:ln w="12700">
-            <a:miter lim="400000"/>
-          </a:ln>
-          <a:effectLst>
-            <a:outerShdw blurRad="254000" dist="38100" dir="5400000" rotWithShape="0">
-              <a:srgbClr val="969F98">
-                <a:alpha val="20000"/>
-              </a:srgbClr>
-            </a:outerShdw>
-          </a:effectLst>
-        </p:spPr>
-        <p:txBody>
-          <a:bodyPr lIns="45719" rIns="45719" anchor="ctr"/>
-          <a:lstStyle/>
-          <a:p>
-            <a:pPr algn="ctr">
-              <a:defRPr>
-                <a:solidFill>
-                  <a:srgbClr val="FFFFFF"/>
-                </a:solidFill>
-              </a:defRPr>
-            </a:pPr>
-            <a:endParaRPr/>
-          </a:p>
-        </p:txBody>
-      </p:sp>
-      <p:sp>
-        <p:nvSpPr>
-          <p:cNvPr id="298" name="文本框 4"/>
-          <p:cNvSpPr txBox="1"/>
-          <p:nvPr/>
-        </p:nvSpPr>
-        <p:spPr>
-          <a:xfrm>
-            <a:off x="2508173" y="3220586"/>
-            <a:ext cx="7175654" cy="2060372"/>
-          </a:xfrm>
-          <a:prstGeom prst="rect">
-            <a:avLst/>
-          </a:prstGeom>
-          <a:ln w="12700">
-            <a:miter lim="400000"/>
-          </a:ln>
-          <a:extLst>
-            <a:ext uri="{C572A759-6A51-4108-AA02-DFA0A04FC94B}">
-              <ma14:wrappingTextBoxFlag xmlns="" xmlns:ma14="http://schemas.microsoft.com/office/mac/drawingml/2011/main" val="1"/>
-            </a:ext>
-          </a:extLst>
-        </p:spPr>
-        <p:txBody>
-          <a:bodyPr lIns="45719" rIns="45719">
-            <a:spAutoFit/>
-          </a:bodyPr>
-          <a:lstStyle>
-            <a:lvl1pPr algn="ctr">
-              <a:lnSpc>
-                <a:spcPct val="120000"/>
-              </a:lnSpc>
-              <a:defRPr>
-                <a:solidFill>
-                  <a:srgbClr val="3F403E"/>
-                </a:solidFill>
-                <a:latin typeface="微软雅黑 Light"/>
-                <a:ea typeface="微软雅黑 Light"/>
-                <a:cs typeface="微软雅黑 Light"/>
-                <a:sym typeface="微软雅黑 Light"/>
-              </a:defRPr>
-            </a:lvl1pPr>
-          </a:lstStyle>
-          <a:p>
-            <a:r>
-              <a:rPr lang="en-US" altLang="zh-CN" dirty="0"/>
-              <a:t>1.</a:t>
-            </a:r>
-            <a:r>
-              <a:rPr lang="zh-CN" altLang="zh-CN" dirty="0"/>
-              <a:t>《系统</a:t>
-            </a:r>
-            <a:r>
-              <a:rPr lang="en-US" altLang="zh-CN" dirty="0"/>
-              <a:t>/</a:t>
-            </a:r>
-            <a:r>
-              <a:rPr lang="zh-CN" altLang="zh-CN" dirty="0"/>
-              <a:t>子系统设计</a:t>
-            </a:r>
-            <a:r>
-              <a:rPr lang="en-US" altLang="zh-CN" dirty="0"/>
-              <a:t>(</a:t>
-            </a:r>
-            <a:r>
-              <a:rPr lang="zh-CN" altLang="zh-CN" dirty="0"/>
-              <a:t>结构设计</a:t>
-            </a:r>
-            <a:r>
-              <a:rPr lang="en-US" altLang="zh-CN" dirty="0"/>
-              <a:t>)</a:t>
-            </a:r>
-            <a:r>
-              <a:rPr lang="zh-CN" altLang="zh-CN" dirty="0"/>
-              <a:t>说明》</a:t>
-            </a:r>
-            <a:r>
-              <a:rPr lang="en-US" altLang="zh-CN" dirty="0"/>
-              <a:t>(SSDD)</a:t>
-            </a:r>
-            <a:r>
-              <a:rPr lang="zh-CN" altLang="zh-CN" dirty="0"/>
-              <a:t>描述了系统或子系统的系统级或子系统级设计与体系结构设计。</a:t>
-            </a:r>
-            <a:r>
-              <a:rPr lang="en-US" altLang="zh-CN" dirty="0"/>
-              <a:t>SSDD</a:t>
-            </a:r>
-            <a:r>
-              <a:rPr lang="zh-CN" altLang="zh-CN" dirty="0"/>
-              <a:t>可能还要用《接口设计说明》</a:t>
-            </a:r>
-            <a:r>
-              <a:rPr lang="en-US" altLang="zh-CN" dirty="0"/>
-              <a:t>(IDD)</a:t>
-            </a:r>
-            <a:r>
-              <a:rPr lang="zh-CN" altLang="zh-CN" dirty="0"/>
-              <a:t>和《数据库</a:t>
-            </a:r>
-            <a:r>
-              <a:rPr lang="en-US" altLang="zh-CN" dirty="0"/>
-              <a:t>(</a:t>
-            </a:r>
-            <a:r>
-              <a:rPr lang="zh-CN" altLang="zh-CN" dirty="0"/>
-              <a:t>顶层</a:t>
-            </a:r>
-            <a:r>
-              <a:rPr lang="en-US" altLang="zh-CN" dirty="0"/>
-              <a:t>)</a:t>
-            </a:r>
-            <a:r>
-              <a:rPr lang="zh-CN" altLang="zh-CN" dirty="0"/>
-              <a:t>设计说明》</a:t>
-            </a:r>
-            <a:r>
-              <a:rPr lang="en-US" altLang="zh-CN" dirty="0"/>
-              <a:t>(DBDD)</a:t>
-            </a:r>
-            <a:r>
-              <a:rPr lang="zh-CN" altLang="zh-CN" dirty="0"/>
-              <a:t>加以补充。</a:t>
-            </a:r>
-          </a:p>
-          <a:p>
-            <a:r>
-              <a:rPr lang="en-US" altLang="zh-CN" dirty="0"/>
-              <a:t>2.SSDD</a:t>
-            </a:r>
-            <a:r>
-              <a:rPr lang="zh-CN" altLang="zh-CN" dirty="0"/>
-              <a:t>连同相关的</a:t>
-            </a:r>
-            <a:r>
-              <a:rPr lang="en-US" altLang="zh-CN" dirty="0"/>
-              <a:t>IDD</a:t>
-            </a:r>
-            <a:r>
-              <a:rPr lang="zh-CN" altLang="zh-CN" dirty="0"/>
-              <a:t>和</a:t>
-            </a:r>
-            <a:r>
-              <a:rPr lang="en-US" altLang="zh-CN" dirty="0"/>
-              <a:t>DBDD</a:t>
-            </a:r>
-            <a:r>
-              <a:rPr lang="zh-CN" altLang="zh-CN" dirty="0"/>
-              <a:t>是构成进一步系统实现的基础。贯穿本文的术语“系统，如果适用的话，也可解释为“子系统”。所形成的文档应冠名为“系统设计说明”或“子系统设计说明”</a:t>
-            </a:r>
-            <a:r>
-              <a:rPr lang="zh-CN" altLang="en-US" dirty="0"/>
-              <a:t>。</a:t>
-            </a:r>
-            <a:endParaRPr lang="zh-CN" altLang="zh-CN" dirty="0"/>
-          </a:p>
-        </p:txBody>
-      </p:sp>
-      <p:sp>
-        <p:nvSpPr>
-          <p:cNvPr id="299" name="文本框 5"/>
-          <p:cNvSpPr txBox="1"/>
-          <p:nvPr/>
-        </p:nvSpPr>
-        <p:spPr>
-          <a:xfrm>
-            <a:off x="1938139" y="2288543"/>
-            <a:ext cx="8315736" cy="646331"/>
-          </a:xfrm>
-          <a:prstGeom prst="rect">
-            <a:avLst/>
-          </a:prstGeom>
-          <a:ln w="12700">
-            <a:miter lim="400000"/>
-          </a:ln>
-          <a:extLst>
-            <a:ext uri="{C572A759-6A51-4108-AA02-DFA0A04FC94B}">
-              <ma14:wrappingTextBoxFlag xmlns="" xmlns:ma14="http://schemas.microsoft.com/office/mac/drawingml/2011/main" val="1"/>
-            </a:ext>
-          </a:extLst>
-        </p:spPr>
-        <p:txBody>
-          <a:bodyPr wrap="none" lIns="45719" rIns="45719">
-            <a:spAutoFit/>
-          </a:bodyPr>
-          <a:lstStyle>
-            <a:lvl1pPr algn="ctr">
-              <a:defRPr sz="3600" b="1">
-                <a:solidFill>
-                  <a:srgbClr val="3F403E"/>
-                </a:solidFill>
-                <a:latin typeface="微软雅黑"/>
-                <a:ea typeface="微软雅黑"/>
-                <a:cs typeface="微软雅黑"/>
-                <a:sym typeface="微软雅黑"/>
-              </a:defRPr>
-            </a:lvl1pPr>
-          </a:lstStyle>
-          <a:p>
-            <a:r>
-              <a:rPr lang="zh-CN" altLang="zh-CN" dirty="0"/>
-              <a:t>系统</a:t>
-            </a:r>
-            <a:r>
-              <a:rPr lang="en-US" altLang="zh-CN" dirty="0"/>
-              <a:t>/</a:t>
-            </a:r>
-            <a:r>
-              <a:rPr lang="zh-CN" altLang="zh-CN" dirty="0"/>
-              <a:t>子系统设计</a:t>
-            </a:r>
-            <a:r>
-              <a:rPr lang="en-US" altLang="zh-CN" dirty="0"/>
-              <a:t>(</a:t>
-            </a:r>
-            <a:r>
-              <a:rPr lang="zh-CN" altLang="zh-CN" dirty="0"/>
-              <a:t>结构设计</a:t>
-            </a:r>
-            <a:r>
-              <a:rPr lang="en-US" altLang="zh-CN" dirty="0"/>
-              <a:t>)</a:t>
-            </a:r>
-            <a:r>
-              <a:rPr lang="zh-CN" altLang="zh-CN" dirty="0"/>
-              <a:t>说明</a:t>
-            </a:r>
-            <a:r>
-              <a:rPr lang="en-US" altLang="zh-CN" dirty="0"/>
-              <a:t>(SSDD)</a:t>
-            </a:r>
-            <a:endParaRPr dirty="0"/>
-          </a:p>
-        </p:txBody>
-      </p:sp>
-      <p:sp>
-        <p:nvSpPr>
-          <p:cNvPr id="300" name="直接连接符 6"/>
-          <p:cNvSpPr/>
-          <p:nvPr/>
-        </p:nvSpPr>
-        <p:spPr>
-          <a:xfrm flipH="1" flipV="1">
-            <a:off x="4095991" y="3065335"/>
-            <a:ext cx="4000016" cy="1"/>
-          </a:xfrm>
-          <a:prstGeom prst="line">
-            <a:avLst/>
-          </a:prstGeom>
-          <a:ln w="6350">
-            <a:solidFill>
-              <a:srgbClr val="969F98">
-                <a:alpha val="50000"/>
-              </a:srgbClr>
-            </a:solidFill>
-            <a:miter/>
-          </a:ln>
-        </p:spPr>
-        <p:txBody>
-          <a:bodyPr lIns="45719" rIns="45719"/>
-          <a:lstStyle/>
-          <a:p>
-            <a:endParaRPr/>
-          </a:p>
-        </p:txBody>
-      </p:sp>
       <p:pic>
         <p:nvPicPr>
-          <p:cNvPr id="8" name="图片 7">
+          <p:cNvPr id="3" name="图片 2">
             <a:extLst>
               <a:ext uri="{FF2B5EF4-FFF2-40B4-BE49-F238E27FC236}">
                 <a16:creationId xmlns:a16="http://schemas.microsoft.com/office/drawing/2014/main" id="{1760666A-8C83-4EF2-B0D7-90C0F4534C1D}"/>
@@ -29571,7 +32473,7 @@
           <p:nvPr/>
         </p:nvPicPr>
         <p:blipFill>
-          <a:blip r:embed="rId2" cstate="print">
+          <a:blip r:embed="rId3" cstate="print">
             <a:extLst>
               <a:ext uri="{28A0092B-C50C-407E-A947-70E740481C1C}">
                 <a14:useLocalDpi xmlns:a14="http://schemas.microsoft.com/office/drawing/2010/main" val="0"/>
@@ -29592,35 +32494,81 @@
           </a:prstGeom>
         </p:spPr>
       </p:pic>
+      <p:graphicFrame>
+        <p:nvGraphicFramePr>
+          <p:cNvPr id="4" name="对象 3"/>
+          <p:cNvGraphicFramePr>
+            <a:graphicFrameLocks noChangeAspect="1"/>
+          </p:cNvGraphicFramePr>
+          <p:nvPr>
+            <p:extLst>
+              <p:ext uri="{D42A27DB-BD31-4B8C-83A1-F6EECF244321}">
+                <p14:modId xmlns:p14="http://schemas.microsoft.com/office/powerpoint/2010/main" val="3724686076"/>
+              </p:ext>
+            </p:extLst>
+          </p:nvPr>
+        </p:nvGraphicFramePr>
+        <p:xfrm>
+          <a:off x="926592" y="1783017"/>
+          <a:ext cx="10084521" cy="3269230"/>
+        </p:xfrm>
+        <a:graphic>
+          <a:graphicData uri="http://schemas.openxmlformats.org/presentationml/2006/ole">
+            <mc:AlternateContent xmlns:mc="http://schemas.openxmlformats.org/markup-compatibility/2006">
+              <mc:Choice xmlns:v="urn:schemas-microsoft-com:vml" Requires="v">
+                <p:oleObj spid="_x0000_s24582" name="工作表" r:id="rId4" imgW="7286657" imgH="2362336" progId="Excel.Sheet.12">
+                  <p:link updateAutomatic="1"/>
+                </p:oleObj>
+              </mc:Choice>
+              <mc:Fallback>
+                <p:oleObj name="工作表" r:id="rId4" imgW="7286657" imgH="2362336" progId="Excel.Sheet.12">
+                  <p:link updateAutomatic="1"/>
+                  <p:pic>
+                    <p:nvPicPr>
+                      <p:cNvPr id="0" name=""/>
+                      <p:cNvPicPr/>
+                      <p:nvPr/>
+                    </p:nvPicPr>
+                    <p:blipFill>
+                      <a:blip r:embed="rId5"/>
+                      <a:stretch>
+                        <a:fillRect/>
+                      </a:stretch>
+                    </p:blipFill>
+                    <p:spPr>
+                      <a:xfrm>
+                        <a:off x="926592" y="1783017"/>
+                        <a:ext cx="10084521" cy="3269230"/>
+                      </a:xfrm>
+                      <a:prstGeom prst="rect">
+                        <a:avLst/>
+                      </a:prstGeom>
+                    </p:spPr>
+                  </p:pic>
+                </p:oleObj>
+              </mc:Fallback>
+            </mc:AlternateContent>
+          </a:graphicData>
+        </a:graphic>
+      </p:graphicFrame>
     </p:spTree>
     <p:extLst>
       <p:ext uri="{BB962C8B-B14F-4D97-AF65-F5344CB8AC3E}">
-        <p14:creationId xmlns:p14="http://schemas.microsoft.com/office/powerpoint/2010/main" val="1399258288"/>
+        <p14:creationId xmlns:p14="http://schemas.microsoft.com/office/powerpoint/2010/main" val="58848457"/>
       </p:ext>
     </p:extLst>
   </p:cSld>
   <p:clrMapOvr>
     <a:masterClrMapping/>
   </p:clrMapOvr>
-  <mc:AlternateContent xmlns:mc="http://schemas.openxmlformats.org/markup-compatibility/2006" xmlns:p14="http://schemas.microsoft.com/office/powerpoint/2010/main">
-    <mc:Choice Requires="p14">
-      <p:transition spd="slow" p14:dur="1200" advClick="0" advTm="8000">
-        <p:push dir="u"/>
-      </p:transition>
-    </mc:Choice>
-    <mc:Fallback xmlns="">
-      <p:transition spd="slow">
-        <p:fade/>
-      </p:transition>
-    </mc:Fallback>
-  </mc:AlternateContent>
+  <p:transition spd="med"/>
   <p:timing>
     <p:tnLst>
       <p:par>
-        <p:cTn id="1" dur="indefinite" restart="never" fill="hold" nodeType="tmRoot">
+        <p:cTn id="1" dur="indefinite" restart="never" nodeType="tmRoot">
           <p:childTnLst>
-            <p:seq concurrent="1" prevAc="none" nextAc="seek">
-              <p:cTn id="2" dur="indefinite" fill="hold" nodeType="mainSeq">
+            <p:seq concurrent="1" nextAc="seek">
+              <p:cTn id="2" dur="indefinite" nodeType="mainSeq">
                 <p:childTnLst>
                   <p:par>
                     <p:cTn id="3" fill="hold">
@@ -29638,345 +32586,20 @@
                             </p:stCondLst>
                             <p:childTnLst>
                               <p:par>
-                                <p:cTn id="5" presetID="2" presetClass="entr" presetSubtype="1" fill="hold" grpId="0" nodeType="afterEffect">
-                                  <p:stCondLst>
-                                    <p:cond delay="0"/>
-                                  </p:stCondLst>
-                                  <p:iterate>
-                                    <p:tmAbs val="0"/>
-                                  </p:iterate>
-                                  <p:childTnLst>
-                                    <p:set>
-                                      <p:cBhvr>
-                                        <p:cTn id="6" fill="hold"/>
-                                        <p:tgtEl>
-                                          <p:spTgt spid="296"/>
-                                        </p:tgtEl>
-                                        <p:attrNameLst>
-                                          <p:attrName>style.visibility</p:attrName>
-                                        </p:attrNameLst>
-                                      </p:cBhvr>
-                                      <p:to>
-                                        <p:strVal val="visible"/>
-                                      </p:to>
-                                    </p:set>
-                                    <p:anim calcmode="lin" valueType="num">
-                                      <p:cBhvr>
-                                        <p:cTn id="7" dur="1000" fill="hold"/>
-                                        <p:tgtEl>
-                                          <p:spTgt spid="296"/>
-                                        </p:tgtEl>
-                                        <p:attrNameLst>
-                                          <p:attrName>ppt_x</p:attrName>
-                                        </p:attrNameLst>
-                                      </p:cBhvr>
-                                      <p:tavLst>
-                                        <p:tav tm="0">
-                                          <p:val>
-                                            <p:strVal val="#ppt_x"/>
-                                          </p:val>
-                                        </p:tav>
-                                        <p:tav tm="100000">
-                                          <p:val>
-                                            <p:strVal val="#ppt_x"/>
-                                          </p:val>
-                                        </p:tav>
-                                      </p:tavLst>
-                                    </p:anim>
-                                    <p:anim calcmode="lin" valueType="num">
-                                      <p:cBhvr>
-                                        <p:cTn id="8" dur="1000" fill="hold"/>
-                                        <p:tgtEl>
-                                          <p:spTgt spid="296"/>
-                                        </p:tgtEl>
-                                        <p:attrNameLst>
-                                          <p:attrName>ppt_y</p:attrName>
-                                        </p:attrNameLst>
-                                      </p:cBhvr>
-                                      <p:tavLst>
-                                        <p:tav tm="0">
-                                          <p:val>
-                                            <p:strVal val="0-#ppt_h/2"/>
-                                          </p:val>
-                                        </p:tav>
-                                        <p:tav tm="100000">
-                                          <p:val>
-                                            <p:strVal val="#ppt_y"/>
-                                          </p:val>
-                                        </p:tav>
-                                      </p:tavLst>
-                                    </p:anim>
-                                  </p:childTnLst>
-                                </p:cTn>
-                              </p:par>
-                            </p:childTnLst>
-                          </p:cTn>
-                        </p:par>
-                        <p:par>
-                          <p:cTn id="9" fill="hold">
-                            <p:stCondLst>
-                              <p:cond delay="1000"/>
-                            </p:stCondLst>
-                            <p:childTnLst>
-                              <p:par>
-                                <p:cTn id="10" presetID="9" presetClass="entr" fill="hold" grpId="0" nodeType="afterEffect">
-                                  <p:stCondLst>
-                                    <p:cond delay="0"/>
-                                  </p:stCondLst>
-                                  <p:iterate>
-                                    <p:tmAbs val="0"/>
-                                  </p:iterate>
-                                  <p:childTnLst>
-                                    <p:set>
-                                      <p:cBhvr>
-                                        <p:cTn id="11" fill="hold"/>
-                                        <p:tgtEl>
-                                          <p:spTgt spid="295"/>
-                                        </p:tgtEl>
-                                        <p:attrNameLst>
-                                          <p:attrName>style.visibility</p:attrName>
-                                        </p:attrNameLst>
-                                      </p:cBhvr>
-                                      <p:to>
-                                        <p:strVal val="visible"/>
-                                      </p:to>
-                                    </p:set>
-                                    <p:animEffect transition="in" filter="dissolve">
-                                      <p:cBhvr>
-                                        <p:cTn id="12" dur="1000"/>
-                                        <p:tgtEl>
-                                          <p:spTgt spid="295"/>
-                                        </p:tgtEl>
-                                      </p:cBhvr>
-                                    </p:animEffect>
-                                  </p:childTnLst>
-                                </p:cTn>
-                              </p:par>
-                            </p:childTnLst>
-                          </p:cTn>
-                        </p:par>
-                        <p:par>
-                          <p:cTn id="13" fill="hold">
-                            <p:stCondLst>
-                              <p:cond delay="2000"/>
-                            </p:stCondLst>
-                            <p:childTnLst>
-                              <p:par>
-                                <p:cTn id="14" presetID="2" presetClass="entr" presetSubtype="4" fill="hold" grpId="0" nodeType="afterEffect">
-                                  <p:stCondLst>
-                                    <p:cond delay="0"/>
-                                  </p:stCondLst>
-                                  <p:iterate>
-                                    <p:tmAbs val="0"/>
-                                  </p:iterate>
-                                  <p:childTnLst>
-                                    <p:set>
-                                      <p:cBhvr>
-                                        <p:cTn id="15" fill="hold"/>
-                                        <p:tgtEl>
-                                          <p:spTgt spid="297"/>
-                                        </p:tgtEl>
-                                        <p:attrNameLst>
-                                          <p:attrName>style.visibility</p:attrName>
-                                        </p:attrNameLst>
-                                      </p:cBhvr>
-                                      <p:to>
-                                        <p:strVal val="visible"/>
-                                      </p:to>
-                                    </p:set>
-                                    <p:anim calcmode="lin" valueType="num">
-                                      <p:cBhvr>
-                                        <p:cTn id="16" dur="1000" fill="hold"/>
-                                        <p:tgtEl>
-                                          <p:spTgt spid="297"/>
-                                        </p:tgtEl>
-                                        <p:attrNameLst>
-                                          <p:attrName>ppt_x</p:attrName>
-                                        </p:attrNameLst>
-                                      </p:cBhvr>
-                                      <p:tavLst>
-                                        <p:tav tm="0">
-                                          <p:val>
-                                            <p:strVal val="#ppt_x"/>
-                                          </p:val>
-                                        </p:tav>
-                                        <p:tav tm="100000">
-                                          <p:val>
-                                            <p:strVal val="#ppt_x"/>
-                                          </p:val>
-                                        </p:tav>
-                                      </p:tavLst>
-                                    </p:anim>
-                                    <p:anim calcmode="lin" valueType="num">
-                                      <p:cBhvr>
-                                        <p:cTn id="17" dur="1000" fill="hold"/>
-                                        <p:tgtEl>
-                                          <p:spTgt spid="297"/>
-                                        </p:tgtEl>
-                                        <p:attrNameLst>
-                                          <p:attrName>ppt_y</p:attrName>
-                                        </p:attrNameLst>
-                                      </p:cBhvr>
-                                      <p:tavLst>
-                                        <p:tav tm="0">
-                                          <p:val>
-                                            <p:strVal val="1+#ppt_h/2"/>
-                                          </p:val>
-                                        </p:tav>
-                                        <p:tav tm="100000">
-                                          <p:val>
-                                            <p:strVal val="#ppt_y"/>
-                                          </p:val>
-                                        </p:tav>
-                                      </p:tavLst>
-                                    </p:anim>
-                                  </p:childTnLst>
-                                </p:cTn>
-                              </p:par>
-                            </p:childTnLst>
-                          </p:cTn>
-                        </p:par>
-                        <p:par>
-                          <p:cTn id="18" fill="hold">
-                            <p:stCondLst>
-                              <p:cond delay="3000"/>
-                            </p:stCondLst>
-                            <p:childTnLst>
-                              <p:par>
-                                <p:cTn id="19" presetID="9" presetClass="entr" fill="hold" grpId="0" nodeType="afterEffect">
-                                  <p:stCondLst>
-                                    <p:cond delay="0"/>
-                                  </p:stCondLst>
-                                  <p:iterate>
-                                    <p:tmAbs val="0"/>
-                                  </p:iterate>
-                                  <p:childTnLst>
-                                    <p:set>
-                                      <p:cBhvr>
-                                        <p:cTn id="20" fill="hold"/>
-                                        <p:tgtEl>
-                                          <p:spTgt spid="299"/>
-                                        </p:tgtEl>
-                                        <p:attrNameLst>
-                                          <p:attrName>style.visibility</p:attrName>
-                                        </p:attrNameLst>
-                                      </p:cBhvr>
-                                      <p:to>
-                                        <p:strVal val="visible"/>
-                                      </p:to>
-                                    </p:set>
-                                    <p:animEffect transition="in" filter="dissolve">
-                                      <p:cBhvr>
-                                        <p:cTn id="21" dur="500"/>
-                                        <p:tgtEl>
-                                          <p:spTgt spid="299"/>
-                                        </p:tgtEl>
-                                      </p:cBhvr>
-                                    </p:animEffect>
-                                  </p:childTnLst>
-                                </p:cTn>
-                              </p:par>
-                            </p:childTnLst>
-                          </p:cTn>
-                        </p:par>
-                        <p:par>
-                          <p:cTn id="22" fill="hold">
-                            <p:stCondLst>
-                              <p:cond delay="3500"/>
-                            </p:stCondLst>
-                            <p:childTnLst>
-                              <p:par>
-                                <p:cTn id="23" presetID="22" presetClass="entr" presetSubtype="8" fill="hold" grpId="0" nodeType="afterEffect">
-                                  <p:stCondLst>
-                                    <p:cond delay="0"/>
-                                  </p:stCondLst>
-                                  <p:iterate>
-                                    <p:tmAbs val="0"/>
-                                  </p:iterate>
-                                  <p:childTnLst>
-                                    <p:set>
-                                      <p:cBhvr>
-                                        <p:cTn id="24" fill="hold"/>
-                                        <p:tgtEl>
-                                          <p:spTgt spid="300"/>
-                                        </p:tgtEl>
-                                        <p:attrNameLst>
-                                          <p:attrName>style.visibility</p:attrName>
-                                        </p:attrNameLst>
-                                      </p:cBhvr>
-                                      <p:to>
-                                        <p:strVal val="visible"/>
-                                      </p:to>
-                                    </p:set>
-                                    <p:animEffect transition="in" filter="wipe(left)">
-                                      <p:cBhvr>
-                                        <p:cTn id="25" dur="500"/>
-                                        <p:tgtEl>
-                                          <p:spTgt spid="300"/>
-                                        </p:tgtEl>
-                                      </p:cBhvr>
-                                    </p:animEffect>
-                                  </p:childTnLst>
-                                </p:cTn>
-                              </p:par>
-                            </p:childTnLst>
-                          </p:cTn>
-                        </p:par>
-                        <p:par>
-                          <p:cTn id="26" fill="hold">
-                            <p:stCondLst>
-                              <p:cond delay="4000"/>
-                            </p:stCondLst>
-                            <p:childTnLst>
-                              <p:par>
-                                <p:cTn id="27" presetID="22" presetClass="entr" presetSubtype="1" fill="hold" grpId="0" nodeType="afterEffect">
-                                  <p:stCondLst>
-                                    <p:cond delay="0"/>
-                                  </p:stCondLst>
-                                  <p:iterate>
-                                    <p:tmAbs val="0"/>
-                                  </p:iterate>
-                                  <p:childTnLst>
-                                    <p:set>
-                                      <p:cBhvr>
-                                        <p:cTn id="28" fill="hold"/>
-                                        <p:tgtEl>
-                                          <p:spTgt spid="298"/>
-                                        </p:tgtEl>
-                                        <p:attrNameLst>
-                                          <p:attrName>style.visibility</p:attrName>
-                                        </p:attrNameLst>
-                                      </p:cBhvr>
-                                      <p:to>
-                                        <p:strVal val="visible"/>
-                                      </p:to>
-                                    </p:set>
-                                    <p:animEffect transition="in" filter="wipe(up)">
-                                      <p:cBhvr>
-                                        <p:cTn id="29" dur="1000"/>
-                                        <p:tgtEl>
-                                          <p:spTgt spid="298"/>
-                                        </p:tgtEl>
-                                      </p:cBhvr>
-                                    </p:animEffect>
-                                  </p:childTnLst>
-                                </p:cTn>
-                              </p:par>
-                              <p:par>
-                                <p:cTn id="30" presetID="10" presetClass="entr" presetSubtype="0" fill="hold" nodeType="withEffect">
+                                <p:cTn id="5" presetID="10" presetClass="entr" presetSubtype="0" fill="hold" nodeType="withEffect">
                                   <p:stCondLst>
                                     <p:cond delay="0"/>
                                   </p:stCondLst>
                                   <p:childTnLst>
                                     <p:set>
                                       <p:cBhvr>
-                                        <p:cTn id="31" dur="1" fill="hold">
+                                        <p:cTn id="6" dur="1" fill="hold">
                                           <p:stCondLst>
                                             <p:cond delay="0"/>
                                           </p:stCondLst>
                                         </p:cTn>
                                         <p:tgtEl>
-                                          <p:spTgt spid="8"/>
+                                          <p:spTgt spid="3"/>
                                         </p:tgtEl>
                                         <p:attrNameLst>
                                           <p:attrName>style.visibility</p:attrName>
@@ -29988,9 +32611,9 @@
                                     </p:set>
                                     <p:animEffect transition="in" filter="fade">
                                       <p:cBhvr>
-                                        <p:cTn id="32" dur="1000"/>
-                                        <p:tgtEl>
-                                          <p:spTgt spid="8"/>
+                                        <p:cTn id="7" dur="1000"/>
+                                        <p:tgtEl>
+                                          <p:spTgt spid="3"/>
                                         </p:tgtEl>
                                       </p:cBhvr>
                                     </p:animEffect>
@@ -30024,19 +32647,11 @@
         </p:cTn>
       </p:par>
     </p:tnLst>
-    <p:bldLst>
-      <p:bldP spid="295" grpId="0" animBg="1" advAuto="0"/>
-      <p:bldP spid="296" grpId="0" animBg="1" advAuto="0"/>
-      <p:bldP spid="297" grpId="0" animBg="1" advAuto="0"/>
-      <p:bldP spid="298" grpId="0" animBg="1" advAuto="0"/>
-      <p:bldP spid="299" grpId="0" animBg="1" advAuto="0"/>
-      <p:bldP spid="300" grpId="0" animBg="1" advAuto="0"/>
-    </p:bldLst>
   </p:timing>
 </p:sld>
 </file>
 
-<file path=ppt/slides/slide40.xml><?xml version="1.0" encoding="utf-8"?>
+<file path=ppt/slides/slide45.xml><?xml version="1.0" encoding="utf-8"?>
 <p:sld xmlns:a="http://schemas.openxmlformats.org/drawingml/2006/main" xmlns:r="http://schemas.openxmlformats.org/officeDocument/2006/relationships" xmlns:p="http://schemas.openxmlformats.org/presentationml/2006/main">
   <p:cSld>
     <p:spTree>
@@ -30108,7 +32723,7 @@
           </a:ln>
           <a:extLst>
             <a:ext uri="{C572A759-6A51-4108-AA02-DFA0A04FC94B}">
-              <ma14:wrappingTextBoxFlag xmlns="" xmlns:ma14="http://schemas.microsoft.com/office/mac/drawingml/2011/main" val="1"/>
+              <ma14:wrappingTextBoxFlag xmlns:ma14="http://schemas.microsoft.com/office/mac/drawingml/2011/main" xmlns="" val="1"/>
             </a:ext>
           </a:extLst>
         </p:spPr>
@@ -30276,7 +32891,7 @@
           </a:ln>
           <a:extLst>
             <a:ext uri="{C572A759-6A51-4108-AA02-DFA0A04FC94B}">
-              <ma14:wrappingTextBoxFlag xmlns="" xmlns:ma14="http://schemas.microsoft.com/office/mac/drawingml/2011/main" val="1"/>
+              <ma14:wrappingTextBoxFlag xmlns:ma14="http://schemas.microsoft.com/office/mac/drawingml/2011/main" xmlns="" val="1"/>
             </a:ext>
           </a:extLst>
         </p:spPr>
@@ -30335,7 +32950,7 @@
           </a:ln>
           <a:extLst>
             <a:ext uri="{C572A759-6A51-4108-AA02-DFA0A04FC94B}">
-              <ma14:wrappingTextBoxFlag xmlns="" xmlns:ma14="http://schemas.microsoft.com/office/mac/drawingml/2011/main" val="1"/>
+              <ma14:wrappingTextBoxFlag xmlns:ma14="http://schemas.microsoft.com/office/mac/drawingml/2011/main" xmlns="" val="1"/>
             </a:ext>
           </a:extLst>
         </p:spPr>
@@ -30410,7 +33025,7 @@
         <p15:prstTrans prst="pageCurlDouble"/>
       </p:transition>
     </mc:Choice>
-    <mc:Choice xmlns="" xmlns:p14="http://schemas.microsoft.com/office/powerpoint/2010/main" Requires="p14">
+    <mc:Choice xmlns:p14="http://schemas.microsoft.com/office/powerpoint/2010/main" xmlns="" Requires="p14">
       <p:transition spd="slow" advClick="1" p14:dur="1200">
         <p14:prism dir="d"/>
       </p:transition>
@@ -31197,7 +33812,7 @@
           </a:ln>
           <a:extLst>
             <a:ext uri="{C572A759-6A51-4108-AA02-DFA0A04FC94B}">
-              <ma14:wrappingTextBoxFlag xmlns="" xmlns:ma14="http://schemas.microsoft.com/office/mac/drawingml/2011/main" val="1"/>
+              <ma14:wrappingTextBoxFlag xmlns:ma14="http://schemas.microsoft.com/office/mac/drawingml/2011/main" xmlns="" val="1"/>
             </a:ext>
           </a:extLst>
         </p:spPr>
@@ -31384,7 +33999,7 @@
           </a:ln>
           <a:extLst>
             <a:ext uri="{C572A759-6A51-4108-AA02-DFA0A04FC94B}">
-              <ma14:wrappingTextBoxFlag xmlns="" xmlns:ma14="http://schemas.microsoft.com/office/mac/drawingml/2011/main" val="1"/>
+              <ma14:wrappingTextBoxFlag xmlns:ma14="http://schemas.microsoft.com/office/mac/drawingml/2011/main" xmlns="" val="1"/>
             </a:ext>
           </a:extLst>
         </p:spPr>
@@ -32103,7 +34718,7 @@
           </a:ln>
           <a:extLst>
             <a:ext uri="{C572A759-6A51-4108-AA02-DFA0A04FC94B}">
-              <ma14:wrappingTextBoxFlag xmlns="" xmlns:ma14="http://schemas.microsoft.com/office/mac/drawingml/2011/main" val="1"/>
+              <ma14:wrappingTextBoxFlag xmlns:ma14="http://schemas.microsoft.com/office/mac/drawingml/2011/main" xmlns="" val="1"/>
             </a:ext>
           </a:extLst>
         </p:spPr>
@@ -32311,7 +34926,7 @@
           </a:ln>
           <a:extLst>
             <a:ext uri="{C572A759-6A51-4108-AA02-DFA0A04FC94B}">
-              <ma14:wrappingTextBoxFlag xmlns="" xmlns:ma14="http://schemas.microsoft.com/office/mac/drawingml/2011/main" val="1"/>
+              <ma14:wrappingTextBoxFlag xmlns:ma14="http://schemas.microsoft.com/office/mac/drawingml/2011/main" xmlns="" val="1"/>
             </a:ext>
           </a:extLst>
         </p:spPr>
@@ -33012,7 +35627,7 @@
           </a:ln>
           <a:extLst>
             <a:ext uri="{C572A759-6A51-4108-AA02-DFA0A04FC94B}">
-              <ma14:wrappingTextBoxFlag xmlns="" xmlns:ma14="http://schemas.microsoft.com/office/mac/drawingml/2011/main" val="1"/>
+              <ma14:wrappingTextBoxFlag xmlns:ma14="http://schemas.microsoft.com/office/mac/drawingml/2011/main" xmlns="" val="1"/>
             </a:ext>
           </a:extLst>
         </p:spPr>
@@ -33060,7 +35675,7 @@
           </a:ln>
           <a:extLst>
             <a:ext uri="{C572A759-6A51-4108-AA02-DFA0A04FC94B}">
-              <ma14:wrappingTextBoxFlag xmlns="" xmlns:ma14="http://schemas.microsoft.com/office/mac/drawingml/2011/main" val="1"/>
+              <ma14:wrappingTextBoxFlag xmlns:ma14="http://schemas.microsoft.com/office/mac/drawingml/2011/main" xmlns="" val="1"/>
             </a:ext>
           </a:extLst>
         </p:spPr>
@@ -33633,7 +36248,7 @@
           </a:ln>
           <a:extLst>
             <a:ext uri="{C572A759-6A51-4108-AA02-DFA0A04FC94B}">
-              <ma14:wrappingTextBoxFlag xmlns="" xmlns:ma14="http://schemas.microsoft.com/office/mac/drawingml/2011/main" val="1"/>
+              <ma14:wrappingTextBoxFlag xmlns:ma14="http://schemas.microsoft.com/office/mac/drawingml/2011/main" xmlns="" val="1"/>
             </a:ext>
           </a:extLst>
         </p:spPr>
@@ -33723,7 +36338,7 @@
           </a:ln>
           <a:extLst>
             <a:ext uri="{C572A759-6A51-4108-AA02-DFA0A04FC94B}">
-              <ma14:wrappingTextBoxFlag xmlns="" xmlns:ma14="http://schemas.microsoft.com/office/mac/drawingml/2011/main" val="1"/>
+              <ma14:wrappingTextBoxFlag xmlns:ma14="http://schemas.microsoft.com/office/mac/drawingml/2011/main" xmlns="" val="1"/>
             </a:ext>
           </a:extLst>
         </p:spPr>
@@ -34668,7 +37283,7 @@
         <p15:prstTrans prst="pageCurlDouble"/>
       </p:transition>
     </mc:Choice>
-    <mc:Choice xmlns="" xmlns:p14="http://schemas.microsoft.com/office/powerpoint/2010/main" Requires="p14">
+    <mc:Choice xmlns:p14="http://schemas.microsoft.com/office/powerpoint/2010/main" xmlns="" Requires="p14">
       <p:transition spd="slow" advClick="0" advTm="4000" p14:dur="1200">
         <p14:prism dir="l"/>
       </p:transition>
@@ -35400,7 +38015,7 @@
           </a:ln>
           <a:extLst>
             <a:ext uri="{C572A759-6A51-4108-AA02-DFA0A04FC94B}">
-              <ma14:wrappingTextBoxFlag xmlns="" xmlns:ma14="http://schemas.microsoft.com/office/mac/drawingml/2011/main" val="1"/>
+              <ma14:wrappingTextBoxFlag xmlns:ma14="http://schemas.microsoft.com/office/mac/drawingml/2011/main" xmlns="" val="1"/>
             </a:ext>
           </a:extLst>
         </p:spPr>
@@ -35590,7 +38205,7 @@
           </a:ln>
           <a:extLst>
             <a:ext uri="{C572A759-6A51-4108-AA02-DFA0A04FC94B}">
-              <ma14:wrappingTextBoxFlag xmlns="" xmlns:ma14="http://schemas.microsoft.com/office/mac/drawingml/2011/main" val="1"/>
+              <ma14:wrappingTextBoxFlag xmlns:ma14="http://schemas.microsoft.com/office/mac/drawingml/2011/main" xmlns="" val="1"/>
             </a:ext>
           </a:extLst>
         </p:spPr>
